--- a/docs/local_present.pptx
+++ b/docs/local_present.pptx
@@ -7879,11 +7879,7 @@
             </a:pPr>
             <a:r>
               <a:rPr lang="en-US" sz="2400" dirty="0"/>
-              <a:t>a lightweight location calculation language, designed to elegantly solve problems in a specific domain: those involving two-dimensional geospatial coordinates</a:t>
-            </a:r>
-            <a:r>
-              <a:rPr lang="en-US" sz="2400" dirty="0"/>
-              <a:t> </a:t>
+              <a:t>a lightweight location calculation language, designed to elegantly solve problems in a specific domain: those involving two-dimensional geospatial coordinates </a:t>
             </a:r>
             <a:endParaRPr lang="en-US" sz="2400" dirty="0" smtClean="0"/>
           </a:p>
@@ -7912,7 +7908,6 @@
               <a:rPr lang="en-US" sz="2400" dirty="0" smtClean="0"/>
               <a:t>Simplify ground navigation programming</a:t>
             </a:r>
-            <a:endParaRPr lang="en-US" sz="2400" dirty="0" smtClean="0"/>
           </a:p>
           <a:p>
             <a:r>
@@ -7948,11 +7943,7 @@
           <a:p>
             <a:r>
               <a:rPr lang="en-US" sz="2400" dirty="0"/>
-              <a:t>a simple, fast, safe, robust and extensible language</a:t>
-            </a:r>
-            <a:r>
-              <a:rPr lang="en-US" sz="2400" dirty="0"/>
-              <a:t> </a:t>
+              <a:t>a simple, fast, safe, robust and extensible language </a:t>
             </a:r>
           </a:p>
         </p:txBody>
@@ -8044,7 +8035,7 @@
           <a:p>
             <a:r>
               <a:rPr lang="en-US" dirty="0" smtClean="0"/>
-              <a:t>Problem Statement</a:t>
+              <a:t>Motivating Example Programs</a:t>
             </a:r>
             <a:endParaRPr lang="en-US" dirty="0"/>
           </a:p>
@@ -8065,7 +8056,45 @@
           <a:bodyPr/>
           <a:lstStyle/>
           <a:p>
-            <a:endParaRPr lang="en-US"/>
+            <a:pPr marL="514350" indent="-514350">
+              <a:buFont typeface="+mj-lt"/>
+              <a:buAutoNum type="arabicPeriod"/>
+            </a:pPr>
+            <a:r>
+              <a:rPr lang="en-US" dirty="0" smtClean="0"/>
+              <a:t>Calculate distance between two coordinates given different input formats</a:t>
+            </a:r>
+          </a:p>
+          <a:p>
+            <a:pPr marL="514350" indent="-514350">
+              <a:buFont typeface="+mj-lt"/>
+              <a:buAutoNum type="arabicPeriod"/>
+            </a:pPr>
+            <a:r>
+              <a:rPr lang="en-US" dirty="0" smtClean="0"/>
+              <a:t>Find points within a given radius</a:t>
+            </a:r>
+          </a:p>
+          <a:p>
+            <a:pPr marL="514350" indent="-514350">
+              <a:buFont typeface="+mj-lt"/>
+              <a:buAutoNum type="arabicPeriod"/>
+            </a:pPr>
+            <a:r>
+              <a:rPr lang="en-US" dirty="0" smtClean="0"/>
+              <a:t>Find the closest point that satisfies a given attribute</a:t>
+            </a:r>
+          </a:p>
+          <a:p>
+            <a:pPr marL="514350" indent="-514350">
+              <a:buFont typeface="+mj-lt"/>
+              <a:buAutoNum type="arabicPeriod"/>
+            </a:pPr>
+            <a:r>
+              <a:rPr lang="en-US" dirty="0" smtClean="0"/>
+              <a:t>Find all points within a given radius that satisfy a given attribute</a:t>
+            </a:r>
+            <a:endParaRPr lang="en-US" dirty="0"/>
           </a:p>
         </p:txBody>
       </p:sp>

--- a/docs/local_present.pptx
+++ b/docs/local_present.pptx
@@ -869,6 +869,13 @@
     <dgm:pt modelId="{78A1E8F4-D03D-CF48-8943-6DE58C206D5A}" type="doc">
       <dgm:prSet loTypeId="urn:microsoft.com/office/officeart/2005/8/layout/arrow2" loCatId="" qsTypeId="urn:microsoft.com/office/officeart/2005/8/quickstyle/simple4" qsCatId="simple" csTypeId="urn:microsoft.com/office/officeart/2005/8/colors/accent1_2" csCatId="accent1" phldr="1"/>
       <dgm:spPr/>
+      <dgm:t>
+        <a:bodyPr/>
+        <a:lstStyle/>
+        <a:p>
+          <a:endParaRPr lang="en-US"/>
+        </a:p>
+      </dgm:t>
     </dgm:pt>
     <dgm:pt modelId="{F74E1E6B-6207-4C49-8AA0-22A4F15A5057}">
       <dgm:prSet phldrT="[Text]" custT="1"/>
@@ -1041,7 +1048,7 @@
       <dgm:spPr/>
     </dgm:pt>
     <dgm:pt modelId="{FC1CBA4E-6E2F-EE48-861D-3EDED8DB6870}" type="pres">
-      <dgm:prSet presAssocID="{F74E1E6B-6207-4C49-8AA0-22A4F15A5057}" presName="textBox4a" presStyleLbl="revTx" presStyleIdx="0" presStyleCnt="4" custLinFactNeighborX="-69586" custLinFactNeighborY="-46663">
+      <dgm:prSet presAssocID="{F74E1E6B-6207-4C49-8AA0-22A4F15A5057}" presName="textBox4a" presStyleLbl="revTx" presStyleIdx="0" presStyleCnt="4" custLinFactNeighborX="-72844" custLinFactNeighborY="-14832">
         <dgm:presLayoutVars>
           <dgm:bulletEnabled val="1"/>
         </dgm:presLayoutVars>
@@ -1056,11 +1063,18 @@
       </dgm:t>
     </dgm:pt>
     <dgm:pt modelId="{4E795342-5CEB-254F-93C0-F21C37FBF700}" type="pres">
-      <dgm:prSet presAssocID="{40C8586C-B50B-0645-AD8E-8CB09C38AECA}" presName="bullet4b" presStyleLbl="node1" presStyleIdx="1" presStyleCnt="4" custLinFactX="-98312" custLinFactNeighborX="-100000" custLinFactNeighborY="-90893"/>
+      <dgm:prSet presAssocID="{40C8586C-B50B-0645-AD8E-8CB09C38AECA}" presName="bullet4b" presStyleLbl="node1" presStyleIdx="1" presStyleCnt="4" custLinFactX="-193304" custLinFactNeighborX="-200000" custLinFactNeighborY="41406"/>
       <dgm:spPr/>
+      <dgm:t>
+        <a:bodyPr/>
+        <a:lstStyle/>
+        <a:p>
+          <a:endParaRPr lang="en-US"/>
+        </a:p>
+      </dgm:t>
     </dgm:pt>
     <dgm:pt modelId="{8A30EBEC-BCB4-5F4D-B7DF-22527C033D70}" type="pres">
-      <dgm:prSet presAssocID="{40C8586C-B50B-0645-AD8E-8CB09C38AECA}" presName="textBox4b" presStyleLbl="revTx" presStyleIdx="1" presStyleCnt="4" custLinFactNeighborX="-33054" custLinFactNeighborY="-24297">
+      <dgm:prSet presAssocID="{40C8586C-B50B-0645-AD8E-8CB09C38AECA}" presName="textBox4b" presStyleLbl="revTx" presStyleIdx="1" presStyleCnt="4" custLinFactNeighborX="-72848" custLinFactNeighborY="-11620">
         <dgm:presLayoutVars>
           <dgm:bulletEnabled val="1"/>
         </dgm:presLayoutVars>
@@ -1075,11 +1089,11 @@
       </dgm:t>
     </dgm:pt>
     <dgm:pt modelId="{1F362D53-1775-5B45-A19E-0CEA8694CFFA}" type="pres">
-      <dgm:prSet presAssocID="{E90090C8-5943-F040-9633-B1B97AE23E5D}" presName="bullet4c" presStyleLbl="node1" presStyleIdx="2" presStyleCnt="4" custLinFactNeighborX="74838" custLinFactNeighborY="-16929"/>
+      <dgm:prSet presAssocID="{E90090C8-5943-F040-9633-B1B97AE23E5D}" presName="bullet4c" presStyleLbl="node1" presStyleIdx="2" presStyleCnt="4" custLinFactX="100000" custLinFactNeighborX="127258" custLinFactNeighborY="-22410"/>
       <dgm:spPr/>
     </dgm:pt>
     <dgm:pt modelId="{F3C5ACA4-15AE-564E-83B5-CFFBDB844666}" type="pres">
-      <dgm:prSet presAssocID="{E90090C8-5943-F040-9633-B1B97AE23E5D}" presName="textBox4c" presStyleLbl="revTx" presStyleIdx="2" presStyleCnt="4" custLinFactNeighborX="25184" custLinFactNeighborY="-9184">
+      <dgm:prSet presAssocID="{E90090C8-5943-F040-9633-B1B97AE23E5D}" presName="textBox4c" presStyleLbl="revTx" presStyleIdx="2" presStyleCnt="4" custScaleY="82523" custLinFactNeighborX="59669" custLinFactNeighborY="-14943">
         <dgm:presLayoutVars>
           <dgm:bulletEnabled val="1"/>
         </dgm:presLayoutVars>
@@ -1098,7 +1112,7 @@
       <dgm:spPr/>
     </dgm:pt>
     <dgm:pt modelId="{4A2DFF65-509A-544C-9393-D04075A243CD}" type="pres">
-      <dgm:prSet presAssocID="{BE88FEAD-BFE7-E34C-BCF5-4BA41C0939D4}" presName="textBox4d" presStyleLbl="revTx" presStyleIdx="3" presStyleCnt="4" custScaleX="150419" custScaleY="92625" custLinFactNeighborX="80274" custLinFactNeighborY="3688">
+      <dgm:prSet presAssocID="{BE88FEAD-BFE7-E34C-BCF5-4BA41C0939D4}" presName="textBox4d" presStyleLbl="revTx" presStyleIdx="3" presStyleCnt="4" custScaleX="150419" custScaleY="81697" custLinFactNeighborX="79017" custLinFactNeighborY="-6370">
         <dgm:presLayoutVars>
           <dgm:bulletEnabled val="1"/>
         </dgm:presLayoutVars>
@@ -1114,15 +1128,15 @@
     </dgm:pt>
   </dgm:ptLst>
   <dgm:cxnLst>
-    <dgm:cxn modelId="{632C7F91-17B3-EC43-8D9F-BEDA457231F2}" srcId="{78A1E8F4-D03D-CF48-8943-6DE58C206D5A}" destId="{E90090C8-5943-F040-9633-B1B97AE23E5D}" srcOrd="2" destOrd="0" parTransId="{2FA0ADF9-CDA9-554C-8E99-FF053E5DA4CC}" sibTransId="{5E64DACA-D4B3-264A-BBD0-E39BE5657CE2}"/>
+    <dgm:cxn modelId="{CAE30B11-CC2A-154F-8816-60E1EA34C7C5}" type="presOf" srcId="{F74E1E6B-6207-4C49-8AA0-22A4F15A5057}" destId="{FC1CBA4E-6E2F-EE48-861D-3EDED8DB6870}" srcOrd="0" destOrd="0" presId="urn:microsoft.com/office/officeart/2005/8/layout/arrow2"/>
+    <dgm:cxn modelId="{14286A4A-3840-3A4A-9C4F-3CAE3CC8677B}" type="presOf" srcId="{78A1E8F4-D03D-CF48-8943-6DE58C206D5A}" destId="{04A6350A-5479-734D-B89B-58D612C6A7CF}" srcOrd="0" destOrd="0" presId="urn:microsoft.com/office/officeart/2005/8/layout/arrow2"/>
     <dgm:cxn modelId="{9B8B400C-3478-EC45-AE8F-FD6185D62D6E}" srcId="{78A1E8F4-D03D-CF48-8943-6DE58C206D5A}" destId="{F74E1E6B-6207-4C49-8AA0-22A4F15A5057}" srcOrd="0" destOrd="0" parTransId="{7FE7242A-A03D-284D-9AAC-989494308C86}" sibTransId="{AB09869F-DD0F-5744-AF56-BD66C760C450}"/>
-    <dgm:cxn modelId="{B12CC9F1-F25C-324B-9821-8FDFE7DCFC59}" srcId="{78A1E8F4-D03D-CF48-8943-6DE58C206D5A}" destId="{BE88FEAD-BFE7-E34C-BCF5-4BA41C0939D4}" srcOrd="3" destOrd="0" parTransId="{BEDDEB86-AD04-B449-92C3-631EF3DAB54E}" sibTransId="{809877BC-99BF-F541-8046-500E2E05F0AD}"/>
-    <dgm:cxn modelId="{CAE30B11-CC2A-154F-8816-60E1EA34C7C5}" type="presOf" srcId="{F74E1E6B-6207-4C49-8AA0-22A4F15A5057}" destId="{FC1CBA4E-6E2F-EE48-861D-3EDED8DB6870}" srcOrd="0" destOrd="0" presId="urn:microsoft.com/office/officeart/2005/8/layout/arrow2"/>
     <dgm:cxn modelId="{FAD75357-6883-9246-B989-F0EAC5059462}" type="presOf" srcId="{BE88FEAD-BFE7-E34C-BCF5-4BA41C0939D4}" destId="{4A2DFF65-509A-544C-9393-D04075A243CD}" srcOrd="0" destOrd="0" presId="urn:microsoft.com/office/officeart/2005/8/layout/arrow2"/>
     <dgm:cxn modelId="{E512AC72-1457-444A-8463-06B229732841}" srcId="{78A1E8F4-D03D-CF48-8943-6DE58C206D5A}" destId="{40C8586C-B50B-0645-AD8E-8CB09C38AECA}" srcOrd="1" destOrd="0" parTransId="{4324FEA0-05B9-A949-9C16-54BD0AFE50B1}" sibTransId="{016AD713-C304-014B-A008-BAEA553254F5}"/>
+    <dgm:cxn modelId="{632C7F91-17B3-EC43-8D9F-BEDA457231F2}" srcId="{78A1E8F4-D03D-CF48-8943-6DE58C206D5A}" destId="{E90090C8-5943-F040-9633-B1B97AE23E5D}" srcOrd="2" destOrd="0" parTransId="{2FA0ADF9-CDA9-554C-8E99-FF053E5DA4CC}" sibTransId="{5E64DACA-D4B3-264A-BBD0-E39BE5657CE2}"/>
+    <dgm:cxn modelId="{833818DA-5101-BA48-B94A-D284ED81F244}" type="presOf" srcId="{E90090C8-5943-F040-9633-B1B97AE23E5D}" destId="{F3C5ACA4-15AE-564E-83B5-CFFBDB844666}" srcOrd="0" destOrd="0" presId="urn:microsoft.com/office/officeart/2005/8/layout/arrow2"/>
     <dgm:cxn modelId="{3C4E6C1D-1F8C-494E-B997-7BE74D54A3F4}" type="presOf" srcId="{40C8586C-B50B-0645-AD8E-8CB09C38AECA}" destId="{8A30EBEC-BCB4-5F4D-B7DF-22527C033D70}" srcOrd="0" destOrd="0" presId="urn:microsoft.com/office/officeart/2005/8/layout/arrow2"/>
-    <dgm:cxn modelId="{833818DA-5101-BA48-B94A-D284ED81F244}" type="presOf" srcId="{E90090C8-5943-F040-9633-B1B97AE23E5D}" destId="{F3C5ACA4-15AE-564E-83B5-CFFBDB844666}" srcOrd="0" destOrd="0" presId="urn:microsoft.com/office/officeart/2005/8/layout/arrow2"/>
-    <dgm:cxn modelId="{14286A4A-3840-3A4A-9C4F-3CAE3CC8677B}" type="presOf" srcId="{78A1E8F4-D03D-CF48-8943-6DE58C206D5A}" destId="{04A6350A-5479-734D-B89B-58D612C6A7CF}" srcOrd="0" destOrd="0" presId="urn:microsoft.com/office/officeart/2005/8/layout/arrow2"/>
+    <dgm:cxn modelId="{B12CC9F1-F25C-324B-9821-8FDFE7DCFC59}" srcId="{78A1E8F4-D03D-CF48-8943-6DE58C206D5A}" destId="{BE88FEAD-BFE7-E34C-BCF5-4BA41C0939D4}" srcOrd="3" destOrd="0" parTransId="{BEDDEB86-AD04-B449-92C3-631EF3DAB54E}" sibTransId="{809877BC-99BF-F541-8046-500E2E05F0AD}"/>
     <dgm:cxn modelId="{65866AB4-D3ED-A548-894C-4B4A98D610BC}" type="presParOf" srcId="{04A6350A-5479-734D-B89B-58D612C6A7CF}" destId="{42224D65-0275-CB45-8546-C7B6A8995E25}" srcOrd="0" destOrd="0" presId="urn:microsoft.com/office/officeart/2005/8/layout/arrow2"/>
     <dgm:cxn modelId="{85E1247F-0FDD-2147-AA2A-22C8FCA6C6EC}" type="presParOf" srcId="{04A6350A-5479-734D-B89B-58D612C6A7CF}" destId="{81D78D91-6403-3E4F-9398-B2B69D4255E4}" srcOrd="1" destOrd="0" presId="urn:microsoft.com/office/officeart/2005/8/layout/arrow2"/>
     <dgm:cxn modelId="{4DD1DD6B-7A2F-984E-9F8D-D68054BCDA62}" type="presParOf" srcId="{81D78D91-6403-3E4F-9398-B2B69D4255E4}" destId="{12253921-DF7F-164A-ACD8-7BFE2B59D4EA}" srcOrd="0" destOrd="0" presId="urn:microsoft.com/office/officeart/2005/8/layout/arrow2"/>
@@ -1274,7 +1288,7 @@
       </dsp:nvSpPr>
       <dsp:spPr>
         <a:xfrm>
-          <a:off x="1831242" y="2084255"/>
+          <a:off x="1802700" y="2326825"/>
           <a:ext cx="876041" cy="762053"/>
         </a:xfrm>
         <a:prstGeom prst="rect">
@@ -1323,7 +1337,7 @@
         </a:p>
       </dsp:txBody>
       <dsp:txXfrm>
-        <a:off x="1831242" y="2084255"/>
+        <a:off x="1802700" y="2326825"/>
         <a:ext cx="876041" cy="762053"/>
       </dsp:txXfrm>
     </dsp:sp>
@@ -1334,7 +1348,7 @@
       </dsp:nvSpPr>
       <dsp:spPr>
         <a:xfrm>
-          <a:off x="2808040" y="1449914"/>
+          <a:off x="2408458" y="1721024"/>
           <a:ext cx="204922" cy="204922"/>
         </a:xfrm>
         <a:prstGeom prst="ellipse">
@@ -1400,7 +1414,7 @@
       </dsp:nvSpPr>
       <dsp:spPr>
         <a:xfrm>
-          <a:off x="2961277" y="1383104"/>
+          <a:off x="2533157" y="1568603"/>
           <a:ext cx="1075840" cy="1463271"/>
         </a:xfrm>
         <a:prstGeom prst="rect">
@@ -1449,7 +1463,7 @@
         </a:p>
       </dsp:txBody>
       <dsp:txXfrm>
-        <a:off x="2961277" y="1383104"/>
+        <a:off x="2533157" y="1568603"/>
         <a:ext cx="1075840" cy="1463271"/>
       </dsp:txXfrm>
     </dsp:sp>
@@ -1460,7 +1474,7 @@
       </dsp:nvSpPr>
       <dsp:spPr>
         <a:xfrm>
-          <a:off x="4480659" y="1041401"/>
+          <a:off x="4894513" y="1026519"/>
           <a:ext cx="271521" cy="271521"/>
         </a:xfrm>
         <a:prstGeom prst="ellipse">
@@ -1526,8 +1540,8 @@
       </dsp:nvSpPr>
       <dsp:spPr>
         <a:xfrm>
-          <a:off x="4684158" y="1041397"/>
-          <a:ext cx="1075840" cy="1978778"/>
+          <a:off x="5055162" y="1100355"/>
+          <a:ext cx="1075840" cy="1632947"/>
         </a:xfrm>
         <a:prstGeom prst="rect">
           <a:avLst/>
@@ -1575,8 +1589,8 @@
         </a:p>
       </dsp:txBody>
       <dsp:txXfrm>
-        <a:off x="4684158" y="1041397"/>
-        <a:ext cx="1075840" cy="1978778"/>
+        <a:off x="5055162" y="1100355"/>
+        <a:ext cx="1075840" cy="1632947"/>
       </dsp:txXfrm>
     </dsp:sp>
     <dsp:sp modelId="{C47A665F-D677-714D-B9DF-78EFBAC6EE07}">
@@ -1652,8 +1666,8 @@
       </dsp:nvSpPr>
       <dsp:spPr>
         <a:xfrm>
-          <a:off x="6209542" y="1075452"/>
-          <a:ext cx="1618268" cy="2126454"/>
+          <a:off x="6196019" y="969996"/>
+          <a:ext cx="1618268" cy="1875573"/>
         </a:xfrm>
         <a:prstGeom prst="rect">
           <a:avLst/>
@@ -1701,8 +1715,8 @@
         </a:p>
       </dsp:txBody>
       <dsp:txXfrm>
-        <a:off x="6209542" y="1075452"/>
-        <a:ext cx="1618268" cy="2126454"/>
+        <a:off x="6196019" y="969996"/>
+        <a:ext cx="1618268" cy="1875573"/>
       </dsp:txXfrm>
     </dsp:sp>
   </dsp:spTree>
@@ -4569,7 +4583,7 @@
           <a:p>
             <a:fld id="{12D17103-1748-4847-B931-A66DCC960259}" type="datetimeFigureOut">
               <a:rPr lang="en-US" smtClean="0"/>
-              <a:t>4/11/12</a:t>
+              <a:t>5/5/12</a:t>
             </a:fld>
             <a:endParaRPr lang="en-US"/>
           </a:p>
@@ -4739,7 +4753,7 @@
           <a:p>
             <a:fld id="{12D17103-1748-4847-B931-A66DCC960259}" type="datetimeFigureOut">
               <a:rPr lang="en-US" smtClean="0"/>
-              <a:t>4/11/12</a:t>
+              <a:t>5/5/12</a:t>
             </a:fld>
             <a:endParaRPr lang="en-US"/>
           </a:p>
@@ -4919,7 +4933,7 @@
           <a:p>
             <a:fld id="{12D17103-1748-4847-B931-A66DCC960259}" type="datetimeFigureOut">
               <a:rPr lang="en-US" smtClean="0"/>
-              <a:t>4/11/12</a:t>
+              <a:t>5/5/12</a:t>
             </a:fld>
             <a:endParaRPr lang="en-US"/>
           </a:p>
@@ -5089,7 +5103,7 @@
           <a:p>
             <a:fld id="{12D17103-1748-4847-B931-A66DCC960259}" type="datetimeFigureOut">
               <a:rPr lang="en-US" smtClean="0"/>
-              <a:t>4/11/12</a:t>
+              <a:t>5/5/12</a:t>
             </a:fld>
             <a:endParaRPr lang="en-US"/>
           </a:p>
@@ -5335,7 +5349,7 @@
           <a:p>
             <a:fld id="{12D17103-1748-4847-B931-A66DCC960259}" type="datetimeFigureOut">
               <a:rPr lang="en-US" smtClean="0"/>
-              <a:t>4/11/12</a:t>
+              <a:t>5/5/12</a:t>
             </a:fld>
             <a:endParaRPr lang="en-US"/>
           </a:p>
@@ -5623,7 +5637,7 @@
           <a:p>
             <a:fld id="{12D17103-1748-4847-B931-A66DCC960259}" type="datetimeFigureOut">
               <a:rPr lang="en-US" smtClean="0"/>
-              <a:t>4/11/12</a:t>
+              <a:t>5/5/12</a:t>
             </a:fld>
             <a:endParaRPr lang="en-US"/>
           </a:p>
@@ -6045,7 +6059,7 @@
           <a:p>
             <a:fld id="{12D17103-1748-4847-B931-A66DCC960259}" type="datetimeFigureOut">
               <a:rPr lang="en-US" smtClean="0"/>
-              <a:t>4/11/12</a:t>
+              <a:t>5/5/12</a:t>
             </a:fld>
             <a:endParaRPr lang="en-US"/>
           </a:p>
@@ -6163,7 +6177,7 @@
           <a:p>
             <a:fld id="{12D17103-1748-4847-B931-A66DCC960259}" type="datetimeFigureOut">
               <a:rPr lang="en-US" smtClean="0"/>
-              <a:t>4/11/12</a:t>
+              <a:t>5/5/12</a:t>
             </a:fld>
             <a:endParaRPr lang="en-US"/>
           </a:p>
@@ -6258,7 +6272,7 @@
           <a:p>
             <a:fld id="{12D17103-1748-4847-B931-A66DCC960259}" type="datetimeFigureOut">
               <a:rPr lang="en-US" smtClean="0"/>
-              <a:t>4/11/12</a:t>
+              <a:t>5/5/12</a:t>
             </a:fld>
             <a:endParaRPr lang="en-US"/>
           </a:p>
@@ -6535,7 +6549,7 @@
           <a:p>
             <a:fld id="{12D17103-1748-4847-B931-A66DCC960259}" type="datetimeFigureOut">
               <a:rPr lang="en-US" smtClean="0"/>
-              <a:t>4/11/12</a:t>
+              <a:t>5/5/12</a:t>
             </a:fld>
             <a:endParaRPr lang="en-US"/>
           </a:p>
@@ -6788,7 +6802,7 @@
           <a:p>
             <a:fld id="{12D17103-1748-4847-B931-A66DCC960259}" type="datetimeFigureOut">
               <a:rPr lang="en-US" smtClean="0"/>
-              <a:t>4/11/12</a:t>
+              <a:t>5/5/12</a:t>
             </a:fld>
             <a:endParaRPr lang="en-US"/>
           </a:p>
@@ -7001,7 +7015,7 @@
           <a:p>
             <a:fld id="{12D17103-1748-4847-B931-A66DCC960259}" type="datetimeFigureOut">
               <a:rPr lang="en-US" smtClean="0"/>
-              <a:t>4/11/12</a:t>
+              <a:t>5/5/12</a:t>
             </a:fld>
             <a:endParaRPr lang="en-US"/>
           </a:p>
@@ -8453,7 +8467,12 @@
             <p:ph idx="1"/>
           </p:nvPr>
         </p:nvSpPr>
-        <p:spPr/>
+        <p:spPr>
+          <a:xfrm>
+            <a:off x="457200" y="1488983"/>
+            <a:ext cx="8229600" cy="4974838"/>
+          </a:xfrm>
+        </p:spPr>
         <p:txBody>
           <a:bodyPr>
             <a:normAutofit/>
@@ -8491,15 +8510,24 @@
           <a:p>
             <a:r>
               <a:rPr lang="en-US" sz="2800" dirty="0" smtClean="0"/>
-              <a:t>Bugs addressed through Google </a:t>
-            </a:r>
-            <a:r>
-              <a:rPr lang="en-US" sz="2800" smtClean="0"/>
-              <a:t>Code Issues Board</a:t>
-            </a:r>
-          </a:p>
-          <a:p>
-            <a:endParaRPr lang="en-US" sz="2800" dirty="0"/>
+              <a:t>Bugs addressed through Google Code Issues </a:t>
+            </a:r>
+            <a:r>
+              <a:rPr lang="en-US" sz="2800" dirty="0" smtClean="0"/>
+              <a:t>Board &amp; at Group Meetings</a:t>
+            </a:r>
+          </a:p>
+          <a:p>
+            <a:r>
+              <a:rPr lang="en-US" sz="2800" dirty="0" smtClean="0"/>
+              <a:t>Simple Programs (Tutorial)</a:t>
+            </a:r>
+          </a:p>
+          <a:p>
+            <a:r>
+              <a:rPr lang="en-US" sz="2800" dirty="0" smtClean="0"/>
+              <a:t>Characteristic Programs: Find the coffee places around Columbia!</a:t>
+            </a:r>
           </a:p>
         </p:txBody>
       </p:sp>
@@ -8510,7 +8538,7 @@
           <p:nvPr>
             <p:extLst>
               <p:ext uri="{D42A27DB-BD31-4B8C-83A1-F6EECF244321}">
-                <p14:modId xmlns:p14="http://schemas.microsoft.com/office/powerpoint/2010/main" val="1981708479"/>
+                <p14:modId xmlns:p14="http://schemas.microsoft.com/office/powerpoint/2010/main" val="3903477257"/>
               </p:ext>
             </p:extLst>
           </p:nvPr>
@@ -8525,6 +8553,178 @@
           </a:graphicData>
         </a:graphic>
       </p:graphicFrame>
+      <p:sp>
+        <p:nvSpPr>
+          <p:cNvPr id="5" name="Oval 4"/>
+          <p:cNvSpPr/>
+          <p:nvPr/>
+        </p:nvSpPr>
+        <p:spPr>
+          <a:xfrm>
+            <a:off x="5123653" y="1773511"/>
+            <a:ext cx="204922" cy="204922"/>
+          </a:xfrm>
+          <a:prstGeom prst="ellipse">
+            <a:avLst/>
+          </a:prstGeom>
+        </p:spPr>
+        <p:style>
+          <a:lnRef idx="0">
+            <a:schemeClr val="lt1">
+              <a:hueOff val="0"/>
+              <a:satOff val="0"/>
+              <a:lumOff val="0"/>
+              <a:alphaOff val="0"/>
+            </a:schemeClr>
+          </a:lnRef>
+          <a:fillRef idx="3">
+            <a:schemeClr val="accent1">
+              <a:hueOff val="0"/>
+              <a:satOff val="0"/>
+              <a:lumOff val="0"/>
+              <a:alphaOff val="0"/>
+            </a:schemeClr>
+          </a:fillRef>
+          <a:effectRef idx="2">
+            <a:schemeClr val="accent1">
+              <a:hueOff val="0"/>
+              <a:satOff val="0"/>
+              <a:lumOff val="0"/>
+              <a:alphaOff val="0"/>
+            </a:schemeClr>
+          </a:effectRef>
+          <a:fontRef idx="minor">
+            <a:schemeClr val="lt1"/>
+          </a:fontRef>
+        </p:style>
+      </p:sp>
+      <p:grpSp>
+        <p:nvGrpSpPr>
+          <p:cNvPr id="6" name="Group 5"/>
+          <p:cNvGrpSpPr/>
+          <p:nvPr/>
+        </p:nvGrpSpPr>
+        <p:grpSpPr>
+          <a:xfrm>
+            <a:off x="5166243" y="1775593"/>
+            <a:ext cx="1618268" cy="2207903"/>
+            <a:chOff x="3926221" y="994003"/>
+            <a:chExt cx="1618268" cy="2207903"/>
+          </a:xfrm>
+        </p:grpSpPr>
+        <p:sp>
+          <p:nvSpPr>
+            <p:cNvPr id="7" name="Rectangle 6"/>
+            <p:cNvSpPr/>
+            <p:nvPr/>
+          </p:nvSpPr>
+          <p:spPr>
+            <a:xfrm>
+              <a:off x="3926221" y="1075452"/>
+              <a:ext cx="1618268" cy="2126454"/>
+            </a:xfrm>
+            <a:prstGeom prst="rect">
+              <a:avLst/>
+            </a:prstGeom>
+          </p:spPr>
+          <p:style>
+            <a:lnRef idx="0">
+              <a:schemeClr val="dk1">
+                <a:alpha val="0"/>
+                <a:hueOff val="0"/>
+                <a:satOff val="0"/>
+                <a:lumOff val="0"/>
+                <a:alphaOff val="0"/>
+              </a:schemeClr>
+            </a:lnRef>
+            <a:fillRef idx="0">
+              <a:schemeClr val="lt1">
+                <a:alpha val="0"/>
+                <a:hueOff val="0"/>
+                <a:satOff val="0"/>
+                <a:lumOff val="0"/>
+                <a:alphaOff val="0"/>
+              </a:schemeClr>
+            </a:fillRef>
+            <a:effectRef idx="0">
+              <a:schemeClr val="lt1">
+                <a:alpha val="0"/>
+                <a:hueOff val="0"/>
+                <a:satOff val="0"/>
+                <a:lumOff val="0"/>
+                <a:alphaOff val="0"/>
+              </a:schemeClr>
+            </a:effectRef>
+            <a:fontRef idx="minor">
+              <a:schemeClr val="tx1">
+                <a:hueOff val="0"/>
+                <a:satOff val="0"/>
+                <a:lumOff val="0"/>
+                <a:alphaOff val="0"/>
+              </a:schemeClr>
+            </a:fontRef>
+          </p:style>
+        </p:sp>
+        <p:sp>
+          <p:nvSpPr>
+            <p:cNvPr id="8" name="Rectangle 7"/>
+            <p:cNvSpPr/>
+            <p:nvPr/>
+          </p:nvSpPr>
+          <p:spPr>
+            <a:xfrm>
+              <a:off x="3926221" y="994003"/>
+              <a:ext cx="1618268" cy="2126454"/>
+            </a:xfrm>
+            <a:prstGeom prst="rect">
+              <a:avLst/>
+            </a:prstGeom>
+          </p:spPr>
+          <p:style>
+            <a:lnRef idx="0">
+              <a:scrgbClr r="0" g="0" b="0"/>
+            </a:lnRef>
+            <a:fillRef idx="0">
+              <a:scrgbClr r="0" g="0" b="0"/>
+            </a:fillRef>
+            <a:effectRef idx="0">
+              <a:scrgbClr r="0" g="0" b="0"/>
+            </a:effectRef>
+            <a:fontRef idx="minor">
+              <a:schemeClr val="tx1">
+                <a:hueOff val="0"/>
+                <a:satOff val="0"/>
+                <a:lumOff val="0"/>
+                <a:alphaOff val="0"/>
+              </a:schemeClr>
+            </a:fontRef>
+          </p:style>
+          <p:txBody>
+            <a:bodyPr spcFirstLastPara="0" vert="horz" wrap="square" lIns="192737" tIns="0" rIns="0" bIns="0" numCol="1" spcCol="1270" anchor="t" anchorCtr="0">
+              <a:noAutofit/>
+            </a:bodyPr>
+            <a:lstStyle/>
+            <a:p>
+              <a:pPr lvl="0" algn="l" defTabSz="711200">
+                <a:lnSpc>
+                  <a:spcPct val="90000"/>
+                </a:lnSpc>
+                <a:spcBef>
+                  <a:spcPct val="0"/>
+                </a:spcBef>
+                <a:spcAft>
+                  <a:spcPct val="35000"/>
+                </a:spcAft>
+              </a:pPr>
+              <a:r>
+                <a:rPr lang="en-US" sz="1600" kern="1200" dirty="0" smtClean="0"/>
+                <a:t>Unexpected Inputs</a:t>
+              </a:r>
+              <a:endParaRPr lang="en-US" sz="1600" kern="1200" dirty="0"/>
+            </a:p>
+          </p:txBody>
+        </p:sp>
+      </p:grpSp>
     </p:spTree>
     <p:extLst>
       <p:ext uri="{BB962C8B-B14F-4D97-AF65-F5344CB8AC3E}">

--- a/docs/local_present.pptx
+++ b/docs/local_present.pptx
@@ -1034,6 +1034,13 @@
         </dgm:presLayoutVars>
       </dgm:prSet>
       <dgm:spPr/>
+      <dgm:t>
+        <a:bodyPr/>
+        <a:lstStyle/>
+        <a:p>
+          <a:endParaRPr lang="en-US"/>
+        </a:p>
+      </dgm:t>
     </dgm:pt>
     <dgm:pt modelId="{42224D65-0275-CB45-8546-C7B6A8995E25}" type="pres">
       <dgm:prSet presAssocID="{78A1E8F4-D03D-CF48-8943-6DE58C206D5A}" presName="arrow" presStyleLbl="bgShp" presStyleIdx="0" presStyleCnt="1" custAng="818970"/>
@@ -1128,15 +1135,15 @@
     </dgm:pt>
   </dgm:ptLst>
   <dgm:cxnLst>
+    <dgm:cxn modelId="{632C7F91-17B3-EC43-8D9F-BEDA457231F2}" srcId="{78A1E8F4-D03D-CF48-8943-6DE58C206D5A}" destId="{E90090C8-5943-F040-9633-B1B97AE23E5D}" srcOrd="2" destOrd="0" parTransId="{2FA0ADF9-CDA9-554C-8E99-FF053E5DA4CC}" sibTransId="{5E64DACA-D4B3-264A-BBD0-E39BE5657CE2}"/>
+    <dgm:cxn modelId="{9B8B400C-3478-EC45-AE8F-FD6185D62D6E}" srcId="{78A1E8F4-D03D-CF48-8943-6DE58C206D5A}" destId="{F74E1E6B-6207-4C49-8AA0-22A4F15A5057}" srcOrd="0" destOrd="0" parTransId="{7FE7242A-A03D-284D-9AAC-989494308C86}" sibTransId="{AB09869F-DD0F-5744-AF56-BD66C760C450}"/>
+    <dgm:cxn modelId="{B12CC9F1-F25C-324B-9821-8FDFE7DCFC59}" srcId="{78A1E8F4-D03D-CF48-8943-6DE58C206D5A}" destId="{BE88FEAD-BFE7-E34C-BCF5-4BA41C0939D4}" srcOrd="3" destOrd="0" parTransId="{BEDDEB86-AD04-B449-92C3-631EF3DAB54E}" sibTransId="{809877BC-99BF-F541-8046-500E2E05F0AD}"/>
     <dgm:cxn modelId="{CAE30B11-CC2A-154F-8816-60E1EA34C7C5}" type="presOf" srcId="{F74E1E6B-6207-4C49-8AA0-22A4F15A5057}" destId="{FC1CBA4E-6E2F-EE48-861D-3EDED8DB6870}" srcOrd="0" destOrd="0" presId="urn:microsoft.com/office/officeart/2005/8/layout/arrow2"/>
-    <dgm:cxn modelId="{14286A4A-3840-3A4A-9C4F-3CAE3CC8677B}" type="presOf" srcId="{78A1E8F4-D03D-CF48-8943-6DE58C206D5A}" destId="{04A6350A-5479-734D-B89B-58D612C6A7CF}" srcOrd="0" destOrd="0" presId="urn:microsoft.com/office/officeart/2005/8/layout/arrow2"/>
-    <dgm:cxn modelId="{9B8B400C-3478-EC45-AE8F-FD6185D62D6E}" srcId="{78A1E8F4-D03D-CF48-8943-6DE58C206D5A}" destId="{F74E1E6B-6207-4C49-8AA0-22A4F15A5057}" srcOrd="0" destOrd="0" parTransId="{7FE7242A-A03D-284D-9AAC-989494308C86}" sibTransId="{AB09869F-DD0F-5744-AF56-BD66C760C450}"/>
     <dgm:cxn modelId="{FAD75357-6883-9246-B989-F0EAC5059462}" type="presOf" srcId="{BE88FEAD-BFE7-E34C-BCF5-4BA41C0939D4}" destId="{4A2DFF65-509A-544C-9393-D04075A243CD}" srcOrd="0" destOrd="0" presId="urn:microsoft.com/office/officeart/2005/8/layout/arrow2"/>
     <dgm:cxn modelId="{E512AC72-1457-444A-8463-06B229732841}" srcId="{78A1E8F4-D03D-CF48-8943-6DE58C206D5A}" destId="{40C8586C-B50B-0645-AD8E-8CB09C38AECA}" srcOrd="1" destOrd="0" parTransId="{4324FEA0-05B9-A949-9C16-54BD0AFE50B1}" sibTransId="{016AD713-C304-014B-A008-BAEA553254F5}"/>
-    <dgm:cxn modelId="{632C7F91-17B3-EC43-8D9F-BEDA457231F2}" srcId="{78A1E8F4-D03D-CF48-8943-6DE58C206D5A}" destId="{E90090C8-5943-F040-9633-B1B97AE23E5D}" srcOrd="2" destOrd="0" parTransId="{2FA0ADF9-CDA9-554C-8E99-FF053E5DA4CC}" sibTransId="{5E64DACA-D4B3-264A-BBD0-E39BE5657CE2}"/>
+    <dgm:cxn modelId="{3C4E6C1D-1F8C-494E-B997-7BE74D54A3F4}" type="presOf" srcId="{40C8586C-B50B-0645-AD8E-8CB09C38AECA}" destId="{8A30EBEC-BCB4-5F4D-B7DF-22527C033D70}" srcOrd="0" destOrd="0" presId="urn:microsoft.com/office/officeart/2005/8/layout/arrow2"/>
     <dgm:cxn modelId="{833818DA-5101-BA48-B94A-D284ED81F244}" type="presOf" srcId="{E90090C8-5943-F040-9633-B1B97AE23E5D}" destId="{F3C5ACA4-15AE-564E-83B5-CFFBDB844666}" srcOrd="0" destOrd="0" presId="urn:microsoft.com/office/officeart/2005/8/layout/arrow2"/>
-    <dgm:cxn modelId="{3C4E6C1D-1F8C-494E-B997-7BE74D54A3F4}" type="presOf" srcId="{40C8586C-B50B-0645-AD8E-8CB09C38AECA}" destId="{8A30EBEC-BCB4-5F4D-B7DF-22527C033D70}" srcOrd="0" destOrd="0" presId="urn:microsoft.com/office/officeart/2005/8/layout/arrow2"/>
-    <dgm:cxn modelId="{B12CC9F1-F25C-324B-9821-8FDFE7DCFC59}" srcId="{78A1E8F4-D03D-CF48-8943-6DE58C206D5A}" destId="{BE88FEAD-BFE7-E34C-BCF5-4BA41C0939D4}" srcOrd="3" destOrd="0" parTransId="{BEDDEB86-AD04-B449-92C3-631EF3DAB54E}" sibTransId="{809877BC-99BF-F541-8046-500E2E05F0AD}"/>
+    <dgm:cxn modelId="{14286A4A-3840-3A4A-9C4F-3CAE3CC8677B}" type="presOf" srcId="{78A1E8F4-D03D-CF48-8943-6DE58C206D5A}" destId="{04A6350A-5479-734D-B89B-58D612C6A7CF}" srcOrd="0" destOrd="0" presId="urn:microsoft.com/office/officeart/2005/8/layout/arrow2"/>
     <dgm:cxn modelId="{65866AB4-D3ED-A548-894C-4B4A98D610BC}" type="presParOf" srcId="{04A6350A-5479-734D-B89B-58D612C6A7CF}" destId="{42224D65-0275-CB45-8546-C7B6A8995E25}" srcOrd="0" destOrd="0" presId="urn:microsoft.com/office/officeart/2005/8/layout/arrow2"/>
     <dgm:cxn modelId="{85E1247F-0FDD-2147-AA2A-22C8FCA6C6EC}" type="presParOf" srcId="{04A6350A-5479-734D-B89B-58D612C6A7CF}" destId="{81D78D91-6403-3E4F-9398-B2B69D4255E4}" srcOrd="1" destOrd="0" presId="urn:microsoft.com/office/officeart/2005/8/layout/arrow2"/>
     <dgm:cxn modelId="{4DD1DD6B-7A2F-984E-9F8D-D68054BCDA62}" type="presParOf" srcId="{81D78D91-6403-3E4F-9398-B2B69D4255E4}" destId="{12253921-DF7F-164A-ACD8-7BFE2B59D4EA}" srcOrd="0" destOrd="0" presId="urn:microsoft.com/office/officeart/2005/8/layout/arrow2"/>
@@ -4583,7 +4590,7 @@
           <a:p>
             <a:fld id="{12D17103-1748-4847-B931-A66DCC960259}" type="datetimeFigureOut">
               <a:rPr lang="en-US" smtClean="0"/>
-              <a:t>5/5/12</a:t>
+              <a:t>5/6/12</a:t>
             </a:fld>
             <a:endParaRPr lang="en-US"/>
           </a:p>
@@ -4753,7 +4760,7 @@
           <a:p>
             <a:fld id="{12D17103-1748-4847-B931-A66DCC960259}" type="datetimeFigureOut">
               <a:rPr lang="en-US" smtClean="0"/>
-              <a:t>5/5/12</a:t>
+              <a:t>5/6/12</a:t>
             </a:fld>
             <a:endParaRPr lang="en-US"/>
           </a:p>
@@ -4933,7 +4940,7 @@
           <a:p>
             <a:fld id="{12D17103-1748-4847-B931-A66DCC960259}" type="datetimeFigureOut">
               <a:rPr lang="en-US" smtClean="0"/>
-              <a:t>5/5/12</a:t>
+              <a:t>5/6/12</a:t>
             </a:fld>
             <a:endParaRPr lang="en-US"/>
           </a:p>
@@ -5103,7 +5110,7 @@
           <a:p>
             <a:fld id="{12D17103-1748-4847-B931-A66DCC960259}" type="datetimeFigureOut">
               <a:rPr lang="en-US" smtClean="0"/>
-              <a:t>5/5/12</a:t>
+              <a:t>5/6/12</a:t>
             </a:fld>
             <a:endParaRPr lang="en-US"/>
           </a:p>
@@ -5349,7 +5356,7 @@
           <a:p>
             <a:fld id="{12D17103-1748-4847-B931-A66DCC960259}" type="datetimeFigureOut">
               <a:rPr lang="en-US" smtClean="0"/>
-              <a:t>5/5/12</a:t>
+              <a:t>5/6/12</a:t>
             </a:fld>
             <a:endParaRPr lang="en-US"/>
           </a:p>
@@ -5637,7 +5644,7 @@
           <a:p>
             <a:fld id="{12D17103-1748-4847-B931-A66DCC960259}" type="datetimeFigureOut">
               <a:rPr lang="en-US" smtClean="0"/>
-              <a:t>5/5/12</a:t>
+              <a:t>5/6/12</a:t>
             </a:fld>
             <a:endParaRPr lang="en-US"/>
           </a:p>
@@ -6059,7 +6066,7 @@
           <a:p>
             <a:fld id="{12D17103-1748-4847-B931-A66DCC960259}" type="datetimeFigureOut">
               <a:rPr lang="en-US" smtClean="0"/>
-              <a:t>5/5/12</a:t>
+              <a:t>5/6/12</a:t>
             </a:fld>
             <a:endParaRPr lang="en-US"/>
           </a:p>
@@ -6177,7 +6184,7 @@
           <a:p>
             <a:fld id="{12D17103-1748-4847-B931-A66DCC960259}" type="datetimeFigureOut">
               <a:rPr lang="en-US" smtClean="0"/>
-              <a:t>5/5/12</a:t>
+              <a:t>5/6/12</a:t>
             </a:fld>
             <a:endParaRPr lang="en-US"/>
           </a:p>
@@ -6272,7 +6279,7 @@
           <a:p>
             <a:fld id="{12D17103-1748-4847-B931-A66DCC960259}" type="datetimeFigureOut">
               <a:rPr lang="en-US" smtClean="0"/>
-              <a:t>5/5/12</a:t>
+              <a:t>5/6/12</a:t>
             </a:fld>
             <a:endParaRPr lang="en-US"/>
           </a:p>
@@ -6549,7 +6556,7 @@
           <a:p>
             <a:fld id="{12D17103-1748-4847-B931-A66DCC960259}" type="datetimeFigureOut">
               <a:rPr lang="en-US" smtClean="0"/>
-              <a:t>5/5/12</a:t>
+              <a:t>5/6/12</a:t>
             </a:fld>
             <a:endParaRPr lang="en-US"/>
           </a:p>
@@ -6802,7 +6809,7 @@
           <a:p>
             <a:fld id="{12D17103-1748-4847-B931-A66DCC960259}" type="datetimeFigureOut">
               <a:rPr lang="en-US" smtClean="0"/>
-              <a:t>5/5/12</a:t>
+              <a:t>5/6/12</a:t>
             </a:fld>
             <a:endParaRPr lang="en-US"/>
           </a:p>
@@ -7015,7 +7022,7 @@
           <a:p>
             <a:fld id="{12D17103-1748-4847-B931-A66DCC960259}" type="datetimeFigureOut">
               <a:rPr lang="en-US" smtClean="0"/>
-              <a:t>5/5/12</a:t>
+              <a:t>5/6/12</a:t>
             </a:fld>
             <a:endParaRPr lang="en-US"/>
           </a:p>
@@ -8152,9 +8159,16 @@
             <p:ph type="title"/>
           </p:nvPr>
         </p:nvSpPr>
-        <p:spPr/>
+        <p:spPr>
+          <a:xfrm>
+            <a:off x="457200" y="1"/>
+            <a:ext cx="8229600" cy="927480"/>
+          </a:xfrm>
+        </p:spPr>
         <p:txBody>
-          <a:bodyPr/>
+          <a:bodyPr>
+            <a:normAutofit/>
+          </a:bodyPr>
           <a:lstStyle/>
           <a:p>
             <a:r>
@@ -8175,12 +8189,22 @@
             <p:ph idx="1"/>
           </p:nvPr>
         </p:nvSpPr>
-        <p:spPr/>
+        <p:spPr>
+          <a:xfrm>
+            <a:off x="457200" y="1155784"/>
+            <a:ext cx="8229600" cy="4970380"/>
+          </a:xfrm>
+        </p:spPr>
         <p:txBody>
-          <a:bodyPr/>
+          <a:bodyPr>
+            <a:normAutofit/>
+          </a:bodyPr>
           <a:lstStyle/>
           <a:p>
-            <a:endParaRPr lang="en-US"/>
+            <a:pPr marL="0" indent="0">
+              <a:buNone/>
+            </a:pPr>
+            <a:endParaRPr lang="en-US" dirty="0"/>
           </a:p>
         </p:txBody>
       </p:sp>
@@ -8224,14 +8248,30 @@
             <p:ph type="title"/>
           </p:nvPr>
         </p:nvSpPr>
-        <p:spPr/>
+        <p:spPr>
+          <a:xfrm>
+            <a:off x="457200" y="-14269"/>
+            <a:ext cx="8229600" cy="813329"/>
+          </a:xfrm>
+        </p:spPr>
         <p:txBody>
           <a:bodyPr/>
           <a:lstStyle/>
           <a:p>
             <a:r>
+              <a:rPr lang="en-US" dirty="0">
+                <a:latin typeface="Courier"/>
+                <a:cs typeface="Courier"/>
+              </a:rPr>
+              <a:t>local</a:t>
+            </a:r>
+            <a:r>
               <a:rPr lang="en-US" dirty="0" smtClean="0"/>
-              <a:t>Code Example</a:t>
+              <a:t> Code </a:t>
+            </a:r>
+            <a:r>
+              <a:rPr lang="en-US" dirty="0" smtClean="0"/>
+              <a:t>Example</a:t>
             </a:r>
             <a:endParaRPr lang="en-US" dirty="0"/>
           </a:p>
@@ -8239,7 +8279,7 @@
       </p:sp>
       <p:sp>
         <p:nvSpPr>
-          <p:cNvPr id="3" name="Content Placeholder 2"/>
+          <p:cNvPr id="4" name="Content Placeholder 2"/>
           <p:cNvSpPr>
             <a:spLocks noGrp="1"/>
           </p:cNvSpPr>
@@ -8247,12 +8287,1456 @@
             <p:ph idx="1"/>
           </p:nvPr>
         </p:nvSpPr>
-        <p:spPr/>
+        <p:spPr>
+          <a:xfrm>
+            <a:off x="256876" y="814405"/>
+            <a:ext cx="4719350" cy="5864526"/>
+          </a:xfrm>
+          <a:ln>
+            <a:solidFill>
+              <a:schemeClr val="bg1">
+                <a:lumMod val="75000"/>
+              </a:schemeClr>
+            </a:solidFill>
+          </a:ln>
+        </p:spPr>
         <p:txBody>
-          <a:bodyPr/>
+          <a:bodyPr>
+            <a:noAutofit/>
+          </a:bodyPr>
           <a:lstStyle/>
           <a:p>
-            <a:endParaRPr lang="en-US"/>
+            <a:pPr marL="0" indent="0">
+              <a:spcBef>
+                <a:spcPts val="0"/>
+              </a:spcBef>
+              <a:buNone/>
+            </a:pPr>
+            <a:r>
+              <a:rPr lang="en-US" sz="1300" dirty="0" err="1"/>
+              <a:t>w</a:t>
+            </a:r>
+            <a:r>
+              <a:rPr lang="en-US" sz="1300" dirty="0" err="1" smtClean="0"/>
+              <a:t>alk_speed</a:t>
+            </a:r>
+            <a:r>
+              <a:rPr lang="en-US" sz="1300" dirty="0" smtClean="0"/>
+              <a:t> = </a:t>
+            </a:r>
+            <a:r>
+              <a:rPr lang="en-US" sz="1300" dirty="0" smtClean="0">
+                <a:solidFill>
+                  <a:srgbClr val="0000FF"/>
+                </a:solidFill>
+              </a:rPr>
+              <a:t>3.0</a:t>
+            </a:r>
+            <a:r>
+              <a:rPr lang="en-US" sz="1300" dirty="0" smtClean="0"/>
+              <a:t>; </a:t>
+            </a:r>
+            <a:r>
+              <a:rPr lang="en-US" sz="1300" dirty="0" smtClean="0">
+                <a:solidFill>
+                  <a:srgbClr val="4BACC6"/>
+                </a:solidFill>
+              </a:rPr>
+              <a:t>// in miles per hour</a:t>
+            </a:r>
+            <a:endParaRPr lang="en-US" sz="1300" dirty="0" smtClean="0">
+              <a:solidFill>
+                <a:srgbClr val="000090"/>
+              </a:solidFill>
+            </a:endParaRPr>
+          </a:p>
+          <a:p>
+            <a:pPr marL="0" indent="0">
+              <a:spcBef>
+                <a:spcPts val="0"/>
+              </a:spcBef>
+              <a:buNone/>
+            </a:pPr>
+            <a:r>
+              <a:rPr lang="en-US" sz="1300" dirty="0">
+                <a:solidFill>
+                  <a:srgbClr val="000090"/>
+                </a:solidFill>
+              </a:rPr>
+              <a:t>t</a:t>
+            </a:r>
+            <a:r>
+              <a:rPr lang="en-US" sz="1300" dirty="0" smtClean="0">
+                <a:solidFill>
+                  <a:srgbClr val="000090"/>
+                </a:solidFill>
+              </a:rPr>
+              <a:t>ry</a:t>
+            </a:r>
+            <a:r>
+              <a:rPr lang="en-US" sz="1300" dirty="0" smtClean="0"/>
+              <a:t> {</a:t>
+            </a:r>
+            <a:endParaRPr lang="en-US" sz="1300" dirty="0"/>
+          </a:p>
+          <a:p>
+            <a:pPr marL="0" indent="0">
+              <a:spcBef>
+                <a:spcPts val="0"/>
+              </a:spcBef>
+              <a:buNone/>
+            </a:pPr>
+            <a:r>
+              <a:rPr lang="en-US" sz="1300" dirty="0"/>
+              <a:t>    places = open(</a:t>
+            </a:r>
+            <a:r>
+              <a:rPr lang="en-US" sz="1300" dirty="0">
+                <a:solidFill>
+                  <a:srgbClr val="008000"/>
+                </a:solidFill>
+              </a:rPr>
+              <a:t>"</a:t>
+            </a:r>
+            <a:r>
+              <a:rPr lang="en-US" sz="1300" dirty="0" err="1" smtClean="0">
+                <a:solidFill>
+                  <a:srgbClr val="008000"/>
+                </a:solidFill>
+              </a:rPr>
+              <a:t>coffee.csv</a:t>
+            </a:r>
+            <a:r>
+              <a:rPr lang="en-US" sz="1300" dirty="0" smtClean="0">
+                <a:solidFill>
+                  <a:srgbClr val="008000"/>
+                </a:solidFill>
+              </a:rPr>
+              <a:t>”</a:t>
+            </a:r>
+            <a:r>
+              <a:rPr lang="en-US" sz="1300" dirty="0" smtClean="0"/>
+              <a:t>);</a:t>
+            </a:r>
+            <a:endParaRPr lang="en-US" sz="1300" dirty="0"/>
+          </a:p>
+          <a:p>
+            <a:pPr marL="0" indent="0">
+              <a:spcBef>
+                <a:spcPts val="0"/>
+              </a:spcBef>
+              <a:buNone/>
+            </a:pPr>
+            <a:r>
+              <a:rPr lang="en-US" sz="1300" dirty="0" smtClean="0"/>
+              <a:t>} </a:t>
+            </a:r>
+            <a:r>
+              <a:rPr lang="en-US" sz="1300" dirty="0" smtClean="0">
+                <a:solidFill>
+                  <a:srgbClr val="000090"/>
+                </a:solidFill>
+              </a:rPr>
+              <a:t>except</a:t>
+            </a:r>
+            <a:r>
+              <a:rPr lang="en-US" sz="1300" dirty="0" smtClean="0"/>
+              <a:t> </a:t>
+            </a:r>
+            <a:r>
+              <a:rPr lang="en-US" sz="1300" dirty="0" smtClean="0">
+                <a:solidFill>
+                  <a:srgbClr val="660066"/>
+                </a:solidFill>
+              </a:rPr>
+              <a:t>Exception</a:t>
+            </a:r>
+            <a:r>
+              <a:rPr lang="en-US" sz="1300" dirty="0" smtClean="0"/>
+              <a:t> {</a:t>
+            </a:r>
+            <a:endParaRPr lang="en-US" sz="1300" dirty="0"/>
+          </a:p>
+          <a:p>
+            <a:pPr marL="0" indent="0">
+              <a:spcBef>
+                <a:spcPts val="0"/>
+              </a:spcBef>
+              <a:buNone/>
+            </a:pPr>
+            <a:r>
+              <a:rPr lang="en-US" sz="1300" dirty="0"/>
+              <a:t>    </a:t>
+            </a:r>
+            <a:r>
+              <a:rPr lang="en-US" sz="1300" dirty="0">
+                <a:solidFill>
+                  <a:srgbClr val="000090"/>
+                </a:solidFill>
+              </a:rPr>
+              <a:t>print</a:t>
+            </a:r>
+            <a:r>
+              <a:rPr lang="en-US" sz="1300" dirty="0"/>
+              <a:t> </a:t>
+            </a:r>
+            <a:r>
+              <a:rPr lang="en-US" sz="1300" dirty="0" smtClean="0"/>
+              <a:t>(</a:t>
+            </a:r>
+            <a:r>
+              <a:rPr lang="en-US" sz="1300" dirty="0" smtClean="0">
+                <a:solidFill>
+                  <a:srgbClr val="008000"/>
+                </a:solidFill>
+              </a:rPr>
+              <a:t>"</a:t>
+            </a:r>
+            <a:r>
+              <a:rPr lang="en-US" sz="1300" dirty="0">
+                <a:solidFill>
+                  <a:srgbClr val="008000"/>
+                </a:solidFill>
+              </a:rPr>
+              <a:t>Cannot open </a:t>
+            </a:r>
+            <a:r>
+              <a:rPr lang="en-US" sz="1300" dirty="0" smtClean="0">
+                <a:solidFill>
+                  <a:srgbClr val="008000"/>
+                </a:solidFill>
+              </a:rPr>
+              <a:t>file”</a:t>
+            </a:r>
+            <a:r>
+              <a:rPr lang="en-US" sz="1300" dirty="0" smtClean="0"/>
+              <a:t>);</a:t>
+            </a:r>
+            <a:endParaRPr lang="en-US" sz="1300" dirty="0"/>
+          </a:p>
+          <a:p>
+            <a:pPr marL="0" indent="0">
+              <a:spcBef>
+                <a:spcPts val="0"/>
+              </a:spcBef>
+              <a:buNone/>
+            </a:pPr>
+            <a:r>
+              <a:rPr lang="en-US" sz="1300" dirty="0"/>
+              <a:t>    exit(</a:t>
+            </a:r>
+            <a:r>
+              <a:rPr lang="en-US" sz="1300" dirty="0">
+                <a:solidFill>
+                  <a:srgbClr val="0000FF"/>
+                </a:solidFill>
+              </a:rPr>
+              <a:t>1</a:t>
+            </a:r>
+            <a:r>
+              <a:rPr lang="en-US" sz="1300" dirty="0" smtClean="0"/>
+              <a:t>);</a:t>
+            </a:r>
+          </a:p>
+          <a:p>
+            <a:pPr marL="0" indent="0">
+              <a:spcBef>
+                <a:spcPts val="0"/>
+              </a:spcBef>
+              <a:buNone/>
+            </a:pPr>
+            <a:r>
+              <a:rPr lang="en-US" sz="1300" dirty="0"/>
+              <a:t>}</a:t>
+            </a:r>
+          </a:p>
+          <a:p>
+            <a:pPr marL="0" indent="0">
+              <a:spcBef>
+                <a:spcPts val="0"/>
+              </a:spcBef>
+              <a:buNone/>
+            </a:pPr>
+            <a:r>
+              <a:rPr lang="en-US" sz="1300" dirty="0" smtClean="0">
+                <a:solidFill>
+                  <a:srgbClr val="000090"/>
+                </a:solidFill>
+              </a:rPr>
+              <a:t>print</a:t>
+            </a:r>
+            <a:r>
+              <a:rPr lang="en-US" sz="1300" dirty="0"/>
+              <a:t>(</a:t>
+            </a:r>
+            <a:r>
+              <a:rPr lang="en-US" sz="1300" dirty="0">
+                <a:solidFill>
+                  <a:srgbClr val="008000"/>
+                </a:solidFill>
+              </a:rPr>
+              <a:t>"Where are you starting? "</a:t>
+            </a:r>
+            <a:r>
+              <a:rPr lang="en-US" sz="1300" dirty="0"/>
+              <a:t>);</a:t>
+            </a:r>
+          </a:p>
+          <a:p>
+            <a:pPr marL="0" indent="0">
+              <a:spcBef>
+                <a:spcPts val="0"/>
+              </a:spcBef>
+              <a:buNone/>
+            </a:pPr>
+            <a:r>
+              <a:rPr lang="en-US" sz="1300" dirty="0"/>
+              <a:t>start = read();</a:t>
+            </a:r>
+          </a:p>
+          <a:p>
+            <a:pPr marL="0" indent="0">
+              <a:spcBef>
+                <a:spcPts val="0"/>
+              </a:spcBef>
+              <a:buNone/>
+            </a:pPr>
+            <a:r>
+              <a:rPr lang="en-US" sz="1300" dirty="0">
+                <a:solidFill>
+                  <a:srgbClr val="000090"/>
+                </a:solidFill>
+              </a:rPr>
+              <a:t>print</a:t>
+            </a:r>
+            <a:r>
+              <a:rPr lang="en-US" sz="1300" dirty="0"/>
+              <a:t>(</a:t>
+            </a:r>
+            <a:r>
+              <a:rPr lang="en-US" sz="1300" dirty="0">
+                <a:solidFill>
+                  <a:srgbClr val="008000"/>
+                </a:solidFill>
+              </a:rPr>
+              <a:t>"How long do you have until your next event? "</a:t>
+            </a:r>
+            <a:r>
+              <a:rPr lang="en-US" sz="1300" dirty="0"/>
+              <a:t>);</a:t>
+            </a:r>
+          </a:p>
+          <a:p>
+            <a:pPr marL="0" indent="0">
+              <a:spcBef>
+                <a:spcPts val="0"/>
+              </a:spcBef>
+              <a:buNone/>
+            </a:pPr>
+            <a:r>
+              <a:rPr lang="en-US" sz="1300" dirty="0"/>
+              <a:t>time = read()</a:t>
+            </a:r>
+            <a:r>
+              <a:rPr lang="en-US" sz="1300" dirty="0" smtClean="0"/>
+              <a:t>;</a:t>
+            </a:r>
+            <a:endParaRPr lang="en-US" sz="1300" dirty="0"/>
+          </a:p>
+          <a:p>
+            <a:pPr marL="0" indent="0">
+              <a:spcBef>
+                <a:spcPts val="0"/>
+              </a:spcBef>
+              <a:buNone/>
+            </a:pPr>
+            <a:r>
+              <a:rPr lang="en-US" sz="1300" dirty="0">
+                <a:solidFill>
+                  <a:srgbClr val="000090"/>
+                </a:solidFill>
+              </a:rPr>
+              <a:t>for</a:t>
+            </a:r>
+            <a:r>
+              <a:rPr lang="en-US" sz="1300" dirty="0"/>
+              <a:t> place </a:t>
+            </a:r>
+            <a:r>
+              <a:rPr lang="en-US" sz="1300" dirty="0">
+                <a:solidFill>
+                  <a:srgbClr val="000090"/>
+                </a:solidFill>
+              </a:rPr>
+              <a:t>in</a:t>
+            </a:r>
+            <a:r>
+              <a:rPr lang="en-US" sz="1300" dirty="0"/>
+              <a:t> places {</a:t>
+            </a:r>
+          </a:p>
+          <a:p>
+            <a:pPr marL="0" indent="0">
+              <a:spcBef>
+                <a:spcPts val="0"/>
+              </a:spcBef>
+              <a:buNone/>
+            </a:pPr>
+            <a:r>
+              <a:rPr lang="en-US" sz="1300" dirty="0">
+                <a:solidFill>
+                  <a:schemeClr val="accent5"/>
+                </a:solidFill>
+              </a:rPr>
+              <a:t>    ''' Your CSV file has two times, wait time (time spent </a:t>
+            </a:r>
+          </a:p>
+          <a:p>
+            <a:pPr marL="0" indent="0">
+              <a:spcBef>
+                <a:spcPts val="0"/>
+              </a:spcBef>
+              <a:buNone/>
+            </a:pPr>
+            <a:r>
+              <a:rPr lang="en-US" sz="1300" dirty="0">
+                <a:solidFill>
+                  <a:schemeClr val="accent5"/>
+                </a:solidFill>
+              </a:rPr>
+              <a:t>        standing in line) &amp; make time (time it takes the </a:t>
+            </a:r>
+          </a:p>
+          <a:p>
+            <a:pPr marL="0" indent="0">
+              <a:spcBef>
+                <a:spcPts val="0"/>
+              </a:spcBef>
+              <a:buNone/>
+            </a:pPr>
+            <a:r>
+              <a:rPr lang="en-US" sz="1300" dirty="0">
+                <a:solidFill>
+                  <a:schemeClr val="accent5"/>
+                </a:solidFill>
+              </a:rPr>
+              <a:t>        barista to make you a drink) '''</a:t>
+            </a:r>
+          </a:p>
+          <a:p>
+            <a:pPr marL="0" indent="0">
+              <a:spcBef>
+                <a:spcPts val="0"/>
+              </a:spcBef>
+              <a:buNone/>
+            </a:pPr>
+            <a:r>
+              <a:rPr lang="en-US" sz="1300" dirty="0"/>
+              <a:t>    name, </a:t>
+            </a:r>
+            <a:r>
+              <a:rPr lang="en-US" sz="1300" dirty="0" err="1"/>
+              <a:t>coord</a:t>
+            </a:r>
+            <a:r>
+              <a:rPr lang="en-US" sz="1300" dirty="0"/>
+              <a:t>, </a:t>
+            </a:r>
+            <a:r>
+              <a:rPr lang="en-US" sz="1300" dirty="0" err="1"/>
+              <a:t>wait_t</a:t>
+            </a:r>
+            <a:r>
+              <a:rPr lang="en-US" sz="1300" dirty="0"/>
+              <a:t>, </a:t>
+            </a:r>
+            <a:r>
+              <a:rPr lang="en-US" sz="1300" dirty="0" err="1"/>
+              <a:t>make_t</a:t>
+            </a:r>
+            <a:r>
+              <a:rPr lang="en-US" sz="1300" dirty="0"/>
+              <a:t>, URL = split(place, </a:t>
+            </a:r>
+            <a:r>
+              <a:rPr lang="en-US" sz="1300" dirty="0">
+                <a:solidFill>
+                  <a:srgbClr val="008000"/>
+                </a:solidFill>
+              </a:rPr>
+              <a:t>";"</a:t>
+            </a:r>
+            <a:r>
+              <a:rPr lang="en-US" sz="1300" dirty="0"/>
+              <a:t>);</a:t>
+            </a:r>
+          </a:p>
+          <a:p>
+            <a:pPr marL="0" indent="0">
+              <a:spcBef>
+                <a:spcPts val="0"/>
+              </a:spcBef>
+              <a:buNone/>
+            </a:pPr>
+            <a:r>
+              <a:rPr lang="en-US" sz="1300" dirty="0"/>
+              <a:t>    d = </a:t>
+            </a:r>
+            <a:r>
+              <a:rPr lang="en-US" sz="1300" dirty="0" err="1"/>
+              <a:t>dist</a:t>
+            </a:r>
+            <a:r>
+              <a:rPr lang="en-US" sz="1300" dirty="0"/>
+              <a:t>(start, </a:t>
+            </a:r>
+            <a:r>
+              <a:rPr lang="en-US" sz="1300" dirty="0" err="1"/>
+              <a:t>coord</a:t>
+            </a:r>
+            <a:r>
+              <a:rPr lang="en-US" sz="1300" dirty="0"/>
+              <a:t>);</a:t>
+            </a:r>
+          </a:p>
+          <a:p>
+            <a:pPr marL="0" indent="0">
+              <a:spcBef>
+                <a:spcPts val="0"/>
+              </a:spcBef>
+              <a:buNone/>
+            </a:pPr>
+            <a:r>
+              <a:rPr lang="en-US" sz="1300" dirty="0"/>
+              <a:t>    </a:t>
+            </a:r>
+            <a:r>
+              <a:rPr lang="en-US" sz="1300" dirty="0" err="1"/>
+              <a:t>d_mile</a:t>
+            </a:r>
+            <a:r>
+              <a:rPr lang="en-US" sz="1300" dirty="0"/>
+              <a:t> = </a:t>
+            </a:r>
+            <a:r>
+              <a:rPr lang="en-US" sz="1300" dirty="0" err="1"/>
+              <a:t>convertdist</a:t>
+            </a:r>
+            <a:r>
+              <a:rPr lang="en-US" sz="1300" dirty="0"/>
+              <a:t>(d, </a:t>
+            </a:r>
+            <a:r>
+              <a:rPr lang="en-US" sz="1300" dirty="0">
+                <a:solidFill>
+                  <a:srgbClr val="008000"/>
+                </a:solidFill>
+              </a:rPr>
+              <a:t>"mi"</a:t>
+            </a:r>
+            <a:r>
+              <a:rPr lang="en-US" sz="1300" dirty="0"/>
+              <a:t>, </a:t>
+            </a:r>
+            <a:r>
+              <a:rPr lang="en-US" sz="1300" dirty="0">
+                <a:solidFill>
+                  <a:srgbClr val="008000"/>
+                </a:solidFill>
+              </a:rPr>
+              <a:t>"m"</a:t>
+            </a:r>
+            <a:r>
+              <a:rPr lang="en-US" sz="1300" dirty="0"/>
+              <a:t>);</a:t>
+            </a:r>
+          </a:p>
+          <a:p>
+            <a:pPr marL="0" indent="0">
+              <a:spcBef>
+                <a:spcPts val="0"/>
+              </a:spcBef>
+              <a:buNone/>
+            </a:pPr>
+            <a:r>
+              <a:rPr lang="en-US" sz="1300" dirty="0"/>
+              <a:t>    </a:t>
+            </a:r>
+            <a:r>
+              <a:rPr lang="en-US" sz="1300" dirty="0">
+                <a:solidFill>
+                  <a:srgbClr val="000090"/>
+                </a:solidFill>
+              </a:rPr>
+              <a:t>print</a:t>
+            </a:r>
+            <a:r>
+              <a:rPr lang="en-US" sz="1300" dirty="0"/>
+              <a:t> (</a:t>
+            </a:r>
+            <a:r>
+              <a:rPr lang="en-US" sz="1300" dirty="0">
+                <a:solidFill>
+                  <a:srgbClr val="008000"/>
+                </a:solidFill>
+              </a:rPr>
+              <a:t>"Distance between you and %s is %s miles"</a:t>
+            </a:r>
+            <a:r>
+              <a:rPr lang="en-US" sz="1300" dirty="0"/>
+              <a:t>, name, </a:t>
+            </a:r>
+            <a:r>
+              <a:rPr lang="en-US" sz="1300" dirty="0" err="1"/>
+              <a:t>d_mile</a:t>
+            </a:r>
+            <a:r>
+              <a:rPr lang="en-US" sz="1300" dirty="0"/>
+              <a:t>);</a:t>
+            </a:r>
+          </a:p>
+          <a:p>
+            <a:pPr marL="0" indent="0">
+              <a:spcBef>
+                <a:spcPts val="0"/>
+              </a:spcBef>
+              <a:buNone/>
+            </a:pPr>
+            <a:r>
+              <a:rPr lang="en-US" sz="1300" dirty="0"/>
+              <a:t>    </a:t>
+            </a:r>
+            <a:r>
+              <a:rPr lang="en-US" sz="1300" dirty="0" err="1"/>
+              <a:t>time_at_shop</a:t>
+            </a:r>
+            <a:r>
+              <a:rPr lang="en-US" sz="1300" dirty="0"/>
+              <a:t> = </a:t>
+            </a:r>
+            <a:r>
+              <a:rPr lang="en-US" sz="1300" dirty="0" err="1"/>
+              <a:t>num</a:t>
+            </a:r>
+            <a:r>
+              <a:rPr lang="en-US" sz="1300" dirty="0"/>
+              <a:t>(</a:t>
+            </a:r>
+            <a:r>
+              <a:rPr lang="en-US" sz="1300" dirty="0" err="1"/>
+              <a:t>wait_t</a:t>
+            </a:r>
+            <a:r>
+              <a:rPr lang="en-US" sz="1300" dirty="0"/>
+              <a:t>) + </a:t>
+            </a:r>
+            <a:r>
+              <a:rPr lang="en-US" sz="1300" dirty="0" err="1"/>
+              <a:t>num</a:t>
+            </a:r>
+            <a:r>
+              <a:rPr lang="en-US" sz="1300" dirty="0"/>
+              <a:t>(</a:t>
+            </a:r>
+            <a:r>
+              <a:rPr lang="en-US" sz="1300" dirty="0" err="1"/>
+              <a:t>make_t</a:t>
+            </a:r>
+            <a:r>
+              <a:rPr lang="en-US" sz="1300" dirty="0"/>
+              <a:t>);</a:t>
+            </a:r>
+          </a:p>
+          <a:p>
+            <a:pPr marL="0" indent="0">
+              <a:spcBef>
+                <a:spcPts val="0"/>
+              </a:spcBef>
+              <a:buNone/>
+            </a:pPr>
+            <a:r>
+              <a:rPr lang="en-US" sz="1300" dirty="0"/>
+              <a:t>    </a:t>
+            </a:r>
+            <a:r>
+              <a:rPr lang="en-US" sz="1300" dirty="0">
+                <a:solidFill>
+                  <a:srgbClr val="000090"/>
+                </a:solidFill>
+              </a:rPr>
+              <a:t>try</a:t>
+            </a:r>
+            <a:r>
+              <a:rPr lang="en-US" sz="1300" dirty="0"/>
+              <a:t> {</a:t>
+            </a:r>
+          </a:p>
+          <a:p>
+            <a:pPr marL="0" indent="0">
+              <a:spcBef>
+                <a:spcPts val="0"/>
+              </a:spcBef>
+              <a:buNone/>
+            </a:pPr>
+            <a:r>
+              <a:rPr lang="en-US" sz="1300" dirty="0"/>
+              <a:t>        </a:t>
+            </a:r>
+            <a:r>
+              <a:rPr lang="en-US" sz="1300" dirty="0">
+                <a:solidFill>
+                  <a:srgbClr val="000090"/>
+                </a:solidFill>
+              </a:rPr>
+              <a:t>if</a:t>
+            </a:r>
+            <a:r>
+              <a:rPr lang="en-US" sz="1300" dirty="0"/>
+              <a:t> </a:t>
+            </a:r>
+            <a:r>
+              <a:rPr lang="en-US" sz="1300" dirty="0" err="1"/>
+              <a:t>can_you_get_coffee</a:t>
+            </a:r>
+            <a:r>
+              <a:rPr lang="en-US" sz="1300" dirty="0"/>
+              <a:t>(d, time, </a:t>
+            </a:r>
+            <a:r>
+              <a:rPr lang="en-US" sz="1300" dirty="0" err="1"/>
+              <a:t>time_at_shop</a:t>
+            </a:r>
+            <a:r>
+              <a:rPr lang="en-US" sz="1300" dirty="0"/>
+              <a:t>)</a:t>
+            </a:r>
+          </a:p>
+          <a:p>
+            <a:pPr marL="0" indent="0">
+              <a:spcBef>
+                <a:spcPts val="0"/>
+              </a:spcBef>
+              <a:buNone/>
+            </a:pPr>
+            <a:r>
+              <a:rPr lang="en-US" sz="1300" dirty="0"/>
+              <a:t>            </a:t>
+            </a:r>
+            <a:r>
+              <a:rPr lang="en-US" sz="1300" dirty="0">
+                <a:solidFill>
+                  <a:srgbClr val="000090"/>
+                </a:solidFill>
+              </a:rPr>
+              <a:t>print</a:t>
+            </a:r>
+            <a:r>
+              <a:rPr lang="en-US" sz="1300" dirty="0"/>
+              <a:t>(</a:t>
+            </a:r>
+            <a:r>
+              <a:rPr lang="en-US" sz="1300" dirty="0">
+                <a:solidFill>
+                  <a:srgbClr val="008000"/>
+                </a:solidFill>
+              </a:rPr>
+              <a:t>"You have time to go to %s\n"</a:t>
+            </a:r>
+            <a:r>
+              <a:rPr lang="en-US" sz="1300" dirty="0"/>
+              <a:t>, name);</a:t>
+            </a:r>
+          </a:p>
+          <a:p>
+            <a:pPr marL="0" indent="0">
+              <a:spcBef>
+                <a:spcPts val="0"/>
+              </a:spcBef>
+              <a:buNone/>
+            </a:pPr>
+            <a:r>
+              <a:rPr lang="en-US" sz="1300" dirty="0"/>
+              <a:t>        </a:t>
+            </a:r>
+            <a:r>
+              <a:rPr lang="en-US" sz="1300" dirty="0">
+                <a:solidFill>
+                  <a:srgbClr val="000090"/>
+                </a:solidFill>
+              </a:rPr>
+              <a:t>else</a:t>
+            </a:r>
+          </a:p>
+          <a:p>
+            <a:pPr marL="0" indent="0">
+              <a:spcBef>
+                <a:spcPts val="0"/>
+              </a:spcBef>
+              <a:buNone/>
+            </a:pPr>
+            <a:r>
+              <a:rPr lang="en-US" sz="1300" dirty="0"/>
+              <a:t>            </a:t>
+            </a:r>
+            <a:r>
+              <a:rPr lang="en-US" sz="1300" dirty="0">
+                <a:solidFill>
+                  <a:srgbClr val="000090"/>
+                </a:solidFill>
+              </a:rPr>
+              <a:t>print</a:t>
+            </a:r>
+            <a:r>
+              <a:rPr lang="en-US" sz="1300" dirty="0"/>
+              <a:t>(</a:t>
+            </a:r>
+            <a:r>
+              <a:rPr lang="en-US" sz="1300" dirty="0">
+                <a:solidFill>
+                  <a:srgbClr val="008000"/>
+                </a:solidFill>
+              </a:rPr>
+              <a:t>"You do not have time to go to %s\n"</a:t>
+            </a:r>
+            <a:r>
+              <a:rPr lang="en-US" sz="1300" dirty="0"/>
+              <a:t>, name);</a:t>
+            </a:r>
+          </a:p>
+          <a:p>
+            <a:pPr marL="0" indent="0">
+              <a:spcBef>
+                <a:spcPts val="0"/>
+              </a:spcBef>
+              <a:buNone/>
+            </a:pPr>
+            <a:r>
+              <a:rPr lang="en-US" sz="1300" dirty="0"/>
+              <a:t>    } </a:t>
+            </a:r>
+            <a:r>
+              <a:rPr lang="en-US" sz="1300" dirty="0">
+                <a:solidFill>
+                  <a:srgbClr val="000090"/>
+                </a:solidFill>
+              </a:rPr>
+              <a:t>except </a:t>
+            </a:r>
+            <a:r>
+              <a:rPr lang="en-US" sz="1300" dirty="0">
+                <a:solidFill>
+                  <a:srgbClr val="660066"/>
+                </a:solidFill>
+              </a:rPr>
+              <a:t>Exception </a:t>
+            </a:r>
+            <a:r>
+              <a:rPr lang="en-US" sz="1300" dirty="0"/>
+              <a:t>{</a:t>
+            </a:r>
+          </a:p>
+          <a:p>
+            <a:pPr marL="0" indent="0">
+              <a:spcBef>
+                <a:spcPts val="0"/>
+              </a:spcBef>
+              <a:buNone/>
+            </a:pPr>
+            <a:r>
+              <a:rPr lang="en-US" sz="1300" dirty="0"/>
+              <a:t>        </a:t>
+            </a:r>
+            <a:r>
+              <a:rPr lang="en-US" sz="1300" dirty="0">
+                <a:solidFill>
+                  <a:srgbClr val="000090"/>
+                </a:solidFill>
+              </a:rPr>
+              <a:t>print </a:t>
+            </a:r>
+            <a:r>
+              <a:rPr lang="en-US" sz="1300" dirty="0"/>
+              <a:t>(</a:t>
+            </a:r>
+            <a:r>
+              <a:rPr lang="en-US" sz="1300" dirty="0">
+                <a:solidFill>
+                  <a:srgbClr val="008000"/>
+                </a:solidFill>
+              </a:rPr>
+              <a:t>"Could not calculate time for %s\n"</a:t>
+            </a:r>
+            <a:r>
+              <a:rPr lang="en-US" sz="1300" dirty="0"/>
+              <a:t>, name);</a:t>
+            </a:r>
+          </a:p>
+          <a:p>
+            <a:pPr marL="0" indent="0">
+              <a:spcBef>
+                <a:spcPts val="0"/>
+              </a:spcBef>
+              <a:buNone/>
+            </a:pPr>
+            <a:r>
+              <a:rPr lang="en-US" sz="1300" dirty="0"/>
+              <a:t>    }</a:t>
+            </a:r>
+          </a:p>
+          <a:p>
+            <a:pPr marL="0" indent="0">
+              <a:spcBef>
+                <a:spcPts val="0"/>
+              </a:spcBef>
+              <a:buNone/>
+            </a:pPr>
+            <a:r>
+              <a:rPr lang="en-US" sz="1300" dirty="0"/>
+              <a:t>}</a:t>
+            </a:r>
+            <a:endParaRPr lang="en-US" sz="1300" dirty="0"/>
+          </a:p>
+        </p:txBody>
+      </p:sp>
+      <p:sp>
+        <p:nvSpPr>
+          <p:cNvPr id="6" name="Rectangle 5"/>
+          <p:cNvSpPr/>
+          <p:nvPr/>
+        </p:nvSpPr>
+        <p:spPr>
+          <a:xfrm>
+            <a:off x="5218215" y="815980"/>
+            <a:ext cx="3626770" cy="3893374"/>
+          </a:xfrm>
+          <a:prstGeom prst="rect">
+            <a:avLst/>
+          </a:prstGeom>
+          <a:ln>
+            <a:solidFill>
+              <a:srgbClr val="BFBFBF"/>
+            </a:solidFill>
+          </a:ln>
+        </p:spPr>
+        <p:txBody>
+          <a:bodyPr wrap="square">
+            <a:spAutoFit/>
+          </a:bodyPr>
+          <a:lstStyle/>
+          <a:p>
+            <a:r>
+              <a:rPr lang="en-US" sz="1300" dirty="0">
+                <a:solidFill>
+                  <a:schemeClr val="accent5"/>
+                </a:solidFill>
+              </a:rPr>
+              <a:t>''' </a:t>
+            </a:r>
+            <a:r>
+              <a:rPr lang="en-US" sz="1300" dirty="0" err="1">
+                <a:solidFill>
+                  <a:schemeClr val="accent5"/>
+                </a:solidFill>
+              </a:rPr>
+              <a:t>tot_t</a:t>
+            </a:r>
+            <a:r>
+              <a:rPr lang="en-US" sz="1300" dirty="0">
+                <a:solidFill>
+                  <a:schemeClr val="accent5"/>
+                </a:solidFill>
+              </a:rPr>
+              <a:t> is the total time you have,</a:t>
+            </a:r>
+          </a:p>
+          <a:p>
+            <a:r>
+              <a:rPr lang="en-US" sz="1300" dirty="0">
+                <a:solidFill>
+                  <a:schemeClr val="accent5"/>
+                </a:solidFill>
+              </a:rPr>
+              <a:t>    </a:t>
+            </a:r>
+            <a:r>
+              <a:rPr lang="en-US" sz="1300" dirty="0" err="1">
+                <a:solidFill>
+                  <a:schemeClr val="accent5"/>
+                </a:solidFill>
+              </a:rPr>
+              <a:t>make_t</a:t>
+            </a:r>
+            <a:r>
+              <a:rPr lang="en-US" sz="1300" dirty="0">
+                <a:solidFill>
+                  <a:schemeClr val="accent5"/>
+                </a:solidFill>
+              </a:rPr>
+              <a:t> is the time it takes the baristas to</a:t>
+            </a:r>
+          </a:p>
+          <a:p>
+            <a:r>
+              <a:rPr lang="en-US" sz="1300" dirty="0">
+                <a:solidFill>
+                  <a:schemeClr val="accent5"/>
+                </a:solidFill>
+              </a:rPr>
+              <a:t>    fix you a drink.'''</a:t>
+            </a:r>
+          </a:p>
+          <a:p>
+            <a:endParaRPr lang="en-US" sz="1300" dirty="0"/>
+          </a:p>
+          <a:p>
+            <a:r>
+              <a:rPr lang="en-US" sz="1300" dirty="0" err="1">
+                <a:solidFill>
+                  <a:srgbClr val="000090"/>
+                </a:solidFill>
+              </a:rPr>
+              <a:t>def</a:t>
+            </a:r>
+            <a:r>
+              <a:rPr lang="en-US" sz="1300" dirty="0">
+                <a:solidFill>
+                  <a:srgbClr val="000090"/>
+                </a:solidFill>
+              </a:rPr>
+              <a:t> </a:t>
+            </a:r>
+            <a:r>
+              <a:rPr lang="en-US" sz="1300" dirty="0" err="1"/>
+              <a:t>can_you_get_coffee</a:t>
+            </a:r>
+            <a:r>
+              <a:rPr lang="en-US" sz="1300" dirty="0"/>
+              <a:t>(d, </a:t>
+            </a:r>
+            <a:r>
+              <a:rPr lang="en-US" sz="1300" dirty="0" err="1"/>
+              <a:t>tot_t</a:t>
+            </a:r>
+            <a:r>
+              <a:rPr lang="en-US" sz="1300" dirty="0"/>
+              <a:t>, </a:t>
+            </a:r>
+            <a:r>
+              <a:rPr lang="en-US" sz="1300" dirty="0" err="1"/>
+              <a:t>make_t</a:t>
+            </a:r>
+            <a:r>
+              <a:rPr lang="en-US" sz="1300" dirty="0"/>
+              <a:t>){</a:t>
+            </a:r>
+          </a:p>
+          <a:p>
+            <a:r>
+              <a:rPr lang="en-US" sz="1300" dirty="0"/>
+              <a:t>    </a:t>
+            </a:r>
+            <a:r>
+              <a:rPr lang="en-US" sz="1300" dirty="0" err="1"/>
+              <a:t>transit_time</a:t>
+            </a:r>
+            <a:r>
+              <a:rPr lang="en-US" sz="1300" dirty="0"/>
+              <a:t> = d / (</a:t>
+            </a:r>
+            <a:r>
+              <a:rPr lang="en-US" sz="1300" dirty="0" err="1"/>
+              <a:t>walk_speed</a:t>
+            </a:r>
+            <a:r>
+              <a:rPr lang="en-US" sz="1300" dirty="0"/>
+              <a:t> * 60);</a:t>
+            </a:r>
+          </a:p>
+          <a:p>
+            <a:r>
+              <a:rPr lang="en-US" sz="1300" dirty="0"/>
+              <a:t>    </a:t>
+            </a:r>
+            <a:r>
+              <a:rPr lang="en-US" sz="1300" dirty="0">
+                <a:solidFill>
+                  <a:srgbClr val="000090"/>
+                </a:solidFill>
+              </a:rPr>
+              <a:t>print</a:t>
+            </a:r>
+            <a:r>
+              <a:rPr lang="en-US" sz="1300" dirty="0"/>
+              <a:t> (</a:t>
+            </a:r>
+            <a:r>
+              <a:rPr lang="en-US" sz="1300" dirty="0">
+                <a:solidFill>
+                  <a:srgbClr val="008000"/>
+                </a:solidFill>
+              </a:rPr>
+              <a:t>"The time it will take you to get </a:t>
+            </a:r>
+            <a:r>
+              <a:rPr lang="en-US" sz="1300" dirty="0" smtClean="0">
+                <a:solidFill>
+                  <a:srgbClr val="008000"/>
+                </a:solidFill>
+              </a:rPr>
+              <a:t>there”</a:t>
+            </a:r>
+            <a:r>
+              <a:rPr lang="en-US" sz="1300" dirty="0" smtClean="0"/>
+              <a:t>);</a:t>
+            </a:r>
+          </a:p>
+          <a:p>
+            <a:r>
+              <a:rPr lang="en-US" sz="1300" dirty="0"/>
+              <a:t> </a:t>
+            </a:r>
+            <a:r>
+              <a:rPr lang="en-US" sz="1300" dirty="0" smtClean="0"/>
+              <a:t>   </a:t>
+            </a:r>
+            <a:r>
+              <a:rPr lang="en-US" sz="1300" dirty="0" smtClean="0">
+                <a:solidFill>
+                  <a:srgbClr val="000090"/>
+                </a:solidFill>
+              </a:rPr>
+              <a:t>print</a:t>
+            </a:r>
+            <a:r>
+              <a:rPr lang="en-US" sz="1300" dirty="0" smtClean="0"/>
+              <a:t> (</a:t>
+            </a:r>
+            <a:r>
+              <a:rPr lang="en-US" sz="1300" dirty="0" smtClean="0">
+                <a:solidFill>
+                  <a:srgbClr val="008000"/>
+                </a:solidFill>
+              </a:rPr>
+              <a:t>“is </a:t>
+            </a:r>
+            <a:r>
+              <a:rPr lang="en-US" sz="1300" dirty="0">
+                <a:solidFill>
+                  <a:srgbClr val="008000"/>
+                </a:solidFill>
+              </a:rPr>
+              <a:t>%s minutes"</a:t>
+            </a:r>
+            <a:r>
+              <a:rPr lang="en-US" sz="1300" dirty="0"/>
+              <a:t>, </a:t>
+            </a:r>
+            <a:r>
+              <a:rPr lang="en-US" sz="1300" dirty="0" err="1"/>
+              <a:t>transit_time</a:t>
+            </a:r>
+            <a:r>
+              <a:rPr lang="en-US" sz="1300" dirty="0"/>
+              <a:t>);</a:t>
+            </a:r>
+          </a:p>
+          <a:p>
+            <a:r>
+              <a:rPr lang="en-US" sz="1300" dirty="0"/>
+              <a:t>    </a:t>
+            </a:r>
+            <a:r>
+              <a:rPr lang="en-US" sz="1300" dirty="0" err="1"/>
+              <a:t>compare_time</a:t>
+            </a:r>
+            <a:r>
+              <a:rPr lang="en-US" sz="1300" dirty="0"/>
+              <a:t> = </a:t>
+            </a:r>
+            <a:r>
+              <a:rPr lang="en-US" sz="1300" dirty="0" err="1"/>
+              <a:t>transit_time</a:t>
+            </a:r>
+            <a:r>
+              <a:rPr lang="en-US" sz="1300" dirty="0"/>
+              <a:t> + </a:t>
+            </a:r>
+            <a:r>
+              <a:rPr lang="en-US" sz="1300" dirty="0" err="1"/>
+              <a:t>make_t</a:t>
+            </a:r>
+            <a:r>
+              <a:rPr lang="en-US" sz="1300" dirty="0"/>
+              <a:t>;</a:t>
+            </a:r>
+          </a:p>
+          <a:p>
+            <a:r>
+              <a:rPr lang="en-US" sz="1300" dirty="0"/>
+              <a:t>    </a:t>
+            </a:r>
+            <a:r>
+              <a:rPr lang="en-US" sz="1300" dirty="0">
+                <a:solidFill>
+                  <a:srgbClr val="000090"/>
+                </a:solidFill>
+              </a:rPr>
+              <a:t>print</a:t>
+            </a:r>
+            <a:r>
+              <a:rPr lang="en-US" sz="1300" dirty="0"/>
+              <a:t> (</a:t>
+            </a:r>
+            <a:r>
+              <a:rPr lang="en-US" sz="1300" dirty="0">
+                <a:solidFill>
+                  <a:srgbClr val="008000"/>
+                </a:solidFill>
+              </a:rPr>
+              <a:t>"The total time to travel and get </a:t>
+            </a:r>
+            <a:r>
+              <a:rPr lang="en-US" sz="1300" dirty="0" smtClean="0">
+                <a:solidFill>
+                  <a:srgbClr val="008000"/>
+                </a:solidFill>
+              </a:rPr>
+              <a:t>coffee”</a:t>
+            </a:r>
+            <a:r>
+              <a:rPr lang="en-US" sz="1300" dirty="0" smtClean="0"/>
+              <a:t>);</a:t>
+            </a:r>
+          </a:p>
+          <a:p>
+            <a:r>
+              <a:rPr lang="en-US" sz="1300" dirty="0"/>
+              <a:t> </a:t>
+            </a:r>
+            <a:r>
+              <a:rPr lang="en-US" sz="1300" dirty="0" smtClean="0"/>
+              <a:t>   </a:t>
+            </a:r>
+            <a:r>
+              <a:rPr lang="en-US" sz="1300" dirty="0" smtClean="0">
+                <a:solidFill>
+                  <a:srgbClr val="000090"/>
+                </a:solidFill>
+              </a:rPr>
+              <a:t>print</a:t>
+            </a:r>
+            <a:r>
+              <a:rPr lang="en-US" sz="1300" dirty="0" smtClean="0"/>
+              <a:t> (</a:t>
+            </a:r>
+            <a:r>
+              <a:rPr lang="en-US" sz="1300" dirty="0" smtClean="0">
+                <a:solidFill>
+                  <a:srgbClr val="008000"/>
+                </a:solidFill>
+              </a:rPr>
+              <a:t>“there </a:t>
+            </a:r>
+            <a:r>
+              <a:rPr lang="en-US" sz="1300" dirty="0">
+                <a:solidFill>
+                  <a:srgbClr val="008000"/>
+                </a:solidFill>
+              </a:rPr>
+              <a:t>is %s minutes"</a:t>
+            </a:r>
+            <a:r>
+              <a:rPr lang="en-US" sz="1300" dirty="0"/>
+              <a:t>, </a:t>
+            </a:r>
+            <a:r>
+              <a:rPr lang="en-US" sz="1300" dirty="0" err="1"/>
+              <a:t>compare_time</a:t>
+            </a:r>
+            <a:r>
+              <a:rPr lang="en-US" sz="1300" dirty="0"/>
+              <a:t>);</a:t>
+            </a:r>
+          </a:p>
+          <a:p>
+            <a:r>
+              <a:rPr lang="en-US" sz="1300" dirty="0"/>
+              <a:t>    </a:t>
+            </a:r>
+            <a:r>
+              <a:rPr lang="en-US" sz="1300" dirty="0" err="1"/>
+              <a:t>compare_time</a:t>
+            </a:r>
+            <a:r>
+              <a:rPr lang="en-US" sz="1300" dirty="0"/>
+              <a:t> = </a:t>
+            </a:r>
+            <a:r>
+              <a:rPr lang="en-US" sz="1300" dirty="0" err="1"/>
+              <a:t>num</a:t>
+            </a:r>
+            <a:r>
+              <a:rPr lang="en-US" sz="1300" dirty="0"/>
+              <a:t>(</a:t>
+            </a:r>
+            <a:r>
+              <a:rPr lang="en-US" sz="1300" dirty="0" err="1"/>
+              <a:t>compare_time</a:t>
+            </a:r>
+            <a:r>
+              <a:rPr lang="en-US" sz="1300" dirty="0"/>
+              <a:t>);</a:t>
+            </a:r>
+          </a:p>
+          <a:p>
+            <a:r>
+              <a:rPr lang="en-US" sz="1300" dirty="0"/>
+              <a:t>    </a:t>
+            </a:r>
+            <a:r>
+              <a:rPr lang="en-US" sz="1300" dirty="0" err="1"/>
+              <a:t>tot_t</a:t>
+            </a:r>
+            <a:r>
+              <a:rPr lang="en-US" sz="1300" dirty="0"/>
+              <a:t> = </a:t>
+            </a:r>
+            <a:r>
+              <a:rPr lang="en-US" sz="1300" dirty="0" err="1"/>
+              <a:t>num</a:t>
+            </a:r>
+            <a:r>
+              <a:rPr lang="en-US" sz="1300" dirty="0"/>
+              <a:t>(</a:t>
+            </a:r>
+            <a:r>
+              <a:rPr lang="en-US" sz="1300" dirty="0" err="1"/>
+              <a:t>tot_t</a:t>
+            </a:r>
+            <a:r>
+              <a:rPr lang="en-US" sz="1300" dirty="0"/>
+              <a:t>);</a:t>
+            </a:r>
+          </a:p>
+          <a:p>
+            <a:r>
+              <a:rPr lang="en-US" sz="1300" dirty="0"/>
+              <a:t>    boo = (</a:t>
+            </a:r>
+            <a:r>
+              <a:rPr lang="en-US" sz="1300" dirty="0" err="1"/>
+              <a:t>compare_time</a:t>
+            </a:r>
+            <a:r>
+              <a:rPr lang="en-US" sz="1300" dirty="0"/>
+              <a:t> &gt; </a:t>
+            </a:r>
+            <a:r>
+              <a:rPr lang="en-US" sz="1300" dirty="0" err="1"/>
+              <a:t>tot_t</a:t>
+            </a:r>
+            <a:r>
+              <a:rPr lang="en-US" sz="1300" dirty="0"/>
+              <a:t>);</a:t>
+            </a:r>
+          </a:p>
+          <a:p>
+            <a:r>
+              <a:rPr lang="en-US" sz="1300" dirty="0"/>
+              <a:t>    </a:t>
+            </a:r>
+            <a:r>
+              <a:rPr lang="en-US" sz="1300" dirty="0">
+                <a:solidFill>
+                  <a:srgbClr val="000090"/>
+                </a:solidFill>
+              </a:rPr>
+              <a:t>if</a:t>
+            </a:r>
+            <a:r>
+              <a:rPr lang="en-US" sz="1300" dirty="0"/>
+              <a:t> (boo)</a:t>
+            </a:r>
+          </a:p>
+          <a:p>
+            <a:r>
+              <a:rPr lang="en-US" sz="1300" dirty="0"/>
+              <a:t>        </a:t>
+            </a:r>
+            <a:r>
+              <a:rPr lang="en-US" sz="1300" dirty="0">
+                <a:solidFill>
+                  <a:srgbClr val="000090"/>
+                </a:solidFill>
+              </a:rPr>
+              <a:t>return</a:t>
+            </a:r>
+            <a:r>
+              <a:rPr lang="en-US" sz="1300" dirty="0"/>
+              <a:t> </a:t>
+            </a:r>
+            <a:r>
+              <a:rPr lang="en-US" sz="1300" dirty="0">
+                <a:solidFill>
+                  <a:srgbClr val="000090"/>
+                </a:solidFill>
+              </a:rPr>
+              <a:t>false</a:t>
+            </a:r>
+            <a:r>
+              <a:rPr lang="en-US" sz="1300" dirty="0"/>
+              <a:t>;</a:t>
+            </a:r>
+          </a:p>
+          <a:p>
+            <a:r>
+              <a:rPr lang="en-US" sz="1300" dirty="0"/>
+              <a:t>    </a:t>
+            </a:r>
+            <a:r>
+              <a:rPr lang="en-US" sz="1300" dirty="0">
+                <a:solidFill>
+                  <a:srgbClr val="000090"/>
+                </a:solidFill>
+              </a:rPr>
+              <a:t>else</a:t>
+            </a:r>
+          </a:p>
+          <a:p>
+            <a:r>
+              <a:rPr lang="en-US" sz="1300" dirty="0"/>
+              <a:t>        </a:t>
+            </a:r>
+            <a:r>
+              <a:rPr lang="en-US" sz="1300" dirty="0">
+                <a:solidFill>
+                  <a:srgbClr val="000090"/>
+                </a:solidFill>
+              </a:rPr>
+              <a:t>return</a:t>
+            </a:r>
+            <a:r>
+              <a:rPr lang="en-US" sz="1300" dirty="0"/>
+              <a:t> </a:t>
+            </a:r>
+            <a:r>
+              <a:rPr lang="en-US" sz="1300" dirty="0">
+                <a:solidFill>
+                  <a:srgbClr val="000090"/>
+                </a:solidFill>
+              </a:rPr>
+              <a:t>true</a:t>
+            </a:r>
+            <a:r>
+              <a:rPr lang="en-US" sz="1300" dirty="0"/>
+              <a:t>;</a:t>
+            </a:r>
+          </a:p>
+          <a:p>
+            <a:r>
+              <a:rPr lang="en-US" sz="1300" dirty="0"/>
+              <a:t>}</a:t>
+            </a:r>
           </a:p>
         </p:txBody>
       </p:sp>
@@ -8510,11 +9994,7 @@
           <a:p>
             <a:r>
               <a:rPr lang="en-US" sz="2800" dirty="0" smtClean="0"/>
-              <a:t>Bugs addressed through Google Code Issues </a:t>
-            </a:r>
-            <a:r>
-              <a:rPr lang="en-US" sz="2800" dirty="0" smtClean="0"/>
-              <a:t>Board &amp; at Group Meetings</a:t>
+              <a:t>Bugs addressed through Google Code Issues Board &amp; at Group Meetings</a:t>
             </a:r>
           </a:p>
           <a:p>

--- a/docs/local_present.pptx
+++ b/docs/local_present.pptx
@@ -14,7 +14,10 @@
     <p:sldId id="262" r:id="rId8"/>
     <p:sldId id="263" r:id="rId9"/>
     <p:sldId id="264" r:id="rId10"/>
-    <p:sldId id="265" r:id="rId11"/>
+    <p:sldId id="266" r:id="rId11"/>
+    <p:sldId id="267" r:id="rId12"/>
+    <p:sldId id="268" r:id="rId13"/>
+    <p:sldId id="265" r:id="rId14"/>
   </p:sldIdLst>
   <p:sldSz cx="9144000" cy="6858000" type="screen4x3"/>
   <p:notesSz cx="6858000" cy="9144000"/>
@@ -1135,15 +1138,15 @@
     </dgm:pt>
   </dgm:ptLst>
   <dgm:cxnLst>
+    <dgm:cxn modelId="{CAE30B11-CC2A-154F-8816-60E1EA34C7C5}" type="presOf" srcId="{F74E1E6B-6207-4C49-8AA0-22A4F15A5057}" destId="{FC1CBA4E-6E2F-EE48-861D-3EDED8DB6870}" srcOrd="0" destOrd="0" presId="urn:microsoft.com/office/officeart/2005/8/layout/arrow2"/>
+    <dgm:cxn modelId="{14286A4A-3840-3A4A-9C4F-3CAE3CC8677B}" type="presOf" srcId="{78A1E8F4-D03D-CF48-8943-6DE58C206D5A}" destId="{04A6350A-5479-734D-B89B-58D612C6A7CF}" srcOrd="0" destOrd="0" presId="urn:microsoft.com/office/officeart/2005/8/layout/arrow2"/>
+    <dgm:cxn modelId="{FAD75357-6883-9246-B989-F0EAC5059462}" type="presOf" srcId="{BE88FEAD-BFE7-E34C-BCF5-4BA41C0939D4}" destId="{4A2DFF65-509A-544C-9393-D04075A243CD}" srcOrd="0" destOrd="0" presId="urn:microsoft.com/office/officeart/2005/8/layout/arrow2"/>
+    <dgm:cxn modelId="{9B8B400C-3478-EC45-AE8F-FD6185D62D6E}" srcId="{78A1E8F4-D03D-CF48-8943-6DE58C206D5A}" destId="{F74E1E6B-6207-4C49-8AA0-22A4F15A5057}" srcOrd="0" destOrd="0" parTransId="{7FE7242A-A03D-284D-9AAC-989494308C86}" sibTransId="{AB09869F-DD0F-5744-AF56-BD66C760C450}"/>
+    <dgm:cxn modelId="{E512AC72-1457-444A-8463-06B229732841}" srcId="{78A1E8F4-D03D-CF48-8943-6DE58C206D5A}" destId="{40C8586C-B50B-0645-AD8E-8CB09C38AECA}" srcOrd="1" destOrd="0" parTransId="{4324FEA0-05B9-A949-9C16-54BD0AFE50B1}" sibTransId="{016AD713-C304-014B-A008-BAEA553254F5}"/>
     <dgm:cxn modelId="{632C7F91-17B3-EC43-8D9F-BEDA457231F2}" srcId="{78A1E8F4-D03D-CF48-8943-6DE58C206D5A}" destId="{E90090C8-5943-F040-9633-B1B97AE23E5D}" srcOrd="2" destOrd="0" parTransId="{2FA0ADF9-CDA9-554C-8E99-FF053E5DA4CC}" sibTransId="{5E64DACA-D4B3-264A-BBD0-E39BE5657CE2}"/>
-    <dgm:cxn modelId="{9B8B400C-3478-EC45-AE8F-FD6185D62D6E}" srcId="{78A1E8F4-D03D-CF48-8943-6DE58C206D5A}" destId="{F74E1E6B-6207-4C49-8AA0-22A4F15A5057}" srcOrd="0" destOrd="0" parTransId="{7FE7242A-A03D-284D-9AAC-989494308C86}" sibTransId="{AB09869F-DD0F-5744-AF56-BD66C760C450}"/>
+    <dgm:cxn modelId="{833818DA-5101-BA48-B94A-D284ED81F244}" type="presOf" srcId="{E90090C8-5943-F040-9633-B1B97AE23E5D}" destId="{F3C5ACA4-15AE-564E-83B5-CFFBDB844666}" srcOrd="0" destOrd="0" presId="urn:microsoft.com/office/officeart/2005/8/layout/arrow2"/>
+    <dgm:cxn modelId="{3C4E6C1D-1F8C-494E-B997-7BE74D54A3F4}" type="presOf" srcId="{40C8586C-B50B-0645-AD8E-8CB09C38AECA}" destId="{8A30EBEC-BCB4-5F4D-B7DF-22527C033D70}" srcOrd="0" destOrd="0" presId="urn:microsoft.com/office/officeart/2005/8/layout/arrow2"/>
     <dgm:cxn modelId="{B12CC9F1-F25C-324B-9821-8FDFE7DCFC59}" srcId="{78A1E8F4-D03D-CF48-8943-6DE58C206D5A}" destId="{BE88FEAD-BFE7-E34C-BCF5-4BA41C0939D4}" srcOrd="3" destOrd="0" parTransId="{BEDDEB86-AD04-B449-92C3-631EF3DAB54E}" sibTransId="{809877BC-99BF-F541-8046-500E2E05F0AD}"/>
-    <dgm:cxn modelId="{CAE30B11-CC2A-154F-8816-60E1EA34C7C5}" type="presOf" srcId="{F74E1E6B-6207-4C49-8AA0-22A4F15A5057}" destId="{FC1CBA4E-6E2F-EE48-861D-3EDED8DB6870}" srcOrd="0" destOrd="0" presId="urn:microsoft.com/office/officeart/2005/8/layout/arrow2"/>
-    <dgm:cxn modelId="{FAD75357-6883-9246-B989-F0EAC5059462}" type="presOf" srcId="{BE88FEAD-BFE7-E34C-BCF5-4BA41C0939D4}" destId="{4A2DFF65-509A-544C-9393-D04075A243CD}" srcOrd="0" destOrd="0" presId="urn:microsoft.com/office/officeart/2005/8/layout/arrow2"/>
-    <dgm:cxn modelId="{E512AC72-1457-444A-8463-06B229732841}" srcId="{78A1E8F4-D03D-CF48-8943-6DE58C206D5A}" destId="{40C8586C-B50B-0645-AD8E-8CB09C38AECA}" srcOrd="1" destOrd="0" parTransId="{4324FEA0-05B9-A949-9C16-54BD0AFE50B1}" sibTransId="{016AD713-C304-014B-A008-BAEA553254F5}"/>
-    <dgm:cxn modelId="{3C4E6C1D-1F8C-494E-B997-7BE74D54A3F4}" type="presOf" srcId="{40C8586C-B50B-0645-AD8E-8CB09C38AECA}" destId="{8A30EBEC-BCB4-5F4D-B7DF-22527C033D70}" srcOrd="0" destOrd="0" presId="urn:microsoft.com/office/officeart/2005/8/layout/arrow2"/>
-    <dgm:cxn modelId="{833818DA-5101-BA48-B94A-D284ED81F244}" type="presOf" srcId="{E90090C8-5943-F040-9633-B1B97AE23E5D}" destId="{F3C5ACA4-15AE-564E-83B5-CFFBDB844666}" srcOrd="0" destOrd="0" presId="urn:microsoft.com/office/officeart/2005/8/layout/arrow2"/>
-    <dgm:cxn modelId="{14286A4A-3840-3A4A-9C4F-3CAE3CC8677B}" type="presOf" srcId="{78A1E8F4-D03D-CF48-8943-6DE58C206D5A}" destId="{04A6350A-5479-734D-B89B-58D612C6A7CF}" srcOrd="0" destOrd="0" presId="urn:microsoft.com/office/officeart/2005/8/layout/arrow2"/>
     <dgm:cxn modelId="{65866AB4-D3ED-A548-894C-4B4A98D610BC}" type="presParOf" srcId="{04A6350A-5479-734D-B89B-58D612C6A7CF}" destId="{42224D65-0275-CB45-8546-C7B6A8995E25}" srcOrd="0" destOrd="0" presId="urn:microsoft.com/office/officeart/2005/8/layout/arrow2"/>
     <dgm:cxn modelId="{85E1247F-0FDD-2147-AA2A-22C8FCA6C6EC}" type="presParOf" srcId="{04A6350A-5479-734D-B89B-58D612C6A7CF}" destId="{81D78D91-6403-3E4F-9398-B2B69D4255E4}" srcOrd="1" destOrd="0" presId="urn:microsoft.com/office/officeart/2005/8/layout/arrow2"/>
     <dgm:cxn modelId="{4DD1DD6B-7A2F-984E-9F8D-D68054BCDA62}" type="presParOf" srcId="{81D78D91-6403-3E4F-9398-B2B69D4255E4}" destId="{12253921-DF7F-164A-ACD8-7BFE2B59D4EA}" srcOrd="0" destOrd="0" presId="urn:microsoft.com/office/officeart/2005/8/layout/arrow2"/>
@@ -1159,14 +1162,14 @@
   <dgm:whole/>
   <dgm:extLst>
     <a:ext uri="http://schemas.microsoft.com/office/drawing/2008/diagram">
-      <dsp:dataModelExt xmlns:dsp="http://schemas.microsoft.com/office/drawing/2008/diagram" relId="rId6" minVer="http://schemas.openxmlformats.org/drawingml/2006/diagram"/>
+      <dsp:dataModelExt xmlns:dsp="http://schemas.microsoft.com/office/drawing/2008/diagram" xmlns="" relId="rId6" minVer="http://schemas.openxmlformats.org/drawingml/2006/diagram"/>
     </a:ext>
   </dgm:extLst>
 </dgm:dataModel>
 </file>
 
 <file path=ppt/diagrams/drawing1.xml><?xml version="1.0" encoding="utf-8"?>
-<dsp:drawing xmlns:dgm="http://schemas.openxmlformats.org/drawingml/2006/diagram" xmlns:dsp="http://schemas.microsoft.com/office/drawing/2008/diagram" xmlns:a="http://schemas.openxmlformats.org/drawingml/2006/main">
+<dsp:drawing xmlns:dgm="http://schemas.openxmlformats.org/drawingml/2006/diagram" xmlns:a="http://schemas.openxmlformats.org/drawingml/2006/main" xmlns:dsp="http://schemas.microsoft.com/office/drawing/2008/diagram">
   <dsp:spTree>
     <dsp:nvGrpSpPr>
       <dsp:cNvPr id="0" name=""/>
@@ -4590,7 +4593,8 @@
           <a:p>
             <a:fld id="{12D17103-1748-4847-B931-A66DCC960259}" type="datetimeFigureOut">
               <a:rPr lang="en-US" smtClean="0"/>
-              <a:t>5/6/12</a:t>
+              <a:pPr/>
+              <a:t>5/6/2012</a:t>
             </a:fld>
             <a:endParaRPr lang="en-US"/>
           </a:p>
@@ -4632,6 +4636,7 @@
           <a:p>
             <a:fld id="{BE24168B-5171-1E4C-88AD-08B9EAC7E323}" type="slidenum">
               <a:rPr lang="en-US" smtClean="0"/>
+              <a:pPr/>
               <a:t>‹#›</a:t>
             </a:fld>
             <a:endParaRPr lang="en-US"/>
@@ -4641,7 +4646,7 @@
     </p:spTree>
     <p:extLst>
       <p:ext uri="{BB962C8B-B14F-4D97-AF65-F5344CB8AC3E}">
-        <p14:creationId xmlns:p14="http://schemas.microsoft.com/office/powerpoint/2010/main" val="3231040429"/>
+        <p14:creationId xmlns:p14="http://schemas.microsoft.com/office/powerpoint/2010/main" xmlns="" val="3231040429"/>
       </p:ext>
     </p:extLst>
   </p:cSld>
@@ -4760,7 +4765,8 @@
           <a:p>
             <a:fld id="{12D17103-1748-4847-B931-A66DCC960259}" type="datetimeFigureOut">
               <a:rPr lang="en-US" smtClean="0"/>
-              <a:t>5/6/12</a:t>
+              <a:pPr/>
+              <a:t>5/6/2012</a:t>
             </a:fld>
             <a:endParaRPr lang="en-US"/>
           </a:p>
@@ -4802,6 +4808,7 @@
           <a:p>
             <a:fld id="{BE24168B-5171-1E4C-88AD-08B9EAC7E323}" type="slidenum">
               <a:rPr lang="en-US" smtClean="0"/>
+              <a:pPr/>
               <a:t>‹#›</a:t>
             </a:fld>
             <a:endParaRPr lang="en-US"/>
@@ -4811,7 +4818,7 @@
     </p:spTree>
     <p:extLst>
       <p:ext uri="{BB962C8B-B14F-4D97-AF65-F5344CB8AC3E}">
-        <p14:creationId xmlns:p14="http://schemas.microsoft.com/office/powerpoint/2010/main" val="601949194"/>
+        <p14:creationId xmlns:p14="http://schemas.microsoft.com/office/powerpoint/2010/main" xmlns="" val="601949194"/>
       </p:ext>
     </p:extLst>
   </p:cSld>
@@ -4940,7 +4947,8 @@
           <a:p>
             <a:fld id="{12D17103-1748-4847-B931-A66DCC960259}" type="datetimeFigureOut">
               <a:rPr lang="en-US" smtClean="0"/>
-              <a:t>5/6/12</a:t>
+              <a:pPr/>
+              <a:t>5/6/2012</a:t>
             </a:fld>
             <a:endParaRPr lang="en-US"/>
           </a:p>
@@ -4982,6 +4990,7 @@
           <a:p>
             <a:fld id="{BE24168B-5171-1E4C-88AD-08B9EAC7E323}" type="slidenum">
               <a:rPr lang="en-US" smtClean="0"/>
+              <a:pPr/>
               <a:t>‹#›</a:t>
             </a:fld>
             <a:endParaRPr lang="en-US"/>
@@ -4991,7 +5000,7 @@
     </p:spTree>
     <p:extLst>
       <p:ext uri="{BB962C8B-B14F-4D97-AF65-F5344CB8AC3E}">
-        <p14:creationId xmlns:p14="http://schemas.microsoft.com/office/powerpoint/2010/main" val="2366487477"/>
+        <p14:creationId xmlns:p14="http://schemas.microsoft.com/office/powerpoint/2010/main" xmlns="" val="2366487477"/>
       </p:ext>
     </p:extLst>
   </p:cSld>
@@ -5110,7 +5119,8 @@
           <a:p>
             <a:fld id="{12D17103-1748-4847-B931-A66DCC960259}" type="datetimeFigureOut">
               <a:rPr lang="en-US" smtClean="0"/>
-              <a:t>5/6/12</a:t>
+              <a:pPr/>
+              <a:t>5/6/2012</a:t>
             </a:fld>
             <a:endParaRPr lang="en-US"/>
           </a:p>
@@ -5152,6 +5162,7 @@
           <a:p>
             <a:fld id="{BE24168B-5171-1E4C-88AD-08B9EAC7E323}" type="slidenum">
               <a:rPr lang="en-US" smtClean="0"/>
+              <a:pPr/>
               <a:t>‹#›</a:t>
             </a:fld>
             <a:endParaRPr lang="en-US"/>
@@ -5161,7 +5172,7 @@
     </p:spTree>
     <p:extLst>
       <p:ext uri="{BB962C8B-B14F-4D97-AF65-F5344CB8AC3E}">
-        <p14:creationId xmlns:p14="http://schemas.microsoft.com/office/powerpoint/2010/main" val="3805192695"/>
+        <p14:creationId xmlns:p14="http://schemas.microsoft.com/office/powerpoint/2010/main" xmlns="" val="3805192695"/>
       </p:ext>
     </p:extLst>
   </p:cSld>
@@ -5356,7 +5367,8 @@
           <a:p>
             <a:fld id="{12D17103-1748-4847-B931-A66DCC960259}" type="datetimeFigureOut">
               <a:rPr lang="en-US" smtClean="0"/>
-              <a:t>5/6/12</a:t>
+              <a:pPr/>
+              <a:t>5/6/2012</a:t>
             </a:fld>
             <a:endParaRPr lang="en-US"/>
           </a:p>
@@ -5398,6 +5410,7 @@
           <a:p>
             <a:fld id="{BE24168B-5171-1E4C-88AD-08B9EAC7E323}" type="slidenum">
               <a:rPr lang="en-US" smtClean="0"/>
+              <a:pPr/>
               <a:t>‹#›</a:t>
             </a:fld>
             <a:endParaRPr lang="en-US"/>
@@ -5407,7 +5420,7 @@
     </p:spTree>
     <p:extLst>
       <p:ext uri="{BB962C8B-B14F-4D97-AF65-F5344CB8AC3E}">
-        <p14:creationId xmlns:p14="http://schemas.microsoft.com/office/powerpoint/2010/main" val="489557129"/>
+        <p14:creationId xmlns:p14="http://schemas.microsoft.com/office/powerpoint/2010/main" xmlns="" val="489557129"/>
       </p:ext>
     </p:extLst>
   </p:cSld>
@@ -5644,7 +5657,8 @@
           <a:p>
             <a:fld id="{12D17103-1748-4847-B931-A66DCC960259}" type="datetimeFigureOut">
               <a:rPr lang="en-US" smtClean="0"/>
-              <a:t>5/6/12</a:t>
+              <a:pPr/>
+              <a:t>5/6/2012</a:t>
             </a:fld>
             <a:endParaRPr lang="en-US"/>
           </a:p>
@@ -5686,6 +5700,7 @@
           <a:p>
             <a:fld id="{BE24168B-5171-1E4C-88AD-08B9EAC7E323}" type="slidenum">
               <a:rPr lang="en-US" smtClean="0"/>
+              <a:pPr/>
               <a:t>‹#›</a:t>
             </a:fld>
             <a:endParaRPr lang="en-US"/>
@@ -5695,7 +5710,7 @@
     </p:spTree>
     <p:extLst>
       <p:ext uri="{BB962C8B-B14F-4D97-AF65-F5344CB8AC3E}">
-        <p14:creationId xmlns:p14="http://schemas.microsoft.com/office/powerpoint/2010/main" val="237749449"/>
+        <p14:creationId xmlns:p14="http://schemas.microsoft.com/office/powerpoint/2010/main" xmlns="" val="237749449"/>
       </p:ext>
     </p:extLst>
   </p:cSld>
@@ -6066,7 +6081,8 @@
           <a:p>
             <a:fld id="{12D17103-1748-4847-B931-A66DCC960259}" type="datetimeFigureOut">
               <a:rPr lang="en-US" smtClean="0"/>
-              <a:t>5/6/12</a:t>
+              <a:pPr/>
+              <a:t>5/6/2012</a:t>
             </a:fld>
             <a:endParaRPr lang="en-US"/>
           </a:p>
@@ -6108,6 +6124,7 @@
           <a:p>
             <a:fld id="{BE24168B-5171-1E4C-88AD-08B9EAC7E323}" type="slidenum">
               <a:rPr lang="en-US" smtClean="0"/>
+              <a:pPr/>
               <a:t>‹#›</a:t>
             </a:fld>
             <a:endParaRPr lang="en-US"/>
@@ -6117,7 +6134,7 @@
     </p:spTree>
     <p:extLst>
       <p:ext uri="{BB962C8B-B14F-4D97-AF65-F5344CB8AC3E}">
-        <p14:creationId xmlns:p14="http://schemas.microsoft.com/office/powerpoint/2010/main" val="2754041824"/>
+        <p14:creationId xmlns:p14="http://schemas.microsoft.com/office/powerpoint/2010/main" xmlns="" val="2754041824"/>
       </p:ext>
     </p:extLst>
   </p:cSld>
@@ -6184,7 +6201,8 @@
           <a:p>
             <a:fld id="{12D17103-1748-4847-B931-A66DCC960259}" type="datetimeFigureOut">
               <a:rPr lang="en-US" smtClean="0"/>
-              <a:t>5/6/12</a:t>
+              <a:pPr/>
+              <a:t>5/6/2012</a:t>
             </a:fld>
             <a:endParaRPr lang="en-US"/>
           </a:p>
@@ -6226,6 +6244,7 @@
           <a:p>
             <a:fld id="{BE24168B-5171-1E4C-88AD-08B9EAC7E323}" type="slidenum">
               <a:rPr lang="en-US" smtClean="0"/>
+              <a:pPr/>
               <a:t>‹#›</a:t>
             </a:fld>
             <a:endParaRPr lang="en-US"/>
@@ -6235,7 +6254,7 @@
     </p:spTree>
     <p:extLst>
       <p:ext uri="{BB962C8B-B14F-4D97-AF65-F5344CB8AC3E}">
-        <p14:creationId xmlns:p14="http://schemas.microsoft.com/office/powerpoint/2010/main" val="346641713"/>
+        <p14:creationId xmlns:p14="http://schemas.microsoft.com/office/powerpoint/2010/main" xmlns="" val="346641713"/>
       </p:ext>
     </p:extLst>
   </p:cSld>
@@ -6279,7 +6298,8 @@
           <a:p>
             <a:fld id="{12D17103-1748-4847-B931-A66DCC960259}" type="datetimeFigureOut">
               <a:rPr lang="en-US" smtClean="0"/>
-              <a:t>5/6/12</a:t>
+              <a:pPr/>
+              <a:t>5/6/2012</a:t>
             </a:fld>
             <a:endParaRPr lang="en-US"/>
           </a:p>
@@ -6321,6 +6341,7 @@
           <a:p>
             <a:fld id="{BE24168B-5171-1E4C-88AD-08B9EAC7E323}" type="slidenum">
               <a:rPr lang="en-US" smtClean="0"/>
+              <a:pPr/>
               <a:t>‹#›</a:t>
             </a:fld>
             <a:endParaRPr lang="en-US"/>
@@ -6330,7 +6351,7 @@
     </p:spTree>
     <p:extLst>
       <p:ext uri="{BB962C8B-B14F-4D97-AF65-F5344CB8AC3E}">
-        <p14:creationId xmlns:p14="http://schemas.microsoft.com/office/powerpoint/2010/main" val="2972177166"/>
+        <p14:creationId xmlns:p14="http://schemas.microsoft.com/office/powerpoint/2010/main" xmlns="" val="2972177166"/>
       </p:ext>
     </p:extLst>
   </p:cSld>
@@ -6556,7 +6577,8 @@
           <a:p>
             <a:fld id="{12D17103-1748-4847-B931-A66DCC960259}" type="datetimeFigureOut">
               <a:rPr lang="en-US" smtClean="0"/>
-              <a:t>5/6/12</a:t>
+              <a:pPr/>
+              <a:t>5/6/2012</a:t>
             </a:fld>
             <a:endParaRPr lang="en-US"/>
           </a:p>
@@ -6598,6 +6620,7 @@
           <a:p>
             <a:fld id="{BE24168B-5171-1E4C-88AD-08B9EAC7E323}" type="slidenum">
               <a:rPr lang="en-US" smtClean="0"/>
+              <a:pPr/>
               <a:t>‹#›</a:t>
             </a:fld>
             <a:endParaRPr lang="en-US"/>
@@ -6607,7 +6630,7 @@
     </p:spTree>
     <p:extLst>
       <p:ext uri="{BB962C8B-B14F-4D97-AF65-F5344CB8AC3E}">
-        <p14:creationId xmlns:p14="http://schemas.microsoft.com/office/powerpoint/2010/main" val="4232780802"/>
+        <p14:creationId xmlns:p14="http://schemas.microsoft.com/office/powerpoint/2010/main" xmlns="" val="4232780802"/>
       </p:ext>
     </p:extLst>
   </p:cSld>
@@ -6809,7 +6832,8 @@
           <a:p>
             <a:fld id="{12D17103-1748-4847-B931-A66DCC960259}" type="datetimeFigureOut">
               <a:rPr lang="en-US" smtClean="0"/>
-              <a:t>5/6/12</a:t>
+              <a:pPr/>
+              <a:t>5/6/2012</a:t>
             </a:fld>
             <a:endParaRPr lang="en-US"/>
           </a:p>
@@ -6851,6 +6875,7 @@
           <a:p>
             <a:fld id="{BE24168B-5171-1E4C-88AD-08B9EAC7E323}" type="slidenum">
               <a:rPr lang="en-US" smtClean="0"/>
+              <a:pPr/>
               <a:t>‹#›</a:t>
             </a:fld>
             <a:endParaRPr lang="en-US"/>
@@ -6860,7 +6885,7 @@
     </p:spTree>
     <p:extLst>
       <p:ext uri="{BB962C8B-B14F-4D97-AF65-F5344CB8AC3E}">
-        <p14:creationId xmlns:p14="http://schemas.microsoft.com/office/powerpoint/2010/main" val="2675457367"/>
+        <p14:creationId xmlns:p14="http://schemas.microsoft.com/office/powerpoint/2010/main" xmlns="" val="2675457367"/>
       </p:ext>
     </p:extLst>
   </p:cSld>
@@ -7022,7 +7047,8 @@
           <a:p>
             <a:fld id="{12D17103-1748-4847-B931-A66DCC960259}" type="datetimeFigureOut">
               <a:rPr lang="en-US" smtClean="0"/>
-              <a:t>5/6/12</a:t>
+              <a:pPr/>
+              <a:t>5/6/2012</a:t>
             </a:fld>
             <a:endParaRPr lang="en-US"/>
           </a:p>
@@ -7100,6 +7126,7 @@
           <a:p>
             <a:fld id="{BE24168B-5171-1E4C-88AD-08B9EAC7E323}" type="slidenum">
               <a:rPr lang="en-US" smtClean="0"/>
+              <a:pPr/>
               <a:t>‹#›</a:t>
             </a:fld>
             <a:endParaRPr lang="en-US"/>
@@ -7109,7 +7136,7 @@
     </p:spTree>
     <p:extLst>
       <p:ext uri="{BB962C8B-B14F-4D97-AF65-F5344CB8AC3E}">
-        <p14:creationId xmlns:p14="http://schemas.microsoft.com/office/powerpoint/2010/main" val="528073203"/>
+        <p14:creationId xmlns:p14="http://schemas.microsoft.com/office/powerpoint/2010/main" xmlns="" val="528073203"/>
       </p:ext>
     </p:extLst>
   </p:cSld>
@@ -7410,7 +7437,7 @@
             <a:alphaModFix/>
             <a:extLst>
               <a:ext uri="{BEBA8EAE-BF5A-486C-A8C5-ECC9F3942E4B}">
-                <a14:imgProps xmlns:a14="http://schemas.microsoft.com/office/drawing/2010/main">
+                <a14:imgProps xmlns:a14="http://schemas.microsoft.com/office/drawing/2010/main" xmlns="">
                   <a14:imgLayer r:embed="rId3">
                     <a14:imgEffect>
                       <a14:sharpenSoften amount="-30000"/>
@@ -7422,7 +7449,7 @@
                 </a14:imgProps>
               </a:ext>
               <a:ext uri="{28A0092B-C50C-407E-A947-70E740481C1C}">
-                <a14:useLocalDpi xmlns:a14="http://schemas.microsoft.com/office/drawing/2010/main" val="0"/>
+                <a14:useLocalDpi xmlns:a14="http://schemas.microsoft.com/office/drawing/2010/main" xmlns="" val="0"/>
               </a:ext>
             </a:extLst>
           </a:blip>
@@ -7742,7 +7769,7 @@
     </p:spTree>
     <p:extLst>
       <p:ext uri="{BB962C8B-B14F-4D97-AF65-F5344CB8AC3E}">
-        <p14:creationId xmlns:p14="http://schemas.microsoft.com/office/powerpoint/2010/main" val="3449312616"/>
+        <p14:creationId xmlns:p14="http://schemas.microsoft.com/office/powerpoint/2010/main" xmlns="" val="3449312616"/>
       </p:ext>
     </p:extLst>
   </p:cSld>
@@ -7752,7 +7779,7 @@
   <p:timing>
     <p:tnLst>
       <p:par>
-        <p:cTn xmlns:p14="http://schemas.microsoft.com/office/powerpoint/2010/main" id="1" dur="indefinite" restart="never" nodeType="tmRoot"/>
+        <p:cTn id="1" dur="indefinite" restart="never" nodeType="tmRoot"/>
       </p:par>
     </p:tnLst>
   </p:timing>
@@ -7793,6 +7820,304 @@
           <a:p>
             <a:r>
               <a:rPr lang="en-US" dirty="0" smtClean="0"/>
+              <a:t>Lessons Learned</a:t>
+            </a:r>
+            <a:endParaRPr lang="en-US" dirty="0"/>
+          </a:p>
+        </p:txBody>
+      </p:sp>
+      <p:sp>
+        <p:nvSpPr>
+          <p:cNvPr id="5" name="Content Placeholder 4"/>
+          <p:cNvSpPr>
+            <a:spLocks noGrp="1"/>
+          </p:cNvSpPr>
+          <p:nvPr>
+            <p:ph idx="1"/>
+          </p:nvPr>
+        </p:nvSpPr>
+        <p:spPr/>
+        <p:txBody>
+          <a:bodyPr/>
+          <a:lstStyle/>
+          <a:p>
+            <a:r>
+              <a:rPr lang="en-US" dirty="0" smtClean="0"/>
+              <a:t>Grammar is powerful – so don’t spend too much time on it!</a:t>
+            </a:r>
+          </a:p>
+          <a:p>
+            <a:r>
+              <a:rPr lang="en-US" dirty="0" smtClean="0"/>
+              <a:t>Don’t be afraid of building the AST</a:t>
+            </a:r>
+          </a:p>
+          <a:p>
+            <a:r>
+              <a:rPr lang="en-US" dirty="0" smtClean="0"/>
+              <a:t>Conflicts are inevitable, handling them is an art</a:t>
+            </a:r>
+          </a:p>
+          <a:p>
+            <a:r>
+              <a:rPr lang="en-US" dirty="0" smtClean="0"/>
+              <a:t>Paradigm shift: can’t take our favorite programming languages for granted anymore</a:t>
+            </a:r>
+          </a:p>
+          <a:p>
+            <a:endParaRPr lang="en-US" dirty="0"/>
+          </a:p>
+        </p:txBody>
+      </p:sp>
+    </p:spTree>
+  </p:cSld>
+  <p:clrMapOvr>
+    <a:masterClrMapping/>
+  </p:clrMapOvr>
+</p:sld>
+</file>
+
+<file path=ppt/slides/slide11.xml><?xml version="1.0" encoding="utf-8"?>
+<p:sld xmlns:a="http://schemas.openxmlformats.org/drawingml/2006/main" xmlns:r="http://schemas.openxmlformats.org/officeDocument/2006/relationships" xmlns:p="http://schemas.openxmlformats.org/presentationml/2006/main">
+  <p:cSld>
+    <p:spTree>
+      <p:nvGrpSpPr>
+        <p:cNvPr id="1" name=""/>
+        <p:cNvGrpSpPr/>
+        <p:nvPr/>
+      </p:nvGrpSpPr>
+      <p:grpSpPr>
+        <a:xfrm>
+          <a:off x="0" y="0"/>
+          <a:ext cx="0" cy="0"/>
+          <a:chOff x="0" y="0"/>
+          <a:chExt cx="0" cy="0"/>
+        </a:xfrm>
+      </p:grpSpPr>
+      <p:sp>
+        <p:nvSpPr>
+          <p:cNvPr id="4" name="Title 3"/>
+          <p:cNvSpPr>
+            <a:spLocks noGrp="1"/>
+          </p:cNvSpPr>
+          <p:nvPr>
+            <p:ph type="title"/>
+          </p:nvPr>
+        </p:nvSpPr>
+        <p:spPr/>
+        <p:txBody>
+          <a:bodyPr/>
+          <a:lstStyle/>
+          <a:p>
+            <a:r>
+              <a:rPr lang="en-US" dirty="0" smtClean="0"/>
+              <a:t>The good. The bad</a:t>
+            </a:r>
+            <a:endParaRPr lang="en-US" dirty="0"/>
+          </a:p>
+        </p:txBody>
+      </p:sp>
+      <p:sp>
+        <p:nvSpPr>
+          <p:cNvPr id="5" name="Content Placeholder 4"/>
+          <p:cNvSpPr>
+            <a:spLocks noGrp="1"/>
+          </p:cNvSpPr>
+          <p:nvPr>
+            <p:ph sz="half" idx="1"/>
+          </p:nvPr>
+        </p:nvSpPr>
+        <p:spPr/>
+        <p:txBody>
+          <a:bodyPr/>
+          <a:lstStyle/>
+          <a:p>
+            <a:r>
+              <a:rPr lang="en-US" dirty="0" smtClean="0"/>
+              <a:t>Wonderfully organized team!</a:t>
+            </a:r>
+          </a:p>
+          <a:p>
+            <a:r>
+              <a:rPr lang="en-US" dirty="0" smtClean="0"/>
+              <a:t>Updating each other often</a:t>
+            </a:r>
+          </a:p>
+          <a:p>
+            <a:r>
+              <a:rPr lang="en-US" dirty="0" smtClean="0"/>
+              <a:t>Delightfully ahead of schedule</a:t>
+            </a:r>
+            <a:endParaRPr lang="en-US" dirty="0"/>
+          </a:p>
+        </p:txBody>
+      </p:sp>
+      <p:sp>
+        <p:nvSpPr>
+          <p:cNvPr id="6" name="Content Placeholder 5"/>
+          <p:cNvSpPr>
+            <a:spLocks noGrp="1"/>
+          </p:cNvSpPr>
+          <p:nvPr>
+            <p:ph sz="half" idx="2"/>
+          </p:nvPr>
+        </p:nvSpPr>
+        <p:spPr/>
+        <p:txBody>
+          <a:bodyPr/>
+          <a:lstStyle/>
+          <a:p>
+            <a:r>
+              <a:rPr lang="en-US" dirty="0" smtClean="0"/>
+              <a:t>Too much time spent on grammar</a:t>
+            </a:r>
+          </a:p>
+          <a:p>
+            <a:r>
+              <a:rPr lang="en-US" dirty="0" smtClean="0"/>
+              <a:t>Less on AST</a:t>
+            </a:r>
+          </a:p>
+          <a:p>
+            <a:r>
+              <a:rPr lang="en-US" dirty="0" smtClean="0"/>
+              <a:t>Didn’t get local programs up and running till the last week</a:t>
+            </a:r>
+            <a:endParaRPr lang="en-US" dirty="0"/>
+          </a:p>
+        </p:txBody>
+      </p:sp>
+    </p:spTree>
+  </p:cSld>
+  <p:clrMapOvr>
+    <a:masterClrMapping/>
+  </p:clrMapOvr>
+</p:sld>
+</file>
+
+<file path=ppt/slides/slide12.xml><?xml version="1.0" encoding="utf-8"?>
+<p:sld xmlns:a="http://schemas.openxmlformats.org/drawingml/2006/main" xmlns:r="http://schemas.openxmlformats.org/officeDocument/2006/relationships" xmlns:p="http://schemas.openxmlformats.org/presentationml/2006/main">
+  <p:cSld>
+    <p:spTree>
+      <p:nvGrpSpPr>
+        <p:cNvPr id="1" name=""/>
+        <p:cNvGrpSpPr/>
+        <p:nvPr/>
+      </p:nvGrpSpPr>
+      <p:grpSpPr>
+        <a:xfrm>
+          <a:off x="0" y="0"/>
+          <a:ext cx="0" cy="0"/>
+          <a:chOff x="0" y="0"/>
+          <a:chExt cx="0" cy="0"/>
+        </a:xfrm>
+      </p:grpSpPr>
+      <p:sp>
+        <p:nvSpPr>
+          <p:cNvPr id="2" name="Title 1"/>
+          <p:cNvSpPr>
+            <a:spLocks noGrp="1"/>
+          </p:cNvSpPr>
+          <p:nvPr>
+            <p:ph type="title"/>
+          </p:nvPr>
+        </p:nvSpPr>
+        <p:spPr/>
+        <p:txBody>
+          <a:bodyPr>
+            <a:noAutofit/>
+          </a:bodyPr>
+          <a:lstStyle/>
+          <a:p>
+            <a:pPr algn="ctr"/>
+            <a:r>
+              <a:rPr lang="en-US" sz="4400" dirty="0" smtClean="0"/>
+              <a:t>Use our language!</a:t>
+            </a:r>
+            <a:endParaRPr lang="en-US" sz="4400" dirty="0"/>
+          </a:p>
+        </p:txBody>
+      </p:sp>
+      <p:sp>
+        <p:nvSpPr>
+          <p:cNvPr id="6" name="Picture Placeholder 5"/>
+          <p:cNvSpPr>
+            <a:spLocks noGrp="1"/>
+          </p:cNvSpPr>
+          <p:nvPr>
+            <p:ph type="pic" idx="1"/>
+          </p:nvPr>
+        </p:nvSpPr>
+        <p:spPr/>
+      </p:sp>
+      <p:sp>
+        <p:nvSpPr>
+          <p:cNvPr id="5" name="Content Placeholder 4"/>
+          <p:cNvSpPr>
+            <a:spLocks noGrp="1"/>
+          </p:cNvSpPr>
+          <p:nvPr>
+            <p:ph type="body" sz="half" idx="2"/>
+          </p:nvPr>
+        </p:nvSpPr>
+        <p:spPr/>
+        <p:txBody>
+          <a:bodyPr/>
+          <a:lstStyle/>
+          <a:p>
+            <a:pPr algn="ctr"/>
+            <a:r>
+              <a:rPr lang="en-US" sz="2800" dirty="0" smtClean="0"/>
+              <a:t>It’s so simple… No really it is!</a:t>
+            </a:r>
+          </a:p>
+          <a:p>
+            <a:endParaRPr lang="en-US" dirty="0"/>
+          </a:p>
+        </p:txBody>
+      </p:sp>
+    </p:spTree>
+  </p:cSld>
+  <p:clrMapOvr>
+    <a:masterClrMapping/>
+  </p:clrMapOvr>
+</p:sld>
+</file>
+
+<file path=ppt/slides/slide13.xml><?xml version="1.0" encoding="utf-8"?>
+<p:sld xmlns:a="http://schemas.openxmlformats.org/drawingml/2006/main" xmlns:r="http://schemas.openxmlformats.org/officeDocument/2006/relationships" xmlns:p="http://schemas.openxmlformats.org/presentationml/2006/main">
+  <p:cSld>
+    <p:spTree>
+      <p:nvGrpSpPr>
+        <p:cNvPr id="1" name=""/>
+        <p:cNvGrpSpPr/>
+        <p:nvPr/>
+      </p:nvGrpSpPr>
+      <p:grpSpPr>
+        <a:xfrm>
+          <a:off x="0" y="0"/>
+          <a:ext cx="0" cy="0"/>
+          <a:chOff x="0" y="0"/>
+          <a:chExt cx="0" cy="0"/>
+        </a:xfrm>
+      </p:grpSpPr>
+      <p:sp>
+        <p:nvSpPr>
+          <p:cNvPr id="2" name="Title 1"/>
+          <p:cNvSpPr>
+            <a:spLocks noGrp="1"/>
+          </p:cNvSpPr>
+          <p:nvPr>
+            <p:ph type="title"/>
+          </p:nvPr>
+        </p:nvSpPr>
+        <p:spPr/>
+        <p:txBody>
+          <a:bodyPr/>
+          <a:lstStyle/>
+          <a:p>
+            <a:r>
+              <a:rPr lang="en-US" dirty="0" smtClean="0"/>
               <a:t>Questions</a:t>
             </a:r>
             <a:endParaRPr lang="en-US" dirty="0"/>
@@ -7821,7 +8146,7 @@
     </p:spTree>
     <p:extLst>
       <p:ext uri="{BB962C8B-B14F-4D97-AF65-F5344CB8AC3E}">
-        <p14:creationId xmlns:p14="http://schemas.microsoft.com/office/powerpoint/2010/main" val="798869054"/>
+        <p14:creationId xmlns:p14="http://schemas.microsoft.com/office/powerpoint/2010/main" xmlns="" val="798869054"/>
       </p:ext>
     </p:extLst>
   </p:cSld>
@@ -8005,7 +8330,7 @@
     </p:spTree>
     <p:extLst>
       <p:ext uri="{BB962C8B-B14F-4D97-AF65-F5344CB8AC3E}">
-        <p14:creationId xmlns:p14="http://schemas.microsoft.com/office/powerpoint/2010/main" val="215984204"/>
+        <p14:creationId xmlns:p14="http://schemas.microsoft.com/office/powerpoint/2010/main" xmlns="" val="215984204"/>
       </p:ext>
     </p:extLst>
   </p:cSld>
@@ -8015,7 +8340,7 @@
   <p:timing>
     <p:tnLst>
       <p:par>
-        <p:cTn xmlns:p14="http://schemas.microsoft.com/office/powerpoint/2010/main" id="1" dur="indefinite" restart="never" nodeType="tmRoot"/>
+        <p:cTn id="1" dur="indefinite" restart="never" nodeType="tmRoot"/>
       </p:par>
     </p:tnLst>
   </p:timing>
@@ -8122,7 +8447,7 @@
     </p:spTree>
     <p:extLst>
       <p:ext uri="{BB962C8B-B14F-4D97-AF65-F5344CB8AC3E}">
-        <p14:creationId xmlns:p14="http://schemas.microsoft.com/office/powerpoint/2010/main" val="2452047840"/>
+        <p14:creationId xmlns:p14="http://schemas.microsoft.com/office/powerpoint/2010/main" xmlns="" val="2452047840"/>
       </p:ext>
     </p:extLst>
   </p:cSld>
@@ -8211,7 +8536,7 @@
     </p:spTree>
     <p:extLst>
       <p:ext uri="{BB962C8B-B14F-4D97-AF65-F5344CB8AC3E}">
-        <p14:creationId xmlns:p14="http://schemas.microsoft.com/office/powerpoint/2010/main" val="4102193222"/>
+        <p14:creationId xmlns:p14="http://schemas.microsoft.com/office/powerpoint/2010/main" xmlns="" val="4102193222"/>
       </p:ext>
     </p:extLst>
   </p:cSld>
@@ -8267,11 +8592,7 @@
             </a:r>
             <a:r>
               <a:rPr lang="en-US" dirty="0" smtClean="0"/>
-              <a:t> Code </a:t>
-            </a:r>
-            <a:r>
-              <a:rPr lang="en-US" dirty="0" smtClean="0"/>
-              <a:t>Example</a:t>
+              <a:t> Code Example</a:t>
             </a:r>
             <a:endParaRPr lang="en-US" dirty="0"/>
           </a:p>
@@ -9194,7 +9515,6 @@
               <a:rPr lang="en-US" sz="1300" dirty="0"/>
               <a:t>}</a:t>
             </a:r>
-            <a:endParaRPr lang="en-US" sz="1300" dirty="0"/>
           </a:p>
         </p:txBody>
       </p:sp>
@@ -9743,7 +10063,7 @@
     </p:spTree>
     <p:extLst>
       <p:ext uri="{BB962C8B-B14F-4D97-AF65-F5344CB8AC3E}">
-        <p14:creationId xmlns:p14="http://schemas.microsoft.com/office/powerpoint/2010/main" val="1195539260"/>
+        <p14:creationId xmlns:p14="http://schemas.microsoft.com/office/powerpoint/2010/main" xmlns="" val="1195539260"/>
       </p:ext>
     </p:extLst>
   </p:cSld>
@@ -9815,7 +10135,7 @@
     </p:spTree>
     <p:extLst>
       <p:ext uri="{BB962C8B-B14F-4D97-AF65-F5344CB8AC3E}">
-        <p14:creationId xmlns:p14="http://schemas.microsoft.com/office/powerpoint/2010/main" val="452808669"/>
+        <p14:creationId xmlns:p14="http://schemas.microsoft.com/office/powerpoint/2010/main" xmlns="" val="452808669"/>
       </p:ext>
     </p:extLst>
   </p:cSld>
@@ -9891,7 +10211,7 @@
     </p:spTree>
     <p:extLst>
       <p:ext uri="{BB962C8B-B14F-4D97-AF65-F5344CB8AC3E}">
-        <p14:creationId xmlns:p14="http://schemas.microsoft.com/office/powerpoint/2010/main" val="2186752886"/>
+        <p14:creationId xmlns:p14="http://schemas.microsoft.com/office/powerpoint/2010/main" xmlns="" val="2186752886"/>
       </p:ext>
     </p:extLst>
   </p:cSld>
@@ -10018,7 +10338,7 @@
           <p:nvPr>
             <p:extLst>
               <p:ext uri="{D42A27DB-BD31-4B8C-83A1-F6EECF244321}">
-                <p14:modId xmlns:p14="http://schemas.microsoft.com/office/powerpoint/2010/main" val="3903477257"/>
+                <p14:modId xmlns:p14="http://schemas.microsoft.com/office/powerpoint/2010/main" xmlns="" val="3903477257"/>
               </p:ext>
             </p:extLst>
           </p:nvPr>
@@ -10208,7 +10528,7 @@
     </p:spTree>
     <p:extLst>
       <p:ext uri="{BB962C8B-B14F-4D97-AF65-F5344CB8AC3E}">
-        <p14:creationId xmlns:p14="http://schemas.microsoft.com/office/powerpoint/2010/main" val="625530006"/>
+        <p14:creationId xmlns:p14="http://schemas.microsoft.com/office/powerpoint/2010/main" xmlns="" val="625530006"/>
       </p:ext>
     </p:extLst>
   </p:cSld>
@@ -10258,29 +10578,34 @@
           </a:p>
         </p:txBody>
       </p:sp>
-      <p:sp>
-        <p:nvSpPr>
-          <p:cNvPr id="3" name="Content Placeholder 2"/>
-          <p:cNvSpPr>
-            <a:spLocks noGrp="1"/>
-          </p:cNvSpPr>
-          <p:nvPr>
-            <p:ph idx="1"/>
-          </p:nvPr>
-        </p:nvSpPr>
-        <p:spPr/>
-        <p:txBody>
-          <a:bodyPr/>
-          <a:lstStyle/>
-          <a:p>
-            <a:endParaRPr lang="en-US" dirty="0"/>
-          </a:p>
-        </p:txBody>
-      </p:sp>
+      <p:pic>
+        <p:nvPicPr>
+          <p:cNvPr id="4" name="Picture 3" descr="python - xkcd.png"/>
+          <p:cNvPicPr>
+            <a:picLocks noChangeAspect="1"/>
+          </p:cNvPicPr>
+          <p:nvPr/>
+        </p:nvPicPr>
+        <p:blipFill>
+          <a:blip r:embed="rId2"/>
+          <a:stretch>
+            <a:fillRect/>
+          </a:stretch>
+        </p:blipFill>
+        <p:spPr>
+          <a:xfrm>
+            <a:off x="2604164" y="1417638"/>
+            <a:ext cx="4046022" cy="4592782"/>
+          </a:xfrm>
+          <a:prstGeom prst="rect">
+            <a:avLst/>
+          </a:prstGeom>
+        </p:spPr>
+      </p:pic>
     </p:spTree>
     <p:extLst>
       <p:ext uri="{BB962C8B-B14F-4D97-AF65-F5344CB8AC3E}">
-        <p14:creationId xmlns:p14="http://schemas.microsoft.com/office/powerpoint/2010/main" val="239602563"/>
+        <p14:creationId xmlns:p14="http://schemas.microsoft.com/office/powerpoint/2010/main" xmlns="" val="239602563"/>
       </p:ext>
     </p:extLst>
   </p:cSld>

--- a/docs/local_present.pptx
+++ b/docs/local_present.pptx
@@ -9,14 +9,14 @@
     <p:sldId id="257" r:id="rId3"/>
     <p:sldId id="258" r:id="rId4"/>
     <p:sldId id="259" r:id="rId5"/>
-    <p:sldId id="260" r:id="rId6"/>
-    <p:sldId id="261" r:id="rId7"/>
-    <p:sldId id="262" r:id="rId8"/>
-    <p:sldId id="263" r:id="rId9"/>
-    <p:sldId id="264" r:id="rId10"/>
-    <p:sldId id="266" r:id="rId11"/>
-    <p:sldId id="267" r:id="rId12"/>
-    <p:sldId id="268" r:id="rId13"/>
+    <p:sldId id="267" r:id="rId6"/>
+    <p:sldId id="260" r:id="rId7"/>
+    <p:sldId id="261" r:id="rId8"/>
+    <p:sldId id="262" r:id="rId9"/>
+    <p:sldId id="263" r:id="rId10"/>
+    <p:sldId id="269" r:id="rId11"/>
+    <p:sldId id="270" r:id="rId12"/>
+    <p:sldId id="271" r:id="rId13"/>
     <p:sldId id="265" r:id="rId14"/>
   </p:sldIdLst>
   <p:sldSz cx="9144000" cy="6858000" type="screen4x3"/>
@@ -1138,15 +1138,15 @@
     </dgm:pt>
   </dgm:ptLst>
   <dgm:cxnLst>
+    <dgm:cxn modelId="{632C7F91-17B3-EC43-8D9F-BEDA457231F2}" srcId="{78A1E8F4-D03D-CF48-8943-6DE58C206D5A}" destId="{E90090C8-5943-F040-9633-B1B97AE23E5D}" srcOrd="2" destOrd="0" parTransId="{2FA0ADF9-CDA9-554C-8E99-FF053E5DA4CC}" sibTransId="{5E64DACA-D4B3-264A-BBD0-E39BE5657CE2}"/>
+    <dgm:cxn modelId="{9B8B400C-3478-EC45-AE8F-FD6185D62D6E}" srcId="{78A1E8F4-D03D-CF48-8943-6DE58C206D5A}" destId="{F74E1E6B-6207-4C49-8AA0-22A4F15A5057}" srcOrd="0" destOrd="0" parTransId="{7FE7242A-A03D-284D-9AAC-989494308C86}" sibTransId="{AB09869F-DD0F-5744-AF56-BD66C760C450}"/>
+    <dgm:cxn modelId="{B12CC9F1-F25C-324B-9821-8FDFE7DCFC59}" srcId="{78A1E8F4-D03D-CF48-8943-6DE58C206D5A}" destId="{BE88FEAD-BFE7-E34C-BCF5-4BA41C0939D4}" srcOrd="3" destOrd="0" parTransId="{BEDDEB86-AD04-B449-92C3-631EF3DAB54E}" sibTransId="{809877BC-99BF-F541-8046-500E2E05F0AD}"/>
     <dgm:cxn modelId="{CAE30B11-CC2A-154F-8816-60E1EA34C7C5}" type="presOf" srcId="{F74E1E6B-6207-4C49-8AA0-22A4F15A5057}" destId="{FC1CBA4E-6E2F-EE48-861D-3EDED8DB6870}" srcOrd="0" destOrd="0" presId="urn:microsoft.com/office/officeart/2005/8/layout/arrow2"/>
+    <dgm:cxn modelId="{FAD75357-6883-9246-B989-F0EAC5059462}" type="presOf" srcId="{BE88FEAD-BFE7-E34C-BCF5-4BA41C0939D4}" destId="{4A2DFF65-509A-544C-9393-D04075A243CD}" srcOrd="0" destOrd="0" presId="urn:microsoft.com/office/officeart/2005/8/layout/arrow2"/>
+    <dgm:cxn modelId="{E512AC72-1457-444A-8463-06B229732841}" srcId="{78A1E8F4-D03D-CF48-8943-6DE58C206D5A}" destId="{40C8586C-B50B-0645-AD8E-8CB09C38AECA}" srcOrd="1" destOrd="0" parTransId="{4324FEA0-05B9-A949-9C16-54BD0AFE50B1}" sibTransId="{016AD713-C304-014B-A008-BAEA553254F5}"/>
+    <dgm:cxn modelId="{3C4E6C1D-1F8C-494E-B997-7BE74D54A3F4}" type="presOf" srcId="{40C8586C-B50B-0645-AD8E-8CB09C38AECA}" destId="{8A30EBEC-BCB4-5F4D-B7DF-22527C033D70}" srcOrd="0" destOrd="0" presId="urn:microsoft.com/office/officeart/2005/8/layout/arrow2"/>
+    <dgm:cxn modelId="{833818DA-5101-BA48-B94A-D284ED81F244}" type="presOf" srcId="{E90090C8-5943-F040-9633-B1B97AE23E5D}" destId="{F3C5ACA4-15AE-564E-83B5-CFFBDB844666}" srcOrd="0" destOrd="0" presId="urn:microsoft.com/office/officeart/2005/8/layout/arrow2"/>
     <dgm:cxn modelId="{14286A4A-3840-3A4A-9C4F-3CAE3CC8677B}" type="presOf" srcId="{78A1E8F4-D03D-CF48-8943-6DE58C206D5A}" destId="{04A6350A-5479-734D-B89B-58D612C6A7CF}" srcOrd="0" destOrd="0" presId="urn:microsoft.com/office/officeart/2005/8/layout/arrow2"/>
-    <dgm:cxn modelId="{FAD75357-6883-9246-B989-F0EAC5059462}" type="presOf" srcId="{BE88FEAD-BFE7-E34C-BCF5-4BA41C0939D4}" destId="{4A2DFF65-509A-544C-9393-D04075A243CD}" srcOrd="0" destOrd="0" presId="urn:microsoft.com/office/officeart/2005/8/layout/arrow2"/>
-    <dgm:cxn modelId="{9B8B400C-3478-EC45-AE8F-FD6185D62D6E}" srcId="{78A1E8F4-D03D-CF48-8943-6DE58C206D5A}" destId="{F74E1E6B-6207-4C49-8AA0-22A4F15A5057}" srcOrd="0" destOrd="0" parTransId="{7FE7242A-A03D-284D-9AAC-989494308C86}" sibTransId="{AB09869F-DD0F-5744-AF56-BD66C760C450}"/>
-    <dgm:cxn modelId="{E512AC72-1457-444A-8463-06B229732841}" srcId="{78A1E8F4-D03D-CF48-8943-6DE58C206D5A}" destId="{40C8586C-B50B-0645-AD8E-8CB09C38AECA}" srcOrd="1" destOrd="0" parTransId="{4324FEA0-05B9-A949-9C16-54BD0AFE50B1}" sibTransId="{016AD713-C304-014B-A008-BAEA553254F5}"/>
-    <dgm:cxn modelId="{632C7F91-17B3-EC43-8D9F-BEDA457231F2}" srcId="{78A1E8F4-D03D-CF48-8943-6DE58C206D5A}" destId="{E90090C8-5943-F040-9633-B1B97AE23E5D}" srcOrd="2" destOrd="0" parTransId="{2FA0ADF9-CDA9-554C-8E99-FF053E5DA4CC}" sibTransId="{5E64DACA-D4B3-264A-BBD0-E39BE5657CE2}"/>
-    <dgm:cxn modelId="{833818DA-5101-BA48-B94A-D284ED81F244}" type="presOf" srcId="{E90090C8-5943-F040-9633-B1B97AE23E5D}" destId="{F3C5ACA4-15AE-564E-83B5-CFFBDB844666}" srcOrd="0" destOrd="0" presId="urn:microsoft.com/office/officeart/2005/8/layout/arrow2"/>
-    <dgm:cxn modelId="{3C4E6C1D-1F8C-494E-B997-7BE74D54A3F4}" type="presOf" srcId="{40C8586C-B50B-0645-AD8E-8CB09C38AECA}" destId="{8A30EBEC-BCB4-5F4D-B7DF-22527C033D70}" srcOrd="0" destOrd="0" presId="urn:microsoft.com/office/officeart/2005/8/layout/arrow2"/>
-    <dgm:cxn modelId="{B12CC9F1-F25C-324B-9821-8FDFE7DCFC59}" srcId="{78A1E8F4-D03D-CF48-8943-6DE58C206D5A}" destId="{BE88FEAD-BFE7-E34C-BCF5-4BA41C0939D4}" srcOrd="3" destOrd="0" parTransId="{BEDDEB86-AD04-B449-92C3-631EF3DAB54E}" sibTransId="{809877BC-99BF-F541-8046-500E2E05F0AD}"/>
     <dgm:cxn modelId="{65866AB4-D3ED-A548-894C-4B4A98D610BC}" type="presParOf" srcId="{04A6350A-5479-734D-B89B-58D612C6A7CF}" destId="{42224D65-0275-CB45-8546-C7B6A8995E25}" srcOrd="0" destOrd="0" presId="urn:microsoft.com/office/officeart/2005/8/layout/arrow2"/>
     <dgm:cxn modelId="{85E1247F-0FDD-2147-AA2A-22C8FCA6C6EC}" type="presParOf" srcId="{04A6350A-5479-734D-B89B-58D612C6A7CF}" destId="{81D78D91-6403-3E4F-9398-B2B69D4255E4}" srcOrd="1" destOrd="0" presId="urn:microsoft.com/office/officeart/2005/8/layout/arrow2"/>
     <dgm:cxn modelId="{4DD1DD6B-7A2F-984E-9F8D-D68054BCDA62}" type="presParOf" srcId="{81D78D91-6403-3E4F-9398-B2B69D4255E4}" destId="{12253921-DF7F-164A-ACD8-7BFE2B59D4EA}" srcOrd="0" destOrd="0" presId="urn:microsoft.com/office/officeart/2005/8/layout/arrow2"/>
@@ -1162,14 +1162,14 @@
   <dgm:whole/>
   <dgm:extLst>
     <a:ext uri="http://schemas.microsoft.com/office/drawing/2008/diagram">
-      <dsp:dataModelExt xmlns:dsp="http://schemas.microsoft.com/office/drawing/2008/diagram" xmlns="" relId="rId6" minVer="http://schemas.openxmlformats.org/drawingml/2006/diagram"/>
+      <dsp:dataModelExt xmlns:dsp="http://schemas.microsoft.com/office/drawing/2008/diagram" relId="rId6" minVer="http://schemas.openxmlformats.org/drawingml/2006/diagram"/>
     </a:ext>
   </dgm:extLst>
 </dgm:dataModel>
 </file>
 
 <file path=ppt/diagrams/drawing1.xml><?xml version="1.0" encoding="utf-8"?>
-<dsp:drawing xmlns:dgm="http://schemas.openxmlformats.org/drawingml/2006/diagram" xmlns:a="http://schemas.openxmlformats.org/drawingml/2006/main" xmlns:dsp="http://schemas.microsoft.com/office/drawing/2008/diagram">
+<dsp:drawing xmlns:dgm="http://schemas.openxmlformats.org/drawingml/2006/diagram" xmlns:dsp="http://schemas.microsoft.com/office/drawing/2008/diagram" xmlns:a="http://schemas.openxmlformats.org/drawingml/2006/main">
   <dsp:spTree>
     <dsp:nvGrpSpPr>
       <dsp:cNvPr id="0" name=""/>
@@ -4593,10 +4593,9 @@
           <a:p>
             <a:fld id="{12D17103-1748-4847-B931-A66DCC960259}" type="datetimeFigureOut">
               <a:rPr lang="en-US" smtClean="0"/>
-              <a:pPr/>
-              <a:t>5/6/2012</a:t>
+              <a:t>5/6/12</a:t>
             </a:fld>
-            <a:endParaRPr lang="en-US"/>
+            <a:endParaRPr lang="en-US" dirty="0"/>
           </a:p>
         </p:txBody>
       </p:sp>
@@ -4615,7 +4614,7 @@
           <a:bodyPr/>
           <a:lstStyle/>
           <a:p>
-            <a:endParaRPr lang="en-US"/>
+            <a:endParaRPr lang="en-US" dirty="0"/>
           </a:p>
         </p:txBody>
       </p:sp>
@@ -4636,17 +4635,16 @@
           <a:p>
             <a:fld id="{BE24168B-5171-1E4C-88AD-08B9EAC7E323}" type="slidenum">
               <a:rPr lang="en-US" smtClean="0"/>
-              <a:pPr/>
               <a:t>‹#›</a:t>
             </a:fld>
-            <a:endParaRPr lang="en-US"/>
+            <a:endParaRPr lang="en-US" dirty="0"/>
           </a:p>
         </p:txBody>
       </p:sp>
     </p:spTree>
     <p:extLst>
       <p:ext uri="{BB962C8B-B14F-4D97-AF65-F5344CB8AC3E}">
-        <p14:creationId xmlns:p14="http://schemas.microsoft.com/office/powerpoint/2010/main" xmlns="" val="3231040429"/>
+        <p14:creationId xmlns:p14="http://schemas.microsoft.com/office/powerpoint/2010/main" val="3231040429"/>
       </p:ext>
     </p:extLst>
   </p:cSld>
@@ -4765,10 +4763,9 @@
           <a:p>
             <a:fld id="{12D17103-1748-4847-B931-A66DCC960259}" type="datetimeFigureOut">
               <a:rPr lang="en-US" smtClean="0"/>
-              <a:pPr/>
-              <a:t>5/6/2012</a:t>
+              <a:t>5/6/12</a:t>
             </a:fld>
-            <a:endParaRPr lang="en-US"/>
+            <a:endParaRPr lang="en-US" dirty="0"/>
           </a:p>
         </p:txBody>
       </p:sp>
@@ -4787,7 +4784,7 @@
           <a:bodyPr/>
           <a:lstStyle/>
           <a:p>
-            <a:endParaRPr lang="en-US"/>
+            <a:endParaRPr lang="en-US" dirty="0"/>
           </a:p>
         </p:txBody>
       </p:sp>
@@ -4808,17 +4805,16 @@
           <a:p>
             <a:fld id="{BE24168B-5171-1E4C-88AD-08B9EAC7E323}" type="slidenum">
               <a:rPr lang="en-US" smtClean="0"/>
-              <a:pPr/>
               <a:t>‹#›</a:t>
             </a:fld>
-            <a:endParaRPr lang="en-US"/>
+            <a:endParaRPr lang="en-US" dirty="0"/>
           </a:p>
         </p:txBody>
       </p:sp>
     </p:spTree>
     <p:extLst>
       <p:ext uri="{BB962C8B-B14F-4D97-AF65-F5344CB8AC3E}">
-        <p14:creationId xmlns:p14="http://schemas.microsoft.com/office/powerpoint/2010/main" xmlns="" val="601949194"/>
+        <p14:creationId xmlns:p14="http://schemas.microsoft.com/office/powerpoint/2010/main" val="601949194"/>
       </p:ext>
     </p:extLst>
   </p:cSld>
@@ -4947,10 +4943,9 @@
           <a:p>
             <a:fld id="{12D17103-1748-4847-B931-A66DCC960259}" type="datetimeFigureOut">
               <a:rPr lang="en-US" smtClean="0"/>
-              <a:pPr/>
-              <a:t>5/6/2012</a:t>
+              <a:t>5/6/12</a:t>
             </a:fld>
-            <a:endParaRPr lang="en-US"/>
+            <a:endParaRPr lang="en-US" dirty="0"/>
           </a:p>
         </p:txBody>
       </p:sp>
@@ -4969,7 +4964,7 @@
           <a:bodyPr/>
           <a:lstStyle/>
           <a:p>
-            <a:endParaRPr lang="en-US"/>
+            <a:endParaRPr lang="en-US" dirty="0"/>
           </a:p>
         </p:txBody>
       </p:sp>
@@ -4990,17 +4985,16 @@
           <a:p>
             <a:fld id="{BE24168B-5171-1E4C-88AD-08B9EAC7E323}" type="slidenum">
               <a:rPr lang="en-US" smtClean="0"/>
-              <a:pPr/>
               <a:t>‹#›</a:t>
             </a:fld>
-            <a:endParaRPr lang="en-US"/>
+            <a:endParaRPr lang="en-US" dirty="0"/>
           </a:p>
         </p:txBody>
       </p:sp>
     </p:spTree>
     <p:extLst>
       <p:ext uri="{BB962C8B-B14F-4D97-AF65-F5344CB8AC3E}">
-        <p14:creationId xmlns:p14="http://schemas.microsoft.com/office/powerpoint/2010/main" xmlns="" val="2366487477"/>
+        <p14:creationId xmlns:p14="http://schemas.microsoft.com/office/powerpoint/2010/main" val="2366487477"/>
       </p:ext>
     </p:extLst>
   </p:cSld>
@@ -5119,10 +5113,9 @@
           <a:p>
             <a:fld id="{12D17103-1748-4847-B931-A66DCC960259}" type="datetimeFigureOut">
               <a:rPr lang="en-US" smtClean="0"/>
-              <a:pPr/>
-              <a:t>5/6/2012</a:t>
+              <a:t>5/6/12</a:t>
             </a:fld>
-            <a:endParaRPr lang="en-US"/>
+            <a:endParaRPr lang="en-US" dirty="0"/>
           </a:p>
         </p:txBody>
       </p:sp>
@@ -5141,7 +5134,7 @@
           <a:bodyPr/>
           <a:lstStyle/>
           <a:p>
-            <a:endParaRPr lang="en-US"/>
+            <a:endParaRPr lang="en-US" dirty="0"/>
           </a:p>
         </p:txBody>
       </p:sp>
@@ -5162,17 +5155,16 @@
           <a:p>
             <a:fld id="{BE24168B-5171-1E4C-88AD-08B9EAC7E323}" type="slidenum">
               <a:rPr lang="en-US" smtClean="0"/>
-              <a:pPr/>
               <a:t>‹#›</a:t>
             </a:fld>
-            <a:endParaRPr lang="en-US"/>
+            <a:endParaRPr lang="en-US" dirty="0"/>
           </a:p>
         </p:txBody>
       </p:sp>
     </p:spTree>
     <p:extLst>
       <p:ext uri="{BB962C8B-B14F-4D97-AF65-F5344CB8AC3E}">
-        <p14:creationId xmlns:p14="http://schemas.microsoft.com/office/powerpoint/2010/main" xmlns="" val="3805192695"/>
+        <p14:creationId xmlns:p14="http://schemas.microsoft.com/office/powerpoint/2010/main" val="3805192695"/>
       </p:ext>
     </p:extLst>
   </p:cSld>
@@ -5367,10 +5359,9 @@
           <a:p>
             <a:fld id="{12D17103-1748-4847-B931-A66DCC960259}" type="datetimeFigureOut">
               <a:rPr lang="en-US" smtClean="0"/>
-              <a:pPr/>
-              <a:t>5/6/2012</a:t>
+              <a:t>5/6/12</a:t>
             </a:fld>
-            <a:endParaRPr lang="en-US"/>
+            <a:endParaRPr lang="en-US" dirty="0"/>
           </a:p>
         </p:txBody>
       </p:sp>
@@ -5389,7 +5380,7 @@
           <a:bodyPr/>
           <a:lstStyle/>
           <a:p>
-            <a:endParaRPr lang="en-US"/>
+            <a:endParaRPr lang="en-US" dirty="0"/>
           </a:p>
         </p:txBody>
       </p:sp>
@@ -5410,17 +5401,16 @@
           <a:p>
             <a:fld id="{BE24168B-5171-1E4C-88AD-08B9EAC7E323}" type="slidenum">
               <a:rPr lang="en-US" smtClean="0"/>
-              <a:pPr/>
               <a:t>‹#›</a:t>
             </a:fld>
-            <a:endParaRPr lang="en-US"/>
+            <a:endParaRPr lang="en-US" dirty="0"/>
           </a:p>
         </p:txBody>
       </p:sp>
     </p:spTree>
     <p:extLst>
       <p:ext uri="{BB962C8B-B14F-4D97-AF65-F5344CB8AC3E}">
-        <p14:creationId xmlns:p14="http://schemas.microsoft.com/office/powerpoint/2010/main" xmlns="" val="489557129"/>
+        <p14:creationId xmlns:p14="http://schemas.microsoft.com/office/powerpoint/2010/main" val="489557129"/>
       </p:ext>
     </p:extLst>
   </p:cSld>
@@ -5657,10 +5647,9 @@
           <a:p>
             <a:fld id="{12D17103-1748-4847-B931-A66DCC960259}" type="datetimeFigureOut">
               <a:rPr lang="en-US" smtClean="0"/>
-              <a:pPr/>
-              <a:t>5/6/2012</a:t>
+              <a:t>5/6/12</a:t>
             </a:fld>
-            <a:endParaRPr lang="en-US"/>
+            <a:endParaRPr lang="en-US" dirty="0"/>
           </a:p>
         </p:txBody>
       </p:sp>
@@ -5679,7 +5668,7 @@
           <a:bodyPr/>
           <a:lstStyle/>
           <a:p>
-            <a:endParaRPr lang="en-US"/>
+            <a:endParaRPr lang="en-US" dirty="0"/>
           </a:p>
         </p:txBody>
       </p:sp>
@@ -5700,17 +5689,16 @@
           <a:p>
             <a:fld id="{BE24168B-5171-1E4C-88AD-08B9EAC7E323}" type="slidenum">
               <a:rPr lang="en-US" smtClean="0"/>
-              <a:pPr/>
               <a:t>‹#›</a:t>
             </a:fld>
-            <a:endParaRPr lang="en-US"/>
+            <a:endParaRPr lang="en-US" dirty="0"/>
           </a:p>
         </p:txBody>
       </p:sp>
     </p:spTree>
     <p:extLst>
       <p:ext uri="{BB962C8B-B14F-4D97-AF65-F5344CB8AC3E}">
-        <p14:creationId xmlns:p14="http://schemas.microsoft.com/office/powerpoint/2010/main" xmlns="" val="237749449"/>
+        <p14:creationId xmlns:p14="http://schemas.microsoft.com/office/powerpoint/2010/main" val="237749449"/>
       </p:ext>
     </p:extLst>
   </p:cSld>
@@ -6081,10 +6069,9 @@
           <a:p>
             <a:fld id="{12D17103-1748-4847-B931-A66DCC960259}" type="datetimeFigureOut">
               <a:rPr lang="en-US" smtClean="0"/>
-              <a:pPr/>
-              <a:t>5/6/2012</a:t>
+              <a:t>5/6/12</a:t>
             </a:fld>
-            <a:endParaRPr lang="en-US"/>
+            <a:endParaRPr lang="en-US" dirty="0"/>
           </a:p>
         </p:txBody>
       </p:sp>
@@ -6103,7 +6090,7 @@
           <a:bodyPr/>
           <a:lstStyle/>
           <a:p>
-            <a:endParaRPr lang="en-US"/>
+            <a:endParaRPr lang="en-US" dirty="0"/>
           </a:p>
         </p:txBody>
       </p:sp>
@@ -6124,17 +6111,16 @@
           <a:p>
             <a:fld id="{BE24168B-5171-1E4C-88AD-08B9EAC7E323}" type="slidenum">
               <a:rPr lang="en-US" smtClean="0"/>
-              <a:pPr/>
               <a:t>‹#›</a:t>
             </a:fld>
-            <a:endParaRPr lang="en-US"/>
+            <a:endParaRPr lang="en-US" dirty="0"/>
           </a:p>
         </p:txBody>
       </p:sp>
     </p:spTree>
     <p:extLst>
       <p:ext uri="{BB962C8B-B14F-4D97-AF65-F5344CB8AC3E}">
-        <p14:creationId xmlns:p14="http://schemas.microsoft.com/office/powerpoint/2010/main" xmlns="" val="2754041824"/>
+        <p14:creationId xmlns:p14="http://schemas.microsoft.com/office/powerpoint/2010/main" val="2754041824"/>
       </p:ext>
     </p:extLst>
   </p:cSld>
@@ -6201,10 +6187,9 @@
           <a:p>
             <a:fld id="{12D17103-1748-4847-B931-A66DCC960259}" type="datetimeFigureOut">
               <a:rPr lang="en-US" smtClean="0"/>
-              <a:pPr/>
-              <a:t>5/6/2012</a:t>
+              <a:t>5/6/12</a:t>
             </a:fld>
-            <a:endParaRPr lang="en-US"/>
+            <a:endParaRPr lang="en-US" dirty="0"/>
           </a:p>
         </p:txBody>
       </p:sp>
@@ -6223,7 +6208,7 @@
           <a:bodyPr/>
           <a:lstStyle/>
           <a:p>
-            <a:endParaRPr lang="en-US"/>
+            <a:endParaRPr lang="en-US" dirty="0"/>
           </a:p>
         </p:txBody>
       </p:sp>
@@ -6244,17 +6229,16 @@
           <a:p>
             <a:fld id="{BE24168B-5171-1E4C-88AD-08B9EAC7E323}" type="slidenum">
               <a:rPr lang="en-US" smtClean="0"/>
-              <a:pPr/>
               <a:t>‹#›</a:t>
             </a:fld>
-            <a:endParaRPr lang="en-US"/>
+            <a:endParaRPr lang="en-US" dirty="0"/>
           </a:p>
         </p:txBody>
       </p:sp>
     </p:spTree>
     <p:extLst>
       <p:ext uri="{BB962C8B-B14F-4D97-AF65-F5344CB8AC3E}">
-        <p14:creationId xmlns:p14="http://schemas.microsoft.com/office/powerpoint/2010/main" xmlns="" val="346641713"/>
+        <p14:creationId xmlns:p14="http://schemas.microsoft.com/office/powerpoint/2010/main" val="346641713"/>
       </p:ext>
     </p:extLst>
   </p:cSld>
@@ -6298,10 +6282,9 @@
           <a:p>
             <a:fld id="{12D17103-1748-4847-B931-A66DCC960259}" type="datetimeFigureOut">
               <a:rPr lang="en-US" smtClean="0"/>
-              <a:pPr/>
-              <a:t>5/6/2012</a:t>
+              <a:t>5/6/12</a:t>
             </a:fld>
-            <a:endParaRPr lang="en-US"/>
+            <a:endParaRPr lang="en-US" dirty="0"/>
           </a:p>
         </p:txBody>
       </p:sp>
@@ -6320,7 +6303,7 @@
           <a:bodyPr/>
           <a:lstStyle/>
           <a:p>
-            <a:endParaRPr lang="en-US"/>
+            <a:endParaRPr lang="en-US" dirty="0"/>
           </a:p>
         </p:txBody>
       </p:sp>
@@ -6341,17 +6324,16 @@
           <a:p>
             <a:fld id="{BE24168B-5171-1E4C-88AD-08B9EAC7E323}" type="slidenum">
               <a:rPr lang="en-US" smtClean="0"/>
-              <a:pPr/>
               <a:t>‹#›</a:t>
             </a:fld>
-            <a:endParaRPr lang="en-US"/>
+            <a:endParaRPr lang="en-US" dirty="0"/>
           </a:p>
         </p:txBody>
       </p:sp>
     </p:spTree>
     <p:extLst>
       <p:ext uri="{BB962C8B-B14F-4D97-AF65-F5344CB8AC3E}">
-        <p14:creationId xmlns:p14="http://schemas.microsoft.com/office/powerpoint/2010/main" xmlns="" val="2972177166"/>
+        <p14:creationId xmlns:p14="http://schemas.microsoft.com/office/powerpoint/2010/main" val="2972177166"/>
       </p:ext>
     </p:extLst>
   </p:cSld>
@@ -6577,10 +6559,9 @@
           <a:p>
             <a:fld id="{12D17103-1748-4847-B931-A66DCC960259}" type="datetimeFigureOut">
               <a:rPr lang="en-US" smtClean="0"/>
-              <a:pPr/>
-              <a:t>5/6/2012</a:t>
+              <a:t>5/6/12</a:t>
             </a:fld>
-            <a:endParaRPr lang="en-US"/>
+            <a:endParaRPr lang="en-US" dirty="0"/>
           </a:p>
         </p:txBody>
       </p:sp>
@@ -6599,7 +6580,7 @@
           <a:bodyPr/>
           <a:lstStyle/>
           <a:p>
-            <a:endParaRPr lang="en-US"/>
+            <a:endParaRPr lang="en-US" dirty="0"/>
           </a:p>
         </p:txBody>
       </p:sp>
@@ -6620,17 +6601,16 @@
           <a:p>
             <a:fld id="{BE24168B-5171-1E4C-88AD-08B9EAC7E323}" type="slidenum">
               <a:rPr lang="en-US" smtClean="0"/>
-              <a:pPr/>
               <a:t>‹#›</a:t>
             </a:fld>
-            <a:endParaRPr lang="en-US"/>
+            <a:endParaRPr lang="en-US" dirty="0"/>
           </a:p>
         </p:txBody>
       </p:sp>
     </p:spTree>
     <p:extLst>
       <p:ext uri="{BB962C8B-B14F-4D97-AF65-F5344CB8AC3E}">
-        <p14:creationId xmlns:p14="http://schemas.microsoft.com/office/powerpoint/2010/main" xmlns="" val="4232780802"/>
+        <p14:creationId xmlns:p14="http://schemas.microsoft.com/office/powerpoint/2010/main" val="4232780802"/>
       </p:ext>
     </p:extLst>
   </p:cSld>
@@ -6746,7 +6726,7 @@
             </a:lvl9pPr>
           </a:lstStyle>
           <a:p>
-            <a:endParaRPr lang="en-US"/>
+            <a:endParaRPr lang="en-US" dirty="0"/>
           </a:p>
         </p:txBody>
       </p:sp>
@@ -6832,10 +6812,9 @@
           <a:p>
             <a:fld id="{12D17103-1748-4847-B931-A66DCC960259}" type="datetimeFigureOut">
               <a:rPr lang="en-US" smtClean="0"/>
-              <a:pPr/>
-              <a:t>5/6/2012</a:t>
+              <a:t>5/6/12</a:t>
             </a:fld>
-            <a:endParaRPr lang="en-US"/>
+            <a:endParaRPr lang="en-US" dirty="0"/>
           </a:p>
         </p:txBody>
       </p:sp>
@@ -6854,7 +6833,7 @@
           <a:bodyPr/>
           <a:lstStyle/>
           <a:p>
-            <a:endParaRPr lang="en-US"/>
+            <a:endParaRPr lang="en-US" dirty="0"/>
           </a:p>
         </p:txBody>
       </p:sp>
@@ -6875,17 +6854,16 @@
           <a:p>
             <a:fld id="{BE24168B-5171-1E4C-88AD-08B9EAC7E323}" type="slidenum">
               <a:rPr lang="en-US" smtClean="0"/>
-              <a:pPr/>
               <a:t>‹#›</a:t>
             </a:fld>
-            <a:endParaRPr lang="en-US"/>
+            <a:endParaRPr lang="en-US" dirty="0"/>
           </a:p>
         </p:txBody>
       </p:sp>
     </p:spTree>
     <p:extLst>
       <p:ext uri="{BB962C8B-B14F-4D97-AF65-F5344CB8AC3E}">
-        <p14:creationId xmlns:p14="http://schemas.microsoft.com/office/powerpoint/2010/main" xmlns="" val="2675457367"/>
+        <p14:creationId xmlns:p14="http://schemas.microsoft.com/office/powerpoint/2010/main" val="2675457367"/>
       </p:ext>
     </p:extLst>
   </p:cSld>
@@ -7047,10 +7025,9 @@
           <a:p>
             <a:fld id="{12D17103-1748-4847-B931-A66DCC960259}" type="datetimeFigureOut">
               <a:rPr lang="en-US" smtClean="0"/>
-              <a:pPr/>
-              <a:t>5/6/2012</a:t>
+              <a:t>5/6/12</a:t>
             </a:fld>
-            <a:endParaRPr lang="en-US"/>
+            <a:endParaRPr lang="en-US" dirty="0"/>
           </a:p>
         </p:txBody>
       </p:sp>
@@ -7087,7 +7064,7 @@
             </a:lvl1pPr>
           </a:lstStyle>
           <a:p>
-            <a:endParaRPr lang="en-US"/>
+            <a:endParaRPr lang="en-US" dirty="0"/>
           </a:p>
         </p:txBody>
       </p:sp>
@@ -7126,17 +7103,16 @@
           <a:p>
             <a:fld id="{BE24168B-5171-1E4C-88AD-08B9EAC7E323}" type="slidenum">
               <a:rPr lang="en-US" smtClean="0"/>
-              <a:pPr/>
               <a:t>‹#›</a:t>
             </a:fld>
-            <a:endParaRPr lang="en-US"/>
+            <a:endParaRPr lang="en-US" dirty="0"/>
           </a:p>
         </p:txBody>
       </p:sp>
     </p:spTree>
     <p:extLst>
       <p:ext uri="{BB962C8B-B14F-4D97-AF65-F5344CB8AC3E}">
-        <p14:creationId xmlns:p14="http://schemas.microsoft.com/office/powerpoint/2010/main" xmlns="" val="528073203"/>
+        <p14:creationId xmlns:p14="http://schemas.microsoft.com/office/powerpoint/2010/main" val="528073203"/>
       </p:ext>
     </p:extLst>
   </p:cSld>
@@ -7437,7 +7413,7 @@
             <a:alphaModFix/>
             <a:extLst>
               <a:ext uri="{BEBA8EAE-BF5A-486C-A8C5-ECC9F3942E4B}">
-                <a14:imgProps xmlns:a14="http://schemas.microsoft.com/office/drawing/2010/main" xmlns="">
+                <a14:imgProps xmlns:a14="http://schemas.microsoft.com/office/drawing/2010/main">
                   <a14:imgLayer r:embed="rId3">
                     <a14:imgEffect>
                       <a14:sharpenSoften amount="-30000"/>
@@ -7449,7 +7425,7 @@
                 </a14:imgProps>
               </a:ext>
               <a:ext uri="{28A0092B-C50C-407E-A947-70E740481C1C}">
-                <a14:useLocalDpi xmlns:a14="http://schemas.microsoft.com/office/drawing/2010/main" xmlns="" val="0"/>
+                <a14:useLocalDpi xmlns:a14="http://schemas.microsoft.com/office/drawing/2010/main" val="0"/>
               </a:ext>
             </a:extLst>
           </a:blip>
@@ -7571,15 +7547,7 @@
                   <a:schemeClr val="bg2"/>
                 </a:solidFill>
               </a:rPr>
-              <a:t>Professor Alfred V. </a:t>
-            </a:r>
-            <a:r>
-              <a:rPr lang="en-US" dirty="0" err="1" smtClean="0">
-                <a:solidFill>
-                  <a:schemeClr val="bg2"/>
-                </a:solidFill>
-              </a:rPr>
-              <a:t>Aho</a:t>
+              <a:t>Professor Alfred V. Aho</a:t>
             </a:r>
             <a:endParaRPr lang="en-US" dirty="0">
               <a:solidFill>
@@ -7637,39 +7605,7 @@
                   <a:schemeClr val="bg1"/>
                 </a:solidFill>
               </a:rPr>
-              <a:t>Manager - </a:t>
-            </a:r>
-            <a:r>
-              <a:rPr lang="en-US" dirty="0" err="1">
-                <a:solidFill>
-                  <a:schemeClr val="bg1"/>
-                </a:solidFill>
-              </a:rPr>
-              <a:t>Neeraja</a:t>
-            </a:r>
-            <a:r>
-              <a:rPr lang="en-US" dirty="0">
-                <a:solidFill>
-                  <a:schemeClr val="bg1"/>
-                </a:solidFill>
-              </a:rPr>
-              <a:t> </a:t>
-            </a:r>
-            <a:r>
-              <a:rPr lang="en-US" dirty="0" err="1">
-                <a:solidFill>
-                  <a:schemeClr val="bg1"/>
-                </a:solidFill>
-              </a:rPr>
-              <a:t>Ramanan</a:t>
-            </a:r>
-            <a:r>
-              <a:rPr lang="en-US" dirty="0">
-                <a:solidFill>
-                  <a:schemeClr val="bg1"/>
-                </a:solidFill>
-              </a:rPr>
-              <a:t> (nr2404) </a:t>
+              <a:t>Manager - Neeraja Ramanan (nr2404) </a:t>
             </a:r>
             <a:br>
               <a:rPr lang="en-US" dirty="0">
@@ -7714,39 +7650,7 @@
                   <a:schemeClr val="bg1"/>
                 </a:solidFill>
               </a:rPr>
-              <a:t>System Integrator - </a:t>
-            </a:r>
-            <a:r>
-              <a:rPr lang="en-US" dirty="0" err="1">
-                <a:solidFill>
-                  <a:schemeClr val="bg1"/>
-                </a:solidFill>
-              </a:rPr>
-              <a:t>Aayush</a:t>
-            </a:r>
-            <a:r>
-              <a:rPr lang="en-US" dirty="0">
-                <a:solidFill>
-                  <a:schemeClr val="bg1"/>
-                </a:solidFill>
-              </a:rPr>
-              <a:t> </a:t>
-            </a:r>
-            <a:r>
-              <a:rPr lang="en-US" dirty="0" err="1">
-                <a:solidFill>
-                  <a:schemeClr val="bg1"/>
-                </a:solidFill>
-              </a:rPr>
-              <a:t>Beri</a:t>
-            </a:r>
-            <a:r>
-              <a:rPr lang="en-US" dirty="0">
-                <a:solidFill>
-                  <a:schemeClr val="bg1"/>
-                </a:solidFill>
-              </a:rPr>
-              <a:t> (ab3591)</a:t>
+              <a:t>System Integrator - Aayush Beri (ab3591)</a:t>
             </a:r>
             <a:br>
               <a:rPr lang="en-US" dirty="0">
@@ -7769,7 +7673,7 @@
     </p:spTree>
     <p:extLst>
       <p:ext uri="{BB962C8B-B14F-4D97-AF65-F5344CB8AC3E}">
-        <p14:creationId xmlns:p14="http://schemas.microsoft.com/office/powerpoint/2010/main" xmlns="" val="3449312616"/>
+        <p14:creationId xmlns:p14="http://schemas.microsoft.com/office/powerpoint/2010/main" val="3449312616"/>
       </p:ext>
     </p:extLst>
   </p:cSld>
@@ -7779,7 +7683,7 @@
   <p:timing>
     <p:tnLst>
       <p:par>
-        <p:cTn id="1" dur="indefinite" restart="never" nodeType="tmRoot"/>
+        <p:cTn xmlns:p14="http://schemas.microsoft.com/office/powerpoint/2010/main" id="1" dur="indefinite" restart="never" nodeType="tmRoot"/>
       </p:par>
     </p:tnLst>
   </p:timing>
@@ -7870,6 +7774,11 @@
         </p:txBody>
       </p:sp>
     </p:spTree>
+    <p:extLst>
+      <p:ext uri="{BB962C8B-B14F-4D97-AF65-F5344CB8AC3E}">
+        <p14:creationId xmlns:p14="http://schemas.microsoft.com/office/powerpoint/2010/main" val="3744042663"/>
+      </p:ext>
+    </p:extLst>
   </p:cSld>
   <p:clrMapOvr>
     <a:masterClrMapping/>
@@ -7988,6 +7897,11 @@
         </p:txBody>
       </p:sp>
     </p:spTree>
+    <p:extLst>
+      <p:ext uri="{BB962C8B-B14F-4D97-AF65-F5344CB8AC3E}">
+        <p14:creationId xmlns:p14="http://schemas.microsoft.com/office/powerpoint/2010/main" val="3212413876"/>
+      </p:ext>
+    </p:extLst>
   </p:cSld>
   <p:clrMapOvr>
     <a:masterClrMapping/>
@@ -8022,7 +7936,12 @@
             <p:ph type="title"/>
           </p:nvPr>
         </p:nvSpPr>
-        <p:spPr/>
+        <p:spPr>
+          <a:xfrm>
+            <a:off x="1792288" y="5588000"/>
+            <a:ext cx="5486400" cy="566738"/>
+          </a:xfrm>
+        </p:spPr>
         <p:txBody>
           <a:bodyPr>
             <a:noAutofit/>
@@ -8037,18 +7956,6 @@
             <a:endParaRPr lang="en-US" sz="4400" dirty="0"/>
           </a:p>
         </p:txBody>
-      </p:sp>
-      <p:sp>
-        <p:nvSpPr>
-          <p:cNvPr id="6" name="Picture Placeholder 5"/>
-          <p:cNvSpPr>
-            <a:spLocks noGrp="1"/>
-          </p:cNvSpPr>
-          <p:nvPr>
-            <p:ph type="pic" idx="1"/>
-          </p:nvPr>
-        </p:nvSpPr>
-        <p:spPr/>
       </p:sp>
       <p:sp>
         <p:nvSpPr>
@@ -8060,7 +7967,12 @@
             <p:ph type="body" sz="half" idx="2"/>
           </p:nvPr>
         </p:nvSpPr>
-        <p:spPr/>
+        <p:spPr>
+          <a:xfrm>
+            <a:off x="1792288" y="6154738"/>
+            <a:ext cx="5486400" cy="665162"/>
+          </a:xfrm>
+        </p:spPr>
         <p:txBody>
           <a:bodyPr/>
           <a:lstStyle/>
@@ -8068,15 +7980,49 @@
             <a:pPr algn="ctr"/>
             <a:r>
               <a:rPr lang="en-US" sz="2800" dirty="0" smtClean="0"/>
-              <a:t>It’s so simple… No really it is!</a:t>
-            </a:r>
-          </a:p>
-          <a:p>
-            <a:endParaRPr lang="en-US" dirty="0"/>
+              <a:t>It’s so simple… No really it is</a:t>
+            </a:r>
+            <a:r>
+              <a:rPr lang="en-US" sz="2800" dirty="0" smtClean="0"/>
+              <a:t>!</a:t>
+            </a:r>
+            <a:endParaRPr lang="en-US" sz="2800" dirty="0" smtClean="0"/>
           </a:p>
         </p:txBody>
       </p:sp>
+      <p:pic>
+        <p:nvPicPr>
+          <p:cNvPr id="7" name="Picture Placeholder 6" descr="python - xkcd.png"/>
+          <p:cNvPicPr>
+            <a:picLocks noGrp="1" noChangeAspect="1"/>
+          </p:cNvPicPr>
+          <p:nvPr>
+            <p:ph type="pic" idx="1"/>
+          </p:nvPr>
+        </p:nvPicPr>
+        <p:blipFill>
+          <a:blip r:embed="rId2"/>
+          <a:srcRect l="-25676" r="-25676"/>
+          <a:stretch>
+            <a:fillRect/>
+          </a:stretch>
+        </p:blipFill>
+        <p:spPr>
+          <a:xfrm>
+            <a:off x="992187" y="126999"/>
+            <a:ext cx="7112001" cy="5334001"/>
+          </a:xfrm>
+          <a:prstGeom prst="rect">
+            <a:avLst/>
+          </a:prstGeom>
+        </p:spPr>
+      </p:pic>
     </p:spTree>
+    <p:extLst>
+      <p:ext uri="{BB962C8B-B14F-4D97-AF65-F5344CB8AC3E}">
+        <p14:creationId xmlns:p14="http://schemas.microsoft.com/office/powerpoint/2010/main" val="1858865183"/>
+      </p:ext>
+    </p:extLst>
   </p:cSld>
   <p:clrMapOvr>
     <a:masterClrMapping/>
@@ -8139,14 +8085,14 @@
           <a:bodyPr/>
           <a:lstStyle/>
           <a:p>
-            <a:endParaRPr lang="en-US"/>
+            <a:endParaRPr lang="en-US" dirty="0"/>
           </a:p>
         </p:txBody>
       </p:sp>
     </p:spTree>
     <p:extLst>
       <p:ext uri="{BB962C8B-B14F-4D97-AF65-F5344CB8AC3E}">
-        <p14:creationId xmlns:p14="http://schemas.microsoft.com/office/powerpoint/2010/main" xmlns="" val="798869054"/>
+        <p14:creationId xmlns:p14="http://schemas.microsoft.com/office/powerpoint/2010/main" val="798869054"/>
       </p:ext>
     </p:extLst>
   </p:cSld>
@@ -8274,8 +8220,8 @@
         </p:nvSpPr>
         <p:spPr>
           <a:xfrm>
-            <a:off x="2255789" y="5638635"/>
-            <a:ext cx="6685011" cy="461665"/>
+            <a:off x="2255789" y="5104325"/>
+            <a:ext cx="6685011" cy="1323439"/>
           </a:xfrm>
           <a:prstGeom prst="rect">
             <a:avLst/>
@@ -8288,7 +8234,11 @@
           <a:lstStyle/>
           <a:p>
             <a:r>
-              <a:rPr lang="en-US" sz="2400" dirty="0"/>
+              <a:rPr lang="en-US" sz="4000" dirty="0">
+                <a:solidFill>
+                  <a:schemeClr val="tx2"/>
+                </a:solidFill>
+              </a:rPr>
               <a:t>a simple, fast, safe, robust and extensible language </a:t>
             </a:r>
           </a:p>
@@ -8302,7 +8252,7 @@
         </p:nvCxnSpPr>
         <p:spPr>
           <a:xfrm>
-            <a:off x="457200" y="5909733"/>
+            <a:off x="457200" y="5576214"/>
             <a:ext cx="1727200" cy="0"/>
           </a:xfrm>
           <a:prstGeom prst="straightConnector1">
@@ -8330,7 +8280,7 @@
     </p:spTree>
     <p:extLst>
       <p:ext uri="{BB962C8B-B14F-4D97-AF65-F5344CB8AC3E}">
-        <p14:creationId xmlns:p14="http://schemas.microsoft.com/office/powerpoint/2010/main" xmlns="" val="215984204"/>
+        <p14:creationId xmlns:p14="http://schemas.microsoft.com/office/powerpoint/2010/main" val="215984204"/>
       </p:ext>
     </p:extLst>
   </p:cSld>
@@ -8340,7 +8290,7 @@
   <p:timing>
     <p:tnLst>
       <p:par>
-        <p:cTn id="1" dur="indefinite" restart="never" nodeType="tmRoot"/>
+        <p:cTn xmlns:p14="http://schemas.microsoft.com/office/powerpoint/2010/main" id="1" dur="indefinite" restart="never" nodeType="tmRoot"/>
       </p:par>
     </p:tnLst>
   </p:timing>
@@ -8447,7 +8397,7 @@
     </p:spTree>
     <p:extLst>
       <p:ext uri="{BB962C8B-B14F-4D97-AF65-F5344CB8AC3E}">
-        <p14:creationId xmlns:p14="http://schemas.microsoft.com/office/powerpoint/2010/main" xmlns="" val="2452047840"/>
+        <p14:creationId xmlns:p14="http://schemas.microsoft.com/office/powerpoint/2010/main" val="2452047840"/>
       </p:ext>
     </p:extLst>
   </p:cSld>
@@ -8536,7 +8486,7 @@
     </p:spTree>
     <p:extLst>
       <p:ext uri="{BB962C8B-B14F-4D97-AF65-F5344CB8AC3E}">
-        <p14:creationId xmlns:p14="http://schemas.microsoft.com/office/powerpoint/2010/main" xmlns="" val="4102193222"/>
+        <p14:creationId xmlns:p14="http://schemas.microsoft.com/office/powerpoint/2010/main" val="4102193222"/>
       </p:ext>
     </p:extLst>
   </p:cSld>
@@ -8575,12 +8525,14 @@
         </p:nvSpPr>
         <p:spPr>
           <a:xfrm>
-            <a:off x="457200" y="-14269"/>
-            <a:ext cx="8229600" cy="813329"/>
+            <a:off x="0" y="-14268"/>
+            <a:ext cx="9144000" cy="798720"/>
           </a:xfrm>
         </p:spPr>
         <p:txBody>
-          <a:bodyPr/>
+          <a:bodyPr>
+            <a:normAutofit/>
+          </a:bodyPr>
           <a:lstStyle/>
           <a:p>
             <a:r>
@@ -8592,9 +8544,17 @@
             </a:r>
             <a:r>
               <a:rPr lang="en-US" dirty="0" smtClean="0"/>
-              <a:t> Code Example</a:t>
-            </a:r>
-            <a:endParaRPr lang="en-US" dirty="0"/>
+              <a:t> Code </a:t>
+            </a:r>
+            <a:r>
+              <a:rPr lang="en-US" dirty="0" smtClean="0"/>
+              <a:t>Example: </a:t>
+            </a:r>
+            <a:r>
+              <a:rPr lang="en-US" i="1" dirty="0" err="1" smtClean="0"/>
+              <a:t>surprise.local</a:t>
+            </a:r>
+            <a:endParaRPr lang="en-US" i="1" dirty="0"/>
           </a:p>
         </p:txBody>
       </p:sp>
@@ -8610,8 +8570,8 @@
         </p:nvSpPr>
         <p:spPr>
           <a:xfrm>
-            <a:off x="256876" y="814405"/>
-            <a:ext cx="4719350" cy="5864526"/>
+            <a:off x="1500444" y="953578"/>
+            <a:ext cx="6157656" cy="4431335"/>
           </a:xfrm>
           <a:ln>
             <a:solidFill>
@@ -8634,42 +8594,13 @@
               <a:buNone/>
             </a:pPr>
             <a:r>
-              <a:rPr lang="en-US" sz="1300" dirty="0" err="1"/>
-              <a:t>w</a:t>
-            </a:r>
-            <a:r>
-              <a:rPr lang="en-US" sz="1300" dirty="0" err="1" smtClean="0"/>
-              <a:t>alk_speed</a:t>
-            </a:r>
-            <a:r>
-              <a:rPr lang="en-US" sz="1300" dirty="0" smtClean="0"/>
-              <a:t> = </a:t>
-            </a:r>
-            <a:r>
-              <a:rPr lang="en-US" sz="1300" dirty="0" smtClean="0">
-                <a:solidFill>
-                  <a:srgbClr val="0000FF"/>
-                </a:solidFill>
-              </a:rPr>
-              <a:t>3.0</a:t>
-            </a:r>
-            <a:r>
-              <a:rPr lang="en-US" sz="1300" dirty="0" smtClean="0"/>
-              <a:t>; </a:t>
-            </a:r>
-            <a:r>
-              <a:rPr lang="en-US" sz="1300" dirty="0" smtClean="0">
-                <a:solidFill>
-                  <a:srgbClr val="4BACC6"/>
-                </a:solidFill>
-              </a:rPr>
-              <a:t>// in miles per hour</a:t>
-            </a:r>
-            <a:endParaRPr lang="en-US" sz="1300" dirty="0" smtClean="0">
-              <a:solidFill>
-                <a:srgbClr val="000090"/>
-              </a:solidFill>
-            </a:endParaRPr>
+              <a:rPr lang="en-US" sz="2000" dirty="0" err="1"/>
+              <a:t>coords</a:t>
+            </a:r>
+            <a:r>
+              <a:rPr lang="en-US" sz="2000" dirty="0"/>
+              <a:t> = [(8, 4), (1, 6), (7, 3)];</a:t>
+            </a:r>
           </a:p>
           <a:p>
             <a:pPr marL="0" indent="0">
@@ -8679,26 +8610,9 @@
               <a:buNone/>
             </a:pPr>
             <a:r>
-              <a:rPr lang="en-US" sz="1300" dirty="0">
-                <a:solidFill>
-                  <a:srgbClr val="000090"/>
-                </a:solidFill>
-              </a:rPr>
-              <a:t>t</a:t>
-            </a:r>
-            <a:r>
-              <a:rPr lang="en-US" sz="1300" dirty="0" smtClean="0">
-                <a:solidFill>
-                  <a:srgbClr val="000090"/>
-                </a:solidFill>
-              </a:rPr>
-              <a:t>ry</a:t>
-            </a:r>
-            <a:r>
-              <a:rPr lang="en-US" sz="1300" dirty="0" smtClean="0"/>
-              <a:t> {</a:t>
-            </a:r>
-            <a:endParaRPr lang="en-US" sz="1300" dirty="0"/>
+              <a:rPr lang="en-US" sz="2000" dirty="0"/>
+              <a:t>coords2 = [(3, 2), (2, 9), (5, 7), (6, 4)];</a:t>
+            </a:r>
           </a:p>
           <a:p>
             <a:pPr marL="0" indent="0">
@@ -8708,38 +8622,9 @@
               <a:buNone/>
             </a:pPr>
             <a:r>
-              <a:rPr lang="en-US" sz="1300" dirty="0"/>
-              <a:t>    places = open(</a:t>
-            </a:r>
-            <a:r>
-              <a:rPr lang="en-US" sz="1300" dirty="0">
-                <a:solidFill>
-                  <a:srgbClr val="008000"/>
-                </a:solidFill>
-              </a:rPr>
-              <a:t>"</a:t>
-            </a:r>
-            <a:r>
-              <a:rPr lang="en-US" sz="1300" dirty="0" err="1" smtClean="0">
-                <a:solidFill>
-                  <a:srgbClr val="008000"/>
-                </a:solidFill>
-              </a:rPr>
-              <a:t>coffee.csv</a:t>
-            </a:r>
-            <a:r>
-              <a:rPr lang="en-US" sz="1300" dirty="0" smtClean="0">
-                <a:solidFill>
-                  <a:srgbClr val="008000"/>
-                </a:solidFill>
-              </a:rPr>
-              <a:t>”</a:t>
-            </a:r>
-            <a:r>
-              <a:rPr lang="en-US" sz="1300" dirty="0" smtClean="0"/>
-              <a:t>);</a:t>
-            </a:r>
-            <a:endParaRPr lang="en-US" sz="1300" dirty="0"/>
+              <a:rPr lang="en-US" sz="2000" dirty="0"/>
+              <a:t>shortest = 0;</a:t>
+            </a:r>
           </a:p>
           <a:p>
             <a:pPr marL="0" indent="0">
@@ -8749,34 +8634,17 @@
               <a:buNone/>
             </a:pPr>
             <a:r>
-              <a:rPr lang="en-US" sz="1300" dirty="0" smtClean="0"/>
-              <a:t>} </a:t>
-            </a:r>
-            <a:r>
-              <a:rPr lang="en-US" sz="1300" dirty="0" smtClean="0">
-                <a:solidFill>
-                  <a:srgbClr val="000090"/>
-                </a:solidFill>
-              </a:rPr>
-              <a:t>except</a:t>
-            </a:r>
-            <a:r>
-              <a:rPr lang="en-US" sz="1300" dirty="0" smtClean="0"/>
-              <a:t> </a:t>
-            </a:r>
-            <a:r>
-              <a:rPr lang="en-US" sz="1300" dirty="0" smtClean="0">
-                <a:solidFill>
-                  <a:srgbClr val="660066"/>
-                </a:solidFill>
-              </a:rPr>
-              <a:t>Exception</a:t>
-            </a:r>
-            <a:r>
-              <a:rPr lang="en-US" sz="1300" dirty="0" smtClean="0"/>
+              <a:rPr lang="en-US" sz="2000" dirty="0"/>
+              <a:t>for coord in </a:t>
+            </a:r>
+            <a:r>
+              <a:rPr lang="en-US" sz="2000" dirty="0" err="1"/>
+              <a:t>coords</a:t>
+            </a:r>
+            <a:r>
+              <a:rPr lang="en-US" sz="2000" dirty="0"/>
               <a:t> {</a:t>
             </a:r>
-            <a:endParaRPr lang="en-US" sz="1300" dirty="0"/>
           </a:p>
           <a:p>
             <a:pPr marL="0" indent="0">
@@ -8786,54 +8654,9 @@
               <a:buNone/>
             </a:pPr>
             <a:r>
-              <a:rPr lang="en-US" sz="1300" dirty="0"/>
-              <a:t>    </a:t>
-            </a:r>
-            <a:r>
-              <a:rPr lang="en-US" sz="1300" dirty="0">
-                <a:solidFill>
-                  <a:srgbClr val="000090"/>
-                </a:solidFill>
-              </a:rPr>
-              <a:t>print</a:t>
-            </a:r>
-            <a:r>
-              <a:rPr lang="en-US" sz="1300" dirty="0"/>
-              <a:t> </a:t>
-            </a:r>
-            <a:r>
-              <a:rPr lang="en-US" sz="1300" dirty="0" smtClean="0"/>
-              <a:t>(</a:t>
-            </a:r>
-            <a:r>
-              <a:rPr lang="en-US" sz="1300" dirty="0" smtClean="0">
-                <a:solidFill>
-                  <a:srgbClr val="008000"/>
-                </a:solidFill>
-              </a:rPr>
-              <a:t>"</a:t>
-            </a:r>
-            <a:r>
-              <a:rPr lang="en-US" sz="1300" dirty="0">
-                <a:solidFill>
-                  <a:srgbClr val="008000"/>
-                </a:solidFill>
-              </a:rPr>
-              <a:t>Cannot open </a:t>
-            </a:r>
-            <a:r>
-              <a:rPr lang="en-US" sz="1300" dirty="0" smtClean="0">
-                <a:solidFill>
-                  <a:srgbClr val="008000"/>
-                </a:solidFill>
-              </a:rPr>
-              <a:t>file”</a:t>
-            </a:r>
-            <a:r>
-              <a:rPr lang="en-US" sz="1300" dirty="0" smtClean="0"/>
-              <a:t>);</a:t>
-            </a:r>
-            <a:endParaRPr lang="en-US" sz="1300" dirty="0"/>
+              <a:rPr lang="en-US" sz="2000" dirty="0"/>
+              <a:t>    for c2 in coords2 {</a:t>
+            </a:r>
           </a:p>
           <a:p>
             <a:pPr marL="0" indent="0">
@@ -8843,20 +8666,8 @@
               <a:buNone/>
             </a:pPr>
             <a:r>
-              <a:rPr lang="en-US" sz="1300" dirty="0"/>
-              <a:t>    exit(</a:t>
-            </a:r>
-            <a:r>
-              <a:rPr lang="en-US" sz="1300" dirty="0">
-                <a:solidFill>
-                  <a:srgbClr val="0000FF"/>
-                </a:solidFill>
-              </a:rPr>
-              <a:t>1</a:t>
-            </a:r>
-            <a:r>
-              <a:rPr lang="en-US" sz="1300" dirty="0" smtClean="0"/>
-              <a:t>);</a:t>
+              <a:rPr lang="en-US" sz="2000" dirty="0"/>
+              <a:t>        d = dist(coord, c2);</a:t>
             </a:r>
           </a:p>
           <a:p>
@@ -8867,8 +8678,8 @@
               <a:buNone/>
             </a:pPr>
             <a:r>
-              <a:rPr lang="en-US" sz="1300" dirty="0"/>
-              <a:t>}</a:t>
+              <a:rPr lang="en-US" sz="2000" dirty="0"/>
+              <a:t>        if ((d &lt; shortest) or (shortest == 0)) {</a:t>
             </a:r>
           </a:p>
           <a:p>
@@ -8879,28 +8690,8 @@
               <a:buNone/>
             </a:pPr>
             <a:r>
-              <a:rPr lang="en-US" sz="1300" dirty="0" smtClean="0">
-                <a:solidFill>
-                  <a:srgbClr val="000090"/>
-                </a:solidFill>
-              </a:rPr>
-              <a:t>print</a:t>
-            </a:r>
-            <a:r>
-              <a:rPr lang="en-US" sz="1300" dirty="0"/>
-              <a:t>(</a:t>
-            </a:r>
-            <a:r>
-              <a:rPr lang="en-US" sz="1300" dirty="0">
-                <a:solidFill>
-                  <a:srgbClr val="008000"/>
-                </a:solidFill>
-              </a:rPr>
-              <a:t>"Where are you starting? "</a:t>
-            </a:r>
-            <a:r>
-              <a:rPr lang="en-US" sz="1300" dirty="0"/>
-              <a:t>);</a:t>
+              <a:rPr lang="en-US" sz="2000" dirty="0"/>
+              <a:t>            shortest = d;</a:t>
             </a:r>
           </a:p>
           <a:p>
@@ -8911,8 +8702,8 @@
               <a:buNone/>
             </a:pPr>
             <a:r>
-              <a:rPr lang="en-US" sz="1300" dirty="0"/>
-              <a:t>start = read();</a:t>
+              <a:rPr lang="en-US" sz="2000" dirty="0"/>
+              <a:t>            closest = coord;</a:t>
             </a:r>
           </a:p>
           <a:p>
@@ -8923,28 +8714,8 @@
               <a:buNone/>
             </a:pPr>
             <a:r>
-              <a:rPr lang="en-US" sz="1300" dirty="0">
-                <a:solidFill>
-                  <a:srgbClr val="000090"/>
-                </a:solidFill>
-              </a:rPr>
-              <a:t>print</a:t>
-            </a:r>
-            <a:r>
-              <a:rPr lang="en-US" sz="1300" dirty="0"/>
-              <a:t>(</a:t>
-            </a:r>
-            <a:r>
-              <a:rPr lang="en-US" sz="1300" dirty="0">
-                <a:solidFill>
-                  <a:srgbClr val="008000"/>
-                </a:solidFill>
-              </a:rPr>
-              <a:t>"How long do you have until your next event? "</a:t>
-            </a:r>
-            <a:r>
-              <a:rPr lang="en-US" sz="1300" dirty="0"/>
-              <a:t>);</a:t>
+              <a:rPr lang="en-US" sz="2000" dirty="0"/>
+              <a:t>            closest2 = c2;</a:t>
             </a:r>
           </a:p>
           <a:p>
@@ -8955,14 +8726,9 @@
               <a:buNone/>
             </a:pPr>
             <a:r>
-              <a:rPr lang="en-US" sz="1300" dirty="0"/>
-              <a:t>time = read()</a:t>
-            </a:r>
-            <a:r>
-              <a:rPr lang="en-US" sz="1300" dirty="0" smtClean="0"/>
-              <a:t>;</a:t>
-            </a:r>
-            <a:endParaRPr lang="en-US" sz="1300" dirty="0"/>
+              <a:rPr lang="en-US" sz="2000" dirty="0"/>
+              <a:t>            }</a:t>
+            </a:r>
           </a:p>
           <a:p>
             <a:pPr marL="0" indent="0">
@@ -8972,28 +8738,8 @@
               <a:buNone/>
             </a:pPr>
             <a:r>
-              <a:rPr lang="en-US" sz="1300" dirty="0">
-                <a:solidFill>
-                  <a:srgbClr val="000090"/>
-                </a:solidFill>
-              </a:rPr>
-              <a:t>for</a:t>
-            </a:r>
-            <a:r>
-              <a:rPr lang="en-US" sz="1300" dirty="0"/>
-              <a:t> place </a:t>
-            </a:r>
-            <a:r>
-              <a:rPr lang="en-US" sz="1300" dirty="0">
-                <a:solidFill>
-                  <a:srgbClr val="000090"/>
-                </a:solidFill>
-              </a:rPr>
-              <a:t>in</a:t>
-            </a:r>
-            <a:r>
-              <a:rPr lang="en-US" sz="1300" dirty="0"/>
-              <a:t> places {</a:t>
+              <a:rPr lang="en-US" sz="2000" dirty="0"/>
+              <a:t>        }</a:t>
             </a:r>
           </a:p>
           <a:p>
@@ -9004,12 +8750,8 @@
               <a:buNone/>
             </a:pPr>
             <a:r>
-              <a:rPr lang="en-US" sz="1300" dirty="0">
-                <a:solidFill>
-                  <a:schemeClr val="accent5"/>
-                </a:solidFill>
-              </a:rPr>
-              <a:t>    ''' Your CSV file has two times, wait time (time spent </a:t>
+              <a:rPr lang="en-US" sz="2000" dirty="0"/>
+              <a:t>}</a:t>
             </a:r>
           </a:p>
           <a:p>
@@ -9020,1050 +8762,188 @@
               <a:buNone/>
             </a:pPr>
             <a:r>
-              <a:rPr lang="en-US" sz="1300" dirty="0">
-                <a:solidFill>
-                  <a:schemeClr val="accent5"/>
-                </a:solidFill>
-              </a:rPr>
-              <a:t>        standing in line) &amp; make time (time it takes the </a:t>
-            </a:r>
-          </a:p>
-          <a:p>
-            <a:pPr marL="0" indent="0">
-              <a:spcBef>
-                <a:spcPts val="0"/>
-              </a:spcBef>
-              <a:buNone/>
-            </a:pPr>
-            <a:r>
-              <a:rPr lang="en-US" sz="1300" dirty="0">
-                <a:solidFill>
-                  <a:schemeClr val="accent5"/>
-                </a:solidFill>
-              </a:rPr>
-              <a:t>        barista to make you a drink) '''</a:t>
-            </a:r>
-          </a:p>
-          <a:p>
-            <a:pPr marL="0" indent="0">
-              <a:spcBef>
-                <a:spcPts val="0"/>
-              </a:spcBef>
-              <a:buNone/>
-            </a:pPr>
-            <a:r>
-              <a:rPr lang="en-US" sz="1300" dirty="0"/>
-              <a:t>    name, </a:t>
-            </a:r>
-            <a:r>
-              <a:rPr lang="en-US" sz="1300" dirty="0" err="1"/>
-              <a:t>coord</a:t>
-            </a:r>
-            <a:r>
-              <a:rPr lang="en-US" sz="1300" dirty="0"/>
-              <a:t>, </a:t>
-            </a:r>
-            <a:r>
-              <a:rPr lang="en-US" sz="1300" dirty="0" err="1"/>
-              <a:t>wait_t</a:t>
-            </a:r>
-            <a:r>
-              <a:rPr lang="en-US" sz="1300" dirty="0"/>
-              <a:t>, </a:t>
-            </a:r>
-            <a:r>
-              <a:rPr lang="en-US" sz="1300" dirty="0" err="1"/>
-              <a:t>make_t</a:t>
-            </a:r>
-            <a:r>
-              <a:rPr lang="en-US" sz="1300" dirty="0"/>
-              <a:t>, URL = split(place, </a:t>
-            </a:r>
-            <a:r>
-              <a:rPr lang="en-US" sz="1300" dirty="0">
-                <a:solidFill>
-                  <a:srgbClr val="008000"/>
-                </a:solidFill>
-              </a:rPr>
-              <a:t>";"</a:t>
-            </a:r>
-            <a:r>
-              <a:rPr lang="en-US" sz="1300" dirty="0"/>
-              <a:t>);</a:t>
-            </a:r>
-          </a:p>
-          <a:p>
-            <a:pPr marL="0" indent="0">
-              <a:spcBef>
-                <a:spcPts val="0"/>
-              </a:spcBef>
-              <a:buNone/>
-            </a:pPr>
-            <a:r>
-              <a:rPr lang="en-US" sz="1300" dirty="0"/>
-              <a:t>    d = </a:t>
-            </a:r>
-            <a:r>
-              <a:rPr lang="en-US" sz="1300" dirty="0" err="1"/>
-              <a:t>dist</a:t>
-            </a:r>
-            <a:r>
-              <a:rPr lang="en-US" sz="1300" dirty="0"/>
-              <a:t>(start, </a:t>
-            </a:r>
-            <a:r>
-              <a:rPr lang="en-US" sz="1300" dirty="0" err="1"/>
-              <a:t>coord</a:t>
-            </a:r>
-            <a:r>
-              <a:rPr lang="en-US" sz="1300" dirty="0"/>
-              <a:t>);</a:t>
-            </a:r>
-          </a:p>
-          <a:p>
-            <a:pPr marL="0" indent="0">
-              <a:spcBef>
-                <a:spcPts val="0"/>
-              </a:spcBef>
-              <a:buNone/>
-            </a:pPr>
-            <a:r>
-              <a:rPr lang="en-US" sz="1300" dirty="0"/>
-              <a:t>    </a:t>
-            </a:r>
-            <a:r>
-              <a:rPr lang="en-US" sz="1300" dirty="0" err="1"/>
-              <a:t>d_mile</a:t>
-            </a:r>
-            <a:r>
-              <a:rPr lang="en-US" sz="1300" dirty="0"/>
-              <a:t> = </a:t>
-            </a:r>
-            <a:r>
-              <a:rPr lang="en-US" sz="1300" dirty="0" err="1"/>
-              <a:t>convertdist</a:t>
-            </a:r>
-            <a:r>
-              <a:rPr lang="en-US" sz="1300" dirty="0"/>
-              <a:t>(d, </a:t>
-            </a:r>
-            <a:r>
-              <a:rPr lang="en-US" sz="1300" dirty="0">
-                <a:solidFill>
-                  <a:srgbClr val="008000"/>
-                </a:solidFill>
-              </a:rPr>
-              <a:t>"mi"</a:t>
-            </a:r>
-            <a:r>
-              <a:rPr lang="en-US" sz="1300" dirty="0"/>
-              <a:t>, </a:t>
-            </a:r>
-            <a:r>
-              <a:rPr lang="en-US" sz="1300" dirty="0">
-                <a:solidFill>
-                  <a:srgbClr val="008000"/>
-                </a:solidFill>
-              </a:rPr>
-              <a:t>"m"</a:t>
-            </a:r>
-            <a:r>
-              <a:rPr lang="en-US" sz="1300" dirty="0"/>
-              <a:t>);</a:t>
-            </a:r>
-          </a:p>
-          <a:p>
-            <a:pPr marL="0" indent="0">
-              <a:spcBef>
-                <a:spcPts val="0"/>
-              </a:spcBef>
-              <a:buNone/>
-            </a:pPr>
-            <a:r>
-              <a:rPr lang="en-US" sz="1300" dirty="0"/>
-              <a:t>    </a:t>
-            </a:r>
-            <a:r>
-              <a:rPr lang="en-US" sz="1300" dirty="0">
-                <a:solidFill>
-                  <a:srgbClr val="000090"/>
-                </a:solidFill>
-              </a:rPr>
-              <a:t>print</a:t>
-            </a:r>
-            <a:r>
-              <a:rPr lang="en-US" sz="1300" dirty="0"/>
-              <a:t> (</a:t>
-            </a:r>
-            <a:r>
-              <a:rPr lang="en-US" sz="1300" dirty="0">
-                <a:solidFill>
-                  <a:srgbClr val="008000"/>
-                </a:solidFill>
-              </a:rPr>
-              <a:t>"Distance between you and %s is %s miles"</a:t>
-            </a:r>
-            <a:r>
-              <a:rPr lang="en-US" sz="1300" dirty="0"/>
-              <a:t>, name, </a:t>
-            </a:r>
-            <a:r>
-              <a:rPr lang="en-US" sz="1300" dirty="0" err="1"/>
-              <a:t>d_mile</a:t>
-            </a:r>
-            <a:r>
-              <a:rPr lang="en-US" sz="1300" dirty="0"/>
-              <a:t>);</a:t>
-            </a:r>
-          </a:p>
-          <a:p>
-            <a:pPr marL="0" indent="0">
-              <a:spcBef>
-                <a:spcPts val="0"/>
-              </a:spcBef>
-              <a:buNone/>
-            </a:pPr>
-            <a:r>
-              <a:rPr lang="en-US" sz="1300" dirty="0"/>
-              <a:t>    </a:t>
-            </a:r>
-            <a:r>
-              <a:rPr lang="en-US" sz="1300" dirty="0" err="1"/>
-              <a:t>time_at_shop</a:t>
-            </a:r>
-            <a:r>
-              <a:rPr lang="en-US" sz="1300" dirty="0"/>
-              <a:t> = </a:t>
-            </a:r>
-            <a:r>
-              <a:rPr lang="en-US" sz="1300" dirty="0" err="1"/>
-              <a:t>num</a:t>
-            </a:r>
-            <a:r>
-              <a:rPr lang="en-US" sz="1300" dirty="0"/>
-              <a:t>(</a:t>
-            </a:r>
-            <a:r>
-              <a:rPr lang="en-US" sz="1300" dirty="0" err="1"/>
-              <a:t>wait_t</a:t>
-            </a:r>
-            <a:r>
-              <a:rPr lang="en-US" sz="1300" dirty="0"/>
-              <a:t>) + </a:t>
-            </a:r>
-            <a:r>
-              <a:rPr lang="en-US" sz="1300" dirty="0" err="1"/>
-              <a:t>num</a:t>
-            </a:r>
-            <a:r>
-              <a:rPr lang="en-US" sz="1300" dirty="0"/>
-              <a:t>(</a:t>
-            </a:r>
-            <a:r>
-              <a:rPr lang="en-US" sz="1300" dirty="0" err="1"/>
-              <a:t>make_t</a:t>
-            </a:r>
-            <a:r>
-              <a:rPr lang="en-US" sz="1300" dirty="0"/>
-              <a:t>);</a:t>
-            </a:r>
-          </a:p>
-          <a:p>
-            <a:pPr marL="0" indent="0">
-              <a:spcBef>
-                <a:spcPts val="0"/>
-              </a:spcBef>
-              <a:buNone/>
-            </a:pPr>
-            <a:r>
-              <a:rPr lang="en-US" sz="1300" dirty="0"/>
-              <a:t>    </a:t>
-            </a:r>
-            <a:r>
-              <a:rPr lang="en-US" sz="1300" dirty="0">
-                <a:solidFill>
-                  <a:srgbClr val="000090"/>
-                </a:solidFill>
-              </a:rPr>
-              <a:t>try</a:t>
-            </a:r>
-            <a:r>
-              <a:rPr lang="en-US" sz="1300" dirty="0"/>
-              <a:t> {</a:t>
-            </a:r>
-          </a:p>
-          <a:p>
-            <a:pPr marL="0" indent="0">
-              <a:spcBef>
-                <a:spcPts val="0"/>
-              </a:spcBef>
-              <a:buNone/>
-            </a:pPr>
-            <a:r>
-              <a:rPr lang="en-US" sz="1300" dirty="0"/>
-              <a:t>        </a:t>
-            </a:r>
-            <a:r>
-              <a:rPr lang="en-US" sz="1300" dirty="0">
-                <a:solidFill>
-                  <a:srgbClr val="000090"/>
-                </a:solidFill>
-              </a:rPr>
-              <a:t>if</a:t>
-            </a:r>
-            <a:r>
-              <a:rPr lang="en-US" sz="1300" dirty="0"/>
-              <a:t> </a:t>
-            </a:r>
-            <a:r>
-              <a:rPr lang="en-US" sz="1300" dirty="0" err="1"/>
-              <a:t>can_you_get_coffee</a:t>
-            </a:r>
-            <a:r>
-              <a:rPr lang="en-US" sz="1300" dirty="0"/>
-              <a:t>(d, time, </a:t>
-            </a:r>
-            <a:r>
-              <a:rPr lang="en-US" sz="1300" dirty="0" err="1"/>
-              <a:t>time_at_shop</a:t>
-            </a:r>
-            <a:r>
-              <a:rPr lang="en-US" sz="1300" dirty="0"/>
-              <a:t>)</a:t>
-            </a:r>
-          </a:p>
-          <a:p>
-            <a:pPr marL="0" indent="0">
-              <a:spcBef>
-                <a:spcPts val="0"/>
-              </a:spcBef>
-              <a:buNone/>
-            </a:pPr>
-            <a:r>
-              <a:rPr lang="en-US" sz="1300" dirty="0"/>
-              <a:t>            </a:t>
-            </a:r>
-            <a:r>
-              <a:rPr lang="en-US" sz="1300" dirty="0">
-                <a:solidFill>
-                  <a:srgbClr val="000090"/>
-                </a:solidFill>
-              </a:rPr>
-              <a:t>print</a:t>
-            </a:r>
-            <a:r>
-              <a:rPr lang="en-US" sz="1300" dirty="0"/>
-              <a:t>(</a:t>
-            </a:r>
-            <a:r>
-              <a:rPr lang="en-US" sz="1300" dirty="0">
-                <a:solidFill>
-                  <a:srgbClr val="008000"/>
-                </a:solidFill>
-              </a:rPr>
-              <a:t>"You have time to go to %s\n"</a:t>
-            </a:r>
-            <a:r>
-              <a:rPr lang="en-US" sz="1300" dirty="0"/>
-              <a:t>, name);</a:t>
-            </a:r>
-          </a:p>
-          <a:p>
-            <a:pPr marL="0" indent="0">
-              <a:spcBef>
-                <a:spcPts val="0"/>
-              </a:spcBef>
-              <a:buNone/>
-            </a:pPr>
-            <a:r>
-              <a:rPr lang="en-US" sz="1300" dirty="0"/>
-              <a:t>        </a:t>
-            </a:r>
-            <a:r>
-              <a:rPr lang="en-US" sz="1300" dirty="0">
-                <a:solidFill>
-                  <a:srgbClr val="000090"/>
-                </a:solidFill>
-              </a:rPr>
-              <a:t>else</a:t>
-            </a:r>
-          </a:p>
-          <a:p>
-            <a:pPr marL="0" indent="0">
-              <a:spcBef>
-                <a:spcPts val="0"/>
-              </a:spcBef>
-              <a:buNone/>
-            </a:pPr>
-            <a:r>
-              <a:rPr lang="en-US" sz="1300" dirty="0"/>
-              <a:t>            </a:t>
-            </a:r>
-            <a:r>
-              <a:rPr lang="en-US" sz="1300" dirty="0">
-                <a:solidFill>
-                  <a:srgbClr val="000090"/>
-                </a:solidFill>
-              </a:rPr>
-              <a:t>print</a:t>
-            </a:r>
-            <a:r>
-              <a:rPr lang="en-US" sz="1300" dirty="0"/>
-              <a:t>(</a:t>
-            </a:r>
-            <a:r>
-              <a:rPr lang="en-US" sz="1300" dirty="0">
-                <a:solidFill>
-                  <a:srgbClr val="008000"/>
-                </a:solidFill>
-              </a:rPr>
-              <a:t>"You do not have time to go to %s\n"</a:t>
-            </a:r>
-            <a:r>
-              <a:rPr lang="en-US" sz="1300" dirty="0"/>
-              <a:t>, name);</a:t>
-            </a:r>
-          </a:p>
-          <a:p>
-            <a:pPr marL="0" indent="0">
-              <a:spcBef>
-                <a:spcPts val="0"/>
-              </a:spcBef>
-              <a:buNone/>
-            </a:pPr>
-            <a:r>
-              <a:rPr lang="en-US" sz="1300" dirty="0"/>
-              <a:t>    } </a:t>
-            </a:r>
-            <a:r>
-              <a:rPr lang="en-US" sz="1300" dirty="0">
-                <a:solidFill>
-                  <a:srgbClr val="000090"/>
-                </a:solidFill>
-              </a:rPr>
-              <a:t>except </a:t>
-            </a:r>
-            <a:r>
-              <a:rPr lang="en-US" sz="1300" dirty="0">
-                <a:solidFill>
-                  <a:srgbClr val="660066"/>
-                </a:solidFill>
-              </a:rPr>
-              <a:t>Exception </a:t>
-            </a:r>
-            <a:r>
-              <a:rPr lang="en-US" sz="1300" dirty="0"/>
-              <a:t>{</a:t>
-            </a:r>
-          </a:p>
-          <a:p>
-            <a:pPr marL="0" indent="0">
-              <a:spcBef>
-                <a:spcPts val="0"/>
-              </a:spcBef>
-              <a:buNone/>
-            </a:pPr>
-            <a:r>
-              <a:rPr lang="en-US" sz="1300" dirty="0"/>
-              <a:t>        </a:t>
-            </a:r>
-            <a:r>
-              <a:rPr lang="en-US" sz="1300" dirty="0">
-                <a:solidFill>
-                  <a:srgbClr val="000090"/>
-                </a:solidFill>
-              </a:rPr>
-              <a:t>print </a:t>
-            </a:r>
-            <a:r>
-              <a:rPr lang="en-US" sz="1300" dirty="0"/>
-              <a:t>(</a:t>
-            </a:r>
-            <a:r>
-              <a:rPr lang="en-US" sz="1300" dirty="0">
-                <a:solidFill>
-                  <a:srgbClr val="008000"/>
-                </a:solidFill>
-              </a:rPr>
-              <a:t>"Could not calculate time for %s\n"</a:t>
-            </a:r>
-            <a:r>
-              <a:rPr lang="en-US" sz="1300" dirty="0"/>
-              <a:t>, name);</a:t>
-            </a:r>
-          </a:p>
-          <a:p>
-            <a:pPr marL="0" indent="0">
-              <a:spcBef>
-                <a:spcPts val="0"/>
-              </a:spcBef>
-              <a:buNone/>
-            </a:pPr>
-            <a:r>
-              <a:rPr lang="en-US" sz="1300" dirty="0"/>
-              <a:t>    }</a:t>
-            </a:r>
-          </a:p>
-          <a:p>
-            <a:pPr marL="0" indent="0">
-              <a:spcBef>
-                <a:spcPts val="0"/>
-              </a:spcBef>
-              <a:buNone/>
-            </a:pPr>
-            <a:r>
-              <a:rPr lang="en-US" sz="1300" dirty="0"/>
-              <a:t>}</a:t>
-            </a:r>
+              <a:rPr lang="en-US" sz="2000" dirty="0"/>
+              <a:t>print("%s and %s are the closest pair.", closest, closest2);</a:t>
+            </a:r>
+            <a:endParaRPr lang="en-US" sz="2000" dirty="0"/>
           </a:p>
         </p:txBody>
       </p:sp>
       <p:sp>
         <p:nvSpPr>
-          <p:cNvPr id="6" name="Rectangle 5"/>
+          <p:cNvPr id="7" name="Rounded Rectangle 6"/>
           <p:cNvSpPr/>
           <p:nvPr/>
         </p:nvSpPr>
         <p:spPr>
           <a:xfrm>
-            <a:off x="5218215" y="815980"/>
-            <a:ext cx="3626770" cy="3893374"/>
+            <a:off x="1513144" y="953579"/>
+            <a:ext cx="3147756" cy="405322"/>
           </a:xfrm>
-          <a:prstGeom prst="rect">
+          <a:prstGeom prst="roundRect">
             <a:avLst/>
           </a:prstGeom>
-          <a:ln>
+          <a:noFill/>
+          <a:ln w="12700" cmpd="sng">
             <a:solidFill>
-              <a:srgbClr val="BFBFBF"/>
+              <a:schemeClr val="accent5"/>
             </a:solidFill>
           </a:ln>
+          <a:effectLst>
+            <a:glow rad="101600">
+              <a:schemeClr val="accent5">
+                <a:satMod val="175000"/>
+                <a:alpha val="40000"/>
+              </a:schemeClr>
+            </a:glow>
+            <a:outerShdw blurRad="40000" dist="23000" dir="5400000" rotWithShape="0">
+              <a:srgbClr val="000000">
+                <a:alpha val="35000"/>
+              </a:srgbClr>
+            </a:outerShdw>
+          </a:effectLst>
         </p:spPr>
+        <p:style>
+          <a:lnRef idx="1">
+            <a:schemeClr val="accent1"/>
+          </a:lnRef>
+          <a:fillRef idx="3">
+            <a:schemeClr val="accent1"/>
+          </a:fillRef>
+          <a:effectRef idx="2">
+            <a:schemeClr val="accent1"/>
+          </a:effectRef>
+          <a:fontRef idx="minor">
+            <a:schemeClr val="lt1"/>
+          </a:fontRef>
+        </p:style>
         <p:txBody>
-          <a:bodyPr wrap="square">
-            <a:spAutoFit/>
-          </a:bodyPr>
+          <a:bodyPr rtlCol="0" anchor="ctr"/>
           <a:lstStyle/>
           <a:p>
-            <a:r>
-              <a:rPr lang="en-US" sz="1300" dirty="0">
-                <a:solidFill>
-                  <a:schemeClr val="accent5"/>
-                </a:solidFill>
-              </a:rPr>
-              <a:t>''' </a:t>
-            </a:r>
-            <a:r>
-              <a:rPr lang="en-US" sz="1300" dirty="0" err="1">
-                <a:solidFill>
-                  <a:schemeClr val="accent5"/>
-                </a:solidFill>
-              </a:rPr>
-              <a:t>tot_t</a:t>
-            </a:r>
-            <a:r>
-              <a:rPr lang="en-US" sz="1300" dirty="0">
-                <a:solidFill>
-                  <a:schemeClr val="accent5"/>
-                </a:solidFill>
-              </a:rPr>
-              <a:t> is the total time you have,</a:t>
-            </a:r>
-          </a:p>
-          <a:p>
-            <a:r>
-              <a:rPr lang="en-US" sz="1300" dirty="0">
-                <a:solidFill>
-                  <a:schemeClr val="accent5"/>
-                </a:solidFill>
-              </a:rPr>
-              <a:t>    </a:t>
-            </a:r>
-            <a:r>
-              <a:rPr lang="en-US" sz="1300" dirty="0" err="1">
-                <a:solidFill>
-                  <a:schemeClr val="accent5"/>
-                </a:solidFill>
-              </a:rPr>
-              <a:t>make_t</a:t>
-            </a:r>
-            <a:r>
-              <a:rPr lang="en-US" sz="1300" dirty="0">
-                <a:solidFill>
-                  <a:schemeClr val="accent5"/>
-                </a:solidFill>
-              </a:rPr>
-              <a:t> is the time it takes the baristas to</a:t>
-            </a:r>
-          </a:p>
-          <a:p>
-            <a:r>
-              <a:rPr lang="en-US" sz="1300" dirty="0">
-                <a:solidFill>
-                  <a:schemeClr val="accent5"/>
-                </a:solidFill>
-              </a:rPr>
-              <a:t>    fix you a drink.'''</a:t>
-            </a:r>
-          </a:p>
-          <a:p>
-            <a:endParaRPr lang="en-US" sz="1300" dirty="0"/>
-          </a:p>
-          <a:p>
-            <a:r>
-              <a:rPr lang="en-US" sz="1300" dirty="0" err="1">
-                <a:solidFill>
-                  <a:srgbClr val="000090"/>
-                </a:solidFill>
-              </a:rPr>
-              <a:t>def</a:t>
-            </a:r>
-            <a:r>
-              <a:rPr lang="en-US" sz="1300" dirty="0">
-                <a:solidFill>
-                  <a:srgbClr val="000090"/>
-                </a:solidFill>
-              </a:rPr>
-              <a:t> </a:t>
-            </a:r>
-            <a:r>
-              <a:rPr lang="en-US" sz="1300" dirty="0" err="1"/>
-              <a:t>can_you_get_coffee</a:t>
-            </a:r>
-            <a:r>
-              <a:rPr lang="en-US" sz="1300" dirty="0"/>
-              <a:t>(d, </a:t>
-            </a:r>
-            <a:r>
-              <a:rPr lang="en-US" sz="1300" dirty="0" err="1"/>
-              <a:t>tot_t</a:t>
-            </a:r>
-            <a:r>
-              <a:rPr lang="en-US" sz="1300" dirty="0"/>
-              <a:t>, </a:t>
-            </a:r>
-            <a:r>
-              <a:rPr lang="en-US" sz="1300" dirty="0" err="1"/>
-              <a:t>make_t</a:t>
-            </a:r>
-            <a:r>
-              <a:rPr lang="en-US" sz="1300" dirty="0"/>
-              <a:t>){</a:t>
-            </a:r>
-          </a:p>
-          <a:p>
-            <a:r>
-              <a:rPr lang="en-US" sz="1300" dirty="0"/>
-              <a:t>    </a:t>
-            </a:r>
-            <a:r>
-              <a:rPr lang="en-US" sz="1300" dirty="0" err="1"/>
-              <a:t>transit_time</a:t>
-            </a:r>
-            <a:r>
-              <a:rPr lang="en-US" sz="1300" dirty="0"/>
-              <a:t> = d / (</a:t>
-            </a:r>
-            <a:r>
-              <a:rPr lang="en-US" sz="1300" dirty="0" err="1"/>
-              <a:t>walk_speed</a:t>
-            </a:r>
-            <a:r>
-              <a:rPr lang="en-US" sz="1300" dirty="0"/>
-              <a:t> * 60);</a:t>
-            </a:r>
-          </a:p>
-          <a:p>
-            <a:r>
-              <a:rPr lang="en-US" sz="1300" dirty="0"/>
-              <a:t>    </a:t>
-            </a:r>
-            <a:r>
-              <a:rPr lang="en-US" sz="1300" dirty="0">
-                <a:solidFill>
-                  <a:srgbClr val="000090"/>
-                </a:solidFill>
-              </a:rPr>
-              <a:t>print</a:t>
-            </a:r>
-            <a:r>
-              <a:rPr lang="en-US" sz="1300" dirty="0"/>
-              <a:t> (</a:t>
-            </a:r>
-            <a:r>
-              <a:rPr lang="en-US" sz="1300" dirty="0">
-                <a:solidFill>
-                  <a:srgbClr val="008000"/>
-                </a:solidFill>
-              </a:rPr>
-              <a:t>"The time it will take you to get </a:t>
-            </a:r>
-            <a:r>
-              <a:rPr lang="en-US" sz="1300" dirty="0" smtClean="0">
-                <a:solidFill>
-                  <a:srgbClr val="008000"/>
-                </a:solidFill>
-              </a:rPr>
-              <a:t>there”</a:t>
-            </a:r>
-            <a:r>
-              <a:rPr lang="en-US" sz="1300" dirty="0" smtClean="0"/>
-              <a:t>);</a:t>
-            </a:r>
-          </a:p>
-          <a:p>
-            <a:r>
-              <a:rPr lang="en-US" sz="1300" dirty="0"/>
-              <a:t> </a:t>
-            </a:r>
-            <a:r>
-              <a:rPr lang="en-US" sz="1300" dirty="0" smtClean="0"/>
-              <a:t>   </a:t>
-            </a:r>
-            <a:r>
-              <a:rPr lang="en-US" sz="1300" dirty="0" smtClean="0">
-                <a:solidFill>
-                  <a:srgbClr val="000090"/>
-                </a:solidFill>
-              </a:rPr>
-              <a:t>print</a:t>
-            </a:r>
-            <a:r>
-              <a:rPr lang="en-US" sz="1300" dirty="0" smtClean="0"/>
-              <a:t> (</a:t>
-            </a:r>
-            <a:r>
-              <a:rPr lang="en-US" sz="1300" dirty="0" smtClean="0">
-                <a:solidFill>
-                  <a:srgbClr val="008000"/>
-                </a:solidFill>
-              </a:rPr>
-              <a:t>“is </a:t>
-            </a:r>
-            <a:r>
-              <a:rPr lang="en-US" sz="1300" dirty="0">
-                <a:solidFill>
-                  <a:srgbClr val="008000"/>
-                </a:solidFill>
-              </a:rPr>
-              <a:t>%s minutes"</a:t>
-            </a:r>
-            <a:r>
-              <a:rPr lang="en-US" sz="1300" dirty="0"/>
-              <a:t>, </a:t>
-            </a:r>
-            <a:r>
-              <a:rPr lang="en-US" sz="1300" dirty="0" err="1"/>
-              <a:t>transit_time</a:t>
-            </a:r>
-            <a:r>
-              <a:rPr lang="en-US" sz="1300" dirty="0"/>
-              <a:t>);</a:t>
-            </a:r>
-          </a:p>
-          <a:p>
-            <a:r>
-              <a:rPr lang="en-US" sz="1300" dirty="0"/>
-              <a:t>    </a:t>
-            </a:r>
-            <a:r>
-              <a:rPr lang="en-US" sz="1300" dirty="0" err="1"/>
-              <a:t>compare_time</a:t>
-            </a:r>
-            <a:r>
-              <a:rPr lang="en-US" sz="1300" dirty="0"/>
-              <a:t> = </a:t>
-            </a:r>
-            <a:r>
-              <a:rPr lang="en-US" sz="1300" dirty="0" err="1"/>
-              <a:t>transit_time</a:t>
-            </a:r>
-            <a:r>
-              <a:rPr lang="en-US" sz="1300" dirty="0"/>
-              <a:t> + </a:t>
-            </a:r>
-            <a:r>
-              <a:rPr lang="en-US" sz="1300" dirty="0" err="1"/>
-              <a:t>make_t</a:t>
-            </a:r>
-            <a:r>
-              <a:rPr lang="en-US" sz="1300" dirty="0"/>
-              <a:t>;</a:t>
-            </a:r>
-          </a:p>
-          <a:p>
-            <a:r>
-              <a:rPr lang="en-US" sz="1300" dirty="0"/>
-              <a:t>    </a:t>
-            </a:r>
-            <a:r>
-              <a:rPr lang="en-US" sz="1300" dirty="0">
-                <a:solidFill>
-                  <a:srgbClr val="000090"/>
-                </a:solidFill>
-              </a:rPr>
-              <a:t>print</a:t>
-            </a:r>
-            <a:r>
-              <a:rPr lang="en-US" sz="1300" dirty="0"/>
-              <a:t> (</a:t>
-            </a:r>
-            <a:r>
-              <a:rPr lang="en-US" sz="1300" dirty="0">
-                <a:solidFill>
-                  <a:srgbClr val="008000"/>
-                </a:solidFill>
-              </a:rPr>
-              <a:t>"The total time to travel and get </a:t>
-            </a:r>
-            <a:r>
-              <a:rPr lang="en-US" sz="1300" dirty="0" smtClean="0">
-                <a:solidFill>
-                  <a:srgbClr val="008000"/>
-                </a:solidFill>
-              </a:rPr>
-              <a:t>coffee”</a:t>
-            </a:r>
-            <a:r>
-              <a:rPr lang="en-US" sz="1300" dirty="0" smtClean="0"/>
-              <a:t>);</a:t>
-            </a:r>
-          </a:p>
-          <a:p>
-            <a:r>
-              <a:rPr lang="en-US" sz="1300" dirty="0"/>
-              <a:t> </a:t>
-            </a:r>
-            <a:r>
-              <a:rPr lang="en-US" sz="1300" dirty="0" smtClean="0"/>
-              <a:t>   </a:t>
-            </a:r>
-            <a:r>
-              <a:rPr lang="en-US" sz="1300" dirty="0" smtClean="0">
-                <a:solidFill>
-                  <a:srgbClr val="000090"/>
-                </a:solidFill>
-              </a:rPr>
-              <a:t>print</a:t>
-            </a:r>
-            <a:r>
-              <a:rPr lang="en-US" sz="1300" dirty="0" smtClean="0"/>
-              <a:t> (</a:t>
-            </a:r>
-            <a:r>
-              <a:rPr lang="en-US" sz="1300" dirty="0" smtClean="0">
-                <a:solidFill>
-                  <a:srgbClr val="008000"/>
-                </a:solidFill>
-              </a:rPr>
-              <a:t>“there </a:t>
-            </a:r>
-            <a:r>
-              <a:rPr lang="en-US" sz="1300" dirty="0">
-                <a:solidFill>
-                  <a:srgbClr val="008000"/>
-                </a:solidFill>
-              </a:rPr>
-              <a:t>is %s minutes"</a:t>
-            </a:r>
-            <a:r>
-              <a:rPr lang="en-US" sz="1300" dirty="0"/>
-              <a:t>, </a:t>
-            </a:r>
-            <a:r>
-              <a:rPr lang="en-US" sz="1300" dirty="0" err="1"/>
-              <a:t>compare_time</a:t>
-            </a:r>
-            <a:r>
-              <a:rPr lang="en-US" sz="1300" dirty="0"/>
-              <a:t>);</a:t>
-            </a:r>
-          </a:p>
-          <a:p>
-            <a:r>
-              <a:rPr lang="en-US" sz="1300" dirty="0"/>
-              <a:t>    </a:t>
-            </a:r>
-            <a:r>
-              <a:rPr lang="en-US" sz="1300" dirty="0" err="1"/>
-              <a:t>compare_time</a:t>
-            </a:r>
-            <a:r>
-              <a:rPr lang="en-US" sz="1300" dirty="0"/>
-              <a:t> = </a:t>
-            </a:r>
-            <a:r>
-              <a:rPr lang="en-US" sz="1300" dirty="0" err="1"/>
-              <a:t>num</a:t>
-            </a:r>
-            <a:r>
-              <a:rPr lang="en-US" sz="1300" dirty="0"/>
-              <a:t>(</a:t>
-            </a:r>
-            <a:r>
-              <a:rPr lang="en-US" sz="1300" dirty="0" err="1"/>
-              <a:t>compare_time</a:t>
-            </a:r>
-            <a:r>
-              <a:rPr lang="en-US" sz="1300" dirty="0"/>
-              <a:t>);</a:t>
-            </a:r>
-          </a:p>
-          <a:p>
-            <a:r>
-              <a:rPr lang="en-US" sz="1300" dirty="0"/>
-              <a:t>    </a:t>
-            </a:r>
-            <a:r>
-              <a:rPr lang="en-US" sz="1300" dirty="0" err="1"/>
-              <a:t>tot_t</a:t>
-            </a:r>
-            <a:r>
-              <a:rPr lang="en-US" sz="1300" dirty="0"/>
-              <a:t> = </a:t>
-            </a:r>
-            <a:r>
-              <a:rPr lang="en-US" sz="1300" dirty="0" err="1"/>
-              <a:t>num</a:t>
-            </a:r>
-            <a:r>
-              <a:rPr lang="en-US" sz="1300" dirty="0"/>
-              <a:t>(</a:t>
-            </a:r>
-            <a:r>
-              <a:rPr lang="en-US" sz="1300" dirty="0" err="1"/>
-              <a:t>tot_t</a:t>
-            </a:r>
-            <a:r>
-              <a:rPr lang="en-US" sz="1300" dirty="0"/>
-              <a:t>);</a:t>
-            </a:r>
-          </a:p>
-          <a:p>
-            <a:r>
-              <a:rPr lang="en-US" sz="1300" dirty="0"/>
-              <a:t>    boo = (</a:t>
-            </a:r>
-            <a:r>
-              <a:rPr lang="en-US" sz="1300" dirty="0" err="1"/>
-              <a:t>compare_time</a:t>
-            </a:r>
-            <a:r>
-              <a:rPr lang="en-US" sz="1300" dirty="0"/>
-              <a:t> &gt; </a:t>
-            </a:r>
-            <a:r>
-              <a:rPr lang="en-US" sz="1300" dirty="0" err="1"/>
-              <a:t>tot_t</a:t>
-            </a:r>
-            <a:r>
-              <a:rPr lang="en-US" sz="1300" dirty="0"/>
-              <a:t>);</a:t>
-            </a:r>
-          </a:p>
-          <a:p>
-            <a:r>
-              <a:rPr lang="en-US" sz="1300" dirty="0"/>
-              <a:t>    </a:t>
-            </a:r>
-            <a:r>
-              <a:rPr lang="en-US" sz="1300" dirty="0">
-                <a:solidFill>
-                  <a:srgbClr val="000090"/>
-                </a:solidFill>
-              </a:rPr>
-              <a:t>if</a:t>
-            </a:r>
-            <a:r>
-              <a:rPr lang="en-US" sz="1300" dirty="0"/>
-              <a:t> (boo)</a:t>
-            </a:r>
-          </a:p>
-          <a:p>
-            <a:r>
-              <a:rPr lang="en-US" sz="1300" dirty="0"/>
-              <a:t>        </a:t>
-            </a:r>
-            <a:r>
-              <a:rPr lang="en-US" sz="1300" dirty="0">
-                <a:solidFill>
-                  <a:srgbClr val="000090"/>
-                </a:solidFill>
-              </a:rPr>
-              <a:t>return</a:t>
-            </a:r>
-            <a:r>
-              <a:rPr lang="en-US" sz="1300" dirty="0"/>
-              <a:t> </a:t>
-            </a:r>
-            <a:r>
-              <a:rPr lang="en-US" sz="1300" dirty="0">
-                <a:solidFill>
-                  <a:srgbClr val="000090"/>
-                </a:solidFill>
-              </a:rPr>
-              <a:t>false</a:t>
-            </a:r>
-            <a:r>
-              <a:rPr lang="en-US" sz="1300" dirty="0"/>
-              <a:t>;</a:t>
-            </a:r>
-          </a:p>
-          <a:p>
-            <a:r>
-              <a:rPr lang="en-US" sz="1300" dirty="0"/>
-              <a:t>    </a:t>
-            </a:r>
-            <a:r>
-              <a:rPr lang="en-US" sz="1300" dirty="0">
-                <a:solidFill>
-                  <a:srgbClr val="000090"/>
-                </a:solidFill>
-              </a:rPr>
-              <a:t>else</a:t>
-            </a:r>
-          </a:p>
-          <a:p>
-            <a:r>
-              <a:rPr lang="en-US" sz="1300" dirty="0"/>
-              <a:t>        </a:t>
-            </a:r>
-            <a:r>
-              <a:rPr lang="en-US" sz="1300" dirty="0">
-                <a:solidFill>
-                  <a:srgbClr val="000090"/>
-                </a:solidFill>
-              </a:rPr>
-              <a:t>return</a:t>
-            </a:r>
-            <a:r>
-              <a:rPr lang="en-US" sz="1300" dirty="0"/>
-              <a:t> </a:t>
-            </a:r>
-            <a:r>
-              <a:rPr lang="en-US" sz="1300" dirty="0">
-                <a:solidFill>
-                  <a:srgbClr val="000090"/>
-                </a:solidFill>
-              </a:rPr>
-              <a:t>true</a:t>
-            </a:r>
-            <a:r>
-              <a:rPr lang="en-US" sz="1300" dirty="0"/>
-              <a:t>;</a:t>
-            </a:r>
-          </a:p>
-          <a:p>
-            <a:r>
-              <a:rPr lang="en-US" sz="1300" dirty="0"/>
-              <a:t>}</a:t>
-            </a:r>
+            <a:pPr algn="ctr"/>
+            <a:endParaRPr lang="en-US" dirty="0"/>
+          </a:p>
+        </p:txBody>
+      </p:sp>
+      <p:sp>
+        <p:nvSpPr>
+          <p:cNvPr id="8" name="Rounded Rectangle 7"/>
+          <p:cNvSpPr/>
+          <p:nvPr/>
+        </p:nvSpPr>
+        <p:spPr>
+          <a:xfrm>
+            <a:off x="1513144" y="4946727"/>
+            <a:ext cx="6005256" cy="397919"/>
+          </a:xfrm>
+          <a:prstGeom prst="roundRect">
+            <a:avLst/>
+          </a:prstGeom>
+          <a:noFill/>
+          <a:ln w="12700" cmpd="sng">
+            <a:solidFill>
+              <a:srgbClr val="4BACC6"/>
+            </a:solidFill>
+          </a:ln>
+          <a:effectLst>
+            <a:glow rad="101600">
+              <a:schemeClr val="accent5">
+                <a:satMod val="175000"/>
+                <a:alpha val="40000"/>
+              </a:schemeClr>
+            </a:glow>
+            <a:outerShdw blurRad="40000" dist="23000" dir="5400000" rotWithShape="0">
+              <a:srgbClr val="000000">
+                <a:alpha val="35000"/>
+              </a:srgbClr>
+            </a:outerShdw>
+          </a:effectLst>
+        </p:spPr>
+        <p:style>
+          <a:lnRef idx="1">
+            <a:schemeClr val="accent1"/>
+          </a:lnRef>
+          <a:fillRef idx="3">
+            <a:schemeClr val="accent1"/>
+          </a:fillRef>
+          <a:effectRef idx="2">
+            <a:schemeClr val="accent1"/>
+          </a:effectRef>
+          <a:fontRef idx="minor">
+            <a:schemeClr val="lt1"/>
+          </a:fontRef>
+        </p:style>
+        <p:txBody>
+          <a:bodyPr rtlCol="0" anchor="ctr"/>
+          <a:lstStyle/>
+          <a:p>
+            <a:pPr algn="ctr"/>
+            <a:endParaRPr lang="en-US" dirty="0"/>
+          </a:p>
+        </p:txBody>
+      </p:sp>
+      <p:sp>
+        <p:nvSpPr>
+          <p:cNvPr id="10" name="Rounded Rectangle 9"/>
+          <p:cNvSpPr/>
+          <p:nvPr/>
+        </p:nvSpPr>
+        <p:spPr>
+          <a:xfrm>
+            <a:off x="1500444" y="1890133"/>
+            <a:ext cx="2284156" cy="395867"/>
+          </a:xfrm>
+          <a:prstGeom prst="roundRect">
+            <a:avLst/>
+          </a:prstGeom>
+          <a:noFill/>
+          <a:ln w="12700" cmpd="sng">
+            <a:solidFill>
+              <a:srgbClr val="4BACC6"/>
+            </a:solidFill>
+          </a:ln>
+          <a:effectLst>
+            <a:glow rad="101600">
+              <a:schemeClr val="accent5">
+                <a:satMod val="175000"/>
+                <a:alpha val="40000"/>
+              </a:schemeClr>
+            </a:glow>
+            <a:outerShdw blurRad="40000" dist="23000" dir="5400000" rotWithShape="0">
+              <a:srgbClr val="000000">
+                <a:alpha val="35000"/>
+              </a:srgbClr>
+            </a:outerShdw>
+          </a:effectLst>
+        </p:spPr>
+        <p:style>
+          <a:lnRef idx="1">
+            <a:schemeClr val="accent1"/>
+          </a:lnRef>
+          <a:fillRef idx="3">
+            <a:schemeClr val="accent1"/>
+          </a:fillRef>
+          <a:effectRef idx="2">
+            <a:schemeClr val="accent1"/>
+          </a:effectRef>
+          <a:fontRef idx="minor">
+            <a:schemeClr val="lt1"/>
+          </a:fontRef>
+        </p:style>
+        <p:txBody>
+          <a:bodyPr rtlCol="0" anchor="ctr"/>
+          <a:lstStyle/>
+          <a:p>
+            <a:pPr algn="ctr"/>
+            <a:endParaRPr lang="en-US" dirty="0"/>
           </a:p>
         </p:txBody>
       </p:sp>
     </p:spTree>
     <p:extLst>
       <p:ext uri="{BB962C8B-B14F-4D97-AF65-F5344CB8AC3E}">
-        <p14:creationId xmlns:p14="http://schemas.microsoft.com/office/powerpoint/2010/main" xmlns="" val="1195539260"/>
+        <p14:creationId xmlns:p14="http://schemas.microsoft.com/office/powerpoint/2010/main" val="44400061"/>
       </p:ext>
     </p:extLst>
   </p:cSld>
@@ -10100,22 +8980,42 @@
             <p:ph type="title"/>
           </p:nvPr>
         </p:nvSpPr>
-        <p:spPr/>
+        <p:spPr>
+          <a:xfrm>
+            <a:off x="457200" y="-14269"/>
+            <a:ext cx="8229600" cy="813329"/>
+          </a:xfrm>
+        </p:spPr>
         <p:txBody>
           <a:bodyPr/>
           <a:lstStyle/>
           <a:p>
             <a:r>
+              <a:rPr lang="en-US" dirty="0">
+                <a:latin typeface="Courier"/>
+                <a:cs typeface="Courier"/>
+              </a:rPr>
+              <a:t>local</a:t>
+            </a:r>
+            <a:r>
               <a:rPr lang="en-US" dirty="0" smtClean="0"/>
-              <a:t>Features</a:t>
-            </a:r>
-            <a:endParaRPr lang="en-US" dirty="0"/>
+              <a:t> Code </a:t>
+            </a:r>
+            <a:r>
+              <a:rPr lang="en-US" dirty="0" smtClean="0"/>
+              <a:t>Example: </a:t>
+            </a:r>
+            <a:r>
+              <a:rPr lang="en-US" i="1" dirty="0" smtClean="0"/>
+              <a:t>coffee.local</a:t>
+            </a:r>
+            <a:endParaRPr lang="en-US" i="1" dirty="0"/>
           </a:p>
         </p:txBody>
       </p:sp>
       <p:sp>
         <p:nvSpPr>
-          <p:cNvPr id="3" name="Content Placeholder 2"/>
+          <p:cNvPr id="4" name="Content Placeholder 2"/>
           <p:cNvSpPr>
             <a:spLocks noGrp="1"/>
           </p:cNvSpPr>
@@ -10123,11 +9023,1848 @@
             <p:ph idx="1"/>
           </p:nvPr>
         </p:nvSpPr>
-        <p:spPr/>
+        <p:spPr>
+          <a:xfrm>
+            <a:off x="154244" y="750265"/>
+            <a:ext cx="4719350" cy="5864526"/>
+          </a:xfrm>
+          <a:ln>
+            <a:solidFill>
+              <a:schemeClr val="bg1">
+                <a:lumMod val="75000"/>
+              </a:schemeClr>
+            </a:solidFill>
+          </a:ln>
+        </p:spPr>
         <p:txBody>
-          <a:bodyPr/>
+          <a:bodyPr>
+            <a:noAutofit/>
+          </a:bodyPr>
           <a:lstStyle/>
           <a:p>
+            <a:pPr marL="0" indent="0">
+              <a:spcBef>
+                <a:spcPts val="0"/>
+              </a:spcBef>
+              <a:buNone/>
+            </a:pPr>
+            <a:r>
+              <a:rPr lang="en-US" sz="1300" dirty="0"/>
+              <a:t>w</a:t>
+            </a:r>
+            <a:r>
+              <a:rPr lang="en-US" sz="1300" dirty="0" smtClean="0"/>
+              <a:t>alk_speed = </a:t>
+            </a:r>
+            <a:r>
+              <a:rPr lang="en-US" sz="1300" dirty="0" smtClean="0">
+                <a:solidFill>
+                  <a:srgbClr val="0000FF"/>
+                </a:solidFill>
+              </a:rPr>
+              <a:t>3.0</a:t>
+            </a:r>
+            <a:r>
+              <a:rPr lang="en-US" sz="1300" dirty="0" smtClean="0"/>
+              <a:t>; </a:t>
+            </a:r>
+            <a:r>
+              <a:rPr lang="en-US" sz="1300" dirty="0" smtClean="0">
+                <a:solidFill>
+                  <a:srgbClr val="4BACC6"/>
+                </a:solidFill>
+              </a:rPr>
+              <a:t>// in miles per hour</a:t>
+            </a:r>
+            <a:endParaRPr lang="en-US" sz="1300" dirty="0" smtClean="0">
+              <a:solidFill>
+                <a:srgbClr val="000090"/>
+              </a:solidFill>
+            </a:endParaRPr>
+          </a:p>
+          <a:p>
+            <a:pPr marL="0" indent="0">
+              <a:spcBef>
+                <a:spcPts val="0"/>
+              </a:spcBef>
+              <a:buNone/>
+            </a:pPr>
+            <a:r>
+              <a:rPr lang="en-US" sz="1300" dirty="0">
+                <a:solidFill>
+                  <a:srgbClr val="000090"/>
+                </a:solidFill>
+              </a:rPr>
+              <a:t>t</a:t>
+            </a:r>
+            <a:r>
+              <a:rPr lang="en-US" sz="1300" dirty="0" smtClean="0">
+                <a:solidFill>
+                  <a:srgbClr val="000090"/>
+                </a:solidFill>
+              </a:rPr>
+              <a:t>ry</a:t>
+            </a:r>
+            <a:r>
+              <a:rPr lang="en-US" sz="1300" dirty="0" smtClean="0"/>
+              <a:t> {</a:t>
+            </a:r>
+            <a:endParaRPr lang="en-US" sz="1300" dirty="0"/>
+          </a:p>
+          <a:p>
+            <a:pPr marL="0" indent="0">
+              <a:spcBef>
+                <a:spcPts val="0"/>
+              </a:spcBef>
+              <a:buNone/>
+            </a:pPr>
+            <a:r>
+              <a:rPr lang="en-US" sz="1300" dirty="0"/>
+              <a:t>    places = open(</a:t>
+            </a:r>
+            <a:r>
+              <a:rPr lang="en-US" sz="1300" dirty="0">
+                <a:solidFill>
+                  <a:srgbClr val="008000"/>
+                </a:solidFill>
+              </a:rPr>
+              <a:t>"</a:t>
+            </a:r>
+            <a:r>
+              <a:rPr lang="en-US" sz="1300" dirty="0" smtClean="0">
+                <a:solidFill>
+                  <a:srgbClr val="008000"/>
+                </a:solidFill>
+              </a:rPr>
+              <a:t>coffee.csv”</a:t>
+            </a:r>
+            <a:r>
+              <a:rPr lang="en-US" sz="1300" dirty="0" smtClean="0"/>
+              <a:t>);</a:t>
+            </a:r>
+            <a:endParaRPr lang="en-US" sz="1300" dirty="0"/>
+          </a:p>
+          <a:p>
+            <a:pPr marL="0" indent="0">
+              <a:spcBef>
+                <a:spcPts val="0"/>
+              </a:spcBef>
+              <a:buNone/>
+            </a:pPr>
+            <a:r>
+              <a:rPr lang="en-US" sz="1300" dirty="0" smtClean="0"/>
+              <a:t>} </a:t>
+            </a:r>
+            <a:r>
+              <a:rPr lang="en-US" sz="1300" dirty="0" smtClean="0">
+                <a:solidFill>
+                  <a:srgbClr val="000090"/>
+                </a:solidFill>
+              </a:rPr>
+              <a:t>except</a:t>
+            </a:r>
+            <a:r>
+              <a:rPr lang="en-US" sz="1300" dirty="0" smtClean="0"/>
+              <a:t> </a:t>
+            </a:r>
+            <a:r>
+              <a:rPr lang="en-US" sz="1300" dirty="0" smtClean="0">
+                <a:solidFill>
+                  <a:srgbClr val="660066"/>
+                </a:solidFill>
+              </a:rPr>
+              <a:t>Exception</a:t>
+            </a:r>
+            <a:r>
+              <a:rPr lang="en-US" sz="1300" dirty="0" smtClean="0"/>
+              <a:t> {</a:t>
+            </a:r>
+            <a:endParaRPr lang="en-US" sz="1300" dirty="0"/>
+          </a:p>
+          <a:p>
+            <a:pPr marL="0" indent="0">
+              <a:spcBef>
+                <a:spcPts val="0"/>
+              </a:spcBef>
+              <a:buNone/>
+            </a:pPr>
+            <a:r>
+              <a:rPr lang="en-US" sz="1300" dirty="0"/>
+              <a:t>    </a:t>
+            </a:r>
+            <a:r>
+              <a:rPr lang="en-US" sz="1300" dirty="0">
+                <a:solidFill>
+                  <a:srgbClr val="000090"/>
+                </a:solidFill>
+              </a:rPr>
+              <a:t>print</a:t>
+            </a:r>
+            <a:r>
+              <a:rPr lang="en-US" sz="1300" dirty="0"/>
+              <a:t> </a:t>
+            </a:r>
+            <a:r>
+              <a:rPr lang="en-US" sz="1300" dirty="0" smtClean="0"/>
+              <a:t>(</a:t>
+            </a:r>
+            <a:r>
+              <a:rPr lang="en-US" sz="1300" dirty="0" smtClean="0">
+                <a:solidFill>
+                  <a:srgbClr val="008000"/>
+                </a:solidFill>
+              </a:rPr>
+              <a:t>"</a:t>
+            </a:r>
+            <a:r>
+              <a:rPr lang="en-US" sz="1300" dirty="0">
+                <a:solidFill>
+                  <a:srgbClr val="008000"/>
+                </a:solidFill>
+              </a:rPr>
+              <a:t>Cannot open </a:t>
+            </a:r>
+            <a:r>
+              <a:rPr lang="en-US" sz="1300" dirty="0" smtClean="0">
+                <a:solidFill>
+                  <a:srgbClr val="008000"/>
+                </a:solidFill>
+              </a:rPr>
+              <a:t>file”</a:t>
+            </a:r>
+            <a:r>
+              <a:rPr lang="en-US" sz="1300" dirty="0" smtClean="0"/>
+              <a:t>);</a:t>
+            </a:r>
+            <a:endParaRPr lang="en-US" sz="1300" dirty="0"/>
+          </a:p>
+          <a:p>
+            <a:pPr marL="0" indent="0">
+              <a:spcBef>
+                <a:spcPts val="0"/>
+              </a:spcBef>
+              <a:buNone/>
+            </a:pPr>
+            <a:r>
+              <a:rPr lang="en-US" sz="1300" dirty="0"/>
+              <a:t>    exit(</a:t>
+            </a:r>
+            <a:r>
+              <a:rPr lang="en-US" sz="1300" dirty="0">
+                <a:solidFill>
+                  <a:srgbClr val="0000FF"/>
+                </a:solidFill>
+              </a:rPr>
+              <a:t>1</a:t>
+            </a:r>
+            <a:r>
+              <a:rPr lang="en-US" sz="1300" dirty="0" smtClean="0"/>
+              <a:t>);</a:t>
+            </a:r>
+          </a:p>
+          <a:p>
+            <a:pPr marL="0" indent="0">
+              <a:spcBef>
+                <a:spcPts val="0"/>
+              </a:spcBef>
+              <a:buNone/>
+            </a:pPr>
+            <a:r>
+              <a:rPr lang="en-US" sz="1300" dirty="0"/>
+              <a:t>}</a:t>
+            </a:r>
+          </a:p>
+          <a:p>
+            <a:pPr marL="0" indent="0">
+              <a:spcBef>
+                <a:spcPts val="0"/>
+              </a:spcBef>
+              <a:buNone/>
+            </a:pPr>
+            <a:r>
+              <a:rPr lang="en-US" sz="1300" dirty="0" smtClean="0">
+                <a:solidFill>
+                  <a:srgbClr val="000090"/>
+                </a:solidFill>
+              </a:rPr>
+              <a:t>print</a:t>
+            </a:r>
+            <a:r>
+              <a:rPr lang="en-US" sz="1300" dirty="0"/>
+              <a:t>(</a:t>
+            </a:r>
+            <a:r>
+              <a:rPr lang="en-US" sz="1300" dirty="0">
+                <a:solidFill>
+                  <a:srgbClr val="008000"/>
+                </a:solidFill>
+              </a:rPr>
+              <a:t>"Where are you starting? "</a:t>
+            </a:r>
+            <a:r>
+              <a:rPr lang="en-US" sz="1300" dirty="0"/>
+              <a:t>);</a:t>
+            </a:r>
+          </a:p>
+          <a:p>
+            <a:pPr marL="0" indent="0">
+              <a:spcBef>
+                <a:spcPts val="0"/>
+              </a:spcBef>
+              <a:buNone/>
+            </a:pPr>
+            <a:r>
+              <a:rPr lang="en-US" sz="1300" dirty="0"/>
+              <a:t>start = read();</a:t>
+            </a:r>
+          </a:p>
+          <a:p>
+            <a:pPr marL="0" indent="0">
+              <a:spcBef>
+                <a:spcPts val="0"/>
+              </a:spcBef>
+              <a:buNone/>
+            </a:pPr>
+            <a:r>
+              <a:rPr lang="en-US" sz="1300" dirty="0">
+                <a:solidFill>
+                  <a:srgbClr val="000090"/>
+                </a:solidFill>
+              </a:rPr>
+              <a:t>print</a:t>
+            </a:r>
+            <a:r>
+              <a:rPr lang="en-US" sz="1300" dirty="0"/>
+              <a:t>(</a:t>
+            </a:r>
+            <a:r>
+              <a:rPr lang="en-US" sz="1300" dirty="0">
+                <a:solidFill>
+                  <a:srgbClr val="008000"/>
+                </a:solidFill>
+              </a:rPr>
+              <a:t>"How long do you have until your next event? "</a:t>
+            </a:r>
+            <a:r>
+              <a:rPr lang="en-US" sz="1300" dirty="0"/>
+              <a:t>);</a:t>
+            </a:r>
+          </a:p>
+          <a:p>
+            <a:pPr marL="0" indent="0">
+              <a:spcBef>
+                <a:spcPts val="0"/>
+              </a:spcBef>
+              <a:buNone/>
+            </a:pPr>
+            <a:r>
+              <a:rPr lang="en-US" sz="1300" dirty="0"/>
+              <a:t>time = read()</a:t>
+            </a:r>
+            <a:r>
+              <a:rPr lang="en-US" sz="1300" dirty="0" smtClean="0"/>
+              <a:t>;</a:t>
+            </a:r>
+            <a:endParaRPr lang="en-US" sz="1300" dirty="0"/>
+          </a:p>
+          <a:p>
+            <a:pPr marL="0" indent="0">
+              <a:spcBef>
+                <a:spcPts val="0"/>
+              </a:spcBef>
+              <a:buNone/>
+            </a:pPr>
+            <a:r>
+              <a:rPr lang="en-US" sz="1300" dirty="0">
+                <a:solidFill>
+                  <a:srgbClr val="000090"/>
+                </a:solidFill>
+              </a:rPr>
+              <a:t>for</a:t>
+            </a:r>
+            <a:r>
+              <a:rPr lang="en-US" sz="1300" dirty="0"/>
+              <a:t> place </a:t>
+            </a:r>
+            <a:r>
+              <a:rPr lang="en-US" sz="1300" dirty="0">
+                <a:solidFill>
+                  <a:srgbClr val="000090"/>
+                </a:solidFill>
+              </a:rPr>
+              <a:t>in</a:t>
+            </a:r>
+            <a:r>
+              <a:rPr lang="en-US" sz="1300" dirty="0"/>
+              <a:t> places {</a:t>
+            </a:r>
+          </a:p>
+          <a:p>
+            <a:pPr marL="0" indent="0">
+              <a:spcBef>
+                <a:spcPts val="0"/>
+              </a:spcBef>
+              <a:buNone/>
+            </a:pPr>
+            <a:r>
+              <a:rPr lang="en-US" sz="1300" dirty="0">
+                <a:solidFill>
+                  <a:schemeClr val="accent5"/>
+                </a:solidFill>
+              </a:rPr>
+              <a:t>    ''' Your CSV file has two times, wait time (time spent </a:t>
+            </a:r>
+          </a:p>
+          <a:p>
+            <a:pPr marL="0" indent="0">
+              <a:spcBef>
+                <a:spcPts val="0"/>
+              </a:spcBef>
+              <a:buNone/>
+            </a:pPr>
+            <a:r>
+              <a:rPr lang="en-US" sz="1300" dirty="0">
+                <a:solidFill>
+                  <a:schemeClr val="accent5"/>
+                </a:solidFill>
+              </a:rPr>
+              <a:t>        standing in line) &amp; make time (time it takes the </a:t>
+            </a:r>
+          </a:p>
+          <a:p>
+            <a:pPr marL="0" indent="0">
+              <a:spcBef>
+                <a:spcPts val="0"/>
+              </a:spcBef>
+              <a:buNone/>
+            </a:pPr>
+            <a:r>
+              <a:rPr lang="en-US" sz="1300" dirty="0">
+                <a:solidFill>
+                  <a:schemeClr val="accent5"/>
+                </a:solidFill>
+              </a:rPr>
+              <a:t>        barista to make you a drink) '''</a:t>
+            </a:r>
+          </a:p>
+          <a:p>
+            <a:pPr marL="0" indent="0">
+              <a:spcBef>
+                <a:spcPts val="0"/>
+              </a:spcBef>
+              <a:buNone/>
+            </a:pPr>
+            <a:r>
+              <a:rPr lang="en-US" sz="1300" dirty="0"/>
+              <a:t>    name, coord, wait_t, make_t, URL = split(place, </a:t>
+            </a:r>
+            <a:r>
+              <a:rPr lang="en-US" sz="1300" dirty="0">
+                <a:solidFill>
+                  <a:srgbClr val="008000"/>
+                </a:solidFill>
+              </a:rPr>
+              <a:t>";"</a:t>
+            </a:r>
+            <a:r>
+              <a:rPr lang="en-US" sz="1300" dirty="0"/>
+              <a:t>);</a:t>
+            </a:r>
+          </a:p>
+          <a:p>
+            <a:pPr marL="0" indent="0">
+              <a:spcBef>
+                <a:spcPts val="0"/>
+              </a:spcBef>
+              <a:buNone/>
+            </a:pPr>
+            <a:r>
+              <a:rPr lang="en-US" sz="1300" dirty="0"/>
+              <a:t>    d = dist(start, coord);</a:t>
+            </a:r>
+          </a:p>
+          <a:p>
+            <a:pPr marL="0" indent="0">
+              <a:spcBef>
+                <a:spcPts val="0"/>
+              </a:spcBef>
+              <a:buNone/>
+            </a:pPr>
+            <a:r>
+              <a:rPr lang="en-US" sz="1300" dirty="0"/>
+              <a:t>    d_mile = convertdist(d, </a:t>
+            </a:r>
+            <a:r>
+              <a:rPr lang="en-US" sz="1300" dirty="0">
+                <a:solidFill>
+                  <a:srgbClr val="008000"/>
+                </a:solidFill>
+              </a:rPr>
+              <a:t>"mi"</a:t>
+            </a:r>
+            <a:r>
+              <a:rPr lang="en-US" sz="1300" dirty="0"/>
+              <a:t>, </a:t>
+            </a:r>
+            <a:r>
+              <a:rPr lang="en-US" sz="1300" dirty="0">
+                <a:solidFill>
+                  <a:srgbClr val="008000"/>
+                </a:solidFill>
+              </a:rPr>
+              <a:t>"m"</a:t>
+            </a:r>
+            <a:r>
+              <a:rPr lang="en-US" sz="1300" dirty="0"/>
+              <a:t>);</a:t>
+            </a:r>
+          </a:p>
+          <a:p>
+            <a:pPr marL="0" indent="0">
+              <a:spcBef>
+                <a:spcPts val="0"/>
+              </a:spcBef>
+              <a:buNone/>
+            </a:pPr>
+            <a:r>
+              <a:rPr lang="en-US" sz="1300" dirty="0"/>
+              <a:t>    </a:t>
+            </a:r>
+            <a:r>
+              <a:rPr lang="en-US" sz="1300" dirty="0">
+                <a:solidFill>
+                  <a:srgbClr val="000090"/>
+                </a:solidFill>
+              </a:rPr>
+              <a:t>print</a:t>
+            </a:r>
+            <a:r>
+              <a:rPr lang="en-US" sz="1300" dirty="0"/>
+              <a:t> (</a:t>
+            </a:r>
+            <a:r>
+              <a:rPr lang="en-US" sz="1300" dirty="0">
+                <a:solidFill>
+                  <a:srgbClr val="008000"/>
+                </a:solidFill>
+              </a:rPr>
+              <a:t>"Distance between you and %s is %s miles"</a:t>
+            </a:r>
+            <a:r>
+              <a:rPr lang="en-US" sz="1300" dirty="0"/>
+              <a:t>, name, d_mile);</a:t>
+            </a:r>
+          </a:p>
+          <a:p>
+            <a:pPr marL="0" indent="0">
+              <a:spcBef>
+                <a:spcPts val="0"/>
+              </a:spcBef>
+              <a:buNone/>
+            </a:pPr>
+            <a:r>
+              <a:rPr lang="en-US" sz="1300" dirty="0"/>
+              <a:t>    time_at_shop = num(wait_t) + num(make_t);</a:t>
+            </a:r>
+          </a:p>
+          <a:p>
+            <a:pPr marL="0" indent="0">
+              <a:spcBef>
+                <a:spcPts val="0"/>
+              </a:spcBef>
+              <a:buNone/>
+            </a:pPr>
+            <a:r>
+              <a:rPr lang="en-US" sz="1300" dirty="0"/>
+              <a:t>    </a:t>
+            </a:r>
+            <a:r>
+              <a:rPr lang="en-US" sz="1300" dirty="0">
+                <a:solidFill>
+                  <a:srgbClr val="000090"/>
+                </a:solidFill>
+              </a:rPr>
+              <a:t>try</a:t>
+            </a:r>
+            <a:r>
+              <a:rPr lang="en-US" sz="1300" dirty="0"/>
+              <a:t> {</a:t>
+            </a:r>
+          </a:p>
+          <a:p>
+            <a:pPr marL="0" indent="0">
+              <a:spcBef>
+                <a:spcPts val="0"/>
+              </a:spcBef>
+              <a:buNone/>
+            </a:pPr>
+            <a:r>
+              <a:rPr lang="en-US" sz="1300" dirty="0"/>
+              <a:t>        </a:t>
+            </a:r>
+            <a:r>
+              <a:rPr lang="en-US" sz="1300" dirty="0">
+                <a:solidFill>
+                  <a:srgbClr val="000090"/>
+                </a:solidFill>
+              </a:rPr>
+              <a:t>if</a:t>
+            </a:r>
+            <a:r>
+              <a:rPr lang="en-US" sz="1300" dirty="0"/>
+              <a:t> can_you_get_coffee(d, time, time_at_shop)</a:t>
+            </a:r>
+          </a:p>
+          <a:p>
+            <a:pPr marL="0" indent="0">
+              <a:spcBef>
+                <a:spcPts val="0"/>
+              </a:spcBef>
+              <a:buNone/>
+            </a:pPr>
+            <a:r>
+              <a:rPr lang="en-US" sz="1300" dirty="0"/>
+              <a:t>            </a:t>
+            </a:r>
+            <a:r>
+              <a:rPr lang="en-US" sz="1300" dirty="0">
+                <a:solidFill>
+                  <a:srgbClr val="000090"/>
+                </a:solidFill>
+              </a:rPr>
+              <a:t>print</a:t>
+            </a:r>
+            <a:r>
+              <a:rPr lang="en-US" sz="1300" dirty="0"/>
+              <a:t>(</a:t>
+            </a:r>
+            <a:r>
+              <a:rPr lang="en-US" sz="1300" dirty="0">
+                <a:solidFill>
+                  <a:srgbClr val="008000"/>
+                </a:solidFill>
+              </a:rPr>
+              <a:t>"You have time to go to %s\n"</a:t>
+            </a:r>
+            <a:r>
+              <a:rPr lang="en-US" sz="1300" dirty="0"/>
+              <a:t>, name);</a:t>
+            </a:r>
+          </a:p>
+          <a:p>
+            <a:pPr marL="0" indent="0">
+              <a:spcBef>
+                <a:spcPts val="0"/>
+              </a:spcBef>
+              <a:buNone/>
+            </a:pPr>
+            <a:r>
+              <a:rPr lang="en-US" sz="1300" dirty="0"/>
+              <a:t>        </a:t>
+            </a:r>
+            <a:r>
+              <a:rPr lang="en-US" sz="1300" dirty="0">
+                <a:solidFill>
+                  <a:srgbClr val="000090"/>
+                </a:solidFill>
+              </a:rPr>
+              <a:t>else</a:t>
+            </a:r>
+          </a:p>
+          <a:p>
+            <a:pPr marL="0" indent="0">
+              <a:spcBef>
+                <a:spcPts val="0"/>
+              </a:spcBef>
+              <a:buNone/>
+            </a:pPr>
+            <a:r>
+              <a:rPr lang="en-US" sz="1300" dirty="0"/>
+              <a:t>            </a:t>
+            </a:r>
+            <a:r>
+              <a:rPr lang="en-US" sz="1300" dirty="0">
+                <a:solidFill>
+                  <a:srgbClr val="000090"/>
+                </a:solidFill>
+              </a:rPr>
+              <a:t>print</a:t>
+            </a:r>
+            <a:r>
+              <a:rPr lang="en-US" sz="1300" dirty="0"/>
+              <a:t>(</a:t>
+            </a:r>
+            <a:r>
+              <a:rPr lang="en-US" sz="1300" dirty="0">
+                <a:solidFill>
+                  <a:srgbClr val="008000"/>
+                </a:solidFill>
+              </a:rPr>
+              <a:t>"You do not have time to go to %s\n"</a:t>
+            </a:r>
+            <a:r>
+              <a:rPr lang="en-US" sz="1300" dirty="0"/>
+              <a:t>, name);</a:t>
+            </a:r>
+          </a:p>
+          <a:p>
+            <a:pPr marL="0" indent="0">
+              <a:spcBef>
+                <a:spcPts val="0"/>
+              </a:spcBef>
+              <a:buNone/>
+            </a:pPr>
+            <a:r>
+              <a:rPr lang="en-US" sz="1300" dirty="0"/>
+              <a:t>    } </a:t>
+            </a:r>
+            <a:r>
+              <a:rPr lang="en-US" sz="1300" dirty="0">
+                <a:solidFill>
+                  <a:srgbClr val="000090"/>
+                </a:solidFill>
+              </a:rPr>
+              <a:t>except </a:t>
+            </a:r>
+            <a:r>
+              <a:rPr lang="en-US" sz="1300" dirty="0">
+                <a:solidFill>
+                  <a:srgbClr val="660066"/>
+                </a:solidFill>
+              </a:rPr>
+              <a:t>Exception </a:t>
+            </a:r>
+            <a:r>
+              <a:rPr lang="en-US" sz="1300" dirty="0"/>
+              <a:t>{</a:t>
+            </a:r>
+          </a:p>
+          <a:p>
+            <a:pPr marL="0" indent="0">
+              <a:spcBef>
+                <a:spcPts val="0"/>
+              </a:spcBef>
+              <a:buNone/>
+            </a:pPr>
+            <a:r>
+              <a:rPr lang="en-US" sz="1300" dirty="0"/>
+              <a:t>        </a:t>
+            </a:r>
+            <a:r>
+              <a:rPr lang="en-US" sz="1300" dirty="0">
+                <a:solidFill>
+                  <a:srgbClr val="000090"/>
+                </a:solidFill>
+              </a:rPr>
+              <a:t>print </a:t>
+            </a:r>
+            <a:r>
+              <a:rPr lang="en-US" sz="1300" dirty="0"/>
+              <a:t>(</a:t>
+            </a:r>
+            <a:r>
+              <a:rPr lang="en-US" sz="1300" dirty="0">
+                <a:solidFill>
+                  <a:srgbClr val="008000"/>
+                </a:solidFill>
+              </a:rPr>
+              <a:t>"Could not calculate time for %s\n"</a:t>
+            </a:r>
+            <a:r>
+              <a:rPr lang="en-US" sz="1300" dirty="0"/>
+              <a:t>, name);</a:t>
+            </a:r>
+          </a:p>
+          <a:p>
+            <a:pPr marL="0" indent="0">
+              <a:spcBef>
+                <a:spcPts val="0"/>
+              </a:spcBef>
+              <a:buNone/>
+            </a:pPr>
+            <a:r>
+              <a:rPr lang="en-US" sz="1300" dirty="0"/>
+              <a:t>    }</a:t>
+            </a:r>
+          </a:p>
+          <a:p>
+            <a:pPr marL="0" indent="0">
+              <a:spcBef>
+                <a:spcPts val="0"/>
+              </a:spcBef>
+              <a:buNone/>
+            </a:pPr>
+            <a:r>
+              <a:rPr lang="en-US" sz="1300" dirty="0"/>
+              <a:t>}</a:t>
+            </a:r>
+          </a:p>
+        </p:txBody>
+      </p:sp>
+      <p:sp>
+        <p:nvSpPr>
+          <p:cNvPr id="6" name="Rectangle 5"/>
+          <p:cNvSpPr/>
+          <p:nvPr/>
+        </p:nvSpPr>
+        <p:spPr>
+          <a:xfrm>
+            <a:off x="5000122" y="751840"/>
+            <a:ext cx="3274701" cy="3893374"/>
+          </a:xfrm>
+          <a:prstGeom prst="rect">
+            <a:avLst/>
+          </a:prstGeom>
+          <a:ln>
+            <a:solidFill>
+              <a:srgbClr val="BFBFBF"/>
+            </a:solidFill>
+          </a:ln>
+        </p:spPr>
+        <p:txBody>
+          <a:bodyPr wrap="square">
+            <a:spAutoFit/>
+          </a:bodyPr>
+          <a:lstStyle/>
+          <a:p>
+            <a:r>
+              <a:rPr lang="en-US" sz="1300" dirty="0">
+                <a:solidFill>
+                  <a:schemeClr val="accent5"/>
+                </a:solidFill>
+              </a:rPr>
+              <a:t>''' tot_t is the total time you have,</a:t>
+            </a:r>
+          </a:p>
+          <a:p>
+            <a:r>
+              <a:rPr lang="en-US" sz="1300" dirty="0">
+                <a:solidFill>
+                  <a:schemeClr val="accent5"/>
+                </a:solidFill>
+              </a:rPr>
+              <a:t>    make_t is the time it takes the baristas to</a:t>
+            </a:r>
+          </a:p>
+          <a:p>
+            <a:r>
+              <a:rPr lang="en-US" sz="1300" dirty="0">
+                <a:solidFill>
+                  <a:schemeClr val="accent5"/>
+                </a:solidFill>
+              </a:rPr>
+              <a:t>    fix you a drink.'''</a:t>
+            </a:r>
+          </a:p>
+          <a:p>
+            <a:endParaRPr lang="en-US" sz="1300" dirty="0"/>
+          </a:p>
+          <a:p>
+            <a:r>
+              <a:rPr lang="en-US" sz="1300" dirty="0">
+                <a:solidFill>
+                  <a:srgbClr val="000090"/>
+                </a:solidFill>
+              </a:rPr>
+              <a:t>def </a:t>
+            </a:r>
+            <a:r>
+              <a:rPr lang="en-US" sz="1300" dirty="0"/>
+              <a:t>can_you_get_coffee(d, tot_t, make_t){</a:t>
+            </a:r>
+          </a:p>
+          <a:p>
+            <a:r>
+              <a:rPr lang="en-US" sz="1300" dirty="0"/>
+              <a:t>    transit_time = d / (walk_speed * 60);</a:t>
+            </a:r>
+          </a:p>
+          <a:p>
+            <a:r>
+              <a:rPr lang="en-US" sz="1300" dirty="0"/>
+              <a:t>    </a:t>
+            </a:r>
+            <a:r>
+              <a:rPr lang="en-US" sz="1300" dirty="0">
+                <a:solidFill>
+                  <a:srgbClr val="000090"/>
+                </a:solidFill>
+              </a:rPr>
+              <a:t>print</a:t>
+            </a:r>
+            <a:r>
+              <a:rPr lang="en-US" sz="1300" dirty="0"/>
+              <a:t> </a:t>
+            </a:r>
+            <a:r>
+              <a:rPr lang="en-US" sz="1300" dirty="0" smtClean="0"/>
+              <a:t>(</a:t>
+            </a:r>
+            <a:r>
+              <a:rPr lang="en-US" sz="1300" dirty="0" smtClean="0">
+                <a:solidFill>
+                  <a:srgbClr val="008000"/>
+                </a:solidFill>
+              </a:rPr>
+              <a:t>”Time </a:t>
+            </a:r>
+            <a:r>
+              <a:rPr lang="en-US" sz="1300" dirty="0">
+                <a:solidFill>
+                  <a:srgbClr val="008000"/>
+                </a:solidFill>
+              </a:rPr>
+              <a:t>it will take you to get </a:t>
+            </a:r>
+            <a:r>
+              <a:rPr lang="en-US" sz="1300" dirty="0" smtClean="0">
+                <a:solidFill>
+                  <a:srgbClr val="008000"/>
+                </a:solidFill>
+              </a:rPr>
+              <a:t>there: ”</a:t>
+            </a:r>
+            <a:r>
+              <a:rPr lang="en-US" sz="1300" dirty="0" smtClean="0"/>
+              <a:t>);</a:t>
+            </a:r>
+          </a:p>
+          <a:p>
+            <a:r>
+              <a:rPr lang="en-US" sz="1300" dirty="0"/>
+              <a:t> </a:t>
+            </a:r>
+            <a:r>
+              <a:rPr lang="en-US" sz="1300" dirty="0" smtClean="0"/>
+              <a:t>   </a:t>
+            </a:r>
+            <a:r>
+              <a:rPr lang="en-US" sz="1300" dirty="0" smtClean="0">
+                <a:solidFill>
+                  <a:srgbClr val="000090"/>
+                </a:solidFill>
+              </a:rPr>
+              <a:t>print</a:t>
+            </a:r>
+            <a:r>
+              <a:rPr lang="en-US" sz="1300" dirty="0" smtClean="0"/>
+              <a:t> (</a:t>
+            </a:r>
+            <a:r>
+              <a:rPr lang="en-US" sz="1300" dirty="0" smtClean="0">
+                <a:solidFill>
+                  <a:srgbClr val="008000"/>
+                </a:solidFill>
+              </a:rPr>
+              <a:t>“%</a:t>
+            </a:r>
+            <a:r>
+              <a:rPr lang="en-US" sz="1300" dirty="0">
+                <a:solidFill>
+                  <a:srgbClr val="008000"/>
+                </a:solidFill>
+              </a:rPr>
+              <a:t>s </a:t>
+            </a:r>
+            <a:r>
+              <a:rPr lang="en-US" sz="1300" dirty="0" smtClean="0">
+                <a:solidFill>
+                  <a:srgbClr val="008000"/>
+                </a:solidFill>
+              </a:rPr>
+              <a:t>mins</a:t>
+            </a:r>
+            <a:r>
+              <a:rPr lang="en-US" sz="1300" dirty="0">
+                <a:solidFill>
+                  <a:srgbClr val="008000"/>
+                </a:solidFill>
+              </a:rPr>
+              <a:t>"</a:t>
+            </a:r>
+            <a:r>
+              <a:rPr lang="en-US" sz="1300" dirty="0"/>
+              <a:t>, transit_time);</a:t>
+            </a:r>
+          </a:p>
+          <a:p>
+            <a:r>
+              <a:rPr lang="en-US" sz="1300" dirty="0"/>
+              <a:t>    compare_time = transit_time + make_t;</a:t>
+            </a:r>
+          </a:p>
+          <a:p>
+            <a:r>
+              <a:rPr lang="en-US" sz="1300" dirty="0"/>
+              <a:t>    </a:t>
+            </a:r>
+            <a:r>
+              <a:rPr lang="en-US" sz="1300" dirty="0">
+                <a:solidFill>
+                  <a:srgbClr val="000090"/>
+                </a:solidFill>
+              </a:rPr>
+              <a:t>print</a:t>
+            </a:r>
+            <a:r>
+              <a:rPr lang="en-US" sz="1300" dirty="0"/>
+              <a:t> </a:t>
+            </a:r>
+            <a:r>
+              <a:rPr lang="en-US" sz="1300" dirty="0" smtClean="0"/>
+              <a:t>(</a:t>
+            </a:r>
+            <a:r>
+              <a:rPr lang="en-US" sz="1300" dirty="0" smtClean="0">
+                <a:solidFill>
+                  <a:srgbClr val="008000"/>
+                </a:solidFill>
+              </a:rPr>
+              <a:t>”Total </a:t>
+            </a:r>
+            <a:r>
+              <a:rPr lang="en-US" sz="1300" dirty="0">
+                <a:solidFill>
+                  <a:srgbClr val="008000"/>
+                </a:solidFill>
+              </a:rPr>
+              <a:t>time to travel and get </a:t>
+            </a:r>
+            <a:r>
+              <a:rPr lang="en-US" sz="1300" dirty="0" smtClean="0">
+                <a:solidFill>
+                  <a:srgbClr val="008000"/>
+                </a:solidFill>
+              </a:rPr>
+              <a:t>coffee”</a:t>
+            </a:r>
+            <a:r>
+              <a:rPr lang="en-US" sz="1300" dirty="0" smtClean="0"/>
+              <a:t>);</a:t>
+            </a:r>
+          </a:p>
+          <a:p>
+            <a:r>
+              <a:rPr lang="en-US" sz="1300" dirty="0"/>
+              <a:t> </a:t>
+            </a:r>
+            <a:r>
+              <a:rPr lang="en-US" sz="1300" dirty="0" smtClean="0"/>
+              <a:t>   </a:t>
+            </a:r>
+            <a:r>
+              <a:rPr lang="en-US" sz="1300" dirty="0" smtClean="0">
+                <a:solidFill>
+                  <a:srgbClr val="000090"/>
+                </a:solidFill>
+              </a:rPr>
+              <a:t>print</a:t>
+            </a:r>
+            <a:r>
+              <a:rPr lang="en-US" sz="1300" dirty="0" smtClean="0"/>
+              <a:t> (</a:t>
+            </a:r>
+            <a:r>
+              <a:rPr lang="en-US" sz="1300" dirty="0" smtClean="0">
+                <a:solidFill>
+                  <a:srgbClr val="008000"/>
+                </a:solidFill>
+              </a:rPr>
+              <a:t>“</a:t>
+            </a:r>
+            <a:r>
+              <a:rPr lang="en-US" sz="1300" dirty="0" smtClean="0">
+                <a:solidFill>
+                  <a:srgbClr val="008000"/>
+                </a:solidFill>
+              </a:rPr>
+              <a:t>there: </a:t>
+            </a:r>
+            <a:r>
+              <a:rPr lang="en-US" sz="1300" dirty="0">
+                <a:solidFill>
+                  <a:srgbClr val="008000"/>
+                </a:solidFill>
+              </a:rPr>
+              <a:t>%s </a:t>
+            </a:r>
+            <a:r>
+              <a:rPr lang="en-US" sz="1300" dirty="0" smtClean="0">
+                <a:solidFill>
+                  <a:srgbClr val="008000"/>
+                </a:solidFill>
+              </a:rPr>
+              <a:t>mins</a:t>
+            </a:r>
+            <a:r>
+              <a:rPr lang="en-US" sz="1300" dirty="0">
+                <a:solidFill>
+                  <a:srgbClr val="008000"/>
+                </a:solidFill>
+              </a:rPr>
+              <a:t>"</a:t>
+            </a:r>
+            <a:r>
+              <a:rPr lang="en-US" sz="1300" dirty="0"/>
+              <a:t>, compare_time);</a:t>
+            </a:r>
+          </a:p>
+          <a:p>
+            <a:r>
+              <a:rPr lang="en-US" sz="1300" dirty="0"/>
+              <a:t>    compare_time = num(compare_time);</a:t>
+            </a:r>
+          </a:p>
+          <a:p>
+            <a:r>
+              <a:rPr lang="en-US" sz="1300" dirty="0"/>
+              <a:t>    tot_t = num(tot_t);</a:t>
+            </a:r>
+          </a:p>
+          <a:p>
+            <a:r>
+              <a:rPr lang="en-US" sz="1300" dirty="0"/>
+              <a:t>    boo = (compare_time &gt; tot_t);</a:t>
+            </a:r>
+          </a:p>
+          <a:p>
+            <a:r>
+              <a:rPr lang="en-US" sz="1300" dirty="0"/>
+              <a:t>    </a:t>
+            </a:r>
+            <a:r>
+              <a:rPr lang="en-US" sz="1300" dirty="0">
+                <a:solidFill>
+                  <a:srgbClr val="000090"/>
+                </a:solidFill>
+              </a:rPr>
+              <a:t>if</a:t>
+            </a:r>
+            <a:r>
+              <a:rPr lang="en-US" sz="1300" dirty="0"/>
+              <a:t> (boo)</a:t>
+            </a:r>
+          </a:p>
+          <a:p>
+            <a:r>
+              <a:rPr lang="en-US" sz="1300" dirty="0"/>
+              <a:t>        </a:t>
+            </a:r>
+            <a:r>
+              <a:rPr lang="en-US" sz="1300" dirty="0">
+                <a:solidFill>
+                  <a:srgbClr val="000090"/>
+                </a:solidFill>
+              </a:rPr>
+              <a:t>return</a:t>
+            </a:r>
+            <a:r>
+              <a:rPr lang="en-US" sz="1300" dirty="0"/>
+              <a:t> </a:t>
+            </a:r>
+            <a:r>
+              <a:rPr lang="en-US" sz="1300" dirty="0">
+                <a:solidFill>
+                  <a:srgbClr val="000090"/>
+                </a:solidFill>
+              </a:rPr>
+              <a:t>false</a:t>
+            </a:r>
+            <a:r>
+              <a:rPr lang="en-US" sz="1300" dirty="0"/>
+              <a:t>;</a:t>
+            </a:r>
+          </a:p>
+          <a:p>
+            <a:r>
+              <a:rPr lang="en-US" sz="1300" dirty="0"/>
+              <a:t>    </a:t>
+            </a:r>
+            <a:r>
+              <a:rPr lang="en-US" sz="1300" dirty="0">
+                <a:solidFill>
+                  <a:srgbClr val="000090"/>
+                </a:solidFill>
+              </a:rPr>
+              <a:t>else</a:t>
+            </a:r>
+          </a:p>
+          <a:p>
+            <a:r>
+              <a:rPr lang="en-US" sz="1300" dirty="0"/>
+              <a:t>        </a:t>
+            </a:r>
+            <a:r>
+              <a:rPr lang="en-US" sz="1300" dirty="0">
+                <a:solidFill>
+                  <a:srgbClr val="000090"/>
+                </a:solidFill>
+              </a:rPr>
+              <a:t>return</a:t>
+            </a:r>
+            <a:r>
+              <a:rPr lang="en-US" sz="1300" dirty="0"/>
+              <a:t> </a:t>
+            </a:r>
+            <a:r>
+              <a:rPr lang="en-US" sz="1300" dirty="0">
+                <a:solidFill>
+                  <a:srgbClr val="000090"/>
+                </a:solidFill>
+              </a:rPr>
+              <a:t>true</a:t>
+            </a:r>
+            <a:r>
+              <a:rPr lang="en-US" sz="1300" dirty="0"/>
+              <a:t>;</a:t>
+            </a:r>
+          </a:p>
+          <a:p>
+            <a:r>
+              <a:rPr lang="en-US" sz="1300" dirty="0"/>
+              <a:t>}</a:t>
+            </a:r>
+          </a:p>
+        </p:txBody>
+      </p:sp>
+      <p:sp>
+        <p:nvSpPr>
+          <p:cNvPr id="3" name="Rounded Rectangle 2"/>
+          <p:cNvSpPr/>
+          <p:nvPr/>
+        </p:nvSpPr>
+        <p:spPr>
+          <a:xfrm>
+            <a:off x="341740" y="1141666"/>
+            <a:ext cx="1954686" cy="307862"/>
+          </a:xfrm>
+          <a:prstGeom prst="roundRect">
+            <a:avLst/>
+          </a:prstGeom>
+          <a:noFill/>
+          <a:ln w="12700" cmpd="sng">
+            <a:solidFill>
+              <a:srgbClr val="4BACC6"/>
+            </a:solidFill>
+          </a:ln>
+          <a:effectLst>
+            <a:glow rad="101600">
+              <a:schemeClr val="accent5">
+                <a:satMod val="175000"/>
+                <a:alpha val="40000"/>
+              </a:schemeClr>
+            </a:glow>
+            <a:outerShdw blurRad="40000" dist="23000" dir="5400000" rotWithShape="0">
+              <a:srgbClr val="000000">
+                <a:alpha val="35000"/>
+              </a:srgbClr>
+            </a:outerShdw>
+          </a:effectLst>
+        </p:spPr>
+        <p:style>
+          <a:lnRef idx="1">
+            <a:schemeClr val="accent1"/>
+          </a:lnRef>
+          <a:fillRef idx="3">
+            <a:schemeClr val="accent1"/>
+          </a:fillRef>
+          <a:effectRef idx="2">
+            <a:schemeClr val="accent1"/>
+          </a:effectRef>
+          <a:fontRef idx="minor">
+            <a:schemeClr val="lt1"/>
+          </a:fontRef>
+        </p:style>
+        <p:txBody>
+          <a:bodyPr rtlCol="0" anchor="ctr"/>
+          <a:lstStyle/>
+          <a:p>
+            <a:pPr algn="ctr"/>
+            <a:endParaRPr lang="en-US" dirty="0"/>
+          </a:p>
+        </p:txBody>
+      </p:sp>
+      <p:sp>
+        <p:nvSpPr>
+          <p:cNvPr id="7" name="Rounded Rectangle 6"/>
+          <p:cNvSpPr/>
+          <p:nvPr/>
+        </p:nvSpPr>
+        <p:spPr>
+          <a:xfrm>
+            <a:off x="154245" y="2142224"/>
+            <a:ext cx="3720170" cy="893076"/>
+          </a:xfrm>
+          <a:prstGeom prst="roundRect">
+            <a:avLst/>
+          </a:prstGeom>
+          <a:noFill/>
+          <a:ln w="12700" cmpd="sng">
+            <a:solidFill>
+              <a:schemeClr val="accent5"/>
+            </a:solidFill>
+          </a:ln>
+          <a:effectLst>
+            <a:glow rad="101600">
+              <a:schemeClr val="accent5">
+                <a:satMod val="175000"/>
+                <a:alpha val="40000"/>
+              </a:schemeClr>
+            </a:glow>
+            <a:outerShdw blurRad="40000" dist="23000" dir="5400000" rotWithShape="0">
+              <a:srgbClr val="000000">
+                <a:alpha val="35000"/>
+              </a:srgbClr>
+            </a:outerShdw>
+          </a:effectLst>
+        </p:spPr>
+        <p:style>
+          <a:lnRef idx="1">
+            <a:schemeClr val="accent1"/>
+          </a:lnRef>
+          <a:fillRef idx="3">
+            <a:schemeClr val="accent1"/>
+          </a:fillRef>
+          <a:effectRef idx="2">
+            <a:schemeClr val="accent1"/>
+          </a:effectRef>
+          <a:fontRef idx="minor">
+            <a:schemeClr val="lt1"/>
+          </a:fontRef>
+        </p:style>
+        <p:txBody>
+          <a:bodyPr rtlCol="0" anchor="ctr"/>
+          <a:lstStyle/>
+          <a:p>
+            <a:pPr algn="ctr"/>
+            <a:endParaRPr lang="en-US" dirty="0"/>
+          </a:p>
+        </p:txBody>
+      </p:sp>
+      <p:sp>
+        <p:nvSpPr>
+          <p:cNvPr id="8" name="Rounded Rectangle 7"/>
+          <p:cNvSpPr/>
+          <p:nvPr/>
+        </p:nvSpPr>
+        <p:spPr>
+          <a:xfrm>
+            <a:off x="303640" y="3733800"/>
+            <a:ext cx="3696860" cy="691751"/>
+          </a:xfrm>
+          <a:prstGeom prst="roundRect">
+            <a:avLst/>
+          </a:prstGeom>
+          <a:noFill/>
+          <a:ln w="12700" cmpd="sng">
+            <a:solidFill>
+              <a:srgbClr val="4BACC6"/>
+            </a:solidFill>
+          </a:ln>
+          <a:effectLst>
+            <a:glow rad="101600">
+              <a:schemeClr val="accent5">
+                <a:satMod val="175000"/>
+                <a:alpha val="40000"/>
+              </a:schemeClr>
+            </a:glow>
+            <a:outerShdw blurRad="40000" dist="23000" dir="5400000" rotWithShape="0">
+              <a:srgbClr val="000000">
+                <a:alpha val="35000"/>
+              </a:srgbClr>
+            </a:outerShdw>
+          </a:effectLst>
+        </p:spPr>
+        <p:style>
+          <a:lnRef idx="1">
+            <a:schemeClr val="accent1"/>
+          </a:lnRef>
+          <a:fillRef idx="3">
+            <a:schemeClr val="accent1"/>
+          </a:fillRef>
+          <a:effectRef idx="2">
+            <a:schemeClr val="accent1"/>
+          </a:effectRef>
+          <a:fontRef idx="minor">
+            <a:schemeClr val="lt1"/>
+          </a:fontRef>
+        </p:style>
+        <p:txBody>
+          <a:bodyPr rtlCol="0" anchor="ctr"/>
+          <a:lstStyle/>
+          <a:p>
+            <a:pPr algn="ctr"/>
+            <a:endParaRPr lang="en-US" dirty="0"/>
+          </a:p>
+        </p:txBody>
+      </p:sp>
+      <p:sp>
+        <p:nvSpPr>
+          <p:cNvPr id="9" name="Rounded Rectangle 8"/>
+          <p:cNvSpPr/>
+          <p:nvPr/>
+        </p:nvSpPr>
+        <p:spPr>
+          <a:xfrm>
+            <a:off x="278239" y="4721542"/>
+            <a:ext cx="3886543" cy="1514158"/>
+          </a:xfrm>
+          <a:prstGeom prst="roundRect">
+            <a:avLst/>
+          </a:prstGeom>
+          <a:noFill/>
+          <a:ln w="12700" cmpd="sng">
+            <a:solidFill>
+              <a:srgbClr val="4BACC6"/>
+            </a:solidFill>
+          </a:ln>
+          <a:effectLst>
+            <a:glow rad="101600">
+              <a:schemeClr val="accent5">
+                <a:satMod val="175000"/>
+                <a:alpha val="40000"/>
+              </a:schemeClr>
+            </a:glow>
+            <a:outerShdw blurRad="40000" dist="23000" dir="5400000" rotWithShape="0">
+              <a:srgbClr val="000000">
+                <a:alpha val="35000"/>
+              </a:srgbClr>
+            </a:outerShdw>
+          </a:effectLst>
+        </p:spPr>
+        <p:style>
+          <a:lnRef idx="1">
+            <a:schemeClr val="accent1"/>
+          </a:lnRef>
+          <a:fillRef idx="3">
+            <a:schemeClr val="accent1"/>
+          </a:fillRef>
+          <a:effectRef idx="2">
+            <a:schemeClr val="accent1"/>
+          </a:effectRef>
+          <a:fontRef idx="minor">
+            <a:schemeClr val="lt1"/>
+          </a:fontRef>
+        </p:style>
+        <p:txBody>
+          <a:bodyPr rtlCol="0" anchor="ctr"/>
+          <a:lstStyle/>
+          <a:p>
+            <a:pPr algn="ctr"/>
+            <a:endParaRPr lang="en-US" dirty="0"/>
+          </a:p>
+        </p:txBody>
+      </p:sp>
+      <p:sp>
+        <p:nvSpPr>
+          <p:cNvPr id="10" name="Rounded Rectangle 9"/>
+          <p:cNvSpPr/>
+          <p:nvPr/>
+        </p:nvSpPr>
+        <p:spPr>
+          <a:xfrm>
+            <a:off x="5600672" y="3324216"/>
+            <a:ext cx="1828827" cy="307984"/>
+          </a:xfrm>
+          <a:prstGeom prst="roundRect">
+            <a:avLst/>
+          </a:prstGeom>
+          <a:noFill/>
+          <a:ln w="12700" cmpd="sng">
+            <a:solidFill>
+              <a:srgbClr val="4BACC6"/>
+            </a:solidFill>
+          </a:ln>
+          <a:effectLst>
+            <a:glow rad="101600">
+              <a:schemeClr val="accent5">
+                <a:satMod val="175000"/>
+                <a:alpha val="40000"/>
+              </a:schemeClr>
+            </a:glow>
+            <a:outerShdw blurRad="40000" dist="23000" dir="5400000" rotWithShape="0">
+              <a:srgbClr val="000000">
+                <a:alpha val="35000"/>
+              </a:srgbClr>
+            </a:outerShdw>
+          </a:effectLst>
+        </p:spPr>
+        <p:style>
+          <a:lnRef idx="1">
+            <a:schemeClr val="accent1"/>
+          </a:lnRef>
+          <a:fillRef idx="3">
+            <a:schemeClr val="accent1"/>
+          </a:fillRef>
+          <a:effectRef idx="2">
+            <a:schemeClr val="accent1"/>
+          </a:effectRef>
+          <a:fontRef idx="minor">
+            <a:schemeClr val="lt1"/>
+          </a:fontRef>
+        </p:style>
+        <p:txBody>
+          <a:bodyPr rtlCol="0" anchor="ctr"/>
+          <a:lstStyle/>
+          <a:p>
+            <a:pPr algn="ctr"/>
+            <a:endParaRPr lang="en-US" dirty="0"/>
+          </a:p>
+        </p:txBody>
+      </p:sp>
+      <p:sp>
+        <p:nvSpPr>
+          <p:cNvPr id="5" name="Rectangle 4"/>
+          <p:cNvSpPr/>
+          <p:nvPr/>
+        </p:nvSpPr>
+        <p:spPr>
+          <a:xfrm>
+            <a:off x="4164783" y="4658042"/>
+            <a:ext cx="4927901" cy="1938992"/>
+          </a:xfrm>
+          <a:prstGeom prst="rect">
+            <a:avLst/>
+          </a:prstGeom>
+          <a:solidFill>
+            <a:schemeClr val="bg1"/>
+          </a:solidFill>
+          <a:ln>
+            <a:solidFill>
+              <a:schemeClr val="accent6">
+                <a:lumMod val="75000"/>
+              </a:schemeClr>
+            </a:solidFill>
+          </a:ln>
+          <a:effectLst>
+            <a:glow rad="228600">
+              <a:schemeClr val="accent6">
+                <a:satMod val="175000"/>
+                <a:alpha val="40000"/>
+              </a:schemeClr>
+            </a:glow>
+          </a:effectLst>
+        </p:spPr>
+        <p:txBody>
+          <a:bodyPr wrap="square" lIns="91440" rIns="0">
+            <a:spAutoFit/>
+          </a:bodyPr>
+          <a:lstStyle/>
+          <a:p>
+            <a:r>
+              <a:rPr lang="en-US" sz="1500" b="1" dirty="0">
+                <a:solidFill>
+                  <a:srgbClr val="4A452A"/>
+                </a:solidFill>
+              </a:rPr>
+              <a:t>Where are you starting? </a:t>
+            </a:r>
+          </a:p>
+          <a:p>
+            <a:r>
+              <a:rPr lang="en-US" sz="1500" dirty="0"/>
+              <a:t>(40.809343, -73.959811)</a:t>
+            </a:r>
+          </a:p>
+          <a:p>
+            <a:r>
+              <a:rPr lang="en-US" sz="1500" b="1" dirty="0">
+                <a:solidFill>
+                  <a:srgbClr val="4A452A"/>
+                </a:solidFill>
+              </a:rPr>
+              <a:t>How long do you have until your next event? </a:t>
+            </a:r>
+          </a:p>
+          <a:p>
+            <a:r>
+              <a:rPr lang="en-US" sz="1500" dirty="0" smtClean="0"/>
+              <a:t>8</a:t>
+            </a:r>
+          </a:p>
+          <a:p>
+            <a:r>
+              <a:rPr lang="en-US" sz="1500" dirty="0">
+                <a:solidFill>
+                  <a:schemeClr val="bg2">
+                    <a:lumMod val="25000"/>
+                  </a:schemeClr>
+                </a:solidFill>
+              </a:rPr>
+              <a:t>Distance between you and Joe's is 0.126600820083 miles</a:t>
+            </a:r>
+          </a:p>
+          <a:p>
+            <a:r>
+              <a:rPr lang="en-US" sz="1500" dirty="0">
+                <a:solidFill>
+                  <a:schemeClr val="bg2">
+                    <a:lumMod val="25000"/>
+                  </a:schemeClr>
+                </a:solidFill>
+              </a:rPr>
+              <a:t>The time it will take you to get there is 1.13188166533 </a:t>
+            </a:r>
+            <a:r>
+              <a:rPr lang="en-US" sz="1500" dirty="0" smtClean="0">
+                <a:solidFill>
+                  <a:schemeClr val="bg2">
+                    <a:lumMod val="25000"/>
+                  </a:schemeClr>
+                </a:solidFill>
+              </a:rPr>
+              <a:t>mins</a:t>
+            </a:r>
+            <a:endParaRPr lang="en-US" sz="1500" dirty="0">
+              <a:solidFill>
+                <a:schemeClr val="bg2">
+                  <a:lumMod val="25000"/>
+                </a:schemeClr>
+              </a:solidFill>
+            </a:endParaRPr>
+          </a:p>
+          <a:p>
+            <a:r>
+              <a:rPr lang="en-US" sz="1500" dirty="0">
+                <a:solidFill>
+                  <a:schemeClr val="bg2">
+                    <a:lumMod val="25000"/>
+                  </a:schemeClr>
+                </a:solidFill>
+              </a:rPr>
+              <a:t>T</a:t>
+            </a:r>
+            <a:r>
+              <a:rPr lang="en-US" sz="1500" dirty="0" smtClean="0">
+                <a:solidFill>
+                  <a:schemeClr val="bg2">
+                    <a:lumMod val="25000"/>
+                  </a:schemeClr>
+                </a:solidFill>
+              </a:rPr>
+              <a:t>otal </a:t>
+            </a:r>
+            <a:r>
+              <a:rPr lang="en-US" sz="1500" dirty="0">
+                <a:solidFill>
+                  <a:schemeClr val="bg2">
+                    <a:lumMod val="25000"/>
+                  </a:schemeClr>
+                </a:solidFill>
+              </a:rPr>
+              <a:t>time to travel and get coffee </a:t>
+            </a:r>
+            <a:r>
+              <a:rPr lang="en-US" sz="1500" dirty="0" smtClean="0">
+                <a:solidFill>
+                  <a:schemeClr val="bg2">
+                    <a:lumMod val="25000"/>
+                  </a:schemeClr>
+                </a:solidFill>
+              </a:rPr>
+              <a:t>there: </a:t>
+            </a:r>
+            <a:r>
+              <a:rPr lang="en-US" sz="1500" dirty="0">
+                <a:solidFill>
+                  <a:schemeClr val="bg2">
+                    <a:lumMod val="25000"/>
+                  </a:schemeClr>
+                </a:solidFill>
+              </a:rPr>
+              <a:t>22.1318816653 </a:t>
+            </a:r>
+            <a:r>
+              <a:rPr lang="en-US" sz="1500" dirty="0" smtClean="0">
+                <a:solidFill>
+                  <a:schemeClr val="bg2">
+                    <a:lumMod val="25000"/>
+                  </a:schemeClr>
+                </a:solidFill>
+              </a:rPr>
+              <a:t>mins</a:t>
+            </a:r>
+            <a:endParaRPr lang="en-US" sz="1500" dirty="0">
+              <a:solidFill>
+                <a:schemeClr val="bg2">
+                  <a:lumMod val="25000"/>
+                </a:schemeClr>
+              </a:solidFill>
+            </a:endParaRPr>
+          </a:p>
+          <a:p>
+            <a:r>
+              <a:rPr lang="en-US" sz="1500" b="1" dirty="0">
+                <a:solidFill>
+                  <a:schemeClr val="bg2">
+                    <a:lumMod val="25000"/>
+                  </a:schemeClr>
+                </a:solidFill>
+              </a:rPr>
+              <a:t>You do not have time to go to </a:t>
+            </a:r>
+            <a:r>
+              <a:rPr lang="en-US" sz="1500" b="1" dirty="0" smtClean="0">
+                <a:solidFill>
+                  <a:schemeClr val="bg2">
+                    <a:lumMod val="25000"/>
+                  </a:schemeClr>
+                </a:solidFill>
+              </a:rPr>
+              <a:t>Joe’s</a:t>
+            </a:r>
+            <a:endParaRPr lang="en-US" sz="1500" b="1" dirty="0">
+              <a:solidFill>
+                <a:schemeClr val="bg2">
+                  <a:lumMod val="25000"/>
+                </a:schemeClr>
+              </a:solidFill>
+            </a:endParaRPr>
+          </a:p>
+        </p:txBody>
+      </p:sp>
+      <p:sp>
+        <p:nvSpPr>
+          <p:cNvPr id="20" name="Freeform 19"/>
+          <p:cNvSpPr/>
+          <p:nvPr/>
+        </p:nvSpPr>
+        <p:spPr>
+          <a:xfrm>
+            <a:off x="3930649" y="6552137"/>
+            <a:ext cx="3356330" cy="45719"/>
+          </a:xfrm>
+          <a:custGeom>
+            <a:avLst/>
+            <a:gdLst>
+              <a:gd name="connsiteX0" fmla="*/ 0 w 795409"/>
+              <a:gd name="connsiteY0" fmla="*/ 243786 h 243786"/>
+              <a:gd name="connsiteX1" fmla="*/ 372046 w 795409"/>
+              <a:gd name="connsiteY1" fmla="*/ 60 h 243786"/>
+              <a:gd name="connsiteX2" fmla="*/ 795409 w 795409"/>
+              <a:gd name="connsiteY2" fmla="*/ 218131 h 243786"/>
+            </a:gdLst>
+            <a:ahLst/>
+            <a:cxnLst>
+              <a:cxn ang="0">
+                <a:pos x="connsiteX0" y="connsiteY0"/>
+              </a:cxn>
+              <a:cxn ang="0">
+                <a:pos x="connsiteX1" y="connsiteY1"/>
+              </a:cxn>
+              <a:cxn ang="0">
+                <a:pos x="connsiteX2" y="connsiteY2"/>
+              </a:cxn>
+            </a:cxnLst>
+            <a:rect l="l" t="t" r="r" b="b"/>
+            <a:pathLst>
+              <a:path w="795409" h="243786">
+                <a:moveTo>
+                  <a:pt x="0" y="243786"/>
+                </a:moveTo>
+                <a:cubicBezTo>
+                  <a:pt x="119739" y="124061"/>
+                  <a:pt x="239478" y="4336"/>
+                  <a:pt x="372046" y="60"/>
+                </a:cubicBezTo>
+                <a:cubicBezTo>
+                  <a:pt x="504614" y="-4216"/>
+                  <a:pt x="795409" y="218131"/>
+                  <a:pt x="795409" y="218131"/>
+                </a:cubicBezTo>
+              </a:path>
+            </a:pathLst>
+          </a:custGeom>
+          <a:ln>
+            <a:solidFill>
+              <a:srgbClr val="FF0000"/>
+            </a:solidFill>
+          </a:ln>
+          <a:effectLst>
+            <a:outerShdw blurRad="40000" dist="20000" dir="5400000" rotWithShape="0">
+              <a:srgbClr val="000000">
+                <a:alpha val="38000"/>
+              </a:srgbClr>
+            </a:outerShdw>
+            <a:reflection blurRad="6350" stA="50000" endA="300" endPos="55500" dist="50800" dir="5400000" sy="-100000" algn="bl" rotWithShape="0"/>
+          </a:effectLst>
+        </p:spPr>
+        <p:style>
+          <a:lnRef idx="2">
+            <a:schemeClr val="accent1"/>
+          </a:lnRef>
+          <a:fillRef idx="0">
+            <a:schemeClr val="accent1"/>
+          </a:fillRef>
+          <a:effectRef idx="1">
+            <a:schemeClr val="accent1"/>
+          </a:effectRef>
+          <a:fontRef idx="minor">
+            <a:schemeClr val="tx1"/>
+          </a:fontRef>
+        </p:style>
+        <p:txBody>
+          <a:bodyPr rtlCol="0" anchor="ctr"/>
+          <a:lstStyle/>
+          <a:p>
+            <a:pPr algn="ctr"/>
+            <a:endParaRPr lang="en-US"/>
+          </a:p>
+        </p:txBody>
+      </p:sp>
+      <p:sp>
+        <p:nvSpPr>
+          <p:cNvPr id="21" name="Rounded Rectangle 20"/>
+          <p:cNvSpPr/>
+          <p:nvPr/>
+        </p:nvSpPr>
+        <p:spPr>
+          <a:xfrm>
+            <a:off x="5012822" y="1536700"/>
+            <a:ext cx="3051678" cy="304913"/>
+          </a:xfrm>
+          <a:prstGeom prst="roundRect">
+            <a:avLst/>
+          </a:prstGeom>
+          <a:noFill/>
+          <a:ln w="12700" cmpd="sng">
+            <a:solidFill>
+              <a:srgbClr val="4BACC6"/>
+            </a:solidFill>
+          </a:ln>
+          <a:effectLst>
+            <a:glow rad="101600">
+              <a:schemeClr val="accent5">
+                <a:satMod val="175000"/>
+                <a:alpha val="40000"/>
+              </a:schemeClr>
+            </a:glow>
+            <a:outerShdw blurRad="40000" dist="23000" dir="5400000" rotWithShape="0">
+              <a:srgbClr val="000000">
+                <a:alpha val="35000"/>
+              </a:srgbClr>
+            </a:outerShdw>
+          </a:effectLst>
+        </p:spPr>
+        <p:style>
+          <a:lnRef idx="1">
+            <a:schemeClr val="accent1"/>
+          </a:lnRef>
+          <a:fillRef idx="3">
+            <a:schemeClr val="accent1"/>
+          </a:fillRef>
+          <a:effectRef idx="2">
+            <a:schemeClr val="accent1"/>
+          </a:effectRef>
+          <a:fontRef idx="minor">
+            <a:schemeClr val="lt1"/>
+          </a:fontRef>
+        </p:style>
+        <p:txBody>
+          <a:bodyPr rtlCol="0" anchor="ctr"/>
+          <a:lstStyle/>
+          <a:p>
+            <a:pPr algn="ctr"/>
             <a:endParaRPr lang="en-US" dirty="0"/>
           </a:p>
         </p:txBody>
@@ -10135,7 +10872,7 @@
     </p:spTree>
     <p:extLst>
       <p:ext uri="{BB962C8B-B14F-4D97-AF65-F5344CB8AC3E}">
-        <p14:creationId xmlns:p14="http://schemas.microsoft.com/office/powerpoint/2010/main" xmlns="" val="452808669"/>
+        <p14:creationId xmlns:p14="http://schemas.microsoft.com/office/powerpoint/2010/main" val="1195539260"/>
       </p:ext>
     </p:extLst>
   </p:cSld>
@@ -10179,11 +10916,7 @@
           <a:p>
             <a:r>
               <a:rPr lang="en-US" dirty="0" smtClean="0"/>
-              <a:t>Compiler</a:t>
-            </a:r>
-            <a:r>
-              <a:rPr lang="en-US" baseline="0" dirty="0" smtClean="0"/>
-              <a:t> Tools &amp; Architecture</a:t>
+              <a:t>Features</a:t>
             </a:r>
             <a:endParaRPr lang="en-US" dirty="0"/>
           </a:p>
@@ -10204,14 +10937,198 @@
           <a:bodyPr/>
           <a:lstStyle/>
           <a:p>
-            <a:endParaRPr lang="en-US"/>
+            <a:endParaRPr lang="en-US" dirty="0"/>
           </a:p>
         </p:txBody>
       </p:sp>
+      <p:grpSp>
+        <p:nvGrpSpPr>
+          <p:cNvPr id="4" name="Group 3"/>
+          <p:cNvGrpSpPr/>
+          <p:nvPr/>
+        </p:nvGrpSpPr>
+        <p:grpSpPr>
+          <a:xfrm>
+            <a:off x="7454900" y="2946400"/>
+            <a:ext cx="457200" cy="406400"/>
+            <a:chOff x="8140700" y="1955800"/>
+            <a:chExt cx="457200" cy="406400"/>
+          </a:xfrm>
+          <a:effectLst>
+            <a:glow rad="25400">
+              <a:srgbClr val="008000">
+                <a:alpha val="75000"/>
+              </a:srgbClr>
+            </a:glow>
+          </a:effectLst>
+        </p:grpSpPr>
+        <p:cxnSp>
+          <p:nvCxnSpPr>
+            <p:cNvPr id="5" name="Straight Connector 4"/>
+            <p:cNvCxnSpPr/>
+            <p:nvPr/>
+          </p:nvCxnSpPr>
+          <p:spPr>
+            <a:xfrm>
+              <a:off x="8140700" y="2209800"/>
+              <a:ext cx="203200" cy="152400"/>
+            </a:xfrm>
+            <a:prstGeom prst="line">
+              <a:avLst/>
+            </a:prstGeom>
+            <a:ln>
+              <a:solidFill>
+                <a:srgbClr val="008000"/>
+              </a:solidFill>
+            </a:ln>
+          </p:spPr>
+          <p:style>
+            <a:lnRef idx="2">
+              <a:schemeClr val="accent1"/>
+            </a:lnRef>
+            <a:fillRef idx="0">
+              <a:schemeClr val="accent1"/>
+            </a:fillRef>
+            <a:effectRef idx="1">
+              <a:schemeClr val="accent1"/>
+            </a:effectRef>
+            <a:fontRef idx="minor">
+              <a:schemeClr val="tx1"/>
+            </a:fontRef>
+          </p:style>
+        </p:cxnSp>
+        <p:cxnSp>
+          <p:nvCxnSpPr>
+            <p:cNvPr id="6" name="Straight Connector 5"/>
+            <p:cNvCxnSpPr/>
+            <p:nvPr/>
+          </p:nvCxnSpPr>
+          <p:spPr>
+            <a:xfrm flipV="1">
+              <a:off x="8343900" y="1955800"/>
+              <a:ext cx="254000" cy="406400"/>
+            </a:xfrm>
+            <a:prstGeom prst="line">
+              <a:avLst/>
+            </a:prstGeom>
+            <a:ln>
+              <a:solidFill>
+                <a:srgbClr val="008000"/>
+              </a:solidFill>
+            </a:ln>
+          </p:spPr>
+          <p:style>
+            <a:lnRef idx="2">
+              <a:schemeClr val="accent1"/>
+            </a:lnRef>
+            <a:fillRef idx="0">
+              <a:schemeClr val="accent1"/>
+            </a:fillRef>
+            <a:effectRef idx="1">
+              <a:schemeClr val="accent1"/>
+            </a:effectRef>
+            <a:fontRef idx="minor">
+              <a:schemeClr val="tx1"/>
+            </a:fontRef>
+          </p:style>
+        </p:cxnSp>
+      </p:grpSp>
+      <p:grpSp>
+        <p:nvGrpSpPr>
+          <p:cNvPr id="7" name="Group 6"/>
+          <p:cNvGrpSpPr/>
+          <p:nvPr/>
+        </p:nvGrpSpPr>
+        <p:grpSpPr>
+          <a:xfrm>
+            <a:off x="8077200" y="3021778"/>
+            <a:ext cx="406400" cy="292922"/>
+            <a:chOff x="8077200" y="3021778"/>
+            <a:chExt cx="406400" cy="292922"/>
+          </a:xfrm>
+          <a:effectLst>
+            <a:glow rad="38100">
+              <a:srgbClr val="FF0000">
+                <a:alpha val="75000"/>
+              </a:srgbClr>
+            </a:glow>
+          </a:effectLst>
+        </p:grpSpPr>
+        <p:cxnSp>
+          <p:nvCxnSpPr>
+            <p:cNvPr id="8" name="Straight Connector 7"/>
+            <p:cNvCxnSpPr/>
+            <p:nvPr/>
+          </p:nvCxnSpPr>
+          <p:spPr>
+            <a:xfrm>
+              <a:off x="8077200" y="3021778"/>
+              <a:ext cx="406400" cy="292922"/>
+            </a:xfrm>
+            <a:prstGeom prst="line">
+              <a:avLst/>
+            </a:prstGeom>
+            <a:ln>
+              <a:solidFill>
+                <a:srgbClr val="FF0000"/>
+              </a:solidFill>
+            </a:ln>
+          </p:spPr>
+          <p:style>
+            <a:lnRef idx="2">
+              <a:schemeClr val="accent1"/>
+            </a:lnRef>
+            <a:fillRef idx="0">
+              <a:schemeClr val="accent1"/>
+            </a:fillRef>
+            <a:effectRef idx="1">
+              <a:schemeClr val="accent1"/>
+            </a:effectRef>
+            <a:fontRef idx="minor">
+              <a:schemeClr val="tx1"/>
+            </a:fontRef>
+          </p:style>
+        </p:cxnSp>
+        <p:cxnSp>
+          <p:nvCxnSpPr>
+            <p:cNvPr id="9" name="Straight Connector 8"/>
+            <p:cNvCxnSpPr/>
+            <p:nvPr/>
+          </p:nvCxnSpPr>
+          <p:spPr>
+            <a:xfrm flipV="1">
+              <a:off x="8077200" y="3021778"/>
+              <a:ext cx="406400" cy="292922"/>
+            </a:xfrm>
+            <a:prstGeom prst="line">
+              <a:avLst/>
+            </a:prstGeom>
+            <a:ln>
+              <a:solidFill>
+                <a:srgbClr val="FF0000"/>
+              </a:solidFill>
+            </a:ln>
+          </p:spPr>
+          <p:style>
+            <a:lnRef idx="2">
+              <a:schemeClr val="accent1"/>
+            </a:lnRef>
+            <a:fillRef idx="0">
+              <a:schemeClr val="accent1"/>
+            </a:fillRef>
+            <a:effectRef idx="1">
+              <a:schemeClr val="accent1"/>
+            </a:effectRef>
+            <a:fontRef idx="minor">
+              <a:schemeClr val="tx1"/>
+            </a:fontRef>
+          </p:style>
+        </p:cxnSp>
+      </p:grpSp>
     </p:spTree>
     <p:extLst>
       <p:ext uri="{BB962C8B-B14F-4D97-AF65-F5344CB8AC3E}">
-        <p14:creationId xmlns:p14="http://schemas.microsoft.com/office/powerpoint/2010/main" xmlns="" val="2186752886"/>
+        <p14:creationId xmlns:p14="http://schemas.microsoft.com/office/powerpoint/2010/main" val="452808669"/>
       </p:ext>
     </p:extLst>
   </p:cSld>
@@ -10255,6 +11172,82 @@
           <a:p>
             <a:r>
               <a:rPr lang="en-US" dirty="0" smtClean="0"/>
+              <a:t>Compiler</a:t>
+            </a:r>
+            <a:r>
+              <a:rPr lang="en-US" baseline="0" dirty="0" smtClean="0"/>
+              <a:t> Tools &amp; Architecture</a:t>
+            </a:r>
+            <a:endParaRPr lang="en-US" dirty="0"/>
+          </a:p>
+        </p:txBody>
+      </p:sp>
+      <p:sp>
+        <p:nvSpPr>
+          <p:cNvPr id="3" name="Content Placeholder 2"/>
+          <p:cNvSpPr>
+            <a:spLocks noGrp="1"/>
+          </p:cNvSpPr>
+          <p:nvPr>
+            <p:ph idx="1"/>
+          </p:nvPr>
+        </p:nvSpPr>
+        <p:spPr/>
+        <p:txBody>
+          <a:bodyPr/>
+          <a:lstStyle/>
+          <a:p>
+            <a:endParaRPr lang="en-US" dirty="0"/>
+          </a:p>
+        </p:txBody>
+      </p:sp>
+    </p:spTree>
+    <p:extLst>
+      <p:ext uri="{BB962C8B-B14F-4D97-AF65-F5344CB8AC3E}">
+        <p14:creationId xmlns:p14="http://schemas.microsoft.com/office/powerpoint/2010/main" val="2186752886"/>
+      </p:ext>
+    </p:extLst>
+  </p:cSld>
+  <p:clrMapOvr>
+    <a:masterClrMapping/>
+  </p:clrMapOvr>
+</p:sld>
+</file>
+
+<file path=ppt/slides/slide9.xml><?xml version="1.0" encoding="utf-8"?>
+<p:sld xmlns:a="http://schemas.openxmlformats.org/drawingml/2006/main" xmlns:r="http://schemas.openxmlformats.org/officeDocument/2006/relationships" xmlns:p="http://schemas.openxmlformats.org/presentationml/2006/main">
+  <p:cSld>
+    <p:spTree>
+      <p:nvGrpSpPr>
+        <p:cNvPr id="1" name=""/>
+        <p:cNvGrpSpPr/>
+        <p:nvPr/>
+      </p:nvGrpSpPr>
+      <p:grpSpPr>
+        <a:xfrm>
+          <a:off x="0" y="0"/>
+          <a:ext cx="0" cy="0"/>
+          <a:chOff x="0" y="0"/>
+          <a:chExt cx="0" cy="0"/>
+        </a:xfrm>
+      </p:grpSpPr>
+      <p:sp>
+        <p:nvSpPr>
+          <p:cNvPr id="2" name="Title 1"/>
+          <p:cNvSpPr>
+            <a:spLocks noGrp="1"/>
+          </p:cNvSpPr>
+          <p:nvPr>
+            <p:ph type="title"/>
+          </p:nvPr>
+        </p:nvSpPr>
+        <p:spPr/>
+        <p:txBody>
+          <a:bodyPr/>
+          <a:lstStyle/>
+          <a:p>
+            <a:r>
+              <a:rPr lang="en-US" dirty="0" smtClean="0"/>
               <a:t>Verification/Test Plan</a:t>
             </a:r>
             <a:endParaRPr lang="en-US" dirty="0"/>
@@ -10338,7 +11331,7 @@
           <p:nvPr>
             <p:extLst>
               <p:ext uri="{D42A27DB-BD31-4B8C-83A1-F6EECF244321}">
-                <p14:modId xmlns:p14="http://schemas.microsoft.com/office/powerpoint/2010/main" xmlns="" val="3903477257"/>
+                <p14:modId xmlns:p14="http://schemas.microsoft.com/office/powerpoint/2010/main" val="3903477257"/>
               </p:ext>
             </p:extLst>
           </p:nvPr>
@@ -10528,84 +11521,7 @@
     </p:spTree>
     <p:extLst>
       <p:ext uri="{BB962C8B-B14F-4D97-AF65-F5344CB8AC3E}">
-        <p14:creationId xmlns:p14="http://schemas.microsoft.com/office/powerpoint/2010/main" xmlns="" val="625530006"/>
-      </p:ext>
-    </p:extLst>
-  </p:cSld>
-  <p:clrMapOvr>
-    <a:masterClrMapping/>
-  </p:clrMapOvr>
-</p:sld>
-</file>
-
-<file path=ppt/slides/slide9.xml><?xml version="1.0" encoding="utf-8"?>
-<p:sld xmlns:a="http://schemas.openxmlformats.org/drawingml/2006/main" xmlns:r="http://schemas.openxmlformats.org/officeDocument/2006/relationships" xmlns:p="http://schemas.openxmlformats.org/presentationml/2006/main">
-  <p:cSld>
-    <p:spTree>
-      <p:nvGrpSpPr>
-        <p:cNvPr id="1" name=""/>
-        <p:cNvGrpSpPr/>
-        <p:nvPr/>
-      </p:nvGrpSpPr>
-      <p:grpSpPr>
-        <a:xfrm>
-          <a:off x="0" y="0"/>
-          <a:ext cx="0" cy="0"/>
-          <a:chOff x="0" y="0"/>
-          <a:chExt cx="0" cy="0"/>
-        </a:xfrm>
-      </p:grpSpPr>
-      <p:sp>
-        <p:nvSpPr>
-          <p:cNvPr id="2" name="Title 1"/>
-          <p:cNvSpPr>
-            <a:spLocks noGrp="1"/>
-          </p:cNvSpPr>
-          <p:nvPr>
-            <p:ph type="title"/>
-          </p:nvPr>
-        </p:nvSpPr>
-        <p:spPr/>
-        <p:txBody>
-          <a:bodyPr/>
-          <a:lstStyle/>
-          <a:p>
-            <a:r>
-              <a:rPr lang="en-US" dirty="0" smtClean="0"/>
-              <a:t>Lessons Learned</a:t>
-            </a:r>
-            <a:endParaRPr lang="en-US" dirty="0"/>
-          </a:p>
-        </p:txBody>
-      </p:sp>
-      <p:pic>
-        <p:nvPicPr>
-          <p:cNvPr id="4" name="Picture 3" descr="python - xkcd.png"/>
-          <p:cNvPicPr>
-            <a:picLocks noChangeAspect="1"/>
-          </p:cNvPicPr>
-          <p:nvPr/>
-        </p:nvPicPr>
-        <p:blipFill>
-          <a:blip r:embed="rId2"/>
-          <a:stretch>
-            <a:fillRect/>
-          </a:stretch>
-        </p:blipFill>
-        <p:spPr>
-          <a:xfrm>
-            <a:off x="2604164" y="1417638"/>
-            <a:ext cx="4046022" cy="4592782"/>
-          </a:xfrm>
-          <a:prstGeom prst="rect">
-            <a:avLst/>
-          </a:prstGeom>
-        </p:spPr>
-      </p:pic>
-    </p:spTree>
-    <p:extLst>
-      <p:ext uri="{BB962C8B-B14F-4D97-AF65-F5344CB8AC3E}">
-        <p14:creationId xmlns:p14="http://schemas.microsoft.com/office/powerpoint/2010/main" xmlns="" val="239602563"/>
+        <p14:creationId xmlns:p14="http://schemas.microsoft.com/office/powerpoint/2010/main" val="625530006"/>
       </p:ext>
     </p:extLst>
   </p:cSld>

--- a/docs/local_present.pptx
+++ b/docs/local_present.pptx
@@ -12,12 +12,14 @@
     <p:sldId id="267" r:id="rId6"/>
     <p:sldId id="260" r:id="rId7"/>
     <p:sldId id="261" r:id="rId8"/>
-    <p:sldId id="262" r:id="rId9"/>
-    <p:sldId id="263" r:id="rId10"/>
-    <p:sldId id="269" r:id="rId11"/>
-    <p:sldId id="270" r:id="rId12"/>
-    <p:sldId id="271" r:id="rId13"/>
-    <p:sldId id="265" r:id="rId14"/>
+    <p:sldId id="272" r:id="rId9"/>
+    <p:sldId id="273" r:id="rId10"/>
+    <p:sldId id="262" r:id="rId11"/>
+    <p:sldId id="263" r:id="rId12"/>
+    <p:sldId id="269" r:id="rId13"/>
+    <p:sldId id="270" r:id="rId14"/>
+    <p:sldId id="271" r:id="rId15"/>
+    <p:sldId id="265" r:id="rId16"/>
   </p:sldIdLst>
   <p:sldSz cx="9144000" cy="6858000" type="screen4x3"/>
   <p:notesSz cx="6858000" cy="9144000"/>
@@ -1138,15 +1140,15 @@
     </dgm:pt>
   </dgm:ptLst>
   <dgm:cxnLst>
+    <dgm:cxn modelId="{CAE30B11-CC2A-154F-8816-60E1EA34C7C5}" type="presOf" srcId="{F74E1E6B-6207-4C49-8AA0-22A4F15A5057}" destId="{FC1CBA4E-6E2F-EE48-861D-3EDED8DB6870}" srcOrd="0" destOrd="0" presId="urn:microsoft.com/office/officeart/2005/8/layout/arrow2"/>
+    <dgm:cxn modelId="{14286A4A-3840-3A4A-9C4F-3CAE3CC8677B}" type="presOf" srcId="{78A1E8F4-D03D-CF48-8943-6DE58C206D5A}" destId="{04A6350A-5479-734D-B89B-58D612C6A7CF}" srcOrd="0" destOrd="0" presId="urn:microsoft.com/office/officeart/2005/8/layout/arrow2"/>
+    <dgm:cxn modelId="{FAD75357-6883-9246-B989-F0EAC5059462}" type="presOf" srcId="{BE88FEAD-BFE7-E34C-BCF5-4BA41C0939D4}" destId="{4A2DFF65-509A-544C-9393-D04075A243CD}" srcOrd="0" destOrd="0" presId="urn:microsoft.com/office/officeart/2005/8/layout/arrow2"/>
+    <dgm:cxn modelId="{9B8B400C-3478-EC45-AE8F-FD6185D62D6E}" srcId="{78A1E8F4-D03D-CF48-8943-6DE58C206D5A}" destId="{F74E1E6B-6207-4C49-8AA0-22A4F15A5057}" srcOrd="0" destOrd="0" parTransId="{7FE7242A-A03D-284D-9AAC-989494308C86}" sibTransId="{AB09869F-DD0F-5744-AF56-BD66C760C450}"/>
+    <dgm:cxn modelId="{E512AC72-1457-444A-8463-06B229732841}" srcId="{78A1E8F4-D03D-CF48-8943-6DE58C206D5A}" destId="{40C8586C-B50B-0645-AD8E-8CB09C38AECA}" srcOrd="1" destOrd="0" parTransId="{4324FEA0-05B9-A949-9C16-54BD0AFE50B1}" sibTransId="{016AD713-C304-014B-A008-BAEA553254F5}"/>
     <dgm:cxn modelId="{632C7F91-17B3-EC43-8D9F-BEDA457231F2}" srcId="{78A1E8F4-D03D-CF48-8943-6DE58C206D5A}" destId="{E90090C8-5943-F040-9633-B1B97AE23E5D}" srcOrd="2" destOrd="0" parTransId="{2FA0ADF9-CDA9-554C-8E99-FF053E5DA4CC}" sibTransId="{5E64DACA-D4B3-264A-BBD0-E39BE5657CE2}"/>
-    <dgm:cxn modelId="{9B8B400C-3478-EC45-AE8F-FD6185D62D6E}" srcId="{78A1E8F4-D03D-CF48-8943-6DE58C206D5A}" destId="{F74E1E6B-6207-4C49-8AA0-22A4F15A5057}" srcOrd="0" destOrd="0" parTransId="{7FE7242A-A03D-284D-9AAC-989494308C86}" sibTransId="{AB09869F-DD0F-5744-AF56-BD66C760C450}"/>
+    <dgm:cxn modelId="{833818DA-5101-BA48-B94A-D284ED81F244}" type="presOf" srcId="{E90090C8-5943-F040-9633-B1B97AE23E5D}" destId="{F3C5ACA4-15AE-564E-83B5-CFFBDB844666}" srcOrd="0" destOrd="0" presId="urn:microsoft.com/office/officeart/2005/8/layout/arrow2"/>
+    <dgm:cxn modelId="{3C4E6C1D-1F8C-494E-B997-7BE74D54A3F4}" type="presOf" srcId="{40C8586C-B50B-0645-AD8E-8CB09C38AECA}" destId="{8A30EBEC-BCB4-5F4D-B7DF-22527C033D70}" srcOrd="0" destOrd="0" presId="urn:microsoft.com/office/officeart/2005/8/layout/arrow2"/>
     <dgm:cxn modelId="{B12CC9F1-F25C-324B-9821-8FDFE7DCFC59}" srcId="{78A1E8F4-D03D-CF48-8943-6DE58C206D5A}" destId="{BE88FEAD-BFE7-E34C-BCF5-4BA41C0939D4}" srcOrd="3" destOrd="0" parTransId="{BEDDEB86-AD04-B449-92C3-631EF3DAB54E}" sibTransId="{809877BC-99BF-F541-8046-500E2E05F0AD}"/>
-    <dgm:cxn modelId="{CAE30B11-CC2A-154F-8816-60E1EA34C7C5}" type="presOf" srcId="{F74E1E6B-6207-4C49-8AA0-22A4F15A5057}" destId="{FC1CBA4E-6E2F-EE48-861D-3EDED8DB6870}" srcOrd="0" destOrd="0" presId="urn:microsoft.com/office/officeart/2005/8/layout/arrow2"/>
-    <dgm:cxn modelId="{FAD75357-6883-9246-B989-F0EAC5059462}" type="presOf" srcId="{BE88FEAD-BFE7-E34C-BCF5-4BA41C0939D4}" destId="{4A2DFF65-509A-544C-9393-D04075A243CD}" srcOrd="0" destOrd="0" presId="urn:microsoft.com/office/officeart/2005/8/layout/arrow2"/>
-    <dgm:cxn modelId="{E512AC72-1457-444A-8463-06B229732841}" srcId="{78A1E8F4-D03D-CF48-8943-6DE58C206D5A}" destId="{40C8586C-B50B-0645-AD8E-8CB09C38AECA}" srcOrd="1" destOrd="0" parTransId="{4324FEA0-05B9-A949-9C16-54BD0AFE50B1}" sibTransId="{016AD713-C304-014B-A008-BAEA553254F5}"/>
-    <dgm:cxn modelId="{3C4E6C1D-1F8C-494E-B997-7BE74D54A3F4}" type="presOf" srcId="{40C8586C-B50B-0645-AD8E-8CB09C38AECA}" destId="{8A30EBEC-BCB4-5F4D-B7DF-22527C033D70}" srcOrd="0" destOrd="0" presId="urn:microsoft.com/office/officeart/2005/8/layout/arrow2"/>
-    <dgm:cxn modelId="{833818DA-5101-BA48-B94A-D284ED81F244}" type="presOf" srcId="{E90090C8-5943-F040-9633-B1B97AE23E5D}" destId="{F3C5ACA4-15AE-564E-83B5-CFFBDB844666}" srcOrd="0" destOrd="0" presId="urn:microsoft.com/office/officeart/2005/8/layout/arrow2"/>
-    <dgm:cxn modelId="{14286A4A-3840-3A4A-9C4F-3CAE3CC8677B}" type="presOf" srcId="{78A1E8F4-D03D-CF48-8943-6DE58C206D5A}" destId="{04A6350A-5479-734D-B89B-58D612C6A7CF}" srcOrd="0" destOrd="0" presId="urn:microsoft.com/office/officeart/2005/8/layout/arrow2"/>
     <dgm:cxn modelId="{65866AB4-D3ED-A548-894C-4B4A98D610BC}" type="presParOf" srcId="{04A6350A-5479-734D-B89B-58D612C6A7CF}" destId="{42224D65-0275-CB45-8546-C7B6A8995E25}" srcOrd="0" destOrd="0" presId="urn:microsoft.com/office/officeart/2005/8/layout/arrow2"/>
     <dgm:cxn modelId="{85E1247F-0FDD-2147-AA2A-22C8FCA6C6EC}" type="presParOf" srcId="{04A6350A-5479-734D-B89B-58D612C6A7CF}" destId="{81D78D91-6403-3E4F-9398-B2B69D4255E4}" srcOrd="1" destOrd="0" presId="urn:microsoft.com/office/officeart/2005/8/layout/arrow2"/>
     <dgm:cxn modelId="{4DD1DD6B-7A2F-984E-9F8D-D68054BCDA62}" type="presParOf" srcId="{81D78D91-6403-3E4F-9398-B2B69D4255E4}" destId="{12253921-DF7F-164A-ACD8-7BFE2B59D4EA}" srcOrd="0" destOrd="0" presId="urn:microsoft.com/office/officeart/2005/8/layout/arrow2"/>
@@ -1162,14 +1164,14 @@
   <dgm:whole/>
   <dgm:extLst>
     <a:ext uri="http://schemas.microsoft.com/office/drawing/2008/diagram">
-      <dsp:dataModelExt xmlns:dsp="http://schemas.microsoft.com/office/drawing/2008/diagram" relId="rId6" minVer="http://schemas.openxmlformats.org/drawingml/2006/diagram"/>
+      <dsp:dataModelExt xmlns:dsp="http://schemas.microsoft.com/office/drawing/2008/diagram" xmlns="" relId="rId6" minVer="http://schemas.openxmlformats.org/drawingml/2006/diagram"/>
     </a:ext>
   </dgm:extLst>
 </dgm:dataModel>
 </file>
 
 <file path=ppt/diagrams/drawing1.xml><?xml version="1.0" encoding="utf-8"?>
-<dsp:drawing xmlns:dgm="http://schemas.openxmlformats.org/drawingml/2006/diagram" xmlns:dsp="http://schemas.microsoft.com/office/drawing/2008/diagram" xmlns:a="http://schemas.openxmlformats.org/drawingml/2006/main">
+<dsp:drawing xmlns:dgm="http://schemas.openxmlformats.org/drawingml/2006/diagram" xmlns:a="http://schemas.openxmlformats.org/drawingml/2006/main" xmlns:dsp="http://schemas.microsoft.com/office/drawing/2008/diagram">
   <dsp:spTree>
     <dsp:nvGrpSpPr>
       <dsp:cNvPr id="0" name=""/>
@@ -4593,7 +4595,8 @@
           <a:p>
             <a:fld id="{12D17103-1748-4847-B931-A66DCC960259}" type="datetimeFigureOut">
               <a:rPr lang="en-US" smtClean="0"/>
-              <a:t>5/6/12</a:t>
+              <a:pPr/>
+              <a:t>5/6/2012</a:t>
             </a:fld>
             <a:endParaRPr lang="en-US" dirty="0"/>
           </a:p>
@@ -4635,6 +4638,7 @@
           <a:p>
             <a:fld id="{BE24168B-5171-1E4C-88AD-08B9EAC7E323}" type="slidenum">
               <a:rPr lang="en-US" smtClean="0"/>
+              <a:pPr/>
               <a:t>‹#›</a:t>
             </a:fld>
             <a:endParaRPr lang="en-US" dirty="0"/>
@@ -4644,7 +4648,7 @@
     </p:spTree>
     <p:extLst>
       <p:ext uri="{BB962C8B-B14F-4D97-AF65-F5344CB8AC3E}">
-        <p14:creationId xmlns:p14="http://schemas.microsoft.com/office/powerpoint/2010/main" val="3231040429"/>
+        <p14:creationId xmlns:p14="http://schemas.microsoft.com/office/powerpoint/2010/main" xmlns="" val="3231040429"/>
       </p:ext>
     </p:extLst>
   </p:cSld>
@@ -4763,7 +4767,8 @@
           <a:p>
             <a:fld id="{12D17103-1748-4847-B931-A66DCC960259}" type="datetimeFigureOut">
               <a:rPr lang="en-US" smtClean="0"/>
-              <a:t>5/6/12</a:t>
+              <a:pPr/>
+              <a:t>5/6/2012</a:t>
             </a:fld>
             <a:endParaRPr lang="en-US" dirty="0"/>
           </a:p>
@@ -4805,6 +4810,7 @@
           <a:p>
             <a:fld id="{BE24168B-5171-1E4C-88AD-08B9EAC7E323}" type="slidenum">
               <a:rPr lang="en-US" smtClean="0"/>
+              <a:pPr/>
               <a:t>‹#›</a:t>
             </a:fld>
             <a:endParaRPr lang="en-US" dirty="0"/>
@@ -4814,7 +4820,7 @@
     </p:spTree>
     <p:extLst>
       <p:ext uri="{BB962C8B-B14F-4D97-AF65-F5344CB8AC3E}">
-        <p14:creationId xmlns:p14="http://schemas.microsoft.com/office/powerpoint/2010/main" val="601949194"/>
+        <p14:creationId xmlns:p14="http://schemas.microsoft.com/office/powerpoint/2010/main" xmlns="" val="601949194"/>
       </p:ext>
     </p:extLst>
   </p:cSld>
@@ -4943,7 +4949,8 @@
           <a:p>
             <a:fld id="{12D17103-1748-4847-B931-A66DCC960259}" type="datetimeFigureOut">
               <a:rPr lang="en-US" smtClean="0"/>
-              <a:t>5/6/12</a:t>
+              <a:pPr/>
+              <a:t>5/6/2012</a:t>
             </a:fld>
             <a:endParaRPr lang="en-US" dirty="0"/>
           </a:p>
@@ -4985,6 +4992,7 @@
           <a:p>
             <a:fld id="{BE24168B-5171-1E4C-88AD-08B9EAC7E323}" type="slidenum">
               <a:rPr lang="en-US" smtClean="0"/>
+              <a:pPr/>
               <a:t>‹#›</a:t>
             </a:fld>
             <a:endParaRPr lang="en-US" dirty="0"/>
@@ -4994,7 +5002,7 @@
     </p:spTree>
     <p:extLst>
       <p:ext uri="{BB962C8B-B14F-4D97-AF65-F5344CB8AC3E}">
-        <p14:creationId xmlns:p14="http://schemas.microsoft.com/office/powerpoint/2010/main" val="2366487477"/>
+        <p14:creationId xmlns:p14="http://schemas.microsoft.com/office/powerpoint/2010/main" xmlns="" val="2366487477"/>
       </p:ext>
     </p:extLst>
   </p:cSld>
@@ -5113,7 +5121,8 @@
           <a:p>
             <a:fld id="{12D17103-1748-4847-B931-A66DCC960259}" type="datetimeFigureOut">
               <a:rPr lang="en-US" smtClean="0"/>
-              <a:t>5/6/12</a:t>
+              <a:pPr/>
+              <a:t>5/6/2012</a:t>
             </a:fld>
             <a:endParaRPr lang="en-US" dirty="0"/>
           </a:p>
@@ -5155,6 +5164,7 @@
           <a:p>
             <a:fld id="{BE24168B-5171-1E4C-88AD-08B9EAC7E323}" type="slidenum">
               <a:rPr lang="en-US" smtClean="0"/>
+              <a:pPr/>
               <a:t>‹#›</a:t>
             </a:fld>
             <a:endParaRPr lang="en-US" dirty="0"/>
@@ -5164,7 +5174,7 @@
     </p:spTree>
     <p:extLst>
       <p:ext uri="{BB962C8B-B14F-4D97-AF65-F5344CB8AC3E}">
-        <p14:creationId xmlns:p14="http://schemas.microsoft.com/office/powerpoint/2010/main" val="3805192695"/>
+        <p14:creationId xmlns:p14="http://schemas.microsoft.com/office/powerpoint/2010/main" xmlns="" val="3805192695"/>
       </p:ext>
     </p:extLst>
   </p:cSld>
@@ -5359,7 +5369,8 @@
           <a:p>
             <a:fld id="{12D17103-1748-4847-B931-A66DCC960259}" type="datetimeFigureOut">
               <a:rPr lang="en-US" smtClean="0"/>
-              <a:t>5/6/12</a:t>
+              <a:pPr/>
+              <a:t>5/6/2012</a:t>
             </a:fld>
             <a:endParaRPr lang="en-US" dirty="0"/>
           </a:p>
@@ -5401,6 +5412,7 @@
           <a:p>
             <a:fld id="{BE24168B-5171-1E4C-88AD-08B9EAC7E323}" type="slidenum">
               <a:rPr lang="en-US" smtClean="0"/>
+              <a:pPr/>
               <a:t>‹#›</a:t>
             </a:fld>
             <a:endParaRPr lang="en-US" dirty="0"/>
@@ -5410,7 +5422,7 @@
     </p:spTree>
     <p:extLst>
       <p:ext uri="{BB962C8B-B14F-4D97-AF65-F5344CB8AC3E}">
-        <p14:creationId xmlns:p14="http://schemas.microsoft.com/office/powerpoint/2010/main" val="489557129"/>
+        <p14:creationId xmlns:p14="http://schemas.microsoft.com/office/powerpoint/2010/main" xmlns="" val="489557129"/>
       </p:ext>
     </p:extLst>
   </p:cSld>
@@ -5647,7 +5659,8 @@
           <a:p>
             <a:fld id="{12D17103-1748-4847-B931-A66DCC960259}" type="datetimeFigureOut">
               <a:rPr lang="en-US" smtClean="0"/>
-              <a:t>5/6/12</a:t>
+              <a:pPr/>
+              <a:t>5/6/2012</a:t>
             </a:fld>
             <a:endParaRPr lang="en-US" dirty="0"/>
           </a:p>
@@ -5689,6 +5702,7 @@
           <a:p>
             <a:fld id="{BE24168B-5171-1E4C-88AD-08B9EAC7E323}" type="slidenum">
               <a:rPr lang="en-US" smtClean="0"/>
+              <a:pPr/>
               <a:t>‹#›</a:t>
             </a:fld>
             <a:endParaRPr lang="en-US" dirty="0"/>
@@ -5698,7 +5712,7 @@
     </p:spTree>
     <p:extLst>
       <p:ext uri="{BB962C8B-B14F-4D97-AF65-F5344CB8AC3E}">
-        <p14:creationId xmlns:p14="http://schemas.microsoft.com/office/powerpoint/2010/main" val="237749449"/>
+        <p14:creationId xmlns:p14="http://schemas.microsoft.com/office/powerpoint/2010/main" xmlns="" val="237749449"/>
       </p:ext>
     </p:extLst>
   </p:cSld>
@@ -6069,7 +6083,8 @@
           <a:p>
             <a:fld id="{12D17103-1748-4847-B931-A66DCC960259}" type="datetimeFigureOut">
               <a:rPr lang="en-US" smtClean="0"/>
-              <a:t>5/6/12</a:t>
+              <a:pPr/>
+              <a:t>5/6/2012</a:t>
             </a:fld>
             <a:endParaRPr lang="en-US" dirty="0"/>
           </a:p>
@@ -6111,6 +6126,7 @@
           <a:p>
             <a:fld id="{BE24168B-5171-1E4C-88AD-08B9EAC7E323}" type="slidenum">
               <a:rPr lang="en-US" smtClean="0"/>
+              <a:pPr/>
               <a:t>‹#›</a:t>
             </a:fld>
             <a:endParaRPr lang="en-US" dirty="0"/>
@@ -6120,7 +6136,7 @@
     </p:spTree>
     <p:extLst>
       <p:ext uri="{BB962C8B-B14F-4D97-AF65-F5344CB8AC3E}">
-        <p14:creationId xmlns:p14="http://schemas.microsoft.com/office/powerpoint/2010/main" val="2754041824"/>
+        <p14:creationId xmlns:p14="http://schemas.microsoft.com/office/powerpoint/2010/main" xmlns="" val="2754041824"/>
       </p:ext>
     </p:extLst>
   </p:cSld>
@@ -6187,7 +6203,8 @@
           <a:p>
             <a:fld id="{12D17103-1748-4847-B931-A66DCC960259}" type="datetimeFigureOut">
               <a:rPr lang="en-US" smtClean="0"/>
-              <a:t>5/6/12</a:t>
+              <a:pPr/>
+              <a:t>5/6/2012</a:t>
             </a:fld>
             <a:endParaRPr lang="en-US" dirty="0"/>
           </a:p>
@@ -6229,6 +6246,7 @@
           <a:p>
             <a:fld id="{BE24168B-5171-1E4C-88AD-08B9EAC7E323}" type="slidenum">
               <a:rPr lang="en-US" smtClean="0"/>
+              <a:pPr/>
               <a:t>‹#›</a:t>
             </a:fld>
             <a:endParaRPr lang="en-US" dirty="0"/>
@@ -6238,7 +6256,7 @@
     </p:spTree>
     <p:extLst>
       <p:ext uri="{BB962C8B-B14F-4D97-AF65-F5344CB8AC3E}">
-        <p14:creationId xmlns:p14="http://schemas.microsoft.com/office/powerpoint/2010/main" val="346641713"/>
+        <p14:creationId xmlns:p14="http://schemas.microsoft.com/office/powerpoint/2010/main" xmlns="" val="346641713"/>
       </p:ext>
     </p:extLst>
   </p:cSld>
@@ -6282,7 +6300,8 @@
           <a:p>
             <a:fld id="{12D17103-1748-4847-B931-A66DCC960259}" type="datetimeFigureOut">
               <a:rPr lang="en-US" smtClean="0"/>
-              <a:t>5/6/12</a:t>
+              <a:pPr/>
+              <a:t>5/6/2012</a:t>
             </a:fld>
             <a:endParaRPr lang="en-US" dirty="0"/>
           </a:p>
@@ -6324,6 +6343,7 @@
           <a:p>
             <a:fld id="{BE24168B-5171-1E4C-88AD-08B9EAC7E323}" type="slidenum">
               <a:rPr lang="en-US" smtClean="0"/>
+              <a:pPr/>
               <a:t>‹#›</a:t>
             </a:fld>
             <a:endParaRPr lang="en-US" dirty="0"/>
@@ -6333,7 +6353,7 @@
     </p:spTree>
     <p:extLst>
       <p:ext uri="{BB962C8B-B14F-4D97-AF65-F5344CB8AC3E}">
-        <p14:creationId xmlns:p14="http://schemas.microsoft.com/office/powerpoint/2010/main" val="2972177166"/>
+        <p14:creationId xmlns:p14="http://schemas.microsoft.com/office/powerpoint/2010/main" xmlns="" val="2972177166"/>
       </p:ext>
     </p:extLst>
   </p:cSld>
@@ -6559,7 +6579,8 @@
           <a:p>
             <a:fld id="{12D17103-1748-4847-B931-A66DCC960259}" type="datetimeFigureOut">
               <a:rPr lang="en-US" smtClean="0"/>
-              <a:t>5/6/12</a:t>
+              <a:pPr/>
+              <a:t>5/6/2012</a:t>
             </a:fld>
             <a:endParaRPr lang="en-US" dirty="0"/>
           </a:p>
@@ -6601,6 +6622,7 @@
           <a:p>
             <a:fld id="{BE24168B-5171-1E4C-88AD-08B9EAC7E323}" type="slidenum">
               <a:rPr lang="en-US" smtClean="0"/>
+              <a:pPr/>
               <a:t>‹#›</a:t>
             </a:fld>
             <a:endParaRPr lang="en-US" dirty="0"/>
@@ -6610,7 +6632,7 @@
     </p:spTree>
     <p:extLst>
       <p:ext uri="{BB962C8B-B14F-4D97-AF65-F5344CB8AC3E}">
-        <p14:creationId xmlns:p14="http://schemas.microsoft.com/office/powerpoint/2010/main" val="4232780802"/>
+        <p14:creationId xmlns:p14="http://schemas.microsoft.com/office/powerpoint/2010/main" xmlns="" val="4232780802"/>
       </p:ext>
     </p:extLst>
   </p:cSld>
@@ -6812,7 +6834,8 @@
           <a:p>
             <a:fld id="{12D17103-1748-4847-B931-A66DCC960259}" type="datetimeFigureOut">
               <a:rPr lang="en-US" smtClean="0"/>
-              <a:t>5/6/12</a:t>
+              <a:pPr/>
+              <a:t>5/6/2012</a:t>
             </a:fld>
             <a:endParaRPr lang="en-US" dirty="0"/>
           </a:p>
@@ -6854,6 +6877,7 @@
           <a:p>
             <a:fld id="{BE24168B-5171-1E4C-88AD-08B9EAC7E323}" type="slidenum">
               <a:rPr lang="en-US" smtClean="0"/>
+              <a:pPr/>
               <a:t>‹#›</a:t>
             </a:fld>
             <a:endParaRPr lang="en-US" dirty="0"/>
@@ -6863,7 +6887,7 @@
     </p:spTree>
     <p:extLst>
       <p:ext uri="{BB962C8B-B14F-4D97-AF65-F5344CB8AC3E}">
-        <p14:creationId xmlns:p14="http://schemas.microsoft.com/office/powerpoint/2010/main" val="2675457367"/>
+        <p14:creationId xmlns:p14="http://schemas.microsoft.com/office/powerpoint/2010/main" xmlns="" val="2675457367"/>
       </p:ext>
     </p:extLst>
   </p:cSld>
@@ -7025,7 +7049,8 @@
           <a:p>
             <a:fld id="{12D17103-1748-4847-B931-A66DCC960259}" type="datetimeFigureOut">
               <a:rPr lang="en-US" smtClean="0"/>
-              <a:t>5/6/12</a:t>
+              <a:pPr/>
+              <a:t>5/6/2012</a:t>
             </a:fld>
             <a:endParaRPr lang="en-US" dirty="0"/>
           </a:p>
@@ -7103,6 +7128,7 @@
           <a:p>
             <a:fld id="{BE24168B-5171-1E4C-88AD-08B9EAC7E323}" type="slidenum">
               <a:rPr lang="en-US" smtClean="0"/>
+              <a:pPr/>
               <a:t>‹#›</a:t>
             </a:fld>
             <a:endParaRPr lang="en-US" dirty="0"/>
@@ -7112,7 +7138,7 @@
     </p:spTree>
     <p:extLst>
       <p:ext uri="{BB962C8B-B14F-4D97-AF65-F5344CB8AC3E}">
-        <p14:creationId xmlns:p14="http://schemas.microsoft.com/office/powerpoint/2010/main" val="528073203"/>
+        <p14:creationId xmlns:p14="http://schemas.microsoft.com/office/powerpoint/2010/main" xmlns="" val="528073203"/>
       </p:ext>
     </p:extLst>
   </p:cSld>
@@ -7413,7 +7439,7 @@
             <a:alphaModFix/>
             <a:extLst>
               <a:ext uri="{BEBA8EAE-BF5A-486C-A8C5-ECC9F3942E4B}">
-                <a14:imgProps xmlns:a14="http://schemas.microsoft.com/office/drawing/2010/main">
+                <a14:imgProps xmlns:a14="http://schemas.microsoft.com/office/drawing/2010/main" xmlns="">
                   <a14:imgLayer r:embed="rId3">
                     <a14:imgEffect>
                       <a14:sharpenSoften amount="-30000"/>
@@ -7425,7 +7451,7 @@
                 </a14:imgProps>
               </a:ext>
               <a:ext uri="{28A0092B-C50C-407E-A947-70E740481C1C}">
-                <a14:useLocalDpi xmlns:a14="http://schemas.microsoft.com/office/drawing/2010/main" val="0"/>
+                <a14:useLocalDpi xmlns:a14="http://schemas.microsoft.com/office/drawing/2010/main" xmlns="" val="0"/>
               </a:ext>
             </a:extLst>
           </a:blip>
@@ -7673,7 +7699,7 @@
     </p:spTree>
     <p:extLst>
       <p:ext uri="{BB962C8B-B14F-4D97-AF65-F5344CB8AC3E}">
-        <p14:creationId xmlns:p14="http://schemas.microsoft.com/office/powerpoint/2010/main" val="3449312616"/>
+        <p14:creationId xmlns:p14="http://schemas.microsoft.com/office/powerpoint/2010/main" xmlns="" val="3449312616"/>
       </p:ext>
     </p:extLst>
   </p:cSld>
@@ -7683,7 +7709,7 @@
   <p:timing>
     <p:tnLst>
       <p:par>
-        <p:cTn xmlns:p14="http://schemas.microsoft.com/office/powerpoint/2010/main" id="1" dur="indefinite" restart="never" nodeType="tmRoot"/>
+        <p:cTn id="1" dur="indefinite" restart="never" nodeType="tmRoot"/>
       </p:par>
     </p:tnLst>
   </p:timing>
@@ -7724,6 +7750,403 @@
           <a:p>
             <a:r>
               <a:rPr lang="en-US" dirty="0" smtClean="0"/>
+              <a:t>Compiler</a:t>
+            </a:r>
+            <a:r>
+              <a:rPr lang="en-US" baseline="0" dirty="0" smtClean="0"/>
+              <a:t> </a:t>
+            </a:r>
+            <a:r>
+              <a:rPr lang="en-US" baseline="0" dirty="0" smtClean="0"/>
+              <a:t>Tools</a:t>
+            </a:r>
+            <a:endParaRPr lang="en-US" dirty="0"/>
+          </a:p>
+        </p:txBody>
+      </p:sp>
+      <p:sp>
+        <p:nvSpPr>
+          <p:cNvPr id="3" name="Content Placeholder 2"/>
+          <p:cNvSpPr>
+            <a:spLocks noGrp="1"/>
+          </p:cNvSpPr>
+          <p:nvPr>
+            <p:ph idx="1"/>
+          </p:nvPr>
+        </p:nvSpPr>
+        <p:spPr/>
+        <p:txBody>
+          <a:bodyPr/>
+          <a:lstStyle/>
+          <a:p>
+            <a:endParaRPr lang="en-US" dirty="0"/>
+          </a:p>
+        </p:txBody>
+      </p:sp>
+    </p:spTree>
+    <p:extLst>
+      <p:ext uri="{BB962C8B-B14F-4D97-AF65-F5344CB8AC3E}">
+        <p14:creationId xmlns:p14="http://schemas.microsoft.com/office/powerpoint/2010/main" xmlns="" val="2186752886"/>
+      </p:ext>
+    </p:extLst>
+  </p:cSld>
+  <p:clrMapOvr>
+    <a:masterClrMapping/>
+  </p:clrMapOvr>
+</p:sld>
+</file>
+
+<file path=ppt/slides/slide11.xml><?xml version="1.0" encoding="utf-8"?>
+<p:sld xmlns:a="http://schemas.openxmlformats.org/drawingml/2006/main" xmlns:r="http://schemas.openxmlformats.org/officeDocument/2006/relationships" xmlns:p="http://schemas.openxmlformats.org/presentationml/2006/main">
+  <p:cSld>
+    <p:spTree>
+      <p:nvGrpSpPr>
+        <p:cNvPr id="1" name=""/>
+        <p:cNvGrpSpPr/>
+        <p:nvPr/>
+      </p:nvGrpSpPr>
+      <p:grpSpPr>
+        <a:xfrm>
+          <a:off x="0" y="0"/>
+          <a:ext cx="0" cy="0"/>
+          <a:chOff x="0" y="0"/>
+          <a:chExt cx="0" cy="0"/>
+        </a:xfrm>
+      </p:grpSpPr>
+      <p:sp>
+        <p:nvSpPr>
+          <p:cNvPr id="2" name="Title 1"/>
+          <p:cNvSpPr>
+            <a:spLocks noGrp="1"/>
+          </p:cNvSpPr>
+          <p:nvPr>
+            <p:ph type="title"/>
+          </p:nvPr>
+        </p:nvSpPr>
+        <p:spPr/>
+        <p:txBody>
+          <a:bodyPr/>
+          <a:lstStyle/>
+          <a:p>
+            <a:r>
+              <a:rPr lang="en-US" dirty="0" smtClean="0"/>
+              <a:t>Verification/Test Plan</a:t>
+            </a:r>
+            <a:endParaRPr lang="en-US" dirty="0"/>
+          </a:p>
+        </p:txBody>
+      </p:sp>
+      <p:sp>
+        <p:nvSpPr>
+          <p:cNvPr id="3" name="Content Placeholder 2"/>
+          <p:cNvSpPr>
+            <a:spLocks noGrp="1"/>
+          </p:cNvSpPr>
+          <p:nvPr>
+            <p:ph idx="1"/>
+          </p:nvPr>
+        </p:nvSpPr>
+        <p:spPr>
+          <a:xfrm>
+            <a:off x="457200" y="1488983"/>
+            <a:ext cx="8229600" cy="4974838"/>
+          </a:xfrm>
+        </p:spPr>
+        <p:txBody>
+          <a:bodyPr>
+            <a:normAutofit/>
+          </a:bodyPr>
+          <a:lstStyle/>
+          <a:p>
+            <a:r>
+              <a:rPr lang="en-US" sz="2800" dirty="0" smtClean="0"/>
+              <a:t>Incremental: </a:t>
+            </a:r>
+          </a:p>
+          <a:p>
+            <a:endParaRPr lang="en-US" sz="2800" dirty="0"/>
+          </a:p>
+          <a:p>
+            <a:endParaRPr lang="en-US" sz="2800" dirty="0" smtClean="0"/>
+          </a:p>
+          <a:p>
+            <a:endParaRPr lang="en-US" sz="2800" dirty="0" smtClean="0"/>
+          </a:p>
+          <a:p>
+            <a:r>
+              <a:rPr lang="en-US" sz="2800" dirty="0" smtClean="0"/>
+              <a:t>Handle expected &amp; unexpected </a:t>
+            </a:r>
+            <a:r>
+              <a:rPr lang="en-US" sz="2800" dirty="0"/>
+              <a:t>i</a:t>
+            </a:r>
+            <a:r>
+              <a:rPr lang="en-US" sz="2800" dirty="0" smtClean="0"/>
+              <a:t>nputs</a:t>
+            </a:r>
+          </a:p>
+          <a:p>
+            <a:r>
+              <a:rPr lang="en-US" sz="2800" dirty="0" smtClean="0"/>
+              <a:t>Bugs addressed through Google Code Issues Board &amp; at Group Meetings</a:t>
+            </a:r>
+          </a:p>
+          <a:p>
+            <a:r>
+              <a:rPr lang="en-US" sz="2800" dirty="0" smtClean="0"/>
+              <a:t>Simple Programs (Tutorial)</a:t>
+            </a:r>
+          </a:p>
+          <a:p>
+            <a:r>
+              <a:rPr lang="en-US" sz="2800" dirty="0" smtClean="0"/>
+              <a:t>Characteristic Programs: Find the coffee places around Columbia!</a:t>
+            </a:r>
+          </a:p>
+        </p:txBody>
+      </p:sp>
+      <p:graphicFrame>
+        <p:nvGraphicFramePr>
+          <p:cNvPr id="4" name="Diagram 3"/>
+          <p:cNvGraphicFramePr/>
+          <p:nvPr>
+            <p:extLst>
+              <p:ext uri="{D42A27DB-BD31-4B8C-83A1-F6EECF244321}">
+                <p14:modId xmlns:p14="http://schemas.microsoft.com/office/powerpoint/2010/main" xmlns="" val="3903477257"/>
+              </p:ext>
+            </p:extLst>
+          </p:nvPr>
+        </p:nvGraphicFramePr>
+        <p:xfrm>
+          <a:off x="1553257" y="558800"/>
+          <a:ext cx="8877669" cy="3201907"/>
+        </p:xfrm>
+        <a:graphic>
+          <a:graphicData uri="http://schemas.openxmlformats.org/drawingml/2006/diagram">
+            <dgm:relIds xmlns:dgm="http://schemas.openxmlformats.org/drawingml/2006/diagram" xmlns:r="http://schemas.openxmlformats.org/officeDocument/2006/relationships" r:dm="rId2" r:lo="rId3" r:qs="rId4" r:cs="rId5"/>
+          </a:graphicData>
+        </a:graphic>
+      </p:graphicFrame>
+      <p:sp>
+        <p:nvSpPr>
+          <p:cNvPr id="5" name="Oval 4"/>
+          <p:cNvSpPr/>
+          <p:nvPr/>
+        </p:nvSpPr>
+        <p:spPr>
+          <a:xfrm>
+            <a:off x="5123653" y="1773511"/>
+            <a:ext cx="204922" cy="204922"/>
+          </a:xfrm>
+          <a:prstGeom prst="ellipse">
+            <a:avLst/>
+          </a:prstGeom>
+        </p:spPr>
+        <p:style>
+          <a:lnRef idx="0">
+            <a:schemeClr val="lt1">
+              <a:hueOff val="0"/>
+              <a:satOff val="0"/>
+              <a:lumOff val="0"/>
+              <a:alphaOff val="0"/>
+            </a:schemeClr>
+          </a:lnRef>
+          <a:fillRef idx="3">
+            <a:schemeClr val="accent1">
+              <a:hueOff val="0"/>
+              <a:satOff val="0"/>
+              <a:lumOff val="0"/>
+              <a:alphaOff val="0"/>
+            </a:schemeClr>
+          </a:fillRef>
+          <a:effectRef idx="2">
+            <a:schemeClr val="accent1">
+              <a:hueOff val="0"/>
+              <a:satOff val="0"/>
+              <a:lumOff val="0"/>
+              <a:alphaOff val="0"/>
+            </a:schemeClr>
+          </a:effectRef>
+          <a:fontRef idx="minor">
+            <a:schemeClr val="lt1"/>
+          </a:fontRef>
+        </p:style>
+      </p:sp>
+      <p:grpSp>
+        <p:nvGrpSpPr>
+          <p:cNvPr id="6" name="Group 5"/>
+          <p:cNvGrpSpPr/>
+          <p:nvPr/>
+        </p:nvGrpSpPr>
+        <p:grpSpPr>
+          <a:xfrm>
+            <a:off x="5166243" y="1775593"/>
+            <a:ext cx="1618268" cy="2207903"/>
+            <a:chOff x="3926221" y="994003"/>
+            <a:chExt cx="1618268" cy="2207903"/>
+          </a:xfrm>
+        </p:grpSpPr>
+        <p:sp>
+          <p:nvSpPr>
+            <p:cNvPr id="7" name="Rectangle 6"/>
+            <p:cNvSpPr/>
+            <p:nvPr/>
+          </p:nvSpPr>
+          <p:spPr>
+            <a:xfrm>
+              <a:off x="3926221" y="1075452"/>
+              <a:ext cx="1618268" cy="2126454"/>
+            </a:xfrm>
+            <a:prstGeom prst="rect">
+              <a:avLst/>
+            </a:prstGeom>
+          </p:spPr>
+          <p:style>
+            <a:lnRef idx="0">
+              <a:schemeClr val="dk1">
+                <a:alpha val="0"/>
+                <a:hueOff val="0"/>
+                <a:satOff val="0"/>
+                <a:lumOff val="0"/>
+                <a:alphaOff val="0"/>
+              </a:schemeClr>
+            </a:lnRef>
+            <a:fillRef idx="0">
+              <a:schemeClr val="lt1">
+                <a:alpha val="0"/>
+                <a:hueOff val="0"/>
+                <a:satOff val="0"/>
+                <a:lumOff val="0"/>
+                <a:alphaOff val="0"/>
+              </a:schemeClr>
+            </a:fillRef>
+            <a:effectRef idx="0">
+              <a:schemeClr val="lt1">
+                <a:alpha val="0"/>
+                <a:hueOff val="0"/>
+                <a:satOff val="0"/>
+                <a:lumOff val="0"/>
+                <a:alphaOff val="0"/>
+              </a:schemeClr>
+            </a:effectRef>
+            <a:fontRef idx="minor">
+              <a:schemeClr val="tx1">
+                <a:hueOff val="0"/>
+                <a:satOff val="0"/>
+                <a:lumOff val="0"/>
+                <a:alphaOff val="0"/>
+              </a:schemeClr>
+            </a:fontRef>
+          </p:style>
+        </p:sp>
+        <p:sp>
+          <p:nvSpPr>
+            <p:cNvPr id="8" name="Rectangle 7"/>
+            <p:cNvSpPr/>
+            <p:nvPr/>
+          </p:nvSpPr>
+          <p:spPr>
+            <a:xfrm>
+              <a:off x="3926221" y="994003"/>
+              <a:ext cx="1618268" cy="2126454"/>
+            </a:xfrm>
+            <a:prstGeom prst="rect">
+              <a:avLst/>
+            </a:prstGeom>
+          </p:spPr>
+          <p:style>
+            <a:lnRef idx="0">
+              <a:scrgbClr r="0" g="0" b="0"/>
+            </a:lnRef>
+            <a:fillRef idx="0">
+              <a:scrgbClr r="0" g="0" b="0"/>
+            </a:fillRef>
+            <a:effectRef idx="0">
+              <a:scrgbClr r="0" g="0" b="0"/>
+            </a:effectRef>
+            <a:fontRef idx="minor">
+              <a:schemeClr val="tx1">
+                <a:hueOff val="0"/>
+                <a:satOff val="0"/>
+                <a:lumOff val="0"/>
+                <a:alphaOff val="0"/>
+              </a:schemeClr>
+            </a:fontRef>
+          </p:style>
+          <p:txBody>
+            <a:bodyPr spcFirstLastPara="0" vert="horz" wrap="square" lIns="192737" tIns="0" rIns="0" bIns="0" numCol="1" spcCol="1270" anchor="t" anchorCtr="0">
+              <a:noAutofit/>
+            </a:bodyPr>
+            <a:lstStyle/>
+            <a:p>
+              <a:pPr lvl="0" algn="l" defTabSz="711200">
+                <a:lnSpc>
+                  <a:spcPct val="90000"/>
+                </a:lnSpc>
+                <a:spcBef>
+                  <a:spcPct val="0"/>
+                </a:spcBef>
+                <a:spcAft>
+                  <a:spcPct val="35000"/>
+                </a:spcAft>
+              </a:pPr>
+              <a:r>
+                <a:rPr lang="en-US" sz="1600" kern="1200" dirty="0" smtClean="0"/>
+                <a:t>Unexpected Inputs</a:t>
+              </a:r>
+              <a:endParaRPr lang="en-US" sz="1600" kern="1200" dirty="0"/>
+            </a:p>
+          </p:txBody>
+        </p:sp>
+      </p:grpSp>
+    </p:spTree>
+    <p:extLst>
+      <p:ext uri="{BB962C8B-B14F-4D97-AF65-F5344CB8AC3E}">
+        <p14:creationId xmlns:p14="http://schemas.microsoft.com/office/powerpoint/2010/main" xmlns="" val="625530006"/>
+      </p:ext>
+    </p:extLst>
+  </p:cSld>
+  <p:clrMapOvr>
+    <a:masterClrMapping/>
+  </p:clrMapOvr>
+</p:sld>
+</file>
+
+<file path=ppt/slides/slide12.xml><?xml version="1.0" encoding="utf-8"?>
+<p:sld xmlns:a="http://schemas.openxmlformats.org/drawingml/2006/main" xmlns:r="http://schemas.openxmlformats.org/officeDocument/2006/relationships" xmlns:p="http://schemas.openxmlformats.org/presentationml/2006/main">
+  <p:cSld>
+    <p:spTree>
+      <p:nvGrpSpPr>
+        <p:cNvPr id="1" name=""/>
+        <p:cNvGrpSpPr/>
+        <p:nvPr/>
+      </p:nvGrpSpPr>
+      <p:grpSpPr>
+        <a:xfrm>
+          <a:off x="0" y="0"/>
+          <a:ext cx="0" cy="0"/>
+          <a:chOff x="0" y="0"/>
+          <a:chExt cx="0" cy="0"/>
+        </a:xfrm>
+      </p:grpSpPr>
+      <p:sp>
+        <p:nvSpPr>
+          <p:cNvPr id="2" name="Title 1"/>
+          <p:cNvSpPr>
+            <a:spLocks noGrp="1"/>
+          </p:cNvSpPr>
+          <p:nvPr>
+            <p:ph type="title"/>
+          </p:nvPr>
+        </p:nvSpPr>
+        <p:spPr/>
+        <p:txBody>
+          <a:bodyPr/>
+          <a:lstStyle/>
+          <a:p>
+            <a:r>
+              <a:rPr lang="en-US" dirty="0" smtClean="0"/>
               <a:t>Lessons Learned</a:t>
             </a:r>
             <a:endParaRPr lang="en-US" dirty="0"/>
@@ -7776,7 +8199,7 @@
     </p:spTree>
     <p:extLst>
       <p:ext uri="{BB962C8B-B14F-4D97-AF65-F5344CB8AC3E}">
-        <p14:creationId xmlns:p14="http://schemas.microsoft.com/office/powerpoint/2010/main" val="3744042663"/>
+        <p14:creationId xmlns:p14="http://schemas.microsoft.com/office/powerpoint/2010/main" xmlns="" val="3744042663"/>
       </p:ext>
     </p:extLst>
   </p:cSld>
@@ -7786,7 +8209,7 @@
 </p:sld>
 </file>
 
-<file path=ppt/slides/slide11.xml><?xml version="1.0" encoding="utf-8"?>
+<file path=ppt/slides/slide13.xml><?xml version="1.0" encoding="utf-8"?>
 <p:sld xmlns:a="http://schemas.openxmlformats.org/drawingml/2006/main" xmlns:r="http://schemas.openxmlformats.org/officeDocument/2006/relationships" xmlns:p="http://schemas.openxmlformats.org/presentationml/2006/main">
   <p:cSld>
     <p:spTree>
@@ -7899,7 +8322,7 @@
     </p:spTree>
     <p:extLst>
       <p:ext uri="{BB962C8B-B14F-4D97-AF65-F5344CB8AC3E}">
-        <p14:creationId xmlns:p14="http://schemas.microsoft.com/office/powerpoint/2010/main" val="3212413876"/>
+        <p14:creationId xmlns:p14="http://schemas.microsoft.com/office/powerpoint/2010/main" xmlns="" val="3212413876"/>
       </p:ext>
     </p:extLst>
   </p:cSld>
@@ -7909,7 +8332,7 @@
 </p:sld>
 </file>
 
-<file path=ppt/slides/slide12.xml><?xml version="1.0" encoding="utf-8"?>
+<file path=ppt/slides/slide14.xml><?xml version="1.0" encoding="utf-8"?>
 <p:sld xmlns:a="http://schemas.openxmlformats.org/drawingml/2006/main" xmlns:r="http://schemas.openxmlformats.org/officeDocument/2006/relationships" xmlns:p="http://schemas.openxmlformats.org/presentationml/2006/main">
   <p:cSld>
     <p:spTree>
@@ -7980,13 +8403,8 @@
             <a:pPr algn="ctr"/>
             <a:r>
               <a:rPr lang="en-US" sz="2800" dirty="0" smtClean="0"/>
-              <a:t>It’s so simple… No really it is</a:t>
-            </a:r>
-            <a:r>
-              <a:rPr lang="en-US" sz="2800" dirty="0" smtClean="0"/>
-              <a:t>!</a:t>
-            </a:r>
-            <a:endParaRPr lang="en-US" sz="2800" dirty="0" smtClean="0"/>
+              <a:t>It’s so simple… No really it is!</a:t>
+            </a:r>
           </a:p>
         </p:txBody>
       </p:sp>
@@ -8020,7 +8438,7 @@
     </p:spTree>
     <p:extLst>
       <p:ext uri="{BB962C8B-B14F-4D97-AF65-F5344CB8AC3E}">
-        <p14:creationId xmlns:p14="http://schemas.microsoft.com/office/powerpoint/2010/main" val="1858865183"/>
+        <p14:creationId xmlns:p14="http://schemas.microsoft.com/office/powerpoint/2010/main" xmlns="" val="1858865183"/>
       </p:ext>
     </p:extLst>
   </p:cSld>
@@ -8030,7 +8448,7 @@
 </p:sld>
 </file>
 
-<file path=ppt/slides/slide13.xml><?xml version="1.0" encoding="utf-8"?>
+<file path=ppt/slides/slide15.xml><?xml version="1.0" encoding="utf-8"?>
 <p:sld xmlns:a="http://schemas.openxmlformats.org/drawingml/2006/main" xmlns:r="http://schemas.openxmlformats.org/officeDocument/2006/relationships" xmlns:p="http://schemas.openxmlformats.org/presentationml/2006/main">
   <p:cSld>
     <p:spTree>
@@ -8092,7 +8510,7 @@
     </p:spTree>
     <p:extLst>
       <p:ext uri="{BB962C8B-B14F-4D97-AF65-F5344CB8AC3E}">
-        <p14:creationId xmlns:p14="http://schemas.microsoft.com/office/powerpoint/2010/main" val="798869054"/>
+        <p14:creationId xmlns:p14="http://schemas.microsoft.com/office/powerpoint/2010/main" xmlns="" val="798869054"/>
       </p:ext>
     </p:extLst>
   </p:cSld>
@@ -8280,7 +8698,7 @@
     </p:spTree>
     <p:extLst>
       <p:ext uri="{BB962C8B-B14F-4D97-AF65-F5344CB8AC3E}">
-        <p14:creationId xmlns:p14="http://schemas.microsoft.com/office/powerpoint/2010/main" val="215984204"/>
+        <p14:creationId xmlns:p14="http://schemas.microsoft.com/office/powerpoint/2010/main" xmlns="" val="215984204"/>
       </p:ext>
     </p:extLst>
   </p:cSld>
@@ -8290,7 +8708,7 @@
   <p:timing>
     <p:tnLst>
       <p:par>
-        <p:cTn xmlns:p14="http://schemas.microsoft.com/office/powerpoint/2010/main" id="1" dur="indefinite" restart="never" nodeType="tmRoot"/>
+        <p:cTn id="1" dur="indefinite" restart="never" nodeType="tmRoot"/>
       </p:par>
     </p:tnLst>
   </p:timing>
@@ -8397,7 +8815,7 @@
     </p:spTree>
     <p:extLst>
       <p:ext uri="{BB962C8B-B14F-4D97-AF65-F5344CB8AC3E}">
-        <p14:creationId xmlns:p14="http://schemas.microsoft.com/office/powerpoint/2010/main" val="2452047840"/>
+        <p14:creationId xmlns:p14="http://schemas.microsoft.com/office/powerpoint/2010/main" xmlns="" val="2452047840"/>
       </p:ext>
     </p:extLst>
   </p:cSld>
@@ -8486,7 +8904,7 @@
     </p:spTree>
     <p:extLst>
       <p:ext uri="{BB962C8B-B14F-4D97-AF65-F5344CB8AC3E}">
-        <p14:creationId xmlns:p14="http://schemas.microsoft.com/office/powerpoint/2010/main" val="4102193222"/>
+        <p14:creationId xmlns:p14="http://schemas.microsoft.com/office/powerpoint/2010/main" xmlns="" val="4102193222"/>
       </p:ext>
     </p:extLst>
   </p:cSld>
@@ -8544,11 +8962,7 @@
             </a:r>
             <a:r>
               <a:rPr lang="en-US" dirty="0" smtClean="0"/>
-              <a:t> Code </a:t>
-            </a:r>
-            <a:r>
-              <a:rPr lang="en-US" dirty="0" smtClean="0"/>
-              <a:t>Example: </a:t>
+              <a:t> Code Example: </a:t>
             </a:r>
             <a:r>
               <a:rPr lang="en-US" i="1" dirty="0" err="1" smtClean="0"/>
@@ -8765,7 +9179,6 @@
               <a:rPr lang="en-US" sz="2000" dirty="0"/>
               <a:t>print("%s and %s are the closest pair.", closest, closest2);</a:t>
             </a:r>
-            <a:endParaRPr lang="en-US" sz="2000" dirty="0"/>
           </a:p>
         </p:txBody>
       </p:sp>
@@ -8943,7 +9356,7 @@
     </p:spTree>
     <p:extLst>
       <p:ext uri="{BB962C8B-B14F-4D97-AF65-F5344CB8AC3E}">
-        <p14:creationId xmlns:p14="http://schemas.microsoft.com/office/powerpoint/2010/main" val="44400061"/>
+        <p14:creationId xmlns:p14="http://schemas.microsoft.com/office/powerpoint/2010/main" xmlns="" val="44400061"/>
       </p:ext>
     </p:extLst>
   </p:cSld>
@@ -8999,11 +9412,7 @@
             </a:r>
             <a:r>
               <a:rPr lang="en-US" dirty="0" smtClean="0"/>
-              <a:t> Code </a:t>
-            </a:r>
-            <a:r>
-              <a:rPr lang="en-US" dirty="0" smtClean="0"/>
-              <a:t>Example: </a:t>
+              <a:t> Code Example: </a:t>
             </a:r>
             <a:r>
               <a:rPr lang="en-US" i="1" dirty="0" smtClean="0"/>
@@ -10070,15 +10479,7 @@
                   <a:srgbClr val="008000"/>
                 </a:solidFill>
               </a:rPr>
-              <a:t>“</a:t>
-            </a:r>
-            <a:r>
-              <a:rPr lang="en-US" sz="1300" dirty="0" smtClean="0">
-                <a:solidFill>
-                  <a:srgbClr val="008000"/>
-                </a:solidFill>
-              </a:rPr>
-              <a:t>there: </a:t>
+              <a:t>“there: </a:t>
             </a:r>
             <a:r>
               <a:rPr lang="en-US" sz="1300" dirty="0">
@@ -10872,7 +11273,7 @@
     </p:spTree>
     <p:extLst>
       <p:ext uri="{BB962C8B-B14F-4D97-AF65-F5344CB8AC3E}">
-        <p14:creationId xmlns:p14="http://schemas.microsoft.com/office/powerpoint/2010/main" val="1195539260"/>
+        <p14:creationId xmlns:p14="http://schemas.microsoft.com/office/powerpoint/2010/main" xmlns="" val="1195539260"/>
       </p:ext>
     </p:extLst>
   </p:cSld>
@@ -11128,7 +11529,7 @@
     </p:spTree>
     <p:extLst>
       <p:ext uri="{BB962C8B-B14F-4D97-AF65-F5344CB8AC3E}">
-        <p14:creationId xmlns:p14="http://schemas.microsoft.com/office/powerpoint/2010/main" val="452808669"/>
+        <p14:creationId xmlns:p14="http://schemas.microsoft.com/office/powerpoint/2010/main" xmlns="" val="452808669"/>
       </p:ext>
     </p:extLst>
   </p:cSld>
@@ -11172,11 +11573,7 @@
           <a:p>
             <a:r>
               <a:rPr lang="en-US" dirty="0" smtClean="0"/>
-              <a:t>Compiler</a:t>
-            </a:r>
-            <a:r>
-              <a:rPr lang="en-US" baseline="0" dirty="0" smtClean="0"/>
-              <a:t> Tools &amp; Architecture</a:t>
+              <a:t>Project Management</a:t>
             </a:r>
             <a:endParaRPr lang="en-US" dirty="0"/>
           </a:p>
@@ -11197,16 +11594,11 @@
           <a:bodyPr/>
           <a:lstStyle/>
           <a:p>
-            <a:endParaRPr lang="en-US" dirty="0"/>
+            <a:endParaRPr lang="en-US"/>
           </a:p>
         </p:txBody>
       </p:sp>
     </p:spTree>
-    <p:extLst>
-      <p:ext uri="{BB962C8B-B14F-4D97-AF65-F5344CB8AC3E}">
-        <p14:creationId xmlns:p14="http://schemas.microsoft.com/office/powerpoint/2010/main" val="2186752886"/>
-      </p:ext>
-    </p:extLst>
   </p:cSld>
   <p:clrMapOvr>
     <a:masterClrMapping/>
@@ -11248,7 +11640,7 @@
           <a:p>
             <a:r>
               <a:rPr lang="en-US" dirty="0" smtClean="0"/>
-              <a:t>Verification/Test Plan</a:t>
+              <a:t>Architecture</a:t>
             </a:r>
             <a:endParaRPr lang="en-US" dirty="0"/>
           </a:p>
@@ -11264,266 +11656,16 @@
             <p:ph idx="1"/>
           </p:nvPr>
         </p:nvSpPr>
-        <p:spPr>
-          <a:xfrm>
-            <a:off x="457200" y="1488983"/>
-            <a:ext cx="8229600" cy="4974838"/>
-          </a:xfrm>
-        </p:spPr>
+        <p:spPr/>
         <p:txBody>
-          <a:bodyPr>
-            <a:normAutofit/>
-          </a:bodyPr>
+          <a:bodyPr/>
           <a:lstStyle/>
           <a:p>
-            <a:r>
-              <a:rPr lang="en-US" sz="2800" dirty="0" smtClean="0"/>
-              <a:t>Incremental: </a:t>
-            </a:r>
-          </a:p>
-          <a:p>
-            <a:endParaRPr lang="en-US" sz="2800" dirty="0"/>
-          </a:p>
-          <a:p>
-            <a:endParaRPr lang="en-US" sz="2800" dirty="0" smtClean="0"/>
-          </a:p>
-          <a:p>
-            <a:endParaRPr lang="en-US" sz="2800" dirty="0" smtClean="0"/>
-          </a:p>
-          <a:p>
-            <a:r>
-              <a:rPr lang="en-US" sz="2800" dirty="0" smtClean="0"/>
-              <a:t>Handle expected &amp; unexpected </a:t>
-            </a:r>
-            <a:r>
-              <a:rPr lang="en-US" sz="2800" dirty="0"/>
-              <a:t>i</a:t>
-            </a:r>
-            <a:r>
-              <a:rPr lang="en-US" sz="2800" dirty="0" smtClean="0"/>
-              <a:t>nputs</a:t>
-            </a:r>
-          </a:p>
-          <a:p>
-            <a:r>
-              <a:rPr lang="en-US" sz="2800" dirty="0" smtClean="0"/>
-              <a:t>Bugs addressed through Google Code Issues Board &amp; at Group Meetings</a:t>
-            </a:r>
-          </a:p>
-          <a:p>
-            <a:r>
-              <a:rPr lang="en-US" sz="2800" dirty="0" smtClean="0"/>
-              <a:t>Simple Programs (Tutorial)</a:t>
-            </a:r>
-          </a:p>
-          <a:p>
-            <a:r>
-              <a:rPr lang="en-US" sz="2800" dirty="0" smtClean="0"/>
-              <a:t>Characteristic Programs: Find the coffee places around Columbia!</a:t>
-            </a:r>
+            <a:endParaRPr lang="en-US"/>
           </a:p>
         </p:txBody>
       </p:sp>
-      <p:graphicFrame>
-        <p:nvGraphicFramePr>
-          <p:cNvPr id="4" name="Diagram 3"/>
-          <p:cNvGraphicFramePr/>
-          <p:nvPr>
-            <p:extLst>
-              <p:ext uri="{D42A27DB-BD31-4B8C-83A1-F6EECF244321}">
-                <p14:modId xmlns:p14="http://schemas.microsoft.com/office/powerpoint/2010/main" val="3903477257"/>
-              </p:ext>
-            </p:extLst>
-          </p:nvPr>
-        </p:nvGraphicFramePr>
-        <p:xfrm>
-          <a:off x="1553257" y="558800"/>
-          <a:ext cx="8877669" cy="3201907"/>
-        </p:xfrm>
-        <a:graphic>
-          <a:graphicData uri="http://schemas.openxmlformats.org/drawingml/2006/diagram">
-            <dgm:relIds xmlns:dgm="http://schemas.openxmlformats.org/drawingml/2006/diagram" xmlns:r="http://schemas.openxmlformats.org/officeDocument/2006/relationships" r:dm="rId2" r:lo="rId3" r:qs="rId4" r:cs="rId5"/>
-          </a:graphicData>
-        </a:graphic>
-      </p:graphicFrame>
-      <p:sp>
-        <p:nvSpPr>
-          <p:cNvPr id="5" name="Oval 4"/>
-          <p:cNvSpPr/>
-          <p:nvPr/>
-        </p:nvSpPr>
-        <p:spPr>
-          <a:xfrm>
-            <a:off x="5123653" y="1773511"/>
-            <a:ext cx="204922" cy="204922"/>
-          </a:xfrm>
-          <a:prstGeom prst="ellipse">
-            <a:avLst/>
-          </a:prstGeom>
-        </p:spPr>
-        <p:style>
-          <a:lnRef idx="0">
-            <a:schemeClr val="lt1">
-              <a:hueOff val="0"/>
-              <a:satOff val="0"/>
-              <a:lumOff val="0"/>
-              <a:alphaOff val="0"/>
-            </a:schemeClr>
-          </a:lnRef>
-          <a:fillRef idx="3">
-            <a:schemeClr val="accent1">
-              <a:hueOff val="0"/>
-              <a:satOff val="0"/>
-              <a:lumOff val="0"/>
-              <a:alphaOff val="0"/>
-            </a:schemeClr>
-          </a:fillRef>
-          <a:effectRef idx="2">
-            <a:schemeClr val="accent1">
-              <a:hueOff val="0"/>
-              <a:satOff val="0"/>
-              <a:lumOff val="0"/>
-              <a:alphaOff val="0"/>
-            </a:schemeClr>
-          </a:effectRef>
-          <a:fontRef idx="minor">
-            <a:schemeClr val="lt1"/>
-          </a:fontRef>
-        </p:style>
-      </p:sp>
-      <p:grpSp>
-        <p:nvGrpSpPr>
-          <p:cNvPr id="6" name="Group 5"/>
-          <p:cNvGrpSpPr/>
-          <p:nvPr/>
-        </p:nvGrpSpPr>
-        <p:grpSpPr>
-          <a:xfrm>
-            <a:off x="5166243" y="1775593"/>
-            <a:ext cx="1618268" cy="2207903"/>
-            <a:chOff x="3926221" y="994003"/>
-            <a:chExt cx="1618268" cy="2207903"/>
-          </a:xfrm>
-        </p:grpSpPr>
-        <p:sp>
-          <p:nvSpPr>
-            <p:cNvPr id="7" name="Rectangle 6"/>
-            <p:cNvSpPr/>
-            <p:nvPr/>
-          </p:nvSpPr>
-          <p:spPr>
-            <a:xfrm>
-              <a:off x="3926221" y="1075452"/>
-              <a:ext cx="1618268" cy="2126454"/>
-            </a:xfrm>
-            <a:prstGeom prst="rect">
-              <a:avLst/>
-            </a:prstGeom>
-          </p:spPr>
-          <p:style>
-            <a:lnRef idx="0">
-              <a:schemeClr val="dk1">
-                <a:alpha val="0"/>
-                <a:hueOff val="0"/>
-                <a:satOff val="0"/>
-                <a:lumOff val="0"/>
-                <a:alphaOff val="0"/>
-              </a:schemeClr>
-            </a:lnRef>
-            <a:fillRef idx="0">
-              <a:schemeClr val="lt1">
-                <a:alpha val="0"/>
-                <a:hueOff val="0"/>
-                <a:satOff val="0"/>
-                <a:lumOff val="0"/>
-                <a:alphaOff val="0"/>
-              </a:schemeClr>
-            </a:fillRef>
-            <a:effectRef idx="0">
-              <a:schemeClr val="lt1">
-                <a:alpha val="0"/>
-                <a:hueOff val="0"/>
-                <a:satOff val="0"/>
-                <a:lumOff val="0"/>
-                <a:alphaOff val="0"/>
-              </a:schemeClr>
-            </a:effectRef>
-            <a:fontRef idx="minor">
-              <a:schemeClr val="tx1">
-                <a:hueOff val="0"/>
-                <a:satOff val="0"/>
-                <a:lumOff val="0"/>
-                <a:alphaOff val="0"/>
-              </a:schemeClr>
-            </a:fontRef>
-          </p:style>
-        </p:sp>
-        <p:sp>
-          <p:nvSpPr>
-            <p:cNvPr id="8" name="Rectangle 7"/>
-            <p:cNvSpPr/>
-            <p:nvPr/>
-          </p:nvSpPr>
-          <p:spPr>
-            <a:xfrm>
-              <a:off x="3926221" y="994003"/>
-              <a:ext cx="1618268" cy="2126454"/>
-            </a:xfrm>
-            <a:prstGeom prst="rect">
-              <a:avLst/>
-            </a:prstGeom>
-          </p:spPr>
-          <p:style>
-            <a:lnRef idx="0">
-              <a:scrgbClr r="0" g="0" b="0"/>
-            </a:lnRef>
-            <a:fillRef idx="0">
-              <a:scrgbClr r="0" g="0" b="0"/>
-            </a:fillRef>
-            <a:effectRef idx="0">
-              <a:scrgbClr r="0" g="0" b="0"/>
-            </a:effectRef>
-            <a:fontRef idx="minor">
-              <a:schemeClr val="tx1">
-                <a:hueOff val="0"/>
-                <a:satOff val="0"/>
-                <a:lumOff val="0"/>
-                <a:alphaOff val="0"/>
-              </a:schemeClr>
-            </a:fontRef>
-          </p:style>
-          <p:txBody>
-            <a:bodyPr spcFirstLastPara="0" vert="horz" wrap="square" lIns="192737" tIns="0" rIns="0" bIns="0" numCol="1" spcCol="1270" anchor="t" anchorCtr="0">
-              <a:noAutofit/>
-            </a:bodyPr>
-            <a:lstStyle/>
-            <a:p>
-              <a:pPr lvl="0" algn="l" defTabSz="711200">
-                <a:lnSpc>
-                  <a:spcPct val="90000"/>
-                </a:lnSpc>
-                <a:spcBef>
-                  <a:spcPct val="0"/>
-                </a:spcBef>
-                <a:spcAft>
-                  <a:spcPct val="35000"/>
-                </a:spcAft>
-              </a:pPr>
-              <a:r>
-                <a:rPr lang="en-US" sz="1600" kern="1200" dirty="0" smtClean="0"/>
-                <a:t>Unexpected Inputs</a:t>
-              </a:r>
-              <a:endParaRPr lang="en-US" sz="1600" kern="1200" dirty="0"/>
-            </a:p>
-          </p:txBody>
-        </p:sp>
-      </p:grpSp>
     </p:spTree>
-    <p:extLst>
-      <p:ext uri="{BB962C8B-B14F-4D97-AF65-F5344CB8AC3E}">
-        <p14:creationId xmlns:p14="http://schemas.microsoft.com/office/powerpoint/2010/main" val="625530006"/>
-      </p:ext>
-    </p:extLst>
   </p:cSld>
   <p:clrMapOvr>
     <a:masterClrMapping/>

--- a/docs/local_present.pptx
+++ b/docs/local_present.pptx
@@ -1140,15 +1140,15 @@
     </dgm:pt>
   </dgm:ptLst>
   <dgm:cxnLst>
+    <dgm:cxn modelId="{632C7F91-17B3-EC43-8D9F-BEDA457231F2}" srcId="{78A1E8F4-D03D-CF48-8943-6DE58C206D5A}" destId="{E90090C8-5943-F040-9633-B1B97AE23E5D}" srcOrd="2" destOrd="0" parTransId="{2FA0ADF9-CDA9-554C-8E99-FF053E5DA4CC}" sibTransId="{5E64DACA-D4B3-264A-BBD0-E39BE5657CE2}"/>
+    <dgm:cxn modelId="{9B8B400C-3478-EC45-AE8F-FD6185D62D6E}" srcId="{78A1E8F4-D03D-CF48-8943-6DE58C206D5A}" destId="{F74E1E6B-6207-4C49-8AA0-22A4F15A5057}" srcOrd="0" destOrd="0" parTransId="{7FE7242A-A03D-284D-9AAC-989494308C86}" sibTransId="{AB09869F-DD0F-5744-AF56-BD66C760C450}"/>
+    <dgm:cxn modelId="{B12CC9F1-F25C-324B-9821-8FDFE7DCFC59}" srcId="{78A1E8F4-D03D-CF48-8943-6DE58C206D5A}" destId="{BE88FEAD-BFE7-E34C-BCF5-4BA41C0939D4}" srcOrd="3" destOrd="0" parTransId="{BEDDEB86-AD04-B449-92C3-631EF3DAB54E}" sibTransId="{809877BC-99BF-F541-8046-500E2E05F0AD}"/>
     <dgm:cxn modelId="{CAE30B11-CC2A-154F-8816-60E1EA34C7C5}" type="presOf" srcId="{F74E1E6B-6207-4C49-8AA0-22A4F15A5057}" destId="{FC1CBA4E-6E2F-EE48-861D-3EDED8DB6870}" srcOrd="0" destOrd="0" presId="urn:microsoft.com/office/officeart/2005/8/layout/arrow2"/>
+    <dgm:cxn modelId="{FAD75357-6883-9246-B989-F0EAC5059462}" type="presOf" srcId="{BE88FEAD-BFE7-E34C-BCF5-4BA41C0939D4}" destId="{4A2DFF65-509A-544C-9393-D04075A243CD}" srcOrd="0" destOrd="0" presId="urn:microsoft.com/office/officeart/2005/8/layout/arrow2"/>
+    <dgm:cxn modelId="{E512AC72-1457-444A-8463-06B229732841}" srcId="{78A1E8F4-D03D-CF48-8943-6DE58C206D5A}" destId="{40C8586C-B50B-0645-AD8E-8CB09C38AECA}" srcOrd="1" destOrd="0" parTransId="{4324FEA0-05B9-A949-9C16-54BD0AFE50B1}" sibTransId="{016AD713-C304-014B-A008-BAEA553254F5}"/>
+    <dgm:cxn modelId="{3C4E6C1D-1F8C-494E-B997-7BE74D54A3F4}" type="presOf" srcId="{40C8586C-B50B-0645-AD8E-8CB09C38AECA}" destId="{8A30EBEC-BCB4-5F4D-B7DF-22527C033D70}" srcOrd="0" destOrd="0" presId="urn:microsoft.com/office/officeart/2005/8/layout/arrow2"/>
+    <dgm:cxn modelId="{833818DA-5101-BA48-B94A-D284ED81F244}" type="presOf" srcId="{E90090C8-5943-F040-9633-B1B97AE23E5D}" destId="{F3C5ACA4-15AE-564E-83B5-CFFBDB844666}" srcOrd="0" destOrd="0" presId="urn:microsoft.com/office/officeart/2005/8/layout/arrow2"/>
     <dgm:cxn modelId="{14286A4A-3840-3A4A-9C4F-3CAE3CC8677B}" type="presOf" srcId="{78A1E8F4-D03D-CF48-8943-6DE58C206D5A}" destId="{04A6350A-5479-734D-B89B-58D612C6A7CF}" srcOrd="0" destOrd="0" presId="urn:microsoft.com/office/officeart/2005/8/layout/arrow2"/>
-    <dgm:cxn modelId="{FAD75357-6883-9246-B989-F0EAC5059462}" type="presOf" srcId="{BE88FEAD-BFE7-E34C-BCF5-4BA41C0939D4}" destId="{4A2DFF65-509A-544C-9393-D04075A243CD}" srcOrd="0" destOrd="0" presId="urn:microsoft.com/office/officeart/2005/8/layout/arrow2"/>
-    <dgm:cxn modelId="{9B8B400C-3478-EC45-AE8F-FD6185D62D6E}" srcId="{78A1E8F4-D03D-CF48-8943-6DE58C206D5A}" destId="{F74E1E6B-6207-4C49-8AA0-22A4F15A5057}" srcOrd="0" destOrd="0" parTransId="{7FE7242A-A03D-284D-9AAC-989494308C86}" sibTransId="{AB09869F-DD0F-5744-AF56-BD66C760C450}"/>
-    <dgm:cxn modelId="{E512AC72-1457-444A-8463-06B229732841}" srcId="{78A1E8F4-D03D-CF48-8943-6DE58C206D5A}" destId="{40C8586C-B50B-0645-AD8E-8CB09C38AECA}" srcOrd="1" destOrd="0" parTransId="{4324FEA0-05B9-A949-9C16-54BD0AFE50B1}" sibTransId="{016AD713-C304-014B-A008-BAEA553254F5}"/>
-    <dgm:cxn modelId="{632C7F91-17B3-EC43-8D9F-BEDA457231F2}" srcId="{78A1E8F4-D03D-CF48-8943-6DE58C206D5A}" destId="{E90090C8-5943-F040-9633-B1B97AE23E5D}" srcOrd="2" destOrd="0" parTransId="{2FA0ADF9-CDA9-554C-8E99-FF053E5DA4CC}" sibTransId="{5E64DACA-D4B3-264A-BBD0-E39BE5657CE2}"/>
-    <dgm:cxn modelId="{833818DA-5101-BA48-B94A-D284ED81F244}" type="presOf" srcId="{E90090C8-5943-F040-9633-B1B97AE23E5D}" destId="{F3C5ACA4-15AE-564E-83B5-CFFBDB844666}" srcOrd="0" destOrd="0" presId="urn:microsoft.com/office/officeart/2005/8/layout/arrow2"/>
-    <dgm:cxn modelId="{3C4E6C1D-1F8C-494E-B997-7BE74D54A3F4}" type="presOf" srcId="{40C8586C-B50B-0645-AD8E-8CB09C38AECA}" destId="{8A30EBEC-BCB4-5F4D-B7DF-22527C033D70}" srcOrd="0" destOrd="0" presId="urn:microsoft.com/office/officeart/2005/8/layout/arrow2"/>
-    <dgm:cxn modelId="{B12CC9F1-F25C-324B-9821-8FDFE7DCFC59}" srcId="{78A1E8F4-D03D-CF48-8943-6DE58C206D5A}" destId="{BE88FEAD-BFE7-E34C-BCF5-4BA41C0939D4}" srcOrd="3" destOrd="0" parTransId="{BEDDEB86-AD04-B449-92C3-631EF3DAB54E}" sibTransId="{809877BC-99BF-F541-8046-500E2E05F0AD}"/>
     <dgm:cxn modelId="{65866AB4-D3ED-A548-894C-4B4A98D610BC}" type="presParOf" srcId="{04A6350A-5479-734D-B89B-58D612C6A7CF}" destId="{42224D65-0275-CB45-8546-C7B6A8995E25}" srcOrd="0" destOrd="0" presId="urn:microsoft.com/office/officeart/2005/8/layout/arrow2"/>
     <dgm:cxn modelId="{85E1247F-0FDD-2147-AA2A-22C8FCA6C6EC}" type="presParOf" srcId="{04A6350A-5479-734D-B89B-58D612C6A7CF}" destId="{81D78D91-6403-3E4F-9398-B2B69D4255E4}" srcOrd="1" destOrd="0" presId="urn:microsoft.com/office/officeart/2005/8/layout/arrow2"/>
     <dgm:cxn modelId="{4DD1DD6B-7A2F-984E-9F8D-D68054BCDA62}" type="presParOf" srcId="{81D78D91-6403-3E4F-9398-B2B69D4255E4}" destId="{12253921-DF7F-164A-ACD8-7BFE2B59D4EA}" srcOrd="0" destOrd="0" presId="urn:microsoft.com/office/officeart/2005/8/layout/arrow2"/>
@@ -1164,14 +1164,14 @@
   <dgm:whole/>
   <dgm:extLst>
     <a:ext uri="http://schemas.microsoft.com/office/drawing/2008/diagram">
-      <dsp:dataModelExt xmlns:dsp="http://schemas.microsoft.com/office/drawing/2008/diagram" xmlns="" relId="rId6" minVer="http://schemas.openxmlformats.org/drawingml/2006/diagram"/>
+      <dsp:dataModelExt xmlns:dsp="http://schemas.microsoft.com/office/drawing/2008/diagram" relId="rId6" minVer="http://schemas.openxmlformats.org/drawingml/2006/diagram"/>
     </a:ext>
   </dgm:extLst>
 </dgm:dataModel>
 </file>
 
 <file path=ppt/diagrams/drawing1.xml><?xml version="1.0" encoding="utf-8"?>
-<dsp:drawing xmlns:dgm="http://schemas.openxmlformats.org/drawingml/2006/diagram" xmlns:a="http://schemas.openxmlformats.org/drawingml/2006/main" xmlns:dsp="http://schemas.microsoft.com/office/drawing/2008/diagram">
+<dsp:drawing xmlns:dgm="http://schemas.openxmlformats.org/drawingml/2006/diagram" xmlns:dsp="http://schemas.microsoft.com/office/drawing/2008/diagram" xmlns:a="http://schemas.openxmlformats.org/drawingml/2006/main">
   <dsp:spTree>
     <dsp:nvGrpSpPr>
       <dsp:cNvPr id="0" name=""/>
@@ -4648,7 +4648,7 @@
     </p:spTree>
     <p:extLst>
       <p:ext uri="{BB962C8B-B14F-4D97-AF65-F5344CB8AC3E}">
-        <p14:creationId xmlns:p14="http://schemas.microsoft.com/office/powerpoint/2010/main" xmlns="" val="3231040429"/>
+        <p14:creationId xmlns:p14="http://schemas.microsoft.com/office/powerpoint/2010/main" val="3231040429"/>
       </p:ext>
     </p:extLst>
   </p:cSld>
@@ -4820,7 +4820,7 @@
     </p:spTree>
     <p:extLst>
       <p:ext uri="{BB962C8B-B14F-4D97-AF65-F5344CB8AC3E}">
-        <p14:creationId xmlns:p14="http://schemas.microsoft.com/office/powerpoint/2010/main" xmlns="" val="601949194"/>
+        <p14:creationId xmlns:p14="http://schemas.microsoft.com/office/powerpoint/2010/main" val="601949194"/>
       </p:ext>
     </p:extLst>
   </p:cSld>
@@ -5002,7 +5002,7 @@
     </p:spTree>
     <p:extLst>
       <p:ext uri="{BB962C8B-B14F-4D97-AF65-F5344CB8AC3E}">
-        <p14:creationId xmlns:p14="http://schemas.microsoft.com/office/powerpoint/2010/main" xmlns="" val="2366487477"/>
+        <p14:creationId xmlns:p14="http://schemas.microsoft.com/office/powerpoint/2010/main" val="2366487477"/>
       </p:ext>
     </p:extLst>
   </p:cSld>
@@ -5174,7 +5174,7 @@
     </p:spTree>
     <p:extLst>
       <p:ext uri="{BB962C8B-B14F-4D97-AF65-F5344CB8AC3E}">
-        <p14:creationId xmlns:p14="http://schemas.microsoft.com/office/powerpoint/2010/main" xmlns="" val="3805192695"/>
+        <p14:creationId xmlns:p14="http://schemas.microsoft.com/office/powerpoint/2010/main" val="3805192695"/>
       </p:ext>
     </p:extLst>
   </p:cSld>
@@ -5422,7 +5422,7 @@
     </p:spTree>
     <p:extLst>
       <p:ext uri="{BB962C8B-B14F-4D97-AF65-F5344CB8AC3E}">
-        <p14:creationId xmlns:p14="http://schemas.microsoft.com/office/powerpoint/2010/main" xmlns="" val="489557129"/>
+        <p14:creationId xmlns:p14="http://schemas.microsoft.com/office/powerpoint/2010/main" val="489557129"/>
       </p:ext>
     </p:extLst>
   </p:cSld>
@@ -5712,7 +5712,7 @@
     </p:spTree>
     <p:extLst>
       <p:ext uri="{BB962C8B-B14F-4D97-AF65-F5344CB8AC3E}">
-        <p14:creationId xmlns:p14="http://schemas.microsoft.com/office/powerpoint/2010/main" xmlns="" val="237749449"/>
+        <p14:creationId xmlns:p14="http://schemas.microsoft.com/office/powerpoint/2010/main" val="237749449"/>
       </p:ext>
     </p:extLst>
   </p:cSld>
@@ -6136,7 +6136,7 @@
     </p:spTree>
     <p:extLst>
       <p:ext uri="{BB962C8B-B14F-4D97-AF65-F5344CB8AC3E}">
-        <p14:creationId xmlns:p14="http://schemas.microsoft.com/office/powerpoint/2010/main" xmlns="" val="2754041824"/>
+        <p14:creationId xmlns:p14="http://schemas.microsoft.com/office/powerpoint/2010/main" val="2754041824"/>
       </p:ext>
     </p:extLst>
   </p:cSld>
@@ -6256,7 +6256,7 @@
     </p:spTree>
     <p:extLst>
       <p:ext uri="{BB962C8B-B14F-4D97-AF65-F5344CB8AC3E}">
-        <p14:creationId xmlns:p14="http://schemas.microsoft.com/office/powerpoint/2010/main" xmlns="" val="346641713"/>
+        <p14:creationId xmlns:p14="http://schemas.microsoft.com/office/powerpoint/2010/main" val="346641713"/>
       </p:ext>
     </p:extLst>
   </p:cSld>
@@ -6353,7 +6353,7 @@
     </p:spTree>
     <p:extLst>
       <p:ext uri="{BB962C8B-B14F-4D97-AF65-F5344CB8AC3E}">
-        <p14:creationId xmlns:p14="http://schemas.microsoft.com/office/powerpoint/2010/main" xmlns="" val="2972177166"/>
+        <p14:creationId xmlns:p14="http://schemas.microsoft.com/office/powerpoint/2010/main" val="2972177166"/>
       </p:ext>
     </p:extLst>
   </p:cSld>
@@ -6632,7 +6632,7 @@
     </p:spTree>
     <p:extLst>
       <p:ext uri="{BB962C8B-B14F-4D97-AF65-F5344CB8AC3E}">
-        <p14:creationId xmlns:p14="http://schemas.microsoft.com/office/powerpoint/2010/main" xmlns="" val="4232780802"/>
+        <p14:creationId xmlns:p14="http://schemas.microsoft.com/office/powerpoint/2010/main" val="4232780802"/>
       </p:ext>
     </p:extLst>
   </p:cSld>
@@ -6887,7 +6887,7 @@
     </p:spTree>
     <p:extLst>
       <p:ext uri="{BB962C8B-B14F-4D97-AF65-F5344CB8AC3E}">
-        <p14:creationId xmlns:p14="http://schemas.microsoft.com/office/powerpoint/2010/main" xmlns="" val="2675457367"/>
+        <p14:creationId xmlns:p14="http://schemas.microsoft.com/office/powerpoint/2010/main" val="2675457367"/>
       </p:ext>
     </p:extLst>
   </p:cSld>
@@ -7138,7 +7138,7 @@
     </p:spTree>
     <p:extLst>
       <p:ext uri="{BB962C8B-B14F-4D97-AF65-F5344CB8AC3E}">
-        <p14:creationId xmlns:p14="http://schemas.microsoft.com/office/powerpoint/2010/main" xmlns="" val="528073203"/>
+        <p14:creationId xmlns:p14="http://schemas.microsoft.com/office/powerpoint/2010/main" val="528073203"/>
       </p:ext>
     </p:extLst>
   </p:cSld>
@@ -7439,7 +7439,7 @@
             <a:alphaModFix/>
             <a:extLst>
               <a:ext uri="{BEBA8EAE-BF5A-486C-A8C5-ECC9F3942E4B}">
-                <a14:imgProps xmlns:a14="http://schemas.microsoft.com/office/drawing/2010/main" xmlns="">
+                <a14:imgProps xmlns:a14="http://schemas.microsoft.com/office/drawing/2010/main">
                   <a14:imgLayer r:embed="rId3">
                     <a14:imgEffect>
                       <a14:sharpenSoften amount="-30000"/>
@@ -7451,7 +7451,7 @@
                 </a14:imgProps>
               </a:ext>
               <a:ext uri="{28A0092B-C50C-407E-A947-70E740481C1C}">
-                <a14:useLocalDpi xmlns:a14="http://schemas.microsoft.com/office/drawing/2010/main" xmlns="" val="0"/>
+                <a14:useLocalDpi xmlns:a14="http://schemas.microsoft.com/office/drawing/2010/main" val="0"/>
               </a:ext>
             </a:extLst>
           </a:blip>
@@ -7699,7 +7699,7 @@
     </p:spTree>
     <p:extLst>
       <p:ext uri="{BB962C8B-B14F-4D97-AF65-F5344CB8AC3E}">
-        <p14:creationId xmlns:p14="http://schemas.microsoft.com/office/powerpoint/2010/main" xmlns="" val="3449312616"/>
+        <p14:creationId xmlns:p14="http://schemas.microsoft.com/office/powerpoint/2010/main" val="3449312616"/>
       </p:ext>
     </p:extLst>
   </p:cSld>
@@ -7754,11 +7754,7 @@
             </a:r>
             <a:r>
               <a:rPr lang="en-US" baseline="0" dirty="0" smtClean="0"/>
-              <a:t> </a:t>
-            </a:r>
-            <a:r>
-              <a:rPr lang="en-US" baseline="0" dirty="0" smtClean="0"/>
-              <a:t>Tools</a:t>
+              <a:t> Tools</a:t>
             </a:r>
             <a:endParaRPr lang="en-US" dirty="0"/>
           </a:p>
@@ -7786,7 +7782,7 @@
     </p:spTree>
     <p:extLst>
       <p:ext uri="{BB962C8B-B14F-4D97-AF65-F5344CB8AC3E}">
-        <p14:creationId xmlns:p14="http://schemas.microsoft.com/office/powerpoint/2010/main" xmlns="" val="2186752886"/>
+        <p14:creationId xmlns:p14="http://schemas.microsoft.com/office/powerpoint/2010/main" val="2186752886"/>
       </p:ext>
     </p:extLst>
   </p:cSld>
@@ -7913,7 +7909,7 @@
           <p:nvPr>
             <p:extLst>
               <p:ext uri="{D42A27DB-BD31-4B8C-83A1-F6EECF244321}">
-                <p14:modId xmlns:p14="http://schemas.microsoft.com/office/powerpoint/2010/main" xmlns="" val="3903477257"/>
+                <p14:modId xmlns:p14="http://schemas.microsoft.com/office/powerpoint/2010/main" val="3903477257"/>
               </p:ext>
             </p:extLst>
           </p:nvPr>
@@ -8103,7 +8099,7 @@
     </p:spTree>
     <p:extLst>
       <p:ext uri="{BB962C8B-B14F-4D97-AF65-F5344CB8AC3E}">
-        <p14:creationId xmlns:p14="http://schemas.microsoft.com/office/powerpoint/2010/main" xmlns="" val="625530006"/>
+        <p14:creationId xmlns:p14="http://schemas.microsoft.com/office/powerpoint/2010/main" val="625530006"/>
       </p:ext>
     </p:extLst>
   </p:cSld>
@@ -8199,7 +8195,7 @@
     </p:spTree>
     <p:extLst>
       <p:ext uri="{BB962C8B-B14F-4D97-AF65-F5344CB8AC3E}">
-        <p14:creationId xmlns:p14="http://schemas.microsoft.com/office/powerpoint/2010/main" xmlns="" val="3744042663"/>
+        <p14:creationId xmlns:p14="http://schemas.microsoft.com/office/powerpoint/2010/main" val="3744042663"/>
       </p:ext>
     </p:extLst>
   </p:cSld>
@@ -8322,7 +8318,7 @@
     </p:spTree>
     <p:extLst>
       <p:ext uri="{BB962C8B-B14F-4D97-AF65-F5344CB8AC3E}">
-        <p14:creationId xmlns:p14="http://schemas.microsoft.com/office/powerpoint/2010/main" xmlns="" val="3212413876"/>
+        <p14:creationId xmlns:p14="http://schemas.microsoft.com/office/powerpoint/2010/main" val="3212413876"/>
       </p:ext>
     </p:extLst>
   </p:cSld>
@@ -8438,7 +8434,7 @@
     </p:spTree>
     <p:extLst>
       <p:ext uri="{BB962C8B-B14F-4D97-AF65-F5344CB8AC3E}">
-        <p14:creationId xmlns:p14="http://schemas.microsoft.com/office/powerpoint/2010/main" xmlns="" val="1858865183"/>
+        <p14:creationId xmlns:p14="http://schemas.microsoft.com/office/powerpoint/2010/main" val="1858865183"/>
       </p:ext>
     </p:extLst>
   </p:cSld>
@@ -8510,7 +8506,7 @@
     </p:spTree>
     <p:extLst>
       <p:ext uri="{BB962C8B-B14F-4D97-AF65-F5344CB8AC3E}">
-        <p14:creationId xmlns:p14="http://schemas.microsoft.com/office/powerpoint/2010/main" xmlns="" val="798869054"/>
+        <p14:creationId xmlns:p14="http://schemas.microsoft.com/office/powerpoint/2010/main" val="798869054"/>
       </p:ext>
     </p:extLst>
   </p:cSld>
@@ -8698,7 +8694,7 @@
     </p:spTree>
     <p:extLst>
       <p:ext uri="{BB962C8B-B14F-4D97-AF65-F5344CB8AC3E}">
-        <p14:creationId xmlns:p14="http://schemas.microsoft.com/office/powerpoint/2010/main" xmlns="" val="215984204"/>
+        <p14:creationId xmlns:p14="http://schemas.microsoft.com/office/powerpoint/2010/main" val="215984204"/>
       </p:ext>
     </p:extLst>
   </p:cSld>
@@ -8815,7 +8811,7 @@
     </p:spTree>
     <p:extLst>
       <p:ext uri="{BB962C8B-B14F-4D97-AF65-F5344CB8AC3E}">
-        <p14:creationId xmlns:p14="http://schemas.microsoft.com/office/powerpoint/2010/main" xmlns="" val="2452047840"/>
+        <p14:creationId xmlns:p14="http://schemas.microsoft.com/office/powerpoint/2010/main" val="2452047840"/>
       </p:ext>
     </p:extLst>
   </p:cSld>
@@ -8904,7 +8900,7 @@
     </p:spTree>
     <p:extLst>
       <p:ext uri="{BB962C8B-B14F-4D97-AF65-F5344CB8AC3E}">
-        <p14:creationId xmlns:p14="http://schemas.microsoft.com/office/powerpoint/2010/main" xmlns="" val="4102193222"/>
+        <p14:creationId xmlns:p14="http://schemas.microsoft.com/office/powerpoint/2010/main" val="4102193222"/>
       </p:ext>
     </p:extLst>
   </p:cSld>
@@ -9356,7 +9352,7 @@
     </p:spTree>
     <p:extLst>
       <p:ext uri="{BB962C8B-B14F-4D97-AF65-F5344CB8AC3E}">
-        <p14:creationId xmlns:p14="http://schemas.microsoft.com/office/powerpoint/2010/main" xmlns="" val="44400061"/>
+        <p14:creationId xmlns:p14="http://schemas.microsoft.com/office/powerpoint/2010/main" val="44400061"/>
       </p:ext>
     </p:extLst>
   </p:cSld>
@@ -11273,7 +11269,7 @@
     </p:spTree>
     <p:extLst>
       <p:ext uri="{BB962C8B-B14F-4D97-AF65-F5344CB8AC3E}">
-        <p14:creationId xmlns:p14="http://schemas.microsoft.com/office/powerpoint/2010/main" xmlns="" val="1195539260"/>
+        <p14:creationId xmlns:p14="http://schemas.microsoft.com/office/powerpoint/2010/main" val="1195539260"/>
       </p:ext>
     </p:extLst>
   </p:cSld>
@@ -11529,7 +11525,7 @@
     </p:spTree>
     <p:extLst>
       <p:ext uri="{BB962C8B-B14F-4D97-AF65-F5344CB8AC3E}">
-        <p14:creationId xmlns:p14="http://schemas.microsoft.com/office/powerpoint/2010/main" xmlns="" val="452808669"/>
+        <p14:creationId xmlns:p14="http://schemas.microsoft.com/office/powerpoint/2010/main" val="452808669"/>
       </p:ext>
     </p:extLst>
   </p:cSld>
@@ -11656,15 +11652,1310 @@
             <p:ph idx="1"/>
           </p:nvPr>
         </p:nvSpPr>
-        <p:spPr/>
+        <p:spPr>
+          <a:xfrm>
+            <a:off x="457200" y="1181100"/>
+            <a:ext cx="8229600" cy="5562600"/>
+          </a:xfrm>
+        </p:spPr>
         <p:txBody>
           <a:bodyPr/>
           <a:lstStyle/>
           <a:p>
-            <a:endParaRPr lang="en-US"/>
+            <a:pPr marL="0" indent="0">
+              <a:buNone/>
+            </a:pPr>
+            <a:endParaRPr lang="en-US" dirty="0"/>
           </a:p>
         </p:txBody>
       </p:sp>
+      <p:sp>
+        <p:nvSpPr>
+          <p:cNvPr id="94" name="Rectangle 11"/>
+          <p:cNvSpPr/>
+          <p:nvPr/>
+        </p:nvSpPr>
+        <p:spPr>
+          <a:xfrm>
+            <a:off x="3303188" y="1831789"/>
+            <a:ext cx="2417007" cy="1496112"/>
+          </a:xfrm>
+          <a:prstGeom prst="rect">
+            <a:avLst/>
+          </a:prstGeom>
+        </p:spPr>
+        <p:style>
+          <a:lnRef idx="1">
+            <a:schemeClr val="accent1"/>
+          </a:lnRef>
+          <a:fillRef idx="2">
+            <a:schemeClr val="accent1"/>
+          </a:fillRef>
+          <a:effectRef idx="1">
+            <a:schemeClr val="accent1"/>
+          </a:effectRef>
+          <a:fontRef idx="minor">
+            <a:schemeClr val="dk1"/>
+          </a:fontRef>
+        </p:style>
+        <p:txBody>
+          <a:bodyPr rtlCol="0" anchor="t"/>
+          <a:lstStyle/>
+          <a:p>
+            <a:r>
+              <a:rPr lang="en-US" sz="2000" dirty="0" smtClean="0">
+                <a:solidFill>
+                  <a:srgbClr val="1F497D"/>
+                </a:solidFill>
+              </a:rPr>
+              <a:t>PLY</a:t>
+            </a:r>
+            <a:endParaRPr lang="en-US" sz="2000" dirty="0">
+              <a:solidFill>
+                <a:srgbClr val="1F497D"/>
+              </a:solidFill>
+            </a:endParaRPr>
+          </a:p>
+        </p:txBody>
+      </p:sp>
+      <p:sp>
+        <p:nvSpPr>
+          <p:cNvPr id="95" name="Rectangle 4"/>
+          <p:cNvSpPr/>
+          <p:nvPr/>
+        </p:nvSpPr>
+        <p:spPr>
+          <a:xfrm>
+            <a:off x="4001036" y="1918275"/>
+            <a:ext cx="983190" cy="395983"/>
+          </a:xfrm>
+          <a:prstGeom prst="rect">
+            <a:avLst/>
+          </a:prstGeom>
+        </p:spPr>
+        <p:style>
+          <a:lnRef idx="1">
+            <a:schemeClr val="accent1"/>
+          </a:lnRef>
+          <a:fillRef idx="3">
+            <a:schemeClr val="accent1"/>
+          </a:fillRef>
+          <a:effectRef idx="2">
+            <a:schemeClr val="accent1"/>
+          </a:effectRef>
+          <a:fontRef idx="minor">
+            <a:schemeClr val="lt1"/>
+          </a:fontRef>
+        </p:style>
+        <p:txBody>
+          <a:bodyPr rtlCol="0" anchor="ctr"/>
+          <a:lstStyle/>
+          <a:p>
+            <a:pPr algn="ctr"/>
+            <a:r>
+              <a:rPr lang="en-US" dirty="0">
+                <a:solidFill>
+                  <a:prstClr val="white"/>
+                </a:solidFill>
+              </a:rPr>
+              <a:t>l</a:t>
+            </a:r>
+            <a:r>
+              <a:rPr lang="en-US" dirty="0" smtClean="0">
+                <a:solidFill>
+                  <a:prstClr val="white"/>
+                </a:solidFill>
+              </a:rPr>
+              <a:t>ocal </a:t>
+            </a:r>
+            <a:r>
+              <a:rPr lang="en-US" dirty="0" err="1" smtClean="0">
+                <a:solidFill>
+                  <a:prstClr val="white"/>
+                </a:solidFill>
+              </a:rPr>
+              <a:t>lex</a:t>
+            </a:r>
+            <a:endParaRPr lang="en-US" dirty="0">
+              <a:solidFill>
+                <a:prstClr val="white"/>
+              </a:solidFill>
+            </a:endParaRPr>
+          </a:p>
+        </p:txBody>
+      </p:sp>
+      <p:sp>
+        <p:nvSpPr>
+          <p:cNvPr id="96" name="Rectangle 5"/>
+          <p:cNvSpPr/>
+          <p:nvPr/>
+        </p:nvSpPr>
+        <p:spPr>
+          <a:xfrm>
+            <a:off x="3808309" y="2764439"/>
+            <a:ext cx="1283609" cy="395983"/>
+          </a:xfrm>
+          <a:prstGeom prst="rect">
+            <a:avLst/>
+          </a:prstGeom>
+        </p:spPr>
+        <p:style>
+          <a:lnRef idx="1">
+            <a:schemeClr val="accent1"/>
+          </a:lnRef>
+          <a:fillRef idx="3">
+            <a:schemeClr val="accent1"/>
+          </a:fillRef>
+          <a:effectRef idx="2">
+            <a:schemeClr val="accent1"/>
+          </a:effectRef>
+          <a:fontRef idx="minor">
+            <a:schemeClr val="lt1"/>
+          </a:fontRef>
+        </p:style>
+        <p:txBody>
+          <a:bodyPr rtlCol="0" anchor="ctr"/>
+          <a:lstStyle/>
+          <a:p>
+            <a:pPr algn="ctr"/>
+            <a:r>
+              <a:rPr lang="en-US" dirty="0">
+                <a:solidFill>
+                  <a:prstClr val="white"/>
+                </a:solidFill>
+              </a:rPr>
+              <a:t>l</a:t>
+            </a:r>
+            <a:r>
+              <a:rPr lang="en-US" dirty="0" smtClean="0">
+                <a:solidFill>
+                  <a:prstClr val="white"/>
+                </a:solidFill>
+              </a:rPr>
+              <a:t>ocal parse</a:t>
+            </a:r>
+            <a:endParaRPr lang="en-US" dirty="0">
+              <a:solidFill>
+                <a:prstClr val="white"/>
+              </a:solidFill>
+            </a:endParaRPr>
+          </a:p>
+        </p:txBody>
+      </p:sp>
+      <p:cxnSp>
+        <p:nvCxnSpPr>
+          <p:cNvPr id="97" name="Straight Arrow Connector 7"/>
+          <p:cNvCxnSpPr/>
+          <p:nvPr/>
+        </p:nvCxnSpPr>
+        <p:spPr>
+          <a:xfrm flipH="1">
+            <a:off x="4670151" y="2314258"/>
+            <a:ext cx="9251" cy="450181"/>
+          </a:xfrm>
+          <a:prstGeom prst="straightConnector1">
+            <a:avLst/>
+          </a:prstGeom>
+          <a:ln>
+            <a:tailEnd type="arrow"/>
+          </a:ln>
+        </p:spPr>
+        <p:style>
+          <a:lnRef idx="2">
+            <a:schemeClr val="accent1"/>
+          </a:lnRef>
+          <a:fillRef idx="0">
+            <a:schemeClr val="accent1"/>
+          </a:fillRef>
+          <a:effectRef idx="1">
+            <a:schemeClr val="accent1"/>
+          </a:effectRef>
+          <a:fontRef idx="minor">
+            <a:schemeClr val="tx1"/>
+          </a:fontRef>
+        </p:style>
+      </p:cxnSp>
+      <p:cxnSp>
+        <p:nvCxnSpPr>
+          <p:cNvPr id="98" name="Straight Arrow Connector 9"/>
+          <p:cNvCxnSpPr/>
+          <p:nvPr/>
+        </p:nvCxnSpPr>
+        <p:spPr>
+          <a:xfrm flipV="1">
+            <a:off x="4352232" y="2307485"/>
+            <a:ext cx="0" cy="456954"/>
+          </a:xfrm>
+          <a:prstGeom prst="straightConnector1">
+            <a:avLst/>
+          </a:prstGeom>
+          <a:ln>
+            <a:tailEnd type="arrow"/>
+          </a:ln>
+        </p:spPr>
+        <p:style>
+          <a:lnRef idx="2">
+            <a:schemeClr val="accent1"/>
+          </a:lnRef>
+          <a:fillRef idx="0">
+            <a:schemeClr val="accent1"/>
+          </a:fillRef>
+          <a:effectRef idx="1">
+            <a:schemeClr val="accent1"/>
+          </a:effectRef>
+          <a:fontRef idx="minor">
+            <a:schemeClr val="tx1"/>
+          </a:fontRef>
+        </p:style>
+      </p:cxnSp>
+      <p:sp>
+        <p:nvSpPr>
+          <p:cNvPr id="99" name="TextBox 98"/>
+          <p:cNvSpPr txBox="1"/>
+          <p:nvPr/>
+        </p:nvSpPr>
+        <p:spPr>
+          <a:xfrm>
+            <a:off x="4670151" y="2389217"/>
+            <a:ext cx="832980" cy="307777"/>
+          </a:xfrm>
+          <a:prstGeom prst="rect">
+            <a:avLst/>
+          </a:prstGeom>
+          <a:noFill/>
+        </p:spPr>
+        <p:txBody>
+          <a:bodyPr wrap="square" rtlCol="0">
+            <a:spAutoFit/>
+          </a:bodyPr>
+          <a:lstStyle/>
+          <a:p>
+            <a:r>
+              <a:rPr lang="en-US" sz="1400" i="1" dirty="0" smtClean="0">
+                <a:solidFill>
+                  <a:prstClr val="black"/>
+                </a:solidFill>
+              </a:rPr>
+              <a:t>tokens</a:t>
+            </a:r>
+            <a:endParaRPr lang="en-US" sz="1400" i="1" dirty="0">
+              <a:solidFill>
+                <a:prstClr val="black"/>
+              </a:solidFill>
+            </a:endParaRPr>
+          </a:p>
+        </p:txBody>
+      </p:sp>
+      <p:sp>
+        <p:nvSpPr>
+          <p:cNvPr id="100" name="TextBox 99"/>
+          <p:cNvSpPr txBox="1"/>
+          <p:nvPr/>
+        </p:nvSpPr>
+        <p:spPr>
+          <a:xfrm>
+            <a:off x="3378903" y="2281173"/>
+            <a:ext cx="928563" cy="523220"/>
+          </a:xfrm>
+          <a:prstGeom prst="rect">
+            <a:avLst/>
+          </a:prstGeom>
+          <a:noFill/>
+        </p:spPr>
+        <p:txBody>
+          <a:bodyPr wrap="square" rtlCol="0">
+            <a:spAutoFit/>
+          </a:bodyPr>
+          <a:lstStyle/>
+          <a:p>
+            <a:pPr algn="r"/>
+            <a:r>
+              <a:rPr lang="en-US" sz="1400" i="1" dirty="0">
+                <a:solidFill>
+                  <a:prstClr val="black"/>
+                </a:solidFill>
+              </a:rPr>
+              <a:t>g</a:t>
+            </a:r>
+            <a:r>
+              <a:rPr lang="en-US" sz="1400" i="1" dirty="0" smtClean="0">
+                <a:solidFill>
+                  <a:prstClr val="black"/>
+                </a:solidFill>
+              </a:rPr>
+              <a:t>et next token</a:t>
+            </a:r>
+            <a:endParaRPr lang="en-US" sz="1400" i="1" dirty="0">
+              <a:solidFill>
+                <a:prstClr val="black"/>
+              </a:solidFill>
+            </a:endParaRPr>
+          </a:p>
+        </p:txBody>
+      </p:sp>
+      <p:cxnSp>
+        <p:nvCxnSpPr>
+          <p:cNvPr id="101" name="Straight Arrow Connector 17"/>
+          <p:cNvCxnSpPr/>
+          <p:nvPr/>
+        </p:nvCxnSpPr>
+        <p:spPr>
+          <a:xfrm>
+            <a:off x="4511691" y="1554523"/>
+            <a:ext cx="6826" cy="252609"/>
+          </a:xfrm>
+          <a:prstGeom prst="straightConnector1">
+            <a:avLst/>
+          </a:prstGeom>
+          <a:ln>
+            <a:tailEnd type="arrow"/>
+          </a:ln>
+        </p:spPr>
+        <p:style>
+          <a:lnRef idx="2">
+            <a:schemeClr val="accent1"/>
+          </a:lnRef>
+          <a:fillRef idx="0">
+            <a:schemeClr val="accent1"/>
+          </a:fillRef>
+          <a:effectRef idx="1">
+            <a:schemeClr val="accent1"/>
+          </a:effectRef>
+          <a:fontRef idx="minor">
+            <a:schemeClr val="tx1"/>
+          </a:fontRef>
+        </p:style>
+      </p:cxnSp>
+      <p:sp>
+        <p:nvSpPr>
+          <p:cNvPr id="102" name="TextBox 101"/>
+          <p:cNvSpPr txBox="1"/>
+          <p:nvPr/>
+        </p:nvSpPr>
+        <p:spPr>
+          <a:xfrm>
+            <a:off x="4076141" y="1240198"/>
+            <a:ext cx="832980" cy="307777"/>
+          </a:xfrm>
+          <a:prstGeom prst="rect">
+            <a:avLst/>
+          </a:prstGeom>
+          <a:noFill/>
+          <a:ln>
+            <a:solidFill>
+              <a:srgbClr val="4F81BD"/>
+            </a:solidFill>
+          </a:ln>
+        </p:spPr>
+        <p:txBody>
+          <a:bodyPr wrap="square" rtlCol="0">
+            <a:spAutoFit/>
+          </a:bodyPr>
+          <a:lstStyle/>
+          <a:p>
+            <a:pPr algn="ctr"/>
+            <a:r>
+              <a:rPr lang="en-US" sz="1400" dirty="0" smtClean="0">
+                <a:solidFill>
+                  <a:prstClr val="black"/>
+                </a:solidFill>
+              </a:rPr>
+              <a:t>.local file</a:t>
+            </a:r>
+            <a:endParaRPr lang="en-US" sz="1400" dirty="0">
+              <a:solidFill>
+                <a:prstClr val="black"/>
+              </a:solidFill>
+            </a:endParaRPr>
+          </a:p>
+        </p:txBody>
+      </p:sp>
+      <p:cxnSp>
+        <p:nvCxnSpPr>
+          <p:cNvPr id="103" name="Straight Arrow Connector 25"/>
+          <p:cNvCxnSpPr/>
+          <p:nvPr/>
+        </p:nvCxnSpPr>
+        <p:spPr>
+          <a:xfrm>
+            <a:off x="4482395" y="3327901"/>
+            <a:ext cx="10236" cy="282884"/>
+          </a:xfrm>
+          <a:prstGeom prst="straightConnector1">
+            <a:avLst/>
+          </a:prstGeom>
+          <a:ln>
+            <a:tailEnd type="arrow"/>
+          </a:ln>
+        </p:spPr>
+        <p:style>
+          <a:lnRef idx="2">
+            <a:schemeClr val="accent1"/>
+          </a:lnRef>
+          <a:fillRef idx="0">
+            <a:schemeClr val="accent1"/>
+          </a:fillRef>
+          <a:effectRef idx="1">
+            <a:schemeClr val="accent1"/>
+          </a:effectRef>
+          <a:fontRef idx="minor">
+            <a:schemeClr val="tx1"/>
+          </a:fontRef>
+        </p:style>
+      </p:cxnSp>
+      <p:sp>
+        <p:nvSpPr>
+          <p:cNvPr id="104" name="TextBox 103"/>
+          <p:cNvSpPr txBox="1"/>
+          <p:nvPr/>
+        </p:nvSpPr>
+        <p:spPr>
+          <a:xfrm>
+            <a:off x="4076140" y="3610785"/>
+            <a:ext cx="832980" cy="307777"/>
+          </a:xfrm>
+          <a:prstGeom prst="rect">
+            <a:avLst/>
+          </a:prstGeom>
+          <a:noFill/>
+          <a:ln>
+            <a:solidFill>
+              <a:srgbClr val="4F81BD"/>
+            </a:solidFill>
+          </a:ln>
+        </p:spPr>
+        <p:txBody>
+          <a:bodyPr wrap="square" rtlCol="0">
+            <a:spAutoFit/>
+          </a:bodyPr>
+          <a:lstStyle/>
+          <a:p>
+            <a:pPr algn="ctr"/>
+            <a:r>
+              <a:rPr lang="en-US" sz="1400" dirty="0" smtClean="0">
+                <a:solidFill>
+                  <a:prstClr val="black"/>
+                </a:solidFill>
+              </a:rPr>
+              <a:t>AST</a:t>
+            </a:r>
+            <a:endParaRPr lang="en-US" sz="1400" dirty="0">
+              <a:solidFill>
+                <a:prstClr val="black"/>
+              </a:solidFill>
+            </a:endParaRPr>
+          </a:p>
+        </p:txBody>
+      </p:sp>
+      <p:sp>
+        <p:nvSpPr>
+          <p:cNvPr id="105" name="Rectangle 27"/>
+          <p:cNvSpPr/>
+          <p:nvPr/>
+        </p:nvSpPr>
+        <p:spPr>
+          <a:xfrm>
+            <a:off x="2007345" y="4802847"/>
+            <a:ext cx="1283609" cy="539409"/>
+          </a:xfrm>
+          <a:prstGeom prst="rect">
+            <a:avLst/>
+          </a:prstGeom>
+        </p:spPr>
+        <p:style>
+          <a:lnRef idx="1">
+            <a:schemeClr val="accent1"/>
+          </a:lnRef>
+          <a:fillRef idx="3">
+            <a:schemeClr val="accent1"/>
+          </a:fillRef>
+          <a:effectRef idx="2">
+            <a:schemeClr val="accent1"/>
+          </a:effectRef>
+          <a:fontRef idx="minor">
+            <a:schemeClr val="lt1"/>
+          </a:fontRef>
+        </p:style>
+        <p:txBody>
+          <a:bodyPr rtlCol="0" anchor="ctr"/>
+          <a:lstStyle/>
+          <a:p>
+            <a:pPr algn="ctr"/>
+            <a:r>
+              <a:rPr lang="en-US" dirty="0" smtClean="0">
+                <a:solidFill>
+                  <a:prstClr val="white"/>
+                </a:solidFill>
+              </a:rPr>
+              <a:t>Code Generation</a:t>
+            </a:r>
+            <a:endParaRPr lang="en-US" dirty="0">
+              <a:solidFill>
+                <a:prstClr val="white"/>
+              </a:solidFill>
+            </a:endParaRPr>
+          </a:p>
+        </p:txBody>
+      </p:sp>
+      <p:sp>
+        <p:nvSpPr>
+          <p:cNvPr id="106" name="Rectangle 28"/>
+          <p:cNvSpPr/>
+          <p:nvPr/>
+        </p:nvSpPr>
+        <p:spPr>
+          <a:xfrm>
+            <a:off x="4861326" y="4487049"/>
+            <a:ext cx="1283609" cy="539409"/>
+          </a:xfrm>
+          <a:prstGeom prst="rect">
+            <a:avLst/>
+          </a:prstGeom>
+        </p:spPr>
+        <p:style>
+          <a:lnRef idx="1">
+            <a:schemeClr val="accent1"/>
+          </a:lnRef>
+          <a:fillRef idx="3">
+            <a:schemeClr val="accent1"/>
+          </a:fillRef>
+          <a:effectRef idx="2">
+            <a:schemeClr val="accent1"/>
+          </a:effectRef>
+          <a:fontRef idx="minor">
+            <a:schemeClr val="lt1"/>
+          </a:fontRef>
+        </p:style>
+        <p:txBody>
+          <a:bodyPr rtlCol="0" anchor="ctr"/>
+          <a:lstStyle/>
+          <a:p>
+            <a:pPr algn="ctr"/>
+            <a:r>
+              <a:rPr lang="en-US" dirty="0" smtClean="0">
+                <a:solidFill>
+                  <a:prstClr val="white"/>
+                </a:solidFill>
+              </a:rPr>
+              <a:t>Semantic Analysis</a:t>
+            </a:r>
+            <a:endParaRPr lang="en-US" dirty="0">
+              <a:solidFill>
+                <a:prstClr val="white"/>
+              </a:solidFill>
+            </a:endParaRPr>
+          </a:p>
+        </p:txBody>
+      </p:sp>
+      <p:sp>
+        <p:nvSpPr>
+          <p:cNvPr id="107" name="Rectangle 29"/>
+          <p:cNvSpPr/>
+          <p:nvPr/>
+        </p:nvSpPr>
+        <p:spPr>
+          <a:xfrm>
+            <a:off x="5564579" y="5779135"/>
+            <a:ext cx="1283609" cy="539409"/>
+          </a:xfrm>
+          <a:prstGeom prst="rect">
+            <a:avLst/>
+          </a:prstGeom>
+        </p:spPr>
+        <p:style>
+          <a:lnRef idx="1">
+            <a:schemeClr val="accent1"/>
+          </a:lnRef>
+          <a:fillRef idx="3">
+            <a:schemeClr val="accent1"/>
+          </a:fillRef>
+          <a:effectRef idx="2">
+            <a:schemeClr val="accent1"/>
+          </a:effectRef>
+          <a:fontRef idx="minor">
+            <a:schemeClr val="lt1"/>
+          </a:fontRef>
+        </p:style>
+        <p:txBody>
+          <a:bodyPr rtlCol="0" anchor="ctr"/>
+          <a:lstStyle/>
+          <a:p>
+            <a:pPr algn="ctr"/>
+            <a:r>
+              <a:rPr lang="en-US" dirty="0" smtClean="0">
+                <a:solidFill>
+                  <a:prstClr val="white"/>
+                </a:solidFill>
+              </a:rPr>
+              <a:t>Code Generation</a:t>
+            </a:r>
+            <a:endParaRPr lang="en-US" dirty="0">
+              <a:solidFill>
+                <a:prstClr val="white"/>
+              </a:solidFill>
+            </a:endParaRPr>
+          </a:p>
+        </p:txBody>
+      </p:sp>
+      <p:cxnSp>
+        <p:nvCxnSpPr>
+          <p:cNvPr id="108" name="Straight Arrow Connector 30"/>
+          <p:cNvCxnSpPr>
+            <a:stCxn id="104" idx="2"/>
+            <a:endCxn id="105" idx="0"/>
+          </p:cNvCxnSpPr>
+          <p:nvPr/>
+        </p:nvCxnSpPr>
+        <p:spPr>
+          <a:xfrm flipH="1">
+            <a:off x="2649150" y="3918562"/>
+            <a:ext cx="1843480" cy="884285"/>
+          </a:xfrm>
+          <a:prstGeom prst="straightConnector1">
+            <a:avLst/>
+          </a:prstGeom>
+          <a:ln>
+            <a:tailEnd type="arrow"/>
+          </a:ln>
+        </p:spPr>
+        <p:style>
+          <a:lnRef idx="2">
+            <a:schemeClr val="accent1"/>
+          </a:lnRef>
+          <a:fillRef idx="0">
+            <a:schemeClr val="accent1"/>
+          </a:fillRef>
+          <a:effectRef idx="1">
+            <a:schemeClr val="accent1"/>
+          </a:effectRef>
+          <a:fontRef idx="minor">
+            <a:schemeClr val="tx1"/>
+          </a:fontRef>
+        </p:style>
+      </p:cxnSp>
+      <p:cxnSp>
+        <p:nvCxnSpPr>
+          <p:cNvPr id="109" name="Straight Arrow Connector 33"/>
+          <p:cNvCxnSpPr>
+            <a:stCxn id="104" idx="2"/>
+            <a:endCxn id="106" idx="0"/>
+          </p:cNvCxnSpPr>
+          <p:nvPr/>
+        </p:nvCxnSpPr>
+        <p:spPr>
+          <a:xfrm>
+            <a:off x="4492630" y="3918562"/>
+            <a:ext cx="1010501" cy="568487"/>
+          </a:xfrm>
+          <a:prstGeom prst="straightConnector1">
+            <a:avLst/>
+          </a:prstGeom>
+          <a:ln>
+            <a:tailEnd type="arrow"/>
+          </a:ln>
+        </p:spPr>
+        <p:style>
+          <a:lnRef idx="2">
+            <a:schemeClr val="accent1"/>
+          </a:lnRef>
+          <a:fillRef idx="0">
+            <a:schemeClr val="accent1"/>
+          </a:fillRef>
+          <a:effectRef idx="1">
+            <a:schemeClr val="accent1"/>
+          </a:effectRef>
+          <a:fontRef idx="minor">
+            <a:schemeClr val="tx1"/>
+          </a:fontRef>
+        </p:style>
+      </p:cxnSp>
+      <p:cxnSp>
+        <p:nvCxnSpPr>
+          <p:cNvPr id="110" name="Straight Arrow Connector 36"/>
+          <p:cNvCxnSpPr>
+            <a:stCxn id="106" idx="2"/>
+            <a:endCxn id="123" idx="0"/>
+          </p:cNvCxnSpPr>
+          <p:nvPr/>
+        </p:nvCxnSpPr>
+        <p:spPr>
+          <a:xfrm>
+            <a:off x="5503131" y="5026458"/>
+            <a:ext cx="703252" cy="255128"/>
+          </a:xfrm>
+          <a:prstGeom prst="straightConnector1">
+            <a:avLst/>
+          </a:prstGeom>
+          <a:ln>
+            <a:tailEnd type="arrow"/>
+          </a:ln>
+        </p:spPr>
+        <p:style>
+          <a:lnRef idx="2">
+            <a:schemeClr val="accent1"/>
+          </a:lnRef>
+          <a:fillRef idx="0">
+            <a:schemeClr val="accent1"/>
+          </a:fillRef>
+          <a:effectRef idx="1">
+            <a:schemeClr val="accent1"/>
+          </a:effectRef>
+          <a:fontRef idx="minor">
+            <a:schemeClr val="tx1"/>
+          </a:fontRef>
+        </p:style>
+      </p:cxnSp>
+      <p:sp>
+        <p:nvSpPr>
+          <p:cNvPr id="111" name="TextBox 110"/>
+          <p:cNvSpPr txBox="1"/>
+          <p:nvPr/>
+        </p:nvSpPr>
+        <p:spPr>
+          <a:xfrm>
+            <a:off x="3727926" y="6435405"/>
+            <a:ext cx="1529408" cy="307777"/>
+          </a:xfrm>
+          <a:prstGeom prst="rect">
+            <a:avLst/>
+          </a:prstGeom>
+          <a:noFill/>
+          <a:ln>
+            <a:solidFill>
+              <a:srgbClr val="4F81BD"/>
+            </a:solidFill>
+          </a:ln>
+        </p:spPr>
+        <p:txBody>
+          <a:bodyPr wrap="square" rtlCol="0">
+            <a:spAutoFit/>
+          </a:bodyPr>
+          <a:lstStyle/>
+          <a:p>
+            <a:pPr algn="ctr"/>
+            <a:r>
+              <a:rPr lang="en-US" sz="1400" dirty="0" smtClean="0">
+                <a:solidFill>
+                  <a:prstClr val="black"/>
+                </a:solidFill>
+              </a:rPr>
+              <a:t>Native Python</a:t>
+            </a:r>
+            <a:endParaRPr lang="en-US" sz="1400" dirty="0">
+              <a:solidFill>
+                <a:prstClr val="black"/>
+              </a:solidFill>
+            </a:endParaRPr>
+          </a:p>
+        </p:txBody>
+      </p:sp>
+      <p:cxnSp>
+        <p:nvCxnSpPr>
+          <p:cNvPr id="112" name="Straight Arrow Connector 42"/>
+          <p:cNvCxnSpPr>
+            <a:stCxn id="105" idx="2"/>
+            <a:endCxn id="111" idx="0"/>
+          </p:cNvCxnSpPr>
+          <p:nvPr/>
+        </p:nvCxnSpPr>
+        <p:spPr>
+          <a:xfrm>
+            <a:off x="2649150" y="5342256"/>
+            <a:ext cx="1843480" cy="1093149"/>
+          </a:xfrm>
+          <a:prstGeom prst="straightConnector1">
+            <a:avLst/>
+          </a:prstGeom>
+          <a:ln>
+            <a:tailEnd type="arrow"/>
+          </a:ln>
+        </p:spPr>
+        <p:style>
+          <a:lnRef idx="2">
+            <a:schemeClr val="accent1"/>
+          </a:lnRef>
+          <a:fillRef idx="0">
+            <a:schemeClr val="accent1"/>
+          </a:fillRef>
+          <a:effectRef idx="1">
+            <a:schemeClr val="accent1"/>
+          </a:effectRef>
+          <a:fontRef idx="minor">
+            <a:schemeClr val="tx1"/>
+          </a:fontRef>
+        </p:style>
+      </p:cxnSp>
+      <p:cxnSp>
+        <p:nvCxnSpPr>
+          <p:cNvPr id="113" name="Straight Arrow Connector 45"/>
+          <p:cNvCxnSpPr>
+            <a:stCxn id="107" idx="2"/>
+            <a:endCxn id="111" idx="0"/>
+          </p:cNvCxnSpPr>
+          <p:nvPr/>
+        </p:nvCxnSpPr>
+        <p:spPr>
+          <a:xfrm flipH="1">
+            <a:off x="4492630" y="6318544"/>
+            <a:ext cx="1713754" cy="116861"/>
+          </a:xfrm>
+          <a:prstGeom prst="straightConnector1">
+            <a:avLst/>
+          </a:prstGeom>
+          <a:ln>
+            <a:tailEnd type="arrow"/>
+          </a:ln>
+        </p:spPr>
+        <p:style>
+          <a:lnRef idx="2">
+            <a:schemeClr val="accent1"/>
+          </a:lnRef>
+          <a:fillRef idx="0">
+            <a:schemeClr val="accent1"/>
+          </a:fillRef>
+          <a:effectRef idx="1">
+            <a:schemeClr val="accent1"/>
+          </a:effectRef>
+          <a:fontRef idx="minor">
+            <a:schemeClr val="tx1"/>
+          </a:fontRef>
+        </p:style>
+      </p:cxnSp>
+      <p:cxnSp>
+        <p:nvCxnSpPr>
+          <p:cNvPr id="114" name="Straight Connector 49"/>
+          <p:cNvCxnSpPr/>
+          <p:nvPr/>
+        </p:nvCxnSpPr>
+        <p:spPr>
+          <a:xfrm flipH="1">
+            <a:off x="4492631" y="4235035"/>
+            <a:ext cx="13651" cy="2200370"/>
+          </a:xfrm>
+          <a:prstGeom prst="line">
+            <a:avLst/>
+          </a:prstGeom>
+          <a:ln>
+            <a:solidFill>
+              <a:srgbClr val="FF6600"/>
+            </a:solidFill>
+            <a:prstDash val="dash"/>
+          </a:ln>
+        </p:spPr>
+        <p:style>
+          <a:lnRef idx="2">
+            <a:schemeClr val="accent1"/>
+          </a:lnRef>
+          <a:fillRef idx="0">
+            <a:schemeClr val="accent1"/>
+          </a:fillRef>
+          <a:effectRef idx="1">
+            <a:schemeClr val="accent1"/>
+          </a:effectRef>
+          <a:fontRef idx="minor">
+            <a:schemeClr val="tx1"/>
+          </a:fontRef>
+        </p:style>
+      </p:cxnSp>
+      <p:sp>
+        <p:nvSpPr>
+          <p:cNvPr id="115" name="TextBox 114"/>
+          <p:cNvSpPr txBox="1"/>
+          <p:nvPr/>
+        </p:nvSpPr>
+        <p:spPr>
+          <a:xfrm>
+            <a:off x="2061969" y="3488566"/>
+            <a:ext cx="1761546" cy="646331"/>
+          </a:xfrm>
+          <a:prstGeom prst="rect">
+            <a:avLst/>
+          </a:prstGeom>
+          <a:noFill/>
+        </p:spPr>
+        <p:txBody>
+          <a:bodyPr wrap="square" rtlCol="0">
+            <a:spAutoFit/>
+          </a:bodyPr>
+          <a:lstStyle/>
+          <a:p>
+            <a:r>
+              <a:rPr lang="en-US" dirty="0" smtClean="0">
+                <a:solidFill>
+                  <a:srgbClr val="E46C0A"/>
+                </a:solidFill>
+              </a:rPr>
+              <a:t>Course of Action (COA) for Now</a:t>
+            </a:r>
+          </a:p>
+        </p:txBody>
+      </p:sp>
+      <p:sp>
+        <p:nvSpPr>
+          <p:cNvPr id="116" name="TextBox 115"/>
+          <p:cNvSpPr txBox="1"/>
+          <p:nvPr/>
+        </p:nvSpPr>
+        <p:spPr>
+          <a:xfrm>
+            <a:off x="5231117" y="3708240"/>
+            <a:ext cx="1827635" cy="646331"/>
+          </a:xfrm>
+          <a:prstGeom prst="rect">
+            <a:avLst/>
+          </a:prstGeom>
+          <a:noFill/>
+        </p:spPr>
+        <p:txBody>
+          <a:bodyPr wrap="square" rtlCol="0">
+            <a:spAutoFit/>
+          </a:bodyPr>
+          <a:lstStyle/>
+          <a:p>
+            <a:r>
+              <a:rPr lang="en-US" dirty="0" smtClean="0">
+                <a:solidFill>
+                  <a:srgbClr val="E46C0A"/>
+                </a:solidFill>
+              </a:rPr>
+              <a:t>COA for </a:t>
+            </a:r>
+            <a:endParaRPr lang="en-US" dirty="0">
+              <a:solidFill>
+                <a:srgbClr val="E46C0A"/>
+              </a:solidFill>
+            </a:endParaRPr>
+          </a:p>
+          <a:p>
+            <a:r>
+              <a:rPr lang="en-US" dirty="0" smtClean="0">
+                <a:solidFill>
+                  <a:srgbClr val="E46C0A"/>
+                </a:solidFill>
+              </a:rPr>
+              <a:t>Future</a:t>
+            </a:r>
+          </a:p>
+        </p:txBody>
+      </p:sp>
+      <p:cxnSp>
+        <p:nvCxnSpPr>
+          <p:cNvPr id="117" name="Straight Arrow Connector 63"/>
+          <p:cNvCxnSpPr/>
+          <p:nvPr/>
+        </p:nvCxnSpPr>
+        <p:spPr>
+          <a:xfrm>
+            <a:off x="4499363" y="3362861"/>
+            <a:ext cx="2574537" cy="668544"/>
+          </a:xfrm>
+          <a:prstGeom prst="straightConnector1">
+            <a:avLst/>
+          </a:prstGeom>
+          <a:ln>
+            <a:solidFill>
+              <a:srgbClr val="800000"/>
+            </a:solidFill>
+            <a:tailEnd type="arrow"/>
+          </a:ln>
+        </p:spPr>
+        <p:style>
+          <a:lnRef idx="2">
+            <a:schemeClr val="accent1"/>
+          </a:lnRef>
+          <a:fillRef idx="0">
+            <a:schemeClr val="accent1"/>
+          </a:fillRef>
+          <a:effectRef idx="1">
+            <a:schemeClr val="accent1"/>
+          </a:effectRef>
+          <a:fontRef idx="minor">
+            <a:schemeClr val="tx1"/>
+          </a:fontRef>
+        </p:style>
+      </p:cxnSp>
+      <p:sp>
+        <p:nvSpPr>
+          <p:cNvPr id="118" name="TextBox 117"/>
+          <p:cNvSpPr txBox="1"/>
+          <p:nvPr/>
+        </p:nvSpPr>
+        <p:spPr>
+          <a:xfrm>
+            <a:off x="6975727" y="3699565"/>
+            <a:ext cx="883684" cy="523220"/>
+          </a:xfrm>
+          <a:prstGeom prst="rect">
+            <a:avLst/>
+          </a:prstGeom>
+          <a:noFill/>
+          <a:ln>
+            <a:solidFill>
+              <a:srgbClr val="800000"/>
+            </a:solidFill>
+          </a:ln>
+        </p:spPr>
+        <p:txBody>
+          <a:bodyPr wrap="square" rtlCol="0">
+            <a:spAutoFit/>
+          </a:bodyPr>
+          <a:lstStyle/>
+          <a:p>
+            <a:pPr algn="ctr"/>
+            <a:r>
+              <a:rPr lang="en-US" sz="1400" dirty="0" smtClean="0">
+                <a:solidFill>
+                  <a:prstClr val="black"/>
+                </a:solidFill>
+              </a:rPr>
+              <a:t>Error Message</a:t>
+            </a:r>
+            <a:endParaRPr lang="en-US" sz="1400" dirty="0">
+              <a:solidFill>
+                <a:prstClr val="black"/>
+              </a:solidFill>
+            </a:endParaRPr>
+          </a:p>
+        </p:txBody>
+      </p:sp>
+      <p:sp>
+        <p:nvSpPr>
+          <p:cNvPr id="119" name="TextBox 118"/>
+          <p:cNvSpPr txBox="1"/>
+          <p:nvPr/>
+        </p:nvSpPr>
+        <p:spPr>
+          <a:xfrm rot="431733">
+            <a:off x="5985324" y="3409831"/>
+            <a:ext cx="769343" cy="307777"/>
+          </a:xfrm>
+          <a:prstGeom prst="rect">
+            <a:avLst/>
+          </a:prstGeom>
+          <a:noFill/>
+        </p:spPr>
+        <p:txBody>
+          <a:bodyPr wrap="square" rtlCol="0">
+            <a:spAutoFit/>
+          </a:bodyPr>
+          <a:lstStyle/>
+          <a:p>
+            <a:r>
+              <a:rPr lang="en-US" sz="1400" i="1" dirty="0" smtClean="0">
+                <a:solidFill>
+                  <a:srgbClr val="800000"/>
+                </a:solidFill>
+              </a:rPr>
+              <a:t>fails</a:t>
+            </a:r>
+            <a:endParaRPr lang="en-US" sz="1400" i="1" dirty="0">
+              <a:solidFill>
+                <a:srgbClr val="800000"/>
+              </a:solidFill>
+            </a:endParaRPr>
+          </a:p>
+        </p:txBody>
+      </p:sp>
+      <p:sp>
+        <p:nvSpPr>
+          <p:cNvPr id="120" name="TextBox 119"/>
+          <p:cNvSpPr txBox="1"/>
+          <p:nvPr/>
+        </p:nvSpPr>
+        <p:spPr>
+          <a:xfrm>
+            <a:off x="6934758" y="4676392"/>
+            <a:ext cx="883684" cy="523220"/>
+          </a:xfrm>
+          <a:prstGeom prst="rect">
+            <a:avLst/>
+          </a:prstGeom>
+          <a:noFill/>
+          <a:ln>
+            <a:solidFill>
+              <a:srgbClr val="800000"/>
+            </a:solidFill>
+          </a:ln>
+        </p:spPr>
+        <p:txBody>
+          <a:bodyPr wrap="square" rtlCol="0">
+            <a:spAutoFit/>
+          </a:bodyPr>
+          <a:lstStyle/>
+          <a:p>
+            <a:pPr algn="ctr"/>
+            <a:r>
+              <a:rPr lang="en-US" sz="1400" dirty="0" smtClean="0">
+                <a:solidFill>
+                  <a:prstClr val="black"/>
+                </a:solidFill>
+              </a:rPr>
+              <a:t>Error Message</a:t>
+            </a:r>
+            <a:endParaRPr lang="en-US" sz="1400" dirty="0">
+              <a:solidFill>
+                <a:prstClr val="black"/>
+              </a:solidFill>
+            </a:endParaRPr>
+          </a:p>
+        </p:txBody>
+      </p:sp>
+      <p:sp>
+        <p:nvSpPr>
+          <p:cNvPr id="121" name="TextBox 120"/>
+          <p:cNvSpPr txBox="1"/>
+          <p:nvPr/>
+        </p:nvSpPr>
+        <p:spPr>
+          <a:xfrm rot="749513">
+            <a:off x="6206384" y="4368615"/>
+            <a:ext cx="769343" cy="307777"/>
+          </a:xfrm>
+          <a:prstGeom prst="rect">
+            <a:avLst/>
+          </a:prstGeom>
+          <a:noFill/>
+        </p:spPr>
+        <p:txBody>
+          <a:bodyPr wrap="square" rtlCol="0">
+            <a:spAutoFit/>
+          </a:bodyPr>
+          <a:lstStyle/>
+          <a:p>
+            <a:r>
+              <a:rPr lang="en-US" sz="1400" i="1" dirty="0" smtClean="0">
+                <a:solidFill>
+                  <a:srgbClr val="800000"/>
+                </a:solidFill>
+              </a:rPr>
+              <a:t>fails</a:t>
+            </a:r>
+            <a:endParaRPr lang="en-US" sz="1400" i="1" dirty="0">
+              <a:solidFill>
+                <a:srgbClr val="800000"/>
+              </a:solidFill>
+            </a:endParaRPr>
+          </a:p>
+        </p:txBody>
+      </p:sp>
+      <p:cxnSp>
+        <p:nvCxnSpPr>
+          <p:cNvPr id="122" name="Straight Arrow Connector 71"/>
+          <p:cNvCxnSpPr>
+            <a:stCxn id="106" idx="3"/>
+          </p:cNvCxnSpPr>
+          <p:nvPr/>
+        </p:nvCxnSpPr>
+        <p:spPr>
+          <a:xfrm>
+            <a:off x="6144935" y="4756754"/>
+            <a:ext cx="830792" cy="153851"/>
+          </a:xfrm>
+          <a:prstGeom prst="straightConnector1">
+            <a:avLst/>
+          </a:prstGeom>
+          <a:ln>
+            <a:solidFill>
+              <a:srgbClr val="800000"/>
+            </a:solidFill>
+            <a:tailEnd type="arrow"/>
+          </a:ln>
+        </p:spPr>
+        <p:style>
+          <a:lnRef idx="2">
+            <a:schemeClr val="accent1"/>
+          </a:lnRef>
+          <a:fillRef idx="0">
+            <a:schemeClr val="accent1"/>
+          </a:fillRef>
+          <a:effectRef idx="1">
+            <a:schemeClr val="accent1"/>
+          </a:effectRef>
+          <a:fontRef idx="minor">
+            <a:schemeClr val="tx1"/>
+          </a:fontRef>
+        </p:style>
+      </p:cxnSp>
+      <p:sp>
+        <p:nvSpPr>
+          <p:cNvPr id="123" name="TextBox 122"/>
+          <p:cNvSpPr txBox="1"/>
+          <p:nvPr/>
+        </p:nvSpPr>
+        <p:spPr>
+          <a:xfrm>
+            <a:off x="5789893" y="5281586"/>
+            <a:ext cx="832980" cy="307777"/>
+          </a:xfrm>
+          <a:prstGeom prst="rect">
+            <a:avLst/>
+          </a:prstGeom>
+          <a:noFill/>
+          <a:ln>
+            <a:solidFill>
+              <a:srgbClr val="4F81BD"/>
+            </a:solidFill>
+          </a:ln>
+        </p:spPr>
+        <p:txBody>
+          <a:bodyPr wrap="square" rtlCol="0">
+            <a:spAutoFit/>
+          </a:bodyPr>
+          <a:lstStyle/>
+          <a:p>
+            <a:pPr algn="ctr"/>
+            <a:r>
+              <a:rPr lang="en-US" sz="1400" dirty="0" smtClean="0">
+                <a:solidFill>
+                  <a:prstClr val="black"/>
+                </a:solidFill>
+              </a:rPr>
+              <a:t>AST</a:t>
+            </a:r>
+            <a:endParaRPr lang="en-US" sz="1400" dirty="0">
+              <a:solidFill>
+                <a:prstClr val="black"/>
+              </a:solidFill>
+            </a:endParaRPr>
+          </a:p>
+        </p:txBody>
+      </p:sp>
+      <p:cxnSp>
+        <p:nvCxnSpPr>
+          <p:cNvPr id="124" name="Straight Arrow Connector 93"/>
+          <p:cNvCxnSpPr>
+            <a:stCxn id="123" idx="2"/>
+            <a:endCxn id="107" idx="0"/>
+          </p:cNvCxnSpPr>
+          <p:nvPr/>
+        </p:nvCxnSpPr>
+        <p:spPr>
+          <a:xfrm>
+            <a:off x="6206383" y="5589363"/>
+            <a:ext cx="1" cy="189772"/>
+          </a:xfrm>
+          <a:prstGeom prst="straightConnector1">
+            <a:avLst/>
+          </a:prstGeom>
+          <a:ln>
+            <a:tailEnd type="arrow"/>
+          </a:ln>
+        </p:spPr>
+        <p:style>
+          <a:lnRef idx="2">
+            <a:schemeClr val="accent1"/>
+          </a:lnRef>
+          <a:fillRef idx="0">
+            <a:schemeClr val="accent1"/>
+          </a:fillRef>
+          <a:effectRef idx="1">
+            <a:schemeClr val="accent1"/>
+          </a:effectRef>
+          <a:fontRef idx="minor">
+            <a:schemeClr val="tx1"/>
+          </a:fontRef>
+        </p:style>
+      </p:cxnSp>
     </p:spTree>
   </p:cSld>
   <p:clrMapOvr>

--- a/docs/local_present.pptx
+++ b/docs/local_present.pptx
@@ -14,12 +14,13 @@
     <p:sldId id="261" r:id="rId8"/>
     <p:sldId id="272" r:id="rId9"/>
     <p:sldId id="273" r:id="rId10"/>
-    <p:sldId id="262" r:id="rId11"/>
-    <p:sldId id="263" r:id="rId12"/>
-    <p:sldId id="269" r:id="rId13"/>
-    <p:sldId id="270" r:id="rId14"/>
-    <p:sldId id="271" r:id="rId15"/>
-    <p:sldId id="265" r:id="rId16"/>
+    <p:sldId id="274" r:id="rId11"/>
+    <p:sldId id="275" r:id="rId12"/>
+    <p:sldId id="263" r:id="rId13"/>
+    <p:sldId id="269" r:id="rId14"/>
+    <p:sldId id="270" r:id="rId15"/>
+    <p:sldId id="271" r:id="rId16"/>
+    <p:sldId id="265" r:id="rId17"/>
   </p:sldIdLst>
   <p:sldSz cx="9144000" cy="6858000" type="screen4x3"/>
   <p:notesSz cx="6858000" cy="9144000"/>
@@ -4596,7 +4597,7 @@
             <a:fld id="{12D17103-1748-4847-B931-A66DCC960259}" type="datetimeFigureOut">
               <a:rPr lang="en-US" smtClean="0"/>
               <a:pPr/>
-              <a:t>5/6/2012</a:t>
+              <a:t>5/6/12</a:t>
             </a:fld>
             <a:endParaRPr lang="en-US" dirty="0"/>
           </a:p>
@@ -4768,7 +4769,7 @@
             <a:fld id="{12D17103-1748-4847-B931-A66DCC960259}" type="datetimeFigureOut">
               <a:rPr lang="en-US" smtClean="0"/>
               <a:pPr/>
-              <a:t>5/6/2012</a:t>
+              <a:t>5/6/12</a:t>
             </a:fld>
             <a:endParaRPr lang="en-US" dirty="0"/>
           </a:p>
@@ -4950,7 +4951,7 @@
             <a:fld id="{12D17103-1748-4847-B931-A66DCC960259}" type="datetimeFigureOut">
               <a:rPr lang="en-US" smtClean="0"/>
               <a:pPr/>
-              <a:t>5/6/2012</a:t>
+              <a:t>5/6/12</a:t>
             </a:fld>
             <a:endParaRPr lang="en-US" dirty="0"/>
           </a:p>
@@ -5122,7 +5123,7 @@
             <a:fld id="{12D17103-1748-4847-B931-A66DCC960259}" type="datetimeFigureOut">
               <a:rPr lang="en-US" smtClean="0"/>
               <a:pPr/>
-              <a:t>5/6/2012</a:t>
+              <a:t>5/6/12</a:t>
             </a:fld>
             <a:endParaRPr lang="en-US" dirty="0"/>
           </a:p>
@@ -5370,7 +5371,7 @@
             <a:fld id="{12D17103-1748-4847-B931-A66DCC960259}" type="datetimeFigureOut">
               <a:rPr lang="en-US" smtClean="0"/>
               <a:pPr/>
-              <a:t>5/6/2012</a:t>
+              <a:t>5/6/12</a:t>
             </a:fld>
             <a:endParaRPr lang="en-US" dirty="0"/>
           </a:p>
@@ -5660,7 +5661,7 @@
             <a:fld id="{12D17103-1748-4847-B931-A66DCC960259}" type="datetimeFigureOut">
               <a:rPr lang="en-US" smtClean="0"/>
               <a:pPr/>
-              <a:t>5/6/2012</a:t>
+              <a:t>5/6/12</a:t>
             </a:fld>
             <a:endParaRPr lang="en-US" dirty="0"/>
           </a:p>
@@ -6084,7 +6085,7 @@
             <a:fld id="{12D17103-1748-4847-B931-A66DCC960259}" type="datetimeFigureOut">
               <a:rPr lang="en-US" smtClean="0"/>
               <a:pPr/>
-              <a:t>5/6/2012</a:t>
+              <a:t>5/6/12</a:t>
             </a:fld>
             <a:endParaRPr lang="en-US" dirty="0"/>
           </a:p>
@@ -6204,7 +6205,7 @@
             <a:fld id="{12D17103-1748-4847-B931-A66DCC960259}" type="datetimeFigureOut">
               <a:rPr lang="en-US" smtClean="0"/>
               <a:pPr/>
-              <a:t>5/6/2012</a:t>
+              <a:t>5/6/12</a:t>
             </a:fld>
             <a:endParaRPr lang="en-US" dirty="0"/>
           </a:p>
@@ -6301,7 +6302,7 @@
             <a:fld id="{12D17103-1748-4847-B931-A66DCC960259}" type="datetimeFigureOut">
               <a:rPr lang="en-US" smtClean="0"/>
               <a:pPr/>
-              <a:t>5/6/2012</a:t>
+              <a:t>5/6/12</a:t>
             </a:fld>
             <a:endParaRPr lang="en-US" dirty="0"/>
           </a:p>
@@ -6580,7 +6581,7 @@
             <a:fld id="{12D17103-1748-4847-B931-A66DCC960259}" type="datetimeFigureOut">
               <a:rPr lang="en-US" smtClean="0"/>
               <a:pPr/>
-              <a:t>5/6/2012</a:t>
+              <a:t>5/6/12</a:t>
             </a:fld>
             <a:endParaRPr lang="en-US" dirty="0"/>
           </a:p>
@@ -6835,7 +6836,7 @@
             <a:fld id="{12D17103-1748-4847-B931-A66DCC960259}" type="datetimeFigureOut">
               <a:rPr lang="en-US" smtClean="0"/>
               <a:pPr/>
-              <a:t>5/6/2012</a:t>
+              <a:t>5/6/12</a:t>
             </a:fld>
             <a:endParaRPr lang="en-US" dirty="0"/>
           </a:p>
@@ -7050,7 +7051,7 @@
             <a:fld id="{12D17103-1748-4847-B931-A66DCC960259}" type="datetimeFigureOut">
               <a:rPr lang="en-US" smtClean="0"/>
               <a:pPr/>
-              <a:t>5/6/2012</a:t>
+              <a:t>5/6/12</a:t>
             </a:fld>
             <a:endParaRPr lang="en-US" dirty="0"/>
           </a:p>
@@ -7709,7 +7710,7 @@
   <p:timing>
     <p:tnLst>
       <p:par>
-        <p:cTn id="1" dur="indefinite" restart="never" nodeType="tmRoot"/>
+        <p:cTn xmlns:p14="http://schemas.microsoft.com/office/powerpoint/2010/main" id="1" dur="indefinite" restart="never" nodeType="tmRoot"/>
       </p:par>
     </p:tnLst>
   </p:timing>
@@ -7750,11 +7751,7 @@
           <a:p>
             <a:r>
               <a:rPr lang="en-US" dirty="0" smtClean="0"/>
-              <a:t>Compiler</a:t>
-            </a:r>
-            <a:r>
-              <a:rPr lang="en-US" baseline="0" dirty="0" smtClean="0"/>
-              <a:t> Tools</a:t>
+              <a:t>Run Time Environment</a:t>
             </a:r>
             <a:endParaRPr lang="en-US" dirty="0"/>
           </a:p>
@@ -7775,6 +7772,52 @@
           <a:bodyPr/>
           <a:lstStyle/>
           <a:p>
+            <a:r>
+              <a:rPr lang="en-US" dirty="0" smtClean="0"/>
+              <a:t>Python 2.7.2</a:t>
+            </a:r>
+          </a:p>
+          <a:p>
+            <a:pPr lvl="1"/>
+            <a:r>
+              <a:rPr lang="en-US" dirty="0" smtClean="0"/>
+              <a:t>Python 2.7 series is the last major release in 2.X series</a:t>
+            </a:r>
+          </a:p>
+          <a:p>
+            <a:pPr lvl="1"/>
+            <a:r>
+              <a:rPr lang="en-US" dirty="0" smtClean="0"/>
+              <a:t>Most supported version of python</a:t>
+            </a:r>
+          </a:p>
+          <a:p>
+            <a:pPr lvl="1"/>
+            <a:r>
+              <a:rPr lang="en-US" dirty="0" smtClean="0"/>
+              <a:t>Contain features from the 3.X series to help with  portability</a:t>
+            </a:r>
+          </a:p>
+          <a:p>
+            <a:pPr lvl="1"/>
+            <a:r>
+              <a:rPr lang="en-US" dirty="0" smtClean="0"/>
+              <a:t>Has faster IO module than its predecessors</a:t>
+            </a:r>
+          </a:p>
+          <a:p>
+            <a:pPr lvl="1"/>
+            <a:r>
+              <a:rPr lang="en-US" dirty="0" smtClean="0"/>
+              <a:t>New syntax for nested with statements</a:t>
+            </a:r>
+          </a:p>
+          <a:p>
+            <a:pPr lvl="1"/>
+            <a:endParaRPr lang="en-US" dirty="0" smtClean="0"/>
+          </a:p>
+          <a:p>
+            <a:pPr lvl="1"/>
             <a:endParaRPr lang="en-US" dirty="0"/>
           </a:p>
         </p:txBody>
@@ -7782,7 +7825,7 @@
     </p:spTree>
     <p:extLst>
       <p:ext uri="{BB962C8B-B14F-4D97-AF65-F5344CB8AC3E}">
-        <p14:creationId xmlns:p14="http://schemas.microsoft.com/office/powerpoint/2010/main" val="2186752886"/>
+        <p14:creationId xmlns:p14="http://schemas.microsoft.com/office/powerpoint/2010/main" val="1636181082"/>
       </p:ext>
     </p:extLst>
   </p:cSld>
@@ -7793,6 +7836,255 @@
 </file>
 
 <file path=ppt/slides/slide11.xml><?xml version="1.0" encoding="utf-8"?>
+<p:sld xmlns:a="http://schemas.openxmlformats.org/drawingml/2006/main" xmlns:r="http://schemas.openxmlformats.org/officeDocument/2006/relationships" xmlns:p="http://schemas.openxmlformats.org/presentationml/2006/main">
+  <p:cSld>
+    <p:spTree>
+      <p:nvGrpSpPr>
+        <p:cNvPr id="1" name=""/>
+        <p:cNvGrpSpPr/>
+        <p:nvPr/>
+      </p:nvGrpSpPr>
+      <p:grpSpPr>
+        <a:xfrm>
+          <a:off x="0" y="0"/>
+          <a:ext cx="0" cy="0"/>
+          <a:chOff x="0" y="0"/>
+          <a:chExt cx="0" cy="0"/>
+        </a:xfrm>
+      </p:grpSpPr>
+      <p:sp>
+        <p:nvSpPr>
+          <p:cNvPr id="2" name="Title 1"/>
+          <p:cNvSpPr>
+            <a:spLocks noGrp="1"/>
+          </p:cNvSpPr>
+          <p:nvPr>
+            <p:ph type="title"/>
+          </p:nvPr>
+        </p:nvSpPr>
+        <p:spPr/>
+        <p:txBody>
+          <a:bodyPr>
+            <a:normAutofit fontScale="90000"/>
+          </a:bodyPr>
+          <a:lstStyle/>
+          <a:p>
+            <a:r>
+              <a:rPr lang="en-US" dirty="0" smtClean="0"/>
+              <a:t>Software Development Environment</a:t>
+            </a:r>
+            <a:endParaRPr lang="en-US" dirty="0"/>
+          </a:p>
+        </p:txBody>
+      </p:sp>
+      <p:pic>
+        <p:nvPicPr>
+          <p:cNvPr id="2050" name="Picture 2"/>
+          <p:cNvPicPr>
+            <a:picLocks noGrp="1" noChangeAspect="1" noChangeArrowheads="1"/>
+          </p:cNvPicPr>
+          <p:nvPr>
+            <p:ph idx="1"/>
+          </p:nvPr>
+        </p:nvPicPr>
+        <p:blipFill>
+          <a:blip r:embed="rId2"/>
+          <a:srcRect/>
+          <a:stretch>
+            <a:fillRect/>
+          </a:stretch>
+        </p:blipFill>
+        <p:spPr bwMode="auto">
+          <a:xfrm>
+            <a:off x="600075" y="1417638"/>
+            <a:ext cx="2265045" cy="1781175"/>
+          </a:xfrm>
+          <a:prstGeom prst="rect">
+            <a:avLst/>
+          </a:prstGeom>
+          <a:noFill/>
+          <a:ln w="9525">
+            <a:noFill/>
+            <a:miter lim="800000"/>
+            <a:headEnd/>
+            <a:tailEnd/>
+          </a:ln>
+        </p:spPr>
+      </p:pic>
+      <p:pic>
+        <p:nvPicPr>
+          <p:cNvPr id="2051" name="Picture 3"/>
+          <p:cNvPicPr>
+            <a:picLocks noChangeAspect="1" noChangeArrowheads="1"/>
+          </p:cNvPicPr>
+          <p:nvPr/>
+        </p:nvPicPr>
+        <p:blipFill>
+          <a:blip r:embed="rId3"/>
+          <a:srcRect/>
+          <a:stretch>
+            <a:fillRect/>
+          </a:stretch>
+        </p:blipFill>
+        <p:spPr bwMode="auto">
+          <a:xfrm>
+            <a:off x="3169920" y="1417638"/>
+            <a:ext cx="2466974" cy="1781175"/>
+          </a:xfrm>
+          <a:prstGeom prst="rect">
+            <a:avLst/>
+          </a:prstGeom>
+          <a:noFill/>
+          <a:ln w="9525">
+            <a:noFill/>
+            <a:miter lim="800000"/>
+            <a:headEnd/>
+            <a:tailEnd/>
+          </a:ln>
+        </p:spPr>
+      </p:pic>
+      <p:pic>
+        <p:nvPicPr>
+          <p:cNvPr id="2052" name="Picture 4"/>
+          <p:cNvPicPr>
+            <a:picLocks noChangeAspect="1" noChangeArrowheads="1"/>
+          </p:cNvPicPr>
+          <p:nvPr/>
+        </p:nvPicPr>
+        <p:blipFill>
+          <a:blip r:embed="rId4"/>
+          <a:srcRect/>
+          <a:stretch>
+            <a:fillRect/>
+          </a:stretch>
+        </p:blipFill>
+        <p:spPr bwMode="auto">
+          <a:xfrm>
+            <a:off x="6050279" y="1417638"/>
+            <a:ext cx="1975485" cy="1781175"/>
+          </a:xfrm>
+          <a:prstGeom prst="rect">
+            <a:avLst/>
+          </a:prstGeom>
+          <a:noFill/>
+          <a:ln w="9525">
+            <a:noFill/>
+            <a:miter lim="800000"/>
+            <a:headEnd/>
+            <a:tailEnd/>
+          </a:ln>
+        </p:spPr>
+      </p:pic>
+      <p:pic>
+        <p:nvPicPr>
+          <p:cNvPr id="2053" name="Picture 5"/>
+          <p:cNvPicPr>
+            <a:picLocks noChangeAspect="1" noChangeArrowheads="1"/>
+          </p:cNvPicPr>
+          <p:nvPr/>
+        </p:nvPicPr>
+        <p:blipFill>
+          <a:blip r:embed="rId5"/>
+          <a:srcRect/>
+          <a:stretch>
+            <a:fillRect/>
+          </a:stretch>
+        </p:blipFill>
+        <p:spPr bwMode="auto">
+          <a:xfrm>
+            <a:off x="457200" y="3763010"/>
+            <a:ext cx="2407920" cy="2105025"/>
+          </a:xfrm>
+          <a:prstGeom prst="rect">
+            <a:avLst/>
+          </a:prstGeom>
+          <a:noFill/>
+          <a:ln w="9525">
+            <a:noFill/>
+            <a:miter lim="800000"/>
+            <a:headEnd/>
+            <a:tailEnd/>
+          </a:ln>
+        </p:spPr>
+      </p:pic>
+      <p:pic>
+        <p:nvPicPr>
+          <p:cNvPr id="2054" name="Picture 6"/>
+          <p:cNvPicPr>
+            <a:picLocks noChangeAspect="1" noChangeArrowheads="1"/>
+          </p:cNvPicPr>
+          <p:nvPr/>
+        </p:nvPicPr>
+        <p:blipFill>
+          <a:blip r:embed="rId6"/>
+          <a:srcRect/>
+          <a:stretch>
+            <a:fillRect/>
+          </a:stretch>
+        </p:blipFill>
+        <p:spPr bwMode="auto">
+          <a:xfrm>
+            <a:off x="3312794" y="3763010"/>
+            <a:ext cx="2324100" cy="2133600"/>
+          </a:xfrm>
+          <a:prstGeom prst="rect">
+            <a:avLst/>
+          </a:prstGeom>
+          <a:noFill/>
+          <a:ln w="9525">
+            <a:noFill/>
+            <a:miter lim="800000"/>
+            <a:headEnd/>
+            <a:tailEnd/>
+          </a:ln>
+        </p:spPr>
+      </p:pic>
+      <p:pic>
+        <p:nvPicPr>
+          <p:cNvPr id="2055" name="Picture 7"/>
+          <p:cNvPicPr>
+            <a:picLocks noChangeAspect="1" noChangeArrowheads="1"/>
+          </p:cNvPicPr>
+          <p:nvPr/>
+        </p:nvPicPr>
+        <p:blipFill>
+          <a:blip r:embed="rId7"/>
+          <a:srcRect/>
+          <a:stretch>
+            <a:fillRect/>
+          </a:stretch>
+        </p:blipFill>
+        <p:spPr bwMode="auto">
+          <a:xfrm>
+            <a:off x="6050279" y="3763010"/>
+            <a:ext cx="2577466" cy="2133599"/>
+          </a:xfrm>
+          <a:prstGeom prst="rect">
+            <a:avLst/>
+          </a:prstGeom>
+          <a:noFill/>
+          <a:ln w="9525">
+            <a:noFill/>
+            <a:miter lim="800000"/>
+            <a:headEnd/>
+            <a:tailEnd/>
+          </a:ln>
+        </p:spPr>
+      </p:pic>
+    </p:spTree>
+    <p:extLst>
+      <p:ext uri="{BB962C8B-B14F-4D97-AF65-F5344CB8AC3E}">
+        <p14:creationId xmlns:p14="http://schemas.microsoft.com/office/powerpoint/2010/main" val="883628513"/>
+      </p:ext>
+    </p:extLst>
+  </p:cSld>
+  <p:clrMapOvr>
+    <a:masterClrMapping/>
+  </p:clrMapOvr>
+</p:sld>
+</file>
+
+<file path=ppt/slides/slide12.xml><?xml version="1.0" encoding="utf-8"?>
 <p:sld xmlns:a="http://schemas.openxmlformats.org/drawingml/2006/main" xmlns:r="http://schemas.openxmlformats.org/officeDocument/2006/relationships" xmlns:p="http://schemas.openxmlformats.org/presentationml/2006/main">
   <p:cSld>
     <p:spTree>
@@ -8109,7 +8401,7 @@
 </p:sld>
 </file>
 
-<file path=ppt/slides/slide12.xml><?xml version="1.0" encoding="utf-8"?>
+<file path=ppt/slides/slide13.xml><?xml version="1.0" encoding="utf-8"?>
 <p:sld xmlns:a="http://schemas.openxmlformats.org/drawingml/2006/main" xmlns:r="http://schemas.openxmlformats.org/officeDocument/2006/relationships" xmlns:p="http://schemas.openxmlformats.org/presentationml/2006/main">
   <p:cSld>
     <p:spTree>
@@ -8205,7 +8497,7 @@
 </p:sld>
 </file>
 
-<file path=ppt/slides/slide13.xml><?xml version="1.0" encoding="utf-8"?>
+<file path=ppt/slides/slide14.xml><?xml version="1.0" encoding="utf-8"?>
 <p:sld xmlns:a="http://schemas.openxmlformats.org/drawingml/2006/main" xmlns:r="http://schemas.openxmlformats.org/officeDocument/2006/relationships" xmlns:p="http://schemas.openxmlformats.org/presentationml/2006/main">
   <p:cSld>
     <p:spTree>
@@ -8328,7 +8620,7 @@
 </p:sld>
 </file>
 
-<file path=ppt/slides/slide14.xml><?xml version="1.0" encoding="utf-8"?>
+<file path=ppt/slides/slide15.xml><?xml version="1.0" encoding="utf-8"?>
 <p:sld xmlns:a="http://schemas.openxmlformats.org/drawingml/2006/main" xmlns:r="http://schemas.openxmlformats.org/officeDocument/2006/relationships" xmlns:p="http://schemas.openxmlformats.org/presentationml/2006/main">
   <p:cSld>
     <p:spTree>
@@ -8444,7 +8736,7 @@
 </p:sld>
 </file>
 
-<file path=ppt/slides/slide15.xml><?xml version="1.0" encoding="utf-8"?>
+<file path=ppt/slides/slide16.xml><?xml version="1.0" encoding="utf-8"?>
 <p:sld xmlns:a="http://schemas.openxmlformats.org/drawingml/2006/main" xmlns:r="http://schemas.openxmlformats.org/officeDocument/2006/relationships" xmlns:p="http://schemas.openxmlformats.org/presentationml/2006/main">
   <p:cSld>
     <p:spTree>
@@ -8704,7 +8996,7 @@
   <p:timing>
     <p:tnLst>
       <p:par>
-        <p:cTn id="1" dur="indefinite" restart="never" nodeType="tmRoot"/>
+        <p:cTn xmlns:p14="http://schemas.microsoft.com/office/powerpoint/2010/main" id="1" dur="indefinite" restart="never" nodeType="tmRoot"/>
       </p:par>
     </p:tnLst>
   </p:timing>
@@ -11629,42 +11921,20 @@
             <p:ph type="title"/>
           </p:nvPr>
         </p:nvSpPr>
-        <p:spPr/>
-        <p:txBody>
-          <a:bodyPr/>
-          <a:lstStyle/>
-          <a:p>
-            <a:r>
-              <a:rPr lang="en-US" dirty="0" smtClean="0"/>
-              <a:t>Architecture</a:t>
-            </a:r>
-            <a:endParaRPr lang="en-US" dirty="0"/>
-          </a:p>
-        </p:txBody>
-      </p:sp>
-      <p:sp>
-        <p:nvSpPr>
-          <p:cNvPr id="3" name="Content Placeholder 2"/>
-          <p:cNvSpPr>
-            <a:spLocks noGrp="1"/>
-          </p:cNvSpPr>
-          <p:nvPr>
-            <p:ph idx="1"/>
-          </p:nvPr>
-        </p:nvSpPr>
         <p:spPr>
           <a:xfrm>
-            <a:off x="457200" y="1181100"/>
-            <a:ext cx="8229600" cy="5562600"/>
+            <a:off x="457200" y="99618"/>
+            <a:ext cx="8229600" cy="896552"/>
           </a:xfrm>
         </p:spPr>
         <p:txBody>
           <a:bodyPr/>
           <a:lstStyle/>
           <a:p>
-            <a:pPr marL="0" indent="0">
-              <a:buNone/>
-            </a:pPr>
+            <a:r>
+              <a:rPr lang="en-US" dirty="0" smtClean="0"/>
+              <a:t>Architecture</a:t>
+            </a:r>
             <a:endParaRPr lang="en-US" dirty="0"/>
           </a:p>
         </p:txBody>
@@ -11677,7 +11947,7 @@
         </p:nvSpPr>
         <p:spPr>
           <a:xfrm>
-            <a:off x="3303188" y="1831789"/>
+            <a:off x="3303188" y="1582749"/>
             <a:ext cx="2417007" cy="1496112"/>
           </a:xfrm>
           <a:prstGeom prst="rect">
@@ -11726,7 +11996,7 @@
         </p:nvSpPr>
         <p:spPr>
           <a:xfrm>
-            <a:off x="4001036" y="1918275"/>
+            <a:off x="4001036" y="1669235"/>
             <a:ext cx="983190" cy="395983"/>
           </a:xfrm>
           <a:prstGeom prst="rect">
@@ -11792,7 +12062,7 @@
         </p:nvSpPr>
         <p:spPr>
           <a:xfrm>
-            <a:off x="3808309" y="2764439"/>
+            <a:off x="3808309" y="2515399"/>
             <a:ext cx="1283609" cy="395983"/>
           </a:xfrm>
           <a:prstGeom prst="rect">
@@ -11850,7 +12120,7 @@
         </p:nvCxnSpPr>
         <p:spPr>
           <a:xfrm flipH="1">
-            <a:off x="4670151" y="2314258"/>
+            <a:off x="4670151" y="2065218"/>
             <a:ext cx="9251" cy="450181"/>
           </a:xfrm>
           <a:prstGeom prst="straightConnector1">
@@ -11883,7 +12153,7 @@
         </p:nvCxnSpPr>
         <p:spPr>
           <a:xfrm flipV="1">
-            <a:off x="4352232" y="2307485"/>
+            <a:off x="4352232" y="2058445"/>
             <a:ext cx="0" cy="456954"/>
           </a:xfrm>
           <a:prstGeom prst="straightConnector1">
@@ -11916,7 +12186,7 @@
         </p:nvSpPr>
         <p:spPr>
           <a:xfrm>
-            <a:off x="4670151" y="2389217"/>
+            <a:off x="4670151" y="2140177"/>
             <a:ext cx="832980" cy="307777"/>
           </a:xfrm>
           <a:prstGeom prst="rect">
@@ -11954,7 +12224,7 @@
         </p:nvSpPr>
         <p:spPr>
           <a:xfrm>
-            <a:off x="3378903" y="2281173"/>
+            <a:off x="3378903" y="2032133"/>
             <a:ext cx="928563" cy="523220"/>
           </a:xfrm>
           <a:prstGeom prst="rect">
@@ -12001,7 +12271,7 @@
         </p:nvCxnSpPr>
         <p:spPr>
           <a:xfrm>
-            <a:off x="4511691" y="1554523"/>
+            <a:off x="4511691" y="1305483"/>
             <a:ext cx="6826" cy="252609"/>
           </a:xfrm>
           <a:prstGeom prst="straightConnector1">
@@ -12034,7 +12304,7 @@
         </p:nvSpPr>
         <p:spPr>
           <a:xfrm>
-            <a:off x="4076141" y="1240198"/>
+            <a:off x="4076141" y="991158"/>
             <a:ext cx="832980" cy="307777"/>
           </a:xfrm>
           <a:prstGeom prst="rect">
@@ -12078,7 +12348,7 @@
         </p:nvCxnSpPr>
         <p:spPr>
           <a:xfrm>
-            <a:off x="4482395" y="3327901"/>
+            <a:off x="4482395" y="3078861"/>
             <a:ext cx="10236" cy="282884"/>
           </a:xfrm>
           <a:prstGeom prst="straightConnector1">
@@ -12111,7 +12381,7 @@
         </p:nvSpPr>
         <p:spPr>
           <a:xfrm>
-            <a:off x="4076140" y="3610785"/>
+            <a:off x="4076140" y="3361745"/>
             <a:ext cx="832980" cy="307777"/>
           </a:xfrm>
           <a:prstGeom prst="rect">
@@ -12155,7 +12425,7 @@
         </p:nvSpPr>
         <p:spPr>
           <a:xfrm>
-            <a:off x="2007345" y="4802847"/>
+            <a:off x="2007345" y="4553807"/>
             <a:ext cx="1283609" cy="539409"/>
           </a:xfrm>
           <a:prstGeom prst="rect">
@@ -12205,7 +12475,7 @@
         </p:nvSpPr>
         <p:spPr>
           <a:xfrm>
-            <a:off x="4861326" y="4487049"/>
+            <a:off x="4861326" y="4238009"/>
             <a:ext cx="1283609" cy="539409"/>
           </a:xfrm>
           <a:prstGeom prst="rect">
@@ -12255,7 +12525,7 @@
         </p:nvSpPr>
         <p:spPr>
           <a:xfrm>
-            <a:off x="5564579" y="5779135"/>
+            <a:off x="4861326" y="5531988"/>
             <a:ext cx="1283609" cy="539409"/>
           </a:xfrm>
           <a:prstGeom prst="rect">
@@ -12308,7 +12578,7 @@
         </p:nvCxnSpPr>
         <p:spPr>
           <a:xfrm flipH="1">
-            <a:off x="2649150" y="3918562"/>
+            <a:off x="2649150" y="3669522"/>
             <a:ext cx="1843480" cy="884285"/>
           </a:xfrm>
           <a:prstGeom prst="straightConnector1">
@@ -12344,7 +12614,7 @@
         </p:nvCxnSpPr>
         <p:spPr>
           <a:xfrm>
-            <a:off x="4492630" y="3918562"/>
+            <a:off x="4492630" y="3669522"/>
             <a:ext cx="1010501" cy="568487"/>
           </a:xfrm>
           <a:prstGeom prst="straightConnector1">
@@ -12379,9 +12649,9 @@
           <p:nvPr/>
         </p:nvCxnSpPr>
         <p:spPr>
-          <a:xfrm>
-            <a:off x="5503131" y="5026458"/>
-            <a:ext cx="703252" cy="255128"/>
+          <a:xfrm flipH="1">
+            <a:off x="5503130" y="4777418"/>
+            <a:ext cx="1" cy="257021"/>
           </a:xfrm>
           <a:prstGeom prst="straightConnector1">
             <a:avLst/>
@@ -12413,7 +12683,7 @@
         </p:nvSpPr>
         <p:spPr>
           <a:xfrm>
-            <a:off x="3727926" y="6435405"/>
+            <a:off x="3713454" y="6340253"/>
             <a:ext cx="1529408" cy="307777"/>
           </a:xfrm>
           <a:prstGeom prst="rect">
@@ -12460,8 +12730,8 @@
         </p:nvCxnSpPr>
         <p:spPr>
           <a:xfrm>
-            <a:off x="2649150" y="5342256"/>
-            <a:ext cx="1843480" cy="1093149"/>
+            <a:off x="2649150" y="5093216"/>
+            <a:ext cx="1829008" cy="1247037"/>
           </a:xfrm>
           <a:prstGeom prst="straightConnector1">
             <a:avLst/>
@@ -12496,8 +12766,8 @@
         </p:nvCxnSpPr>
         <p:spPr>
           <a:xfrm flipH="1">
-            <a:off x="4492630" y="6318544"/>
-            <a:ext cx="1713754" cy="116861"/>
+            <a:off x="4478158" y="6071397"/>
+            <a:ext cx="1024973" cy="268856"/>
           </a:xfrm>
           <a:prstGeom prst="straightConnector1">
             <a:avLst/>
@@ -12529,7 +12799,7 @@
         </p:nvCxnSpPr>
         <p:spPr>
           <a:xfrm flipH="1">
-            <a:off x="4492631" y="4235035"/>
+            <a:off x="4492631" y="3985995"/>
             <a:ext cx="13651" cy="2200370"/>
           </a:xfrm>
           <a:prstGeom prst="line">
@@ -12565,7 +12835,7 @@
         </p:nvSpPr>
         <p:spPr>
           <a:xfrm>
-            <a:off x="2061969" y="3488566"/>
+            <a:off x="2061969" y="3239526"/>
             <a:ext cx="1761546" cy="646331"/>
           </a:xfrm>
           <a:prstGeom prst="rect">
@@ -12598,7 +12868,7 @@
         </p:nvSpPr>
         <p:spPr>
           <a:xfrm>
-            <a:off x="5231117" y="3708240"/>
+            <a:off x="5231117" y="3459200"/>
             <a:ext cx="1827635" cy="646331"/>
           </a:xfrm>
           <a:prstGeom prst="rect">
@@ -12641,13 +12911,15 @@
       <p:cxnSp>
         <p:nvCxnSpPr>
           <p:cNvPr id="117" name="Straight Arrow Connector 63"/>
-          <p:cNvCxnSpPr/>
+          <p:cNvCxnSpPr>
+            <a:endCxn id="118" idx="1"/>
+          </p:cNvCxnSpPr>
           <p:nvPr/>
         </p:nvCxnSpPr>
         <p:spPr>
           <a:xfrm>
-            <a:off x="4499363" y="3362861"/>
-            <a:ext cx="2574537" cy="668544"/>
+            <a:off x="4499363" y="3113821"/>
+            <a:ext cx="2559389" cy="406934"/>
           </a:xfrm>
           <a:prstGeom prst="straightConnector1">
             <a:avLst/>
@@ -12682,7 +12954,7 @@
         </p:nvSpPr>
         <p:spPr>
           <a:xfrm>
-            <a:off x="6975727" y="3699565"/>
+            <a:off x="7058752" y="3259145"/>
             <a:ext cx="883684" cy="523220"/>
           </a:xfrm>
           <a:prstGeom prst="rect">
@@ -12725,8 +12997,8 @@
           <p:nvPr/>
         </p:nvSpPr>
         <p:spPr>
-          <a:xfrm rot="431733">
-            <a:off x="5985324" y="3409831"/>
+          <a:xfrm rot="389786">
+            <a:off x="5985324" y="3098531"/>
             <a:ext cx="769343" cy="307777"/>
           </a:xfrm>
           <a:prstGeom prst="rect">
@@ -12764,7 +13036,7 @@
         </p:nvSpPr>
         <p:spPr>
           <a:xfrm>
-            <a:off x="6934758" y="4676392"/>
+            <a:off x="6975727" y="4427352"/>
             <a:ext cx="883684" cy="523220"/>
           </a:xfrm>
           <a:prstGeom prst="rect">
@@ -12808,7 +13080,7 @@
         </p:nvSpPr>
         <p:spPr>
           <a:xfrm rot="749513">
-            <a:off x="6206384" y="4368615"/>
+            <a:off x="6227331" y="4276549"/>
             <a:ext cx="769343" cy="307777"/>
           </a:xfrm>
           <a:prstGeom prst="rect">
@@ -12848,7 +13120,7 @@
         </p:nvCxnSpPr>
         <p:spPr>
           <a:xfrm>
-            <a:off x="6144935" y="4756754"/>
+            <a:off x="6144935" y="4507714"/>
             <a:ext cx="830792" cy="153851"/>
           </a:xfrm>
           <a:prstGeom prst="straightConnector1">
@@ -12884,7 +13156,7 @@
         </p:nvSpPr>
         <p:spPr>
           <a:xfrm>
-            <a:off x="5789893" y="5281586"/>
+            <a:off x="5086640" y="5034439"/>
             <a:ext cx="832980" cy="307777"/>
           </a:xfrm>
           <a:prstGeom prst="rect">
@@ -12931,7 +13203,7 @@
         </p:nvCxnSpPr>
         <p:spPr>
           <a:xfrm>
-            <a:off x="6206383" y="5589363"/>
+            <a:off x="5503130" y="5342216"/>
             <a:ext cx="1" cy="189772"/>
           </a:xfrm>
           <a:prstGeom prst="straightConnector1">
